--- a/Meilenstein_1_und_2.pptx
+++ b/Meilenstein_1_und_2.pptx
@@ -3095,7 +3095,7 @@
         </p:nvSpPr>
         <p:spPr>
           <a:xfrm>
-            <a:off x="4206986" y="12280384"/>
+            <a:off x="3429700" y="12280384"/>
             <a:ext cx="4541008" cy="825501"/>
           </a:xfrm>
           <a:prstGeom prst="rect">
@@ -3125,14 +3125,14 @@
       </p:sp>
       <p:sp>
         <p:nvSpPr>
-          <p:cNvPr id="124" name="Alex"/>
+          <p:cNvPr id="124" name="Kemel Alex Callisaya"/>
           <p:cNvSpPr txBox="1"/>
           <p:nvPr/>
         </p:nvSpPr>
         <p:spPr>
           <a:xfrm>
-            <a:off x="11559226" y="12280384"/>
-            <a:ext cx="1265548" cy="825501"/>
+            <a:off x="9587408" y="12280384"/>
+            <a:ext cx="5209184" cy="825501"/>
           </a:xfrm>
           <a:prstGeom prst="rect">
             <a:avLst/>
@@ -3154,7 +3154,7 @@
           <a:p>
             <a:pPr/>
             <a:r>
-              <a:t>Alex</a:t>
+              <a:t>Kemel Alex Callisaya</a:t>
             </a:r>
           </a:p>
         </p:txBody>
@@ -3213,8 +3213,8 @@
         </p:blipFill>
         <p:spPr>
           <a:xfrm>
-            <a:off x="4809561" y="7189660"/>
-            <a:ext cx="3335858" cy="5025764"/>
+            <a:off x="4032336" y="7189661"/>
+            <a:ext cx="3335858" cy="5025763"/>
           </a:xfrm>
           <a:prstGeom prst="rect">
             <a:avLst/>
@@ -3236,14 +3236,45 @@
           <a:blip r:embed="rId3">
             <a:extLst/>
           </a:blip>
+          <a:srcRect l="19791" t="21030" r="19791" b="10734"/>
           <a:stretch>
             <a:fillRect/>
           </a:stretch>
         </p:blipFill>
         <p:spPr>
           <a:xfrm>
-            <a:off x="16799657" y="7189660"/>
-            <a:ext cx="3774231" cy="5025764"/>
+            <a:off x="17015928" y="7189661"/>
+            <a:ext cx="3341769" cy="5025763"/>
+          </a:xfrm>
+          <a:prstGeom prst="rect">
+            <a:avLst/>
+          </a:prstGeom>
+          <a:ln w="12700">
+            <a:miter lim="400000"/>
+          </a:ln>
+        </p:spPr>
+      </p:pic>
+      <p:pic>
+        <p:nvPicPr>
+          <p:cNvPr id="128" name="Foto.jpg" descr="Foto.jpg"/>
+          <p:cNvPicPr>
+            <a:picLocks noChangeAspect="1"/>
+          </p:cNvPicPr>
+          <p:nvPr/>
+        </p:nvPicPr>
+        <p:blipFill>
+          <a:blip r:embed="rId4">
+            <a:extLst/>
+          </a:blip>
+          <a:srcRect l="14491" t="0" r="14491" b="0"/>
+          <a:stretch>
+            <a:fillRect/>
+          </a:stretch>
+        </p:blipFill>
+        <p:spPr>
+          <a:xfrm>
+            <a:off x="10523537" y="7189661"/>
+            <a:ext cx="3337113" cy="5025763"/>
           </a:xfrm>
           <a:prstGeom prst="rect">
             <a:avLst/>
@@ -3281,7 +3312,7 @@
       </p:grpSpPr>
       <p:sp>
         <p:nvSpPr>
-          <p:cNvPr id="129" name="Klassendiagramm"/>
+          <p:cNvPr id="130" name="Klassendiagramm"/>
           <p:cNvSpPr txBox="1"/>
           <p:nvPr>
             <p:ph type="title"/>
@@ -3331,7 +3362,7 @@
       </p:grpSpPr>
       <p:sp>
         <p:nvSpPr>
-          <p:cNvPr id="131" name="Benchmarks"/>
+          <p:cNvPr id="132" name="Benchmarks"/>
           <p:cNvSpPr txBox="1"/>
           <p:nvPr>
             <p:ph type="title"/>
@@ -3355,7 +3386,7 @@
       </p:sp>
       <p:sp>
         <p:nvSpPr>
-          <p:cNvPr id="132" name="Rechnerkonfiguration:"/>
+          <p:cNvPr id="133" name="Rechnerkonfiguration:"/>
           <p:cNvSpPr txBox="1"/>
           <p:nvPr/>
         </p:nvSpPr>
@@ -3391,7 +3422,7 @@
       </p:sp>
       <p:graphicFrame>
         <p:nvGraphicFramePr>
-          <p:cNvPr id="133" name="Tabelle"/>
+          <p:cNvPr id="134" name="Tabelle"/>
           <p:cNvGraphicFramePr/>
           <p:nvPr/>
         </p:nvGraphicFramePr>
@@ -3959,7 +3990,7 @@
       </p:grpSpPr>
       <p:sp>
         <p:nvSpPr>
-          <p:cNvPr id="135" name="Projekt: KI"/>
+          <p:cNvPr id="136" name="Projekt: KI"/>
           <p:cNvSpPr txBox="1"/>
           <p:nvPr>
             <p:ph type="ctrTitle"/>
@@ -3991,7 +4022,7 @@
       </p:sp>
       <p:sp>
         <p:nvSpPr>
-          <p:cNvPr id="136" name="Entwicklung einer spielstarken KI für die Schachvariante “King of the hill”"/>
+          <p:cNvPr id="137" name="Entwicklung einer spielstarken KI für die Schachvariante “King of the hill”"/>
           <p:cNvSpPr txBox="1"/>
           <p:nvPr>
             <p:ph type="subTitle" sz="quarter" idx="1"/>
@@ -4023,14 +4054,14 @@
       </p:sp>
       <p:sp>
         <p:nvSpPr>
-          <p:cNvPr id="137" name="Gruppe:  AN…"/>
+          <p:cNvPr id="138" name="Gruppe:  AN…"/>
           <p:cNvSpPr txBox="1"/>
           <p:nvPr/>
         </p:nvSpPr>
         <p:spPr>
           <a:xfrm>
-            <a:off x="9852353" y="8242672"/>
-            <a:ext cx="4679294" cy="4445001"/>
+            <a:off x="9587408" y="8242672"/>
+            <a:ext cx="5209184" cy="4445001"/>
           </a:xfrm>
           <a:prstGeom prst="rect">
             <a:avLst/>
@@ -4073,7 +4104,7 @@
           <a:p>
             <a:pPr/>
             <a:r>
-              <a:t>Alex</a:t>
+              <a:t>Kemel Alex Callisaya</a:t>
             </a:r>
           </a:p>
           <a:p>
@@ -4086,7 +4117,7 @@
       </p:sp>
       <p:sp>
         <p:nvSpPr>
-          <p:cNvPr id="138" name="Meilenstein 2 - BASIS-KI"/>
+          <p:cNvPr id="139" name="Meilenstein 2 - BASIS-KI"/>
           <p:cNvSpPr txBox="1"/>
           <p:nvPr/>
         </p:nvSpPr>
@@ -4152,7 +4183,7 @@
       </p:grpSpPr>
       <p:sp>
         <p:nvSpPr>
-          <p:cNvPr id="140" name="Benchmarks"/>
+          <p:cNvPr id="141" name="Benchmarks"/>
           <p:cNvSpPr txBox="1"/>
           <p:nvPr>
             <p:ph type="title"/>
@@ -4176,7 +4207,7 @@
       </p:sp>
       <p:sp>
         <p:nvSpPr>
-          <p:cNvPr id="141" name="Rechnerkonfiguration:"/>
+          <p:cNvPr id="142" name="Rechnerkonfiguration:"/>
           <p:cNvSpPr txBox="1"/>
           <p:nvPr/>
         </p:nvSpPr>
@@ -4212,7 +4243,7 @@
       </p:sp>
       <p:graphicFrame>
         <p:nvGraphicFramePr>
-          <p:cNvPr id="142" name="Tabelle"/>
+          <p:cNvPr id="143" name="Tabelle"/>
           <p:cNvGraphicFramePr/>
           <p:nvPr/>
         </p:nvGraphicFramePr>
@@ -4780,7 +4811,7 @@
       </p:grpSpPr>
       <p:sp>
         <p:nvSpPr>
-          <p:cNvPr id="144" name="Ausblick"/>
+          <p:cNvPr id="145" name="Ausblick"/>
           <p:cNvSpPr txBox="1"/>
           <p:nvPr>
             <p:ph type="title"/>
@@ -4804,7 +4835,7 @@
       </p:sp>
       <p:sp>
         <p:nvSpPr>
-          <p:cNvPr id="145" name="Bewertungsfunktion verbessern (evtl. Neural-Network)…"/>
+          <p:cNvPr id="146" name="Bewertungsfunktion verbessern (evtl. Neural-Network)…"/>
           <p:cNvSpPr txBox="1"/>
           <p:nvPr>
             <p:ph type="body" idx="1"/>

--- a/Meilenstein_1_und_2.pptx
+++ b/Meilenstein_1_und_2.pptx
@@ -1,19 +1,21 @@
 
 <file path=ppt/presentation.xml><?xml version="1.0" encoding="utf-8"?>
-<p:presentation xmlns:a="http://schemas.openxmlformats.org/drawingml/2006/main" xmlns:r="http://schemas.openxmlformats.org/officeDocument/2006/relationships" xmlns:p="http://schemas.openxmlformats.org/presentationml/2006/main" xmlns:m="http://schemas.openxmlformats.org/officeDocument/2006/math" xmlns:a14="http://schemas.microsoft.com/office/drawing/2010/main">
+<p:presentation xmlns:a="http://schemas.openxmlformats.org/drawingml/2006/main" xmlns:r="http://schemas.openxmlformats.org/officeDocument/2006/relationships" xmlns:p="http://schemas.openxmlformats.org/presentationml/2006/main">
   <p:sldMasterIdLst>
-    <p:sldMasterId id="2147483648" r:id="rId5"/>
+    <p:sldMasterId id="2147483648" r:id="rId1"/>
   </p:sldMasterIdLst>
   <p:notesMasterIdLst>
-    <p:notesMasterId r:id="rId7"/>
+    <p:notesMasterId r:id="rId10"/>
   </p:notesMasterIdLst>
   <p:sldIdLst>
-    <p:sldId id="256" r:id="rId8"/>
-    <p:sldId id="257" r:id="rId9"/>
-    <p:sldId id="258" r:id="rId10"/>
-    <p:sldId id="259" r:id="rId11"/>
-    <p:sldId id="260" r:id="rId12"/>
-    <p:sldId id="261" r:id="rId13"/>
+    <p:sldId id="256" r:id="rId2"/>
+    <p:sldId id="257" r:id="rId3"/>
+    <p:sldId id="258" r:id="rId4"/>
+    <p:sldId id="259" r:id="rId5"/>
+    <p:sldId id="260" r:id="rId6"/>
+    <p:sldId id="262" r:id="rId7"/>
+    <p:sldId id="263" r:id="rId8"/>
+    <p:sldId id="261" r:id="rId9"/>
   </p:sldIdLst>
   <p:sldSz cx="24384000" cy="13716000"/>
   <p:notesSz cx="6858000" cy="9144000"/>
@@ -33,7 +35,7 @@
       <a:buFontTx/>
       <a:buNone/>
       <a:tabLst/>
-      <a:defRPr b="0" baseline="0" cap="none" i="0" spc="0" strike="noStrike" sz="1800" u="none" kumimoji="0" normalizeH="0">
+      <a:defRPr kumimoji="0" sz="1800" b="0" i="0" u="none" strike="noStrike" cap="none" spc="0" normalizeH="0" baseline="0">
         <a:ln>
           <a:noFill/>
         </a:ln>
@@ -59,7 +61,7 @@
       <a:buFontTx/>
       <a:buNone/>
       <a:tabLst/>
-      <a:defRPr b="0" baseline="0" cap="none" i="0" spc="0" strike="noStrike" sz="5000" u="none" kumimoji="0" normalizeH="0">
+      <a:defRPr kumimoji="0" sz="5000" b="0" i="0" u="none" strike="noStrike" cap="none" spc="0" normalizeH="0" baseline="0">
         <a:ln>
           <a:noFill/>
         </a:ln>
@@ -89,7 +91,7 @@
       <a:buFontTx/>
       <a:buNone/>
       <a:tabLst/>
-      <a:defRPr b="0" baseline="0" cap="none" i="0" spc="0" strike="noStrike" sz="5000" u="none" kumimoji="0" normalizeH="0">
+      <a:defRPr kumimoji="0" sz="5000" b="0" i="0" u="none" strike="noStrike" cap="none" spc="0" normalizeH="0" baseline="0">
         <a:ln>
           <a:noFill/>
         </a:ln>
@@ -119,7 +121,7 @@
       <a:buFontTx/>
       <a:buNone/>
       <a:tabLst/>
-      <a:defRPr b="0" baseline="0" cap="none" i="0" spc="0" strike="noStrike" sz="5000" u="none" kumimoji="0" normalizeH="0">
+      <a:defRPr kumimoji="0" sz="5000" b="0" i="0" u="none" strike="noStrike" cap="none" spc="0" normalizeH="0" baseline="0">
         <a:ln>
           <a:noFill/>
         </a:ln>
@@ -149,7 +151,7 @@
       <a:buFontTx/>
       <a:buNone/>
       <a:tabLst/>
-      <a:defRPr b="0" baseline="0" cap="none" i="0" spc="0" strike="noStrike" sz="5000" u="none" kumimoji="0" normalizeH="0">
+      <a:defRPr kumimoji="0" sz="5000" b="0" i="0" u="none" strike="noStrike" cap="none" spc="0" normalizeH="0" baseline="0">
         <a:ln>
           <a:noFill/>
         </a:ln>
@@ -179,7 +181,7 @@
       <a:buFontTx/>
       <a:buNone/>
       <a:tabLst/>
-      <a:defRPr b="0" baseline="0" cap="none" i="0" spc="0" strike="noStrike" sz="5000" u="none" kumimoji="0" normalizeH="0">
+      <a:defRPr kumimoji="0" sz="5000" b="0" i="0" u="none" strike="noStrike" cap="none" spc="0" normalizeH="0" baseline="0">
         <a:ln>
           <a:noFill/>
         </a:ln>
@@ -209,7 +211,7 @@
       <a:buFontTx/>
       <a:buNone/>
       <a:tabLst/>
-      <a:defRPr b="0" baseline="0" cap="none" i="0" spc="0" strike="noStrike" sz="5000" u="none" kumimoji="0" normalizeH="0">
+      <a:defRPr kumimoji="0" sz="5000" b="0" i="0" u="none" strike="noStrike" cap="none" spc="0" normalizeH="0" baseline="0">
         <a:ln>
           <a:noFill/>
         </a:ln>
@@ -239,7 +241,7 @@
       <a:buFontTx/>
       <a:buNone/>
       <a:tabLst/>
-      <a:defRPr b="0" baseline="0" cap="none" i="0" spc="0" strike="noStrike" sz="5000" u="none" kumimoji="0" normalizeH="0">
+      <a:defRPr kumimoji="0" sz="5000" b="0" i="0" u="none" strike="noStrike" cap="none" spc="0" normalizeH="0" baseline="0">
         <a:ln>
           <a:noFill/>
         </a:ln>
@@ -269,7 +271,7 @@
       <a:buFontTx/>
       <a:buNone/>
       <a:tabLst/>
-      <a:defRPr b="0" baseline="0" cap="none" i="0" spc="0" strike="noStrike" sz="5000" u="none" kumimoji="0" normalizeH="0">
+      <a:defRPr kumimoji="0" sz="5000" b="0" i="0" u="none" strike="noStrike" cap="none" spc="0" normalizeH="0" baseline="0">
         <a:ln>
           <a:noFill/>
         </a:ln>
@@ -299,7 +301,7 @@
       <a:buFontTx/>
       <a:buNone/>
       <a:tabLst/>
-      <a:defRPr b="0" baseline="0" cap="none" i="0" spc="0" strike="noStrike" sz="5000" u="none" kumimoji="0" normalizeH="0">
+      <a:defRPr kumimoji="0" sz="5000" b="0" i="0" u="none" strike="noStrike" cap="none" spc="0" normalizeH="0" baseline="0">
         <a:ln>
           <a:noFill/>
         </a:ln>
@@ -318,13 +320,14 @@
 </p:presentation>
 </file>
 
-<file path=ppt/commentAuthors.xml><?xml version="1.0" encoding="utf-8"?>
-<p:cmAuthorLst xmlns:a="http://schemas.openxmlformats.org/drawingml/2006/main" xmlns:r="http://schemas.openxmlformats.org/officeDocument/2006/relationships" xmlns:p="http://schemas.openxmlformats.org/presentationml/2006/main" xmlns:m="http://schemas.openxmlformats.org/officeDocument/2006/math" xmlns:a14="http://schemas.microsoft.com/office/drawing/2010/main"/>
-</file>
-
 <file path=ppt/notesMasters/notesMaster1.xml><?xml version="1.0" encoding="utf-8"?>
-<p:notesMaster xmlns:a="http://schemas.openxmlformats.org/drawingml/2006/main" xmlns:r="http://schemas.openxmlformats.org/officeDocument/2006/relationships" xmlns:p="http://schemas.openxmlformats.org/presentationml/2006/main" xmlns:m="http://schemas.openxmlformats.org/officeDocument/2006/math" xmlns:a14="http://schemas.microsoft.com/office/drawing/2010/main">
+<p:notesMaster xmlns:a="http://schemas.openxmlformats.org/drawingml/2006/main" xmlns:r="http://schemas.openxmlformats.org/officeDocument/2006/relationships" xmlns:p="http://schemas.openxmlformats.org/presentationml/2006/main">
   <p:cSld>
+    <p:bg>
+      <p:bgRef idx="1001">
+        <a:schemeClr val="bg1"/>
+      </p:bgRef>
+    </p:bg>
     <p:spTree>
       <p:nvGrpSpPr>
         <p:cNvPr id="1" name=""/>
@@ -342,7 +345,9 @@
       <p:sp>
         <p:nvSpPr>
           <p:cNvPr id="116" name="Shape 116"/>
-          <p:cNvSpPr/>
+          <p:cNvSpPr>
+            <a:spLocks noGrp="1" noRot="1" noChangeAspect="1"/>
+          </p:cNvSpPr>
           <p:nvPr>
             <p:ph type="sldImg"/>
           </p:nvPr>
@@ -360,14 +365,16 @@
           <a:bodyPr/>
           <a:lstStyle/>
           <a:p>
-            <a:pPr/>
+            <a:endParaRPr/>
           </a:p>
         </p:txBody>
       </p:sp>
       <p:sp>
         <p:nvSpPr>
           <p:cNvPr id="117" name="Shape 117"/>
-          <p:cNvSpPr/>
+          <p:cNvSpPr>
+            <a:spLocks noGrp="1"/>
+          </p:cNvSpPr>
           <p:nvPr>
             <p:ph type="body" sz="quarter" idx="1"/>
           </p:nvPr>
@@ -385,7 +392,7 @@
           <a:bodyPr/>
           <a:lstStyle/>
           <a:p>
-            <a:pPr/>
+            <a:endParaRPr/>
           </a:p>
         </p:txBody>
       </p:sp>
@@ -497,7 +504,7 @@
 </file>
 
 <file path=ppt/slideLayouts/slideLayout1.xml><?xml version="1.0" encoding="utf-8"?>
-<p:sldLayout xmlns:a="http://schemas.openxmlformats.org/drawingml/2006/main" xmlns:r="http://schemas.openxmlformats.org/officeDocument/2006/relationships" xmlns:p="http://schemas.openxmlformats.org/presentationml/2006/main" xmlns:m="http://schemas.openxmlformats.org/officeDocument/2006/math" xmlns:a14="http://schemas.microsoft.com/office/drawing/2010/main" type="title" showMasterSp="1" showMasterPhAnim="1">
+<p:sldLayout xmlns:a="http://schemas.openxmlformats.org/drawingml/2006/main" xmlns:r="http://schemas.openxmlformats.org/officeDocument/2006/relationships" xmlns:p="http://schemas.openxmlformats.org/presentationml/2006/main" type="title">
   <p:cSld name="Titel &amp; Untertitel">
     <p:spTree>
       <p:nvGrpSpPr>
@@ -516,7 +523,9 @@
       <p:sp>
         <p:nvSpPr>
           <p:cNvPr id="11" name="Titeltext"/>
-          <p:cNvSpPr txBox="1"/>
+          <p:cNvSpPr txBox="1">
+            <a:spLocks noGrp="1"/>
+          </p:cNvSpPr>
           <p:nvPr>
             <p:ph type="title"/>
           </p:nvPr>
@@ -534,7 +543,6 @@
           <a:bodyPr anchor="b"/>
           <a:lstStyle/>
           <a:p>
-            <a:pPr/>
             <a:r>
               <a:t>Titeltext</a:t>
             </a:r>
@@ -544,7 +552,9 @@
       <p:sp>
         <p:nvSpPr>
           <p:cNvPr id="12" name="Textebene 1…"/>
-          <p:cNvSpPr txBox="1"/>
+          <p:cNvSpPr txBox="1">
+            <a:spLocks noGrp="1"/>
+          </p:cNvSpPr>
           <p:nvPr>
             <p:ph type="body" sz="quarter" idx="1"/>
           </p:nvPr>
@@ -598,7 +608,6 @@
             </a:lvl5pPr>
           </a:lstStyle>
           <a:p>
-            <a:pPr/>
             <a:r>
               <a:t>Textebene 1</a:t>
             </a:r>
@@ -632,7 +641,9 @@
       <p:sp>
         <p:nvSpPr>
           <p:cNvPr id="13" name="Foliennummer"/>
-          <p:cNvSpPr txBox="1"/>
+          <p:cNvSpPr txBox="1">
+            <a:spLocks noGrp="1"/>
+          </p:cNvSpPr>
           <p:nvPr>
             <p:ph type="sldNum" sz="quarter" idx="2"/>
           </p:nvPr>
@@ -646,8 +657,10 @@
           <a:bodyPr/>
           <a:lstStyle/>
           <a:p>
-            <a:pPr/>
-            <a:fld id="{86CB4B4D-7CA3-9044-876B-883B54F8677D}" type="slidenum"/>
+            <a:fld id="{86CB4B4D-7CA3-9044-876B-883B54F8677D}" type="slidenum">
+              <a:t>‹#›</a:t>
+            </a:fld>
+            <a:endParaRPr/>
           </a:p>
         </p:txBody>
       </p:sp>
@@ -656,12 +669,12 @@
   <p:clrMapOvr>
     <a:masterClrMapping/>
   </p:clrMapOvr>
-  <p:transition xmlns:p14="http://schemas.microsoft.com/office/powerpoint/2010/main" spd="med" advClick="1"/>
+  <p:transition spd="med"/>
 </p:sldLayout>
 </file>
 
 <file path=ppt/slideLayouts/slideLayout10.xml><?xml version="1.0" encoding="utf-8"?>
-<p:sldLayout xmlns:a="http://schemas.openxmlformats.org/drawingml/2006/main" xmlns:r="http://schemas.openxmlformats.org/officeDocument/2006/relationships" xmlns:p="http://schemas.openxmlformats.org/presentationml/2006/main" xmlns:m="http://schemas.openxmlformats.org/officeDocument/2006/math" xmlns:a14="http://schemas.microsoft.com/office/drawing/2010/main" type="tx" showMasterSp="1" showMasterPhAnim="1">
+<p:sldLayout xmlns:a="http://schemas.openxmlformats.org/drawingml/2006/main" xmlns:r="http://schemas.openxmlformats.org/officeDocument/2006/relationships" xmlns:p="http://schemas.openxmlformats.org/presentationml/2006/main" type="tx">
   <p:cSld name="Zitat">
     <p:spTree>
       <p:nvGrpSpPr>
@@ -680,7 +693,9 @@
       <p:sp>
         <p:nvSpPr>
           <p:cNvPr id="93" name="–Christian Bauer"/>
-          <p:cNvSpPr txBox="1"/>
+          <p:cNvSpPr txBox="1">
+            <a:spLocks noGrp="1"/>
+          </p:cNvSpPr>
           <p:nvPr>
             <p:ph type="body" sz="quarter" idx="21"/>
           </p:nvPr>
@@ -709,7 +724,6 @@
             </a:lvl1pPr>
           </a:lstStyle>
           <a:p>
-            <a:pPr/>
             <a:r>
               <a:t>–Christian Bauer</a:t>
             </a:r>
@@ -719,7 +733,9 @@
       <p:sp>
         <p:nvSpPr>
           <p:cNvPr id="94" name="„Zitat hier eingeben.“"/>
-          <p:cNvSpPr txBox="1"/>
+          <p:cNvSpPr txBox="1">
+            <a:spLocks noGrp="1"/>
+          </p:cNvSpPr>
           <p:nvPr>
             <p:ph type="body" sz="quarter" idx="22"/>
           </p:nvPr>
@@ -747,7 +763,6 @@
             </a:lvl1pPr>
           </a:lstStyle>
           <a:p>
-            <a:pPr/>
             <a:r>
               <a:t>„Zitat hier eingeben.“</a:t>
             </a:r>
@@ -757,7 +772,9 @@
       <p:sp>
         <p:nvSpPr>
           <p:cNvPr id="95" name="Foliennummer"/>
-          <p:cNvSpPr txBox="1"/>
+          <p:cNvSpPr txBox="1">
+            <a:spLocks noGrp="1"/>
+          </p:cNvSpPr>
           <p:nvPr>
             <p:ph type="sldNum" sz="quarter" idx="2"/>
           </p:nvPr>
@@ -771,8 +788,10 @@
           <a:bodyPr/>
           <a:lstStyle/>
           <a:p>
-            <a:pPr/>
-            <a:fld id="{86CB4B4D-7CA3-9044-876B-883B54F8677D}" type="slidenum"/>
+            <a:fld id="{86CB4B4D-7CA3-9044-876B-883B54F8677D}" type="slidenum">
+              <a:t>‹#›</a:t>
+            </a:fld>
+            <a:endParaRPr/>
           </a:p>
         </p:txBody>
       </p:sp>
@@ -781,12 +800,12 @@
   <p:clrMapOvr>
     <a:masterClrMapping/>
   </p:clrMapOvr>
-  <p:transition xmlns:p14="http://schemas.microsoft.com/office/powerpoint/2010/main" spd="med" advClick="1"/>
+  <p:transition spd="med"/>
 </p:sldLayout>
 </file>
 
 <file path=ppt/slideLayouts/slideLayout11.xml><?xml version="1.0" encoding="utf-8"?>
-<p:sldLayout xmlns:a="http://schemas.openxmlformats.org/drawingml/2006/main" xmlns:r="http://schemas.openxmlformats.org/officeDocument/2006/relationships" xmlns:p="http://schemas.openxmlformats.org/presentationml/2006/main" xmlns:m="http://schemas.openxmlformats.org/officeDocument/2006/math" xmlns:a14="http://schemas.microsoft.com/office/drawing/2010/main" type="tx" showMasterSp="1" showMasterPhAnim="1">
+<p:sldLayout xmlns:a="http://schemas.openxmlformats.org/drawingml/2006/main" xmlns:r="http://schemas.openxmlformats.org/officeDocument/2006/relationships" xmlns:p="http://schemas.openxmlformats.org/presentationml/2006/main" type="tx">
   <p:cSld name="Foto">
     <p:spTree>
       <p:nvGrpSpPr>
@@ -805,7 +824,9 @@
       <p:sp>
         <p:nvSpPr>
           <p:cNvPr id="102" name="Vorderansicht eines roten Ducati-Motorrads vor schwarzem Hintergrund"/>
-          <p:cNvSpPr/>
+          <p:cNvSpPr>
+            <a:spLocks noGrp="1"/>
+          </p:cNvSpPr>
           <p:nvPr>
             <p:ph type="pic" idx="21"/>
           </p:nvPr>
@@ -825,14 +846,16 @@
           </a:bodyPr>
           <a:lstStyle/>
           <a:p>
-            <a:pPr/>
+            <a:endParaRPr/>
           </a:p>
         </p:txBody>
       </p:sp>
       <p:sp>
         <p:nvSpPr>
           <p:cNvPr id="103" name="Foliennummer"/>
-          <p:cNvSpPr txBox="1"/>
+          <p:cNvSpPr txBox="1">
+            <a:spLocks noGrp="1"/>
+          </p:cNvSpPr>
           <p:nvPr>
             <p:ph type="sldNum" sz="quarter" idx="2"/>
           </p:nvPr>
@@ -846,8 +869,10 @@
           <a:bodyPr/>
           <a:lstStyle/>
           <a:p>
-            <a:pPr/>
-            <a:fld id="{86CB4B4D-7CA3-9044-876B-883B54F8677D}" type="slidenum"/>
+            <a:fld id="{86CB4B4D-7CA3-9044-876B-883B54F8677D}" type="slidenum">
+              <a:t>‹#›</a:t>
+            </a:fld>
+            <a:endParaRPr/>
           </a:p>
         </p:txBody>
       </p:sp>
@@ -856,12 +881,12 @@
   <p:clrMapOvr>
     <a:masterClrMapping/>
   </p:clrMapOvr>
-  <p:transition xmlns:p14="http://schemas.microsoft.com/office/powerpoint/2010/main" spd="med" advClick="1"/>
+  <p:transition spd="med"/>
 </p:sldLayout>
 </file>
 
 <file path=ppt/slideLayouts/slideLayout12.xml><?xml version="1.0" encoding="utf-8"?>
-<p:sldLayout xmlns:a="http://schemas.openxmlformats.org/drawingml/2006/main" xmlns:r="http://schemas.openxmlformats.org/officeDocument/2006/relationships" xmlns:p="http://schemas.openxmlformats.org/presentationml/2006/main" xmlns:m="http://schemas.openxmlformats.org/officeDocument/2006/math" xmlns:a14="http://schemas.microsoft.com/office/drawing/2010/main" type="tx" showMasterSp="1" showMasterPhAnim="1">
+<p:sldLayout xmlns:a="http://schemas.openxmlformats.org/drawingml/2006/main" xmlns:r="http://schemas.openxmlformats.org/officeDocument/2006/relationships" xmlns:p="http://schemas.openxmlformats.org/presentationml/2006/main" type="tx">
   <p:cSld name="Leer">
     <p:spTree>
       <p:nvGrpSpPr>
@@ -880,7 +905,9 @@
       <p:sp>
         <p:nvSpPr>
           <p:cNvPr id="110" name="Foliennummer"/>
-          <p:cNvSpPr txBox="1"/>
+          <p:cNvSpPr txBox="1">
+            <a:spLocks noGrp="1"/>
+          </p:cNvSpPr>
           <p:nvPr>
             <p:ph type="sldNum" sz="quarter" idx="2"/>
           </p:nvPr>
@@ -894,8 +921,10 @@
           <a:bodyPr/>
           <a:lstStyle/>
           <a:p>
-            <a:pPr/>
-            <a:fld id="{86CB4B4D-7CA3-9044-876B-883B54F8677D}" type="slidenum"/>
+            <a:fld id="{86CB4B4D-7CA3-9044-876B-883B54F8677D}" type="slidenum">
+              <a:t>‹#›</a:t>
+            </a:fld>
+            <a:endParaRPr/>
           </a:p>
         </p:txBody>
       </p:sp>
@@ -904,12 +933,12 @@
   <p:clrMapOvr>
     <a:masterClrMapping/>
   </p:clrMapOvr>
-  <p:transition xmlns:p14="http://schemas.microsoft.com/office/powerpoint/2010/main" spd="med" advClick="1"/>
+  <p:transition spd="med"/>
 </p:sldLayout>
 </file>
 
 <file path=ppt/slideLayouts/slideLayout2.xml><?xml version="1.0" encoding="utf-8"?>
-<p:sldLayout xmlns:a="http://schemas.openxmlformats.org/drawingml/2006/main" xmlns:r="http://schemas.openxmlformats.org/officeDocument/2006/relationships" xmlns:p="http://schemas.openxmlformats.org/presentationml/2006/main" xmlns:m="http://schemas.openxmlformats.org/officeDocument/2006/math" xmlns:a14="http://schemas.microsoft.com/office/drawing/2010/main" type="tx" showMasterSp="1" showMasterPhAnim="1">
+<p:sldLayout xmlns:a="http://schemas.openxmlformats.org/drawingml/2006/main" xmlns:r="http://schemas.openxmlformats.org/officeDocument/2006/relationships" xmlns:p="http://schemas.openxmlformats.org/presentationml/2006/main" type="tx">
   <p:cSld name="Foto - Horizontal">
     <p:spTree>
       <p:nvGrpSpPr>
@@ -928,7 +957,9 @@
       <p:sp>
         <p:nvSpPr>
           <p:cNvPr id="20" name="Profilansicht eines roten Ducati-Motorrads"/>
-          <p:cNvSpPr/>
+          <p:cNvSpPr>
+            <a:spLocks noGrp="1"/>
+          </p:cNvSpPr>
           <p:nvPr>
             <p:ph type="pic" idx="21"/>
           </p:nvPr>
@@ -948,14 +979,16 @@
           </a:bodyPr>
           <a:lstStyle/>
           <a:p>
-            <a:pPr/>
+            <a:endParaRPr/>
           </a:p>
         </p:txBody>
       </p:sp>
       <p:sp>
         <p:nvSpPr>
           <p:cNvPr id="21" name="Titeltext"/>
-          <p:cNvSpPr txBox="1"/>
+          <p:cNvSpPr txBox="1">
+            <a:spLocks noGrp="1"/>
+          </p:cNvSpPr>
           <p:nvPr>
             <p:ph type="title"/>
           </p:nvPr>
@@ -973,7 +1006,6 @@
           <a:bodyPr/>
           <a:lstStyle/>
           <a:p>
-            <a:pPr/>
             <a:r>
               <a:t>Titeltext</a:t>
             </a:r>
@@ -983,7 +1015,9 @@
       <p:sp>
         <p:nvSpPr>
           <p:cNvPr id="22" name="Textebene 1…"/>
-          <p:cNvSpPr txBox="1"/>
+          <p:cNvSpPr txBox="1">
+            <a:spLocks noGrp="1"/>
+          </p:cNvSpPr>
           <p:nvPr>
             <p:ph type="body" sz="quarter" idx="1"/>
           </p:nvPr>
@@ -1037,7 +1071,6 @@
             </a:lvl5pPr>
           </a:lstStyle>
           <a:p>
-            <a:pPr/>
             <a:r>
               <a:t>Textebene 1</a:t>
             </a:r>
@@ -1071,7 +1104,9 @@
       <p:sp>
         <p:nvSpPr>
           <p:cNvPr id="23" name="Foliennummer"/>
-          <p:cNvSpPr txBox="1"/>
+          <p:cNvSpPr txBox="1">
+            <a:spLocks noGrp="1"/>
+          </p:cNvSpPr>
           <p:nvPr>
             <p:ph type="sldNum" sz="quarter" idx="2"/>
           </p:nvPr>
@@ -1085,8 +1120,10 @@
           <a:bodyPr/>
           <a:lstStyle/>
           <a:p>
-            <a:pPr/>
-            <a:fld id="{86CB4B4D-7CA3-9044-876B-883B54F8677D}" type="slidenum"/>
+            <a:fld id="{86CB4B4D-7CA3-9044-876B-883B54F8677D}" type="slidenum">
+              <a:t>‹#›</a:t>
+            </a:fld>
+            <a:endParaRPr/>
           </a:p>
         </p:txBody>
       </p:sp>
@@ -1095,12 +1132,12 @@
   <p:clrMapOvr>
     <a:masterClrMapping/>
   </p:clrMapOvr>
-  <p:transition xmlns:p14="http://schemas.microsoft.com/office/powerpoint/2010/main" spd="med" advClick="1"/>
+  <p:transition spd="med"/>
 </p:sldLayout>
 </file>
 
 <file path=ppt/slideLayouts/slideLayout3.xml><?xml version="1.0" encoding="utf-8"?>
-<p:sldLayout xmlns:a="http://schemas.openxmlformats.org/drawingml/2006/main" xmlns:r="http://schemas.openxmlformats.org/officeDocument/2006/relationships" xmlns:p="http://schemas.openxmlformats.org/presentationml/2006/main" xmlns:m="http://schemas.openxmlformats.org/officeDocument/2006/math" xmlns:a14="http://schemas.microsoft.com/office/drawing/2010/main" type="tx" showMasterSp="1" showMasterPhAnim="1">
+<p:sldLayout xmlns:a="http://schemas.openxmlformats.org/drawingml/2006/main" xmlns:r="http://schemas.openxmlformats.org/officeDocument/2006/relationships" xmlns:p="http://schemas.openxmlformats.org/presentationml/2006/main" type="tx">
   <p:cSld name="Titel - Mitte">
     <p:spTree>
       <p:nvGrpSpPr>
@@ -1119,7 +1156,9 @@
       <p:sp>
         <p:nvSpPr>
           <p:cNvPr id="30" name="Titeltext"/>
-          <p:cNvSpPr txBox="1"/>
+          <p:cNvSpPr txBox="1">
+            <a:spLocks noGrp="1"/>
+          </p:cNvSpPr>
           <p:nvPr>
             <p:ph type="title"/>
           </p:nvPr>
@@ -1137,7 +1176,6 @@
           <a:bodyPr/>
           <a:lstStyle/>
           <a:p>
-            <a:pPr/>
             <a:r>
               <a:t>Titeltext</a:t>
             </a:r>
@@ -1147,7 +1185,9 @@
       <p:sp>
         <p:nvSpPr>
           <p:cNvPr id="31" name="Foliennummer"/>
-          <p:cNvSpPr txBox="1"/>
+          <p:cNvSpPr txBox="1">
+            <a:spLocks noGrp="1"/>
+          </p:cNvSpPr>
           <p:nvPr>
             <p:ph type="sldNum" sz="quarter" idx="2"/>
           </p:nvPr>
@@ -1161,8 +1201,10 @@
           <a:bodyPr/>
           <a:lstStyle/>
           <a:p>
-            <a:pPr/>
-            <a:fld id="{86CB4B4D-7CA3-9044-876B-883B54F8677D}" type="slidenum"/>
+            <a:fld id="{86CB4B4D-7CA3-9044-876B-883B54F8677D}" type="slidenum">
+              <a:t>‹#›</a:t>
+            </a:fld>
+            <a:endParaRPr/>
           </a:p>
         </p:txBody>
       </p:sp>
@@ -1171,12 +1213,12 @@
   <p:clrMapOvr>
     <a:masterClrMapping/>
   </p:clrMapOvr>
-  <p:transition xmlns:p14="http://schemas.microsoft.com/office/powerpoint/2010/main" spd="med" advClick="1"/>
+  <p:transition spd="med"/>
 </p:sldLayout>
 </file>
 
 <file path=ppt/slideLayouts/slideLayout4.xml><?xml version="1.0" encoding="utf-8"?>
-<p:sldLayout xmlns:a="http://schemas.openxmlformats.org/drawingml/2006/main" xmlns:r="http://schemas.openxmlformats.org/officeDocument/2006/relationships" xmlns:p="http://schemas.openxmlformats.org/presentationml/2006/main" xmlns:m="http://schemas.openxmlformats.org/officeDocument/2006/math" xmlns:a14="http://schemas.microsoft.com/office/drawing/2010/main" type="tx" showMasterSp="1" showMasterPhAnim="1">
+<p:sldLayout xmlns:a="http://schemas.openxmlformats.org/drawingml/2006/main" xmlns:r="http://schemas.openxmlformats.org/officeDocument/2006/relationships" xmlns:p="http://schemas.openxmlformats.org/presentationml/2006/main" type="tx">
   <p:cSld name="Foto - Vertikal">
     <p:spTree>
       <p:nvGrpSpPr>
@@ -1195,7 +1237,9 @@
       <p:sp>
         <p:nvSpPr>
           <p:cNvPr id="38" name="Vorderansicht eines roten Ducati-Motorrads"/>
-          <p:cNvSpPr/>
+          <p:cNvSpPr>
+            <a:spLocks noGrp="1"/>
+          </p:cNvSpPr>
           <p:nvPr>
             <p:ph type="pic" idx="21"/>
           </p:nvPr>
@@ -1215,14 +1259,16 @@
           </a:bodyPr>
           <a:lstStyle/>
           <a:p>
-            <a:pPr/>
+            <a:endParaRPr/>
           </a:p>
         </p:txBody>
       </p:sp>
       <p:sp>
         <p:nvSpPr>
           <p:cNvPr id="39" name="Titeltext"/>
-          <p:cNvSpPr txBox="1"/>
+          <p:cNvSpPr txBox="1">
+            <a:spLocks noGrp="1"/>
+          </p:cNvSpPr>
           <p:nvPr>
             <p:ph type="title"/>
           </p:nvPr>
@@ -1240,7 +1286,6 @@
           <a:bodyPr anchor="b"/>
           <a:lstStyle/>
           <a:p>
-            <a:pPr/>
             <a:r>
               <a:t>Titeltext</a:t>
             </a:r>
@@ -1250,7 +1295,9 @@
       <p:sp>
         <p:nvSpPr>
           <p:cNvPr id="40" name="Textebene 1…"/>
-          <p:cNvSpPr txBox="1"/>
+          <p:cNvSpPr txBox="1">
+            <a:spLocks noGrp="1"/>
+          </p:cNvSpPr>
           <p:nvPr>
             <p:ph type="body" sz="quarter" idx="1"/>
           </p:nvPr>
@@ -1304,7 +1351,6 @@
             </a:lvl5pPr>
           </a:lstStyle>
           <a:p>
-            <a:pPr/>
             <a:r>
               <a:t>Textebene 1</a:t>
             </a:r>
@@ -1338,7 +1384,9 @@
       <p:sp>
         <p:nvSpPr>
           <p:cNvPr id="41" name="Foliennummer"/>
-          <p:cNvSpPr txBox="1"/>
+          <p:cNvSpPr txBox="1">
+            <a:spLocks noGrp="1"/>
+          </p:cNvSpPr>
           <p:nvPr>
             <p:ph type="sldNum" sz="quarter" idx="2"/>
           </p:nvPr>
@@ -1352,8 +1400,10 @@
           <a:bodyPr/>
           <a:lstStyle/>
           <a:p>
-            <a:pPr/>
-            <a:fld id="{86CB4B4D-7CA3-9044-876B-883B54F8677D}" type="slidenum"/>
+            <a:fld id="{86CB4B4D-7CA3-9044-876B-883B54F8677D}" type="slidenum">
+              <a:t>‹#›</a:t>
+            </a:fld>
+            <a:endParaRPr/>
           </a:p>
         </p:txBody>
       </p:sp>
@@ -1362,12 +1412,12 @@
   <p:clrMapOvr>
     <a:masterClrMapping/>
   </p:clrMapOvr>
-  <p:transition xmlns:p14="http://schemas.microsoft.com/office/powerpoint/2010/main" spd="med" advClick="1"/>
+  <p:transition spd="med"/>
 </p:sldLayout>
 </file>
 
 <file path=ppt/slideLayouts/slideLayout5.xml><?xml version="1.0" encoding="utf-8"?>
-<p:sldLayout xmlns:a="http://schemas.openxmlformats.org/drawingml/2006/main" xmlns:r="http://schemas.openxmlformats.org/officeDocument/2006/relationships" xmlns:p="http://schemas.openxmlformats.org/presentationml/2006/main" xmlns:m="http://schemas.openxmlformats.org/officeDocument/2006/math" xmlns:a14="http://schemas.microsoft.com/office/drawing/2010/main" type="tx" showMasterSp="1" showMasterPhAnim="1">
+<p:sldLayout xmlns:a="http://schemas.openxmlformats.org/drawingml/2006/main" xmlns:r="http://schemas.openxmlformats.org/officeDocument/2006/relationships" xmlns:p="http://schemas.openxmlformats.org/presentationml/2006/main" type="tx">
   <p:cSld name="Titel - Oben">
     <p:spTree>
       <p:nvGrpSpPr>
@@ -1386,7 +1436,9 @@
       <p:sp>
         <p:nvSpPr>
           <p:cNvPr id="48" name="Titeltext"/>
-          <p:cNvSpPr txBox="1"/>
+          <p:cNvSpPr txBox="1">
+            <a:spLocks noGrp="1"/>
+          </p:cNvSpPr>
           <p:nvPr>
             <p:ph type="title"/>
           </p:nvPr>
@@ -1400,7 +1452,6 @@
           <a:bodyPr/>
           <a:lstStyle/>
           <a:p>
-            <a:pPr/>
             <a:r>
               <a:t>Titeltext</a:t>
             </a:r>
@@ -1410,7 +1461,9 @@
       <p:sp>
         <p:nvSpPr>
           <p:cNvPr id="49" name="Foliennummer"/>
-          <p:cNvSpPr txBox="1"/>
+          <p:cNvSpPr txBox="1">
+            <a:spLocks noGrp="1"/>
+          </p:cNvSpPr>
           <p:nvPr>
             <p:ph type="sldNum" sz="quarter" idx="2"/>
           </p:nvPr>
@@ -1424,8 +1477,10 @@
           <a:bodyPr/>
           <a:lstStyle/>
           <a:p>
-            <a:pPr/>
-            <a:fld id="{86CB4B4D-7CA3-9044-876B-883B54F8677D}" type="slidenum"/>
+            <a:fld id="{86CB4B4D-7CA3-9044-876B-883B54F8677D}" type="slidenum">
+              <a:t>‹#›</a:t>
+            </a:fld>
+            <a:endParaRPr/>
           </a:p>
         </p:txBody>
       </p:sp>
@@ -1434,12 +1489,12 @@
   <p:clrMapOvr>
     <a:masterClrMapping/>
   </p:clrMapOvr>
-  <p:transition xmlns:p14="http://schemas.microsoft.com/office/powerpoint/2010/main" spd="med" advClick="1"/>
+  <p:transition spd="med"/>
 </p:sldLayout>
 </file>
 
 <file path=ppt/slideLayouts/slideLayout6.xml><?xml version="1.0" encoding="utf-8"?>
-<p:sldLayout xmlns:a="http://schemas.openxmlformats.org/drawingml/2006/main" xmlns:r="http://schemas.openxmlformats.org/officeDocument/2006/relationships" xmlns:p="http://schemas.openxmlformats.org/presentationml/2006/main" xmlns:m="http://schemas.openxmlformats.org/officeDocument/2006/math" xmlns:a14="http://schemas.microsoft.com/office/drawing/2010/main" type="tx" showMasterSp="1" showMasterPhAnim="1">
+<p:sldLayout xmlns:a="http://schemas.openxmlformats.org/drawingml/2006/main" xmlns:r="http://schemas.openxmlformats.org/officeDocument/2006/relationships" xmlns:p="http://schemas.openxmlformats.org/presentationml/2006/main" type="tx">
   <p:cSld name="Titel &amp; Punkte">
     <p:spTree>
       <p:nvGrpSpPr>
@@ -1458,7 +1513,9 @@
       <p:sp>
         <p:nvSpPr>
           <p:cNvPr id="56" name="Titeltext"/>
-          <p:cNvSpPr txBox="1"/>
+          <p:cNvSpPr txBox="1">
+            <a:spLocks noGrp="1"/>
+          </p:cNvSpPr>
           <p:nvPr>
             <p:ph type="title"/>
           </p:nvPr>
@@ -1472,7 +1529,6 @@
           <a:bodyPr/>
           <a:lstStyle/>
           <a:p>
-            <a:pPr/>
             <a:r>
               <a:t>Titeltext</a:t>
             </a:r>
@@ -1482,7 +1538,9 @@
       <p:sp>
         <p:nvSpPr>
           <p:cNvPr id="57" name="Textebene 1…"/>
-          <p:cNvSpPr txBox="1"/>
+          <p:cNvSpPr txBox="1">
+            <a:spLocks noGrp="1"/>
+          </p:cNvSpPr>
           <p:nvPr>
             <p:ph type="body" idx="1"/>
           </p:nvPr>
@@ -1542,7 +1600,6 @@
             </a:lvl5pPr>
           </a:lstStyle>
           <a:p>
-            <a:pPr/>
             <a:r>
               <a:t>Textebene 1</a:t>
             </a:r>
@@ -1576,7 +1633,9 @@
       <p:sp>
         <p:nvSpPr>
           <p:cNvPr id="58" name="Foliennummer"/>
-          <p:cNvSpPr txBox="1"/>
+          <p:cNvSpPr txBox="1">
+            <a:spLocks noGrp="1"/>
+          </p:cNvSpPr>
           <p:nvPr>
             <p:ph type="sldNum" sz="quarter" idx="2"/>
           </p:nvPr>
@@ -1590,8 +1649,10 @@
           <a:bodyPr/>
           <a:lstStyle/>
           <a:p>
-            <a:pPr/>
-            <a:fld id="{86CB4B4D-7CA3-9044-876B-883B54F8677D}" type="slidenum"/>
+            <a:fld id="{86CB4B4D-7CA3-9044-876B-883B54F8677D}" type="slidenum">
+              <a:t>‹#›</a:t>
+            </a:fld>
+            <a:endParaRPr/>
           </a:p>
         </p:txBody>
       </p:sp>
@@ -1600,12 +1661,12 @@
   <p:clrMapOvr>
     <a:masterClrMapping/>
   </p:clrMapOvr>
-  <p:transition xmlns:p14="http://schemas.microsoft.com/office/powerpoint/2010/main" spd="med" advClick="1"/>
+  <p:transition spd="med"/>
 </p:sldLayout>
 </file>
 
 <file path=ppt/slideLayouts/slideLayout7.xml><?xml version="1.0" encoding="utf-8"?>
-<p:sldLayout xmlns:a="http://schemas.openxmlformats.org/drawingml/2006/main" xmlns:r="http://schemas.openxmlformats.org/officeDocument/2006/relationships" xmlns:p="http://schemas.openxmlformats.org/presentationml/2006/main" xmlns:m="http://schemas.openxmlformats.org/officeDocument/2006/math" xmlns:a14="http://schemas.microsoft.com/office/drawing/2010/main" type="tx" showMasterSp="1" showMasterPhAnim="1">
+<p:sldLayout xmlns:a="http://schemas.openxmlformats.org/drawingml/2006/main" xmlns:r="http://schemas.openxmlformats.org/officeDocument/2006/relationships" xmlns:p="http://schemas.openxmlformats.org/presentationml/2006/main" type="tx">
   <p:cSld name="Titel, Punkte &amp; Foto">
     <p:spTree>
       <p:nvGrpSpPr>
@@ -1624,7 +1685,9 @@
       <p:sp>
         <p:nvSpPr>
           <p:cNvPr id="65" name="Vorderansicht eines roten Ducati-Motorrads"/>
-          <p:cNvSpPr/>
+          <p:cNvSpPr>
+            <a:spLocks noGrp="1"/>
+          </p:cNvSpPr>
           <p:nvPr>
             <p:ph type="pic" sz="half" idx="21"/>
           </p:nvPr>
@@ -1644,14 +1707,16 @@
           </a:bodyPr>
           <a:lstStyle/>
           <a:p>
-            <a:pPr/>
+            <a:endParaRPr/>
           </a:p>
         </p:txBody>
       </p:sp>
       <p:sp>
         <p:nvSpPr>
           <p:cNvPr id="66" name="Titeltext"/>
-          <p:cNvSpPr txBox="1"/>
+          <p:cNvSpPr txBox="1">
+            <a:spLocks noGrp="1"/>
+          </p:cNvSpPr>
           <p:nvPr>
             <p:ph type="title"/>
           </p:nvPr>
@@ -1665,7 +1730,6 @@
           <a:bodyPr/>
           <a:lstStyle/>
           <a:p>
-            <a:pPr/>
             <a:r>
               <a:t>Titeltext</a:t>
             </a:r>
@@ -1675,7 +1739,9 @@
       <p:sp>
         <p:nvSpPr>
           <p:cNvPr id="67" name="Textebene 1…"/>
-          <p:cNvSpPr txBox="1"/>
+          <p:cNvSpPr txBox="1">
+            <a:spLocks noGrp="1"/>
+          </p:cNvSpPr>
           <p:nvPr>
             <p:ph type="body" sz="half" idx="1"/>
           </p:nvPr>
@@ -1693,7 +1759,6 @@
           <a:bodyPr/>
           <a:lstStyle/>
           <a:p>
-            <a:pPr/>
             <a:r>
               <a:t>Textebene 1</a:t>
             </a:r>
@@ -1727,7 +1792,9 @@
       <p:sp>
         <p:nvSpPr>
           <p:cNvPr id="68" name="Foliennummer"/>
-          <p:cNvSpPr txBox="1"/>
+          <p:cNvSpPr txBox="1">
+            <a:spLocks noGrp="1"/>
+          </p:cNvSpPr>
           <p:nvPr>
             <p:ph type="sldNum" sz="quarter" idx="2"/>
           </p:nvPr>
@@ -1741,8 +1808,10 @@
           <a:bodyPr/>
           <a:lstStyle/>
           <a:p>
-            <a:pPr/>
-            <a:fld id="{86CB4B4D-7CA3-9044-876B-883B54F8677D}" type="slidenum"/>
+            <a:fld id="{86CB4B4D-7CA3-9044-876B-883B54F8677D}" type="slidenum">
+              <a:t>‹#›</a:t>
+            </a:fld>
+            <a:endParaRPr/>
           </a:p>
         </p:txBody>
       </p:sp>
@@ -1751,12 +1820,12 @@
   <p:clrMapOvr>
     <a:masterClrMapping/>
   </p:clrMapOvr>
-  <p:transition xmlns:p14="http://schemas.microsoft.com/office/powerpoint/2010/main" spd="med" advClick="1"/>
+  <p:transition spd="med"/>
 </p:sldLayout>
 </file>
 
 <file path=ppt/slideLayouts/slideLayout8.xml><?xml version="1.0" encoding="utf-8"?>
-<p:sldLayout xmlns:a="http://schemas.openxmlformats.org/drawingml/2006/main" xmlns:r="http://schemas.openxmlformats.org/officeDocument/2006/relationships" xmlns:p="http://schemas.openxmlformats.org/presentationml/2006/main" xmlns:m="http://schemas.openxmlformats.org/officeDocument/2006/math" xmlns:a14="http://schemas.microsoft.com/office/drawing/2010/main" type="tx" showMasterSp="1" showMasterPhAnim="1">
+<p:sldLayout xmlns:a="http://schemas.openxmlformats.org/drawingml/2006/main" xmlns:r="http://schemas.openxmlformats.org/officeDocument/2006/relationships" xmlns:p="http://schemas.openxmlformats.org/presentationml/2006/main" type="tx">
   <p:cSld name="Punkte">
     <p:spTree>
       <p:nvGrpSpPr>
@@ -1775,7 +1844,9 @@
       <p:sp>
         <p:nvSpPr>
           <p:cNvPr id="75" name="Textebene 1…"/>
-          <p:cNvSpPr txBox="1"/>
+          <p:cNvSpPr txBox="1">
+            <a:spLocks noGrp="1"/>
+          </p:cNvSpPr>
           <p:nvPr>
             <p:ph type="body" idx="1"/>
           </p:nvPr>
@@ -1839,7 +1910,6 @@
             </a:lvl5pPr>
           </a:lstStyle>
           <a:p>
-            <a:pPr/>
             <a:r>
               <a:t>Textebene 1</a:t>
             </a:r>
@@ -1873,7 +1943,9 @@
       <p:sp>
         <p:nvSpPr>
           <p:cNvPr id="76" name="Foliennummer"/>
-          <p:cNvSpPr txBox="1"/>
+          <p:cNvSpPr txBox="1">
+            <a:spLocks noGrp="1"/>
+          </p:cNvSpPr>
           <p:nvPr>
             <p:ph type="sldNum" sz="quarter" idx="2"/>
           </p:nvPr>
@@ -1887,8 +1959,10 @@
           <a:bodyPr/>
           <a:lstStyle/>
           <a:p>
-            <a:pPr/>
-            <a:fld id="{86CB4B4D-7CA3-9044-876B-883B54F8677D}" type="slidenum"/>
+            <a:fld id="{86CB4B4D-7CA3-9044-876B-883B54F8677D}" type="slidenum">
+              <a:t>‹#›</a:t>
+            </a:fld>
+            <a:endParaRPr/>
           </a:p>
         </p:txBody>
       </p:sp>
@@ -1897,12 +1971,12 @@
   <p:clrMapOvr>
     <a:masterClrMapping/>
   </p:clrMapOvr>
-  <p:transition xmlns:p14="http://schemas.microsoft.com/office/powerpoint/2010/main" spd="med" advClick="1"/>
+  <p:transition spd="med"/>
 </p:sldLayout>
 </file>
 
 <file path=ppt/slideLayouts/slideLayout9.xml><?xml version="1.0" encoding="utf-8"?>
-<p:sldLayout xmlns:a="http://schemas.openxmlformats.org/drawingml/2006/main" xmlns:r="http://schemas.openxmlformats.org/officeDocument/2006/relationships" xmlns:p="http://schemas.openxmlformats.org/presentationml/2006/main" xmlns:m="http://schemas.openxmlformats.org/officeDocument/2006/math" xmlns:a14="http://schemas.microsoft.com/office/drawing/2010/main" type="tx" showMasterSp="1" showMasterPhAnim="1">
+<p:sldLayout xmlns:a="http://schemas.openxmlformats.org/drawingml/2006/main" xmlns:r="http://schemas.openxmlformats.org/officeDocument/2006/relationships" xmlns:p="http://schemas.openxmlformats.org/presentationml/2006/main" type="tx">
   <p:cSld name="Foto - 3 Stück">
     <p:spTree>
       <p:nvGrpSpPr>
@@ -1921,7 +1995,9 @@
       <p:sp>
         <p:nvSpPr>
           <p:cNvPr id="83" name="Nahaufnahme der Motorteile eines Ducati-Motorrads"/>
-          <p:cNvSpPr/>
+          <p:cNvSpPr>
+            <a:spLocks noGrp="1"/>
+          </p:cNvSpPr>
           <p:nvPr>
             <p:ph type="pic" sz="half" idx="21"/>
           </p:nvPr>
@@ -1941,14 +2017,16 @@
           </a:bodyPr>
           <a:lstStyle/>
           <a:p>
-            <a:pPr/>
+            <a:endParaRPr/>
           </a:p>
         </p:txBody>
       </p:sp>
       <p:sp>
         <p:nvSpPr>
           <p:cNvPr id="84" name="Nahaufnahme des Tankdeckels eines Ducati-Motorrads"/>
-          <p:cNvSpPr/>
+          <p:cNvSpPr>
+            <a:spLocks noGrp="1"/>
+          </p:cNvSpPr>
           <p:nvPr>
             <p:ph type="pic" sz="half" idx="22"/>
           </p:nvPr>
@@ -1968,14 +2046,16 @@
           </a:bodyPr>
           <a:lstStyle/>
           <a:p>
-            <a:pPr/>
+            <a:endParaRPr/>
           </a:p>
         </p:txBody>
       </p:sp>
       <p:sp>
         <p:nvSpPr>
           <p:cNvPr id="85" name="Schwarzweißfoto der Motorteile eines Ducati-Motorrads"/>
-          <p:cNvSpPr/>
+          <p:cNvSpPr>
+            <a:spLocks noGrp="1"/>
+          </p:cNvSpPr>
           <p:nvPr>
             <p:ph type="pic" idx="23"/>
           </p:nvPr>
@@ -1995,14 +2075,16 @@
           </a:bodyPr>
           <a:lstStyle/>
           <a:p>
-            <a:pPr/>
+            <a:endParaRPr/>
           </a:p>
         </p:txBody>
       </p:sp>
       <p:sp>
         <p:nvSpPr>
           <p:cNvPr id="86" name="Foliennummer"/>
-          <p:cNvSpPr txBox="1"/>
+          <p:cNvSpPr txBox="1">
+            <a:spLocks noGrp="1"/>
+          </p:cNvSpPr>
           <p:nvPr>
             <p:ph type="sldNum" sz="quarter" idx="2"/>
           </p:nvPr>
@@ -2016,8 +2098,10 @@
           <a:bodyPr/>
           <a:lstStyle/>
           <a:p>
-            <a:pPr/>
-            <a:fld id="{86CB4B4D-7CA3-9044-876B-883B54F8677D}" type="slidenum"/>
+            <a:fld id="{86CB4B4D-7CA3-9044-876B-883B54F8677D}" type="slidenum">
+              <a:t>‹#›</a:t>
+            </a:fld>
+            <a:endParaRPr/>
           </a:p>
         </p:txBody>
       </p:sp>
@@ -2026,22 +2110,23 @@
   <p:clrMapOvr>
     <a:masterClrMapping/>
   </p:clrMapOvr>
-  <p:transition xmlns:p14="http://schemas.microsoft.com/office/powerpoint/2010/main" spd="med" advClick="1"/>
+  <p:transition spd="med"/>
 </p:sldLayout>
 </file>
 
 <file path=ppt/slideMasters/slideMaster1.xml><?xml version="1.0" encoding="utf-8"?>
-<p:sldMaster xmlns:a="http://schemas.openxmlformats.org/drawingml/2006/main" xmlns:r="http://schemas.openxmlformats.org/officeDocument/2006/relationships" xmlns:p="http://schemas.openxmlformats.org/presentationml/2006/main" xmlns:m="http://schemas.openxmlformats.org/officeDocument/2006/math" xmlns:a14="http://schemas.microsoft.com/office/drawing/2010/main">
+<p:sldMaster xmlns:a="http://schemas.openxmlformats.org/drawingml/2006/main" xmlns:r="http://schemas.openxmlformats.org/officeDocument/2006/relationships" xmlns:p="http://schemas.openxmlformats.org/presentationml/2006/main">
   <p:cSld>
     <p:bg>
       <p:bgPr>
         <a:blipFill rotWithShape="1">
-          <a:blip r:embed="rId2"/>
-          <a:srcRect l="0" t="0" r="0" b="0"/>
+          <a:blip r:embed="rId14"/>
+          <a:srcRect/>
           <a:stretch>
             <a:fillRect/>
           </a:stretch>
         </a:blipFill>
+        <a:effectLst/>
       </p:bgPr>
     </p:bg>
     <p:spTree>
@@ -2061,7 +2146,9 @@
       <p:sp>
         <p:nvSpPr>
           <p:cNvPr id="2" name="Titeltext"/>
-          <p:cNvSpPr txBox="1"/>
+          <p:cNvSpPr txBox="1">
+            <a:spLocks noGrp="1"/>
+          </p:cNvSpPr>
           <p:nvPr>
             <p:ph type="title"/>
           </p:nvPr>
@@ -2079,17 +2166,16 @@
           </a:ln>
           <a:extLst>
             <a:ext uri="{C572A759-6A51-4108-AA02-DFA0A04FC94B}">
-              <ma14:wrappingTextBoxFlag xmlns:ma14="http://schemas.microsoft.com/office/mac/drawingml/2011/main" val="1"/>
+              <ma14:wrappingTextBoxFlag xmlns:ma14="http://schemas.microsoft.com/office/mac/drawingml/2011/main" xmlns:a14="http://schemas.microsoft.com/office/drawing/2010/main" xmlns:m="http://schemas.openxmlformats.org/officeDocument/2006/math" xmlns="" val="1"/>
             </a:ext>
           </a:extLst>
         </p:spPr>
         <p:txBody>
           <a:bodyPr lIns="50800" tIns="50800" rIns="50800" bIns="50800" anchor="ctr">
-            <a:normAutofit fontScale="100000" lnSpcReduction="0"/>
+            <a:normAutofit/>
           </a:bodyPr>
           <a:lstStyle/>
           <a:p>
-            <a:pPr/>
             <a:r>
               <a:t>Titeltext</a:t>
             </a:r>
@@ -2099,7 +2185,9 @@
       <p:sp>
         <p:nvSpPr>
           <p:cNvPr id="3" name="Textebene 1…"/>
-          <p:cNvSpPr txBox="1"/>
+          <p:cNvSpPr txBox="1">
+            <a:spLocks noGrp="1"/>
+          </p:cNvSpPr>
           <p:nvPr>
             <p:ph type="body" idx="1"/>
           </p:nvPr>
@@ -2117,17 +2205,16 @@
           </a:ln>
           <a:extLst>
             <a:ext uri="{C572A759-6A51-4108-AA02-DFA0A04FC94B}">
-              <ma14:wrappingTextBoxFlag xmlns:ma14="http://schemas.microsoft.com/office/mac/drawingml/2011/main" val="1"/>
+              <ma14:wrappingTextBoxFlag xmlns:ma14="http://schemas.microsoft.com/office/mac/drawingml/2011/main" xmlns:a14="http://schemas.microsoft.com/office/drawing/2010/main" xmlns:m="http://schemas.openxmlformats.org/officeDocument/2006/math" xmlns="" val="1"/>
             </a:ext>
           </a:extLst>
         </p:spPr>
         <p:txBody>
           <a:bodyPr lIns="50800" tIns="50800" rIns="50800" bIns="50800" anchor="ctr">
-            <a:normAutofit fontScale="100000" lnSpcReduction="0"/>
+            <a:normAutofit/>
           </a:bodyPr>
           <a:lstStyle/>
           <a:p>
-            <a:pPr/>
             <a:r>
               <a:t>Textebene 1</a:t>
             </a:r>
@@ -2161,7 +2248,9 @@
       <p:sp>
         <p:nvSpPr>
           <p:cNvPr id="4" name="Foliennummer"/>
-          <p:cNvSpPr txBox="1"/>
+          <p:cNvSpPr txBox="1">
+            <a:spLocks noGrp="1"/>
+          </p:cNvSpPr>
           <p:nvPr>
             <p:ph type="sldNum" sz="quarter" idx="2"/>
           </p:nvPr>
@@ -2188,8 +2277,10 @@
             </a:lvl1pPr>
           </a:lstStyle>
           <a:p>
-            <a:pPr/>
-            <a:fld id="{86CB4B4D-7CA3-9044-876B-883B54F8677D}" type="slidenum"/>
+            <a:fld id="{86CB4B4D-7CA3-9044-876B-883B54F8677D}" type="slidenum">
+              <a:t>‹#›</a:t>
+            </a:fld>
+            <a:endParaRPr/>
           </a:p>
         </p:txBody>
       </p:sp>
@@ -2197,20 +2288,20 @@
   </p:cSld>
   <p:clrMap bg1="lt1" tx1="dk1" bg2="lt2" tx2="dk2" accent1="accent1" accent2="accent2" accent3="accent3" accent4="accent4" accent5="accent5" accent6="accent6" hlink="hlink" folHlink="folHlink"/>
   <p:sldLayoutIdLst>
-    <p:sldLayoutId id="2147483649" r:id="rId3"/>
-    <p:sldLayoutId id="2147483650" r:id="rId4"/>
-    <p:sldLayoutId id="2147483651" r:id="rId5"/>
-    <p:sldLayoutId id="2147483652" r:id="rId6"/>
-    <p:sldLayoutId id="2147483653" r:id="rId7"/>
-    <p:sldLayoutId id="2147483654" r:id="rId8"/>
-    <p:sldLayoutId id="2147483655" r:id="rId9"/>
-    <p:sldLayoutId id="2147483656" r:id="rId10"/>
-    <p:sldLayoutId id="2147483657" r:id="rId11"/>
-    <p:sldLayoutId id="2147483658" r:id="rId12"/>
-    <p:sldLayoutId id="2147483659" r:id="rId13"/>
-    <p:sldLayoutId id="2147483660" r:id="rId14"/>
+    <p:sldLayoutId id="2147483649" r:id="rId1"/>
+    <p:sldLayoutId id="2147483650" r:id="rId2"/>
+    <p:sldLayoutId id="2147483651" r:id="rId3"/>
+    <p:sldLayoutId id="2147483652" r:id="rId4"/>
+    <p:sldLayoutId id="2147483653" r:id="rId5"/>
+    <p:sldLayoutId id="2147483654" r:id="rId6"/>
+    <p:sldLayoutId id="2147483655" r:id="rId7"/>
+    <p:sldLayoutId id="2147483656" r:id="rId8"/>
+    <p:sldLayoutId id="2147483657" r:id="rId9"/>
+    <p:sldLayoutId id="2147483658" r:id="rId10"/>
+    <p:sldLayoutId id="2147483659" r:id="rId11"/>
+    <p:sldLayoutId id="2147483660" r:id="rId12"/>
   </p:sldLayoutIdLst>
-  <p:transition xmlns:p14="http://schemas.microsoft.com/office/powerpoint/2010/main" spd="med" advClick="1"/>
+  <p:transition spd="med"/>
   <p:txStyles>
     <p:titleStyle>
       <a:lvl1pPr marL="0" marR="0" indent="0" algn="ctr" defTabSz="825500" rtl="0" latinLnBrk="0">
@@ -2228,7 +2319,7 @@
         <a:buFontTx/>
         <a:buNone/>
         <a:tabLst/>
-        <a:defRPr b="0" baseline="0" cap="all" i="0" spc="0" strike="noStrike" sz="10000" u="none">
+        <a:defRPr sz="10000" b="0" i="0" u="none" strike="noStrike" cap="all" spc="0" baseline="0">
           <a:solidFill>
             <a:srgbClr val="535353"/>
           </a:solidFill>
@@ -2254,7 +2345,7 @@
         <a:buFontTx/>
         <a:buNone/>
         <a:tabLst/>
-        <a:defRPr b="0" baseline="0" cap="all" i="0" spc="0" strike="noStrike" sz="10000" u="none">
+        <a:defRPr sz="10000" b="0" i="0" u="none" strike="noStrike" cap="all" spc="0" baseline="0">
           <a:solidFill>
             <a:srgbClr val="535353"/>
           </a:solidFill>
@@ -2280,7 +2371,7 @@
         <a:buFontTx/>
         <a:buNone/>
         <a:tabLst/>
-        <a:defRPr b="0" baseline="0" cap="all" i="0" spc="0" strike="noStrike" sz="10000" u="none">
+        <a:defRPr sz="10000" b="0" i="0" u="none" strike="noStrike" cap="all" spc="0" baseline="0">
           <a:solidFill>
             <a:srgbClr val="535353"/>
           </a:solidFill>
@@ -2306,7 +2397,7 @@
         <a:buFontTx/>
         <a:buNone/>
         <a:tabLst/>
-        <a:defRPr b="0" baseline="0" cap="all" i="0" spc="0" strike="noStrike" sz="10000" u="none">
+        <a:defRPr sz="10000" b="0" i="0" u="none" strike="noStrike" cap="all" spc="0" baseline="0">
           <a:solidFill>
             <a:srgbClr val="535353"/>
           </a:solidFill>
@@ -2332,7 +2423,7 @@
         <a:buFontTx/>
         <a:buNone/>
         <a:tabLst/>
-        <a:defRPr b="0" baseline="0" cap="all" i="0" spc="0" strike="noStrike" sz="10000" u="none">
+        <a:defRPr sz="10000" b="0" i="0" u="none" strike="noStrike" cap="all" spc="0" baseline="0">
           <a:solidFill>
             <a:srgbClr val="535353"/>
           </a:solidFill>
@@ -2358,7 +2449,7 @@
         <a:buFontTx/>
         <a:buNone/>
         <a:tabLst/>
-        <a:defRPr b="0" baseline="0" cap="all" i="0" spc="0" strike="noStrike" sz="10000" u="none">
+        <a:defRPr sz="10000" b="0" i="0" u="none" strike="noStrike" cap="all" spc="0" baseline="0">
           <a:solidFill>
             <a:srgbClr val="535353"/>
           </a:solidFill>
@@ -2384,7 +2475,7 @@
         <a:buFontTx/>
         <a:buNone/>
         <a:tabLst/>
-        <a:defRPr b="0" baseline="0" cap="all" i="0" spc="0" strike="noStrike" sz="10000" u="none">
+        <a:defRPr sz="10000" b="0" i="0" u="none" strike="noStrike" cap="all" spc="0" baseline="0">
           <a:solidFill>
             <a:srgbClr val="535353"/>
           </a:solidFill>
@@ -2410,7 +2501,7 @@
         <a:buFontTx/>
         <a:buNone/>
         <a:tabLst/>
-        <a:defRPr b="0" baseline="0" cap="all" i="0" spc="0" strike="noStrike" sz="10000" u="none">
+        <a:defRPr sz="10000" b="0" i="0" u="none" strike="noStrike" cap="all" spc="0" baseline="0">
           <a:solidFill>
             <a:srgbClr val="535353"/>
           </a:solidFill>
@@ -2436,7 +2527,7 @@
         <a:buFontTx/>
         <a:buNone/>
         <a:tabLst/>
-        <a:defRPr b="0" baseline="0" cap="all" i="0" spc="0" strike="noStrike" sz="10000" u="none">
+        <a:defRPr sz="10000" b="0" i="0" u="none" strike="noStrike" cap="all" spc="0" baseline="0">
           <a:solidFill>
             <a:srgbClr val="535353"/>
           </a:solidFill>
@@ -2464,7 +2555,7 @@
         <a:buFontTx/>
         <a:buChar char="•"/>
         <a:tabLst/>
-        <a:defRPr b="0" baseline="0" cap="none" i="0" spc="0" strike="noStrike" sz="5200" u="none">
+        <a:defRPr sz="5200" b="0" i="0" u="none" strike="noStrike" cap="none" spc="0" baseline="0">
           <a:solidFill>
             <a:srgbClr val="535353"/>
           </a:solidFill>
@@ -2490,7 +2581,7 @@
         <a:buFontTx/>
         <a:buChar char="•"/>
         <a:tabLst/>
-        <a:defRPr b="0" baseline="0" cap="none" i="0" spc="0" strike="noStrike" sz="5200" u="none">
+        <a:defRPr sz="5200" b="0" i="0" u="none" strike="noStrike" cap="none" spc="0" baseline="0">
           <a:solidFill>
             <a:srgbClr val="535353"/>
           </a:solidFill>
@@ -2516,7 +2607,7 @@
         <a:buFontTx/>
         <a:buChar char="•"/>
         <a:tabLst/>
-        <a:defRPr b="0" baseline="0" cap="none" i="0" spc="0" strike="noStrike" sz="5200" u="none">
+        <a:defRPr sz="5200" b="0" i="0" u="none" strike="noStrike" cap="none" spc="0" baseline="0">
           <a:solidFill>
             <a:srgbClr val="535353"/>
           </a:solidFill>
@@ -2542,7 +2633,7 @@
         <a:buFontTx/>
         <a:buChar char="•"/>
         <a:tabLst/>
-        <a:defRPr b="0" baseline="0" cap="none" i="0" spc="0" strike="noStrike" sz="5200" u="none">
+        <a:defRPr sz="5200" b="0" i="0" u="none" strike="noStrike" cap="none" spc="0" baseline="0">
           <a:solidFill>
             <a:srgbClr val="535353"/>
           </a:solidFill>
@@ -2568,7 +2659,7 @@
         <a:buFontTx/>
         <a:buChar char="•"/>
         <a:tabLst/>
-        <a:defRPr b="0" baseline="0" cap="none" i="0" spc="0" strike="noStrike" sz="5200" u="none">
+        <a:defRPr sz="5200" b="0" i="0" u="none" strike="noStrike" cap="none" spc="0" baseline="0">
           <a:solidFill>
             <a:srgbClr val="535353"/>
           </a:solidFill>
@@ -2594,7 +2685,7 @@
         <a:buFontTx/>
         <a:buChar char="•"/>
         <a:tabLst/>
-        <a:defRPr b="0" baseline="0" cap="none" i="0" spc="0" strike="noStrike" sz="5200" u="none">
+        <a:defRPr sz="5200" b="0" i="0" u="none" strike="noStrike" cap="none" spc="0" baseline="0">
           <a:solidFill>
             <a:srgbClr val="535353"/>
           </a:solidFill>
@@ -2620,7 +2711,7 @@
         <a:buFontTx/>
         <a:buChar char="•"/>
         <a:tabLst/>
-        <a:defRPr b="0" baseline="0" cap="none" i="0" spc="0" strike="noStrike" sz="5200" u="none">
+        <a:defRPr sz="5200" b="0" i="0" u="none" strike="noStrike" cap="none" spc="0" baseline="0">
           <a:solidFill>
             <a:srgbClr val="535353"/>
           </a:solidFill>
@@ -2646,7 +2737,7 @@
         <a:buFontTx/>
         <a:buChar char="•"/>
         <a:tabLst/>
-        <a:defRPr b="0" baseline="0" cap="none" i="0" spc="0" strike="noStrike" sz="5200" u="none">
+        <a:defRPr sz="5200" b="0" i="0" u="none" strike="noStrike" cap="none" spc="0" baseline="0">
           <a:solidFill>
             <a:srgbClr val="535353"/>
           </a:solidFill>
@@ -2672,7 +2763,7 @@
         <a:buFontTx/>
         <a:buChar char="•"/>
         <a:tabLst/>
-        <a:defRPr b="0" baseline="0" cap="none" i="0" spc="0" strike="noStrike" sz="5200" u="none">
+        <a:defRPr sz="5200" b="0" i="0" u="none" strike="noStrike" cap="none" spc="0" baseline="0">
           <a:solidFill>
             <a:srgbClr val="535353"/>
           </a:solidFill>
@@ -2700,7 +2791,7 @@
         <a:buFontTx/>
         <a:buNone/>
         <a:tabLst/>
-        <a:defRPr b="0" baseline="0" cap="none" i="0" spc="0" strike="noStrike" sz="2400" u="none">
+        <a:defRPr sz="2400" b="0" i="0" u="none" strike="noStrike" cap="none" spc="0" baseline="0">
           <a:solidFill>
             <a:schemeClr val="tx1"/>
           </a:solidFill>
@@ -2726,7 +2817,7 @@
         <a:buFontTx/>
         <a:buNone/>
         <a:tabLst/>
-        <a:defRPr b="0" baseline="0" cap="none" i="0" spc="0" strike="noStrike" sz="2400" u="none">
+        <a:defRPr sz="2400" b="0" i="0" u="none" strike="noStrike" cap="none" spc="0" baseline="0">
           <a:solidFill>
             <a:schemeClr val="tx1"/>
           </a:solidFill>
@@ -2752,7 +2843,7 @@
         <a:buFontTx/>
         <a:buNone/>
         <a:tabLst/>
-        <a:defRPr b="0" baseline="0" cap="none" i="0" spc="0" strike="noStrike" sz="2400" u="none">
+        <a:defRPr sz="2400" b="0" i="0" u="none" strike="noStrike" cap="none" spc="0" baseline="0">
           <a:solidFill>
             <a:schemeClr val="tx1"/>
           </a:solidFill>
@@ -2778,7 +2869,7 @@
         <a:buFontTx/>
         <a:buNone/>
         <a:tabLst/>
-        <a:defRPr b="0" baseline="0" cap="none" i="0" spc="0" strike="noStrike" sz="2400" u="none">
+        <a:defRPr sz="2400" b="0" i="0" u="none" strike="noStrike" cap="none" spc="0" baseline="0">
           <a:solidFill>
             <a:schemeClr val="tx1"/>
           </a:solidFill>
@@ -2804,7 +2895,7 @@
         <a:buFontTx/>
         <a:buNone/>
         <a:tabLst/>
-        <a:defRPr b="0" baseline="0" cap="none" i="0" spc="0" strike="noStrike" sz="2400" u="none">
+        <a:defRPr sz="2400" b="0" i="0" u="none" strike="noStrike" cap="none" spc="0" baseline="0">
           <a:solidFill>
             <a:schemeClr val="tx1"/>
           </a:solidFill>
@@ -2830,7 +2921,7 @@
         <a:buFontTx/>
         <a:buNone/>
         <a:tabLst/>
-        <a:defRPr b="0" baseline="0" cap="none" i="0" spc="0" strike="noStrike" sz="2400" u="none">
+        <a:defRPr sz="2400" b="0" i="0" u="none" strike="noStrike" cap="none" spc="0" baseline="0">
           <a:solidFill>
             <a:schemeClr val="tx1"/>
           </a:solidFill>
@@ -2856,7 +2947,7 @@
         <a:buFontTx/>
         <a:buNone/>
         <a:tabLst/>
-        <a:defRPr b="0" baseline="0" cap="none" i="0" spc="0" strike="noStrike" sz="2400" u="none">
+        <a:defRPr sz="2400" b="0" i="0" u="none" strike="noStrike" cap="none" spc="0" baseline="0">
           <a:solidFill>
             <a:schemeClr val="tx1"/>
           </a:solidFill>
@@ -2882,7 +2973,7 @@
         <a:buFontTx/>
         <a:buNone/>
         <a:tabLst/>
-        <a:defRPr b="0" baseline="0" cap="none" i="0" spc="0" strike="noStrike" sz="2400" u="none">
+        <a:defRPr sz="2400" b="0" i="0" u="none" strike="noStrike" cap="none" spc="0" baseline="0">
           <a:solidFill>
             <a:schemeClr val="tx1"/>
           </a:solidFill>
@@ -2908,7 +2999,7 @@
         <a:buFontTx/>
         <a:buNone/>
         <a:tabLst/>
-        <a:defRPr b="0" baseline="0" cap="none" i="0" spc="0" strike="noStrike" sz="2400" u="none">
+        <a:defRPr sz="2400" b="0" i="0" u="none" strike="noStrike" cap="none" spc="0" baseline="0">
           <a:solidFill>
             <a:schemeClr val="tx1"/>
           </a:solidFill>
@@ -2925,7 +3016,7 @@
 </file>
 
 <file path=ppt/slides/slide1.xml><?xml version="1.0" encoding="utf-8"?>
-<p:sld xmlns:a="http://schemas.openxmlformats.org/drawingml/2006/main" xmlns:r="http://schemas.openxmlformats.org/officeDocument/2006/relationships" xmlns:p="http://schemas.openxmlformats.org/presentationml/2006/main" xmlns:m="http://schemas.openxmlformats.org/officeDocument/2006/math" xmlns:a14="http://schemas.microsoft.com/office/drawing/2010/main" showMasterSp="1" showMasterPhAnim="1">
+<p:sld xmlns:a="http://schemas.openxmlformats.org/drawingml/2006/main" xmlns:r="http://schemas.openxmlformats.org/officeDocument/2006/relationships" xmlns:p="http://schemas.openxmlformats.org/presentationml/2006/main">
   <p:cSld>
     <p:spTree>
       <p:nvGrpSpPr>
@@ -2944,7 +3035,9 @@
       <p:sp>
         <p:nvSpPr>
           <p:cNvPr id="119" name="Projekt: KI"/>
-          <p:cNvSpPr txBox="1"/>
+          <p:cNvSpPr txBox="1">
+            <a:spLocks noGrp="1"/>
+          </p:cNvSpPr>
           <p:nvPr>
             <p:ph type="ctrTitle"/>
           </p:nvPr>
@@ -2966,7 +3059,6 @@
             </a:lvl1pPr>
           </a:lstStyle>
           <a:p>
-            <a:pPr/>
             <a:r>
               <a:t>Projekt: KI</a:t>
             </a:r>
@@ -2976,7 +3068,9 @@
       <p:sp>
         <p:nvSpPr>
           <p:cNvPr id="120" name="Entwicklung einer spielstarken KI für die Schachvariante “King of the hill”"/>
-          <p:cNvSpPr txBox="1"/>
+          <p:cNvSpPr txBox="1">
+            <a:spLocks noGrp="1"/>
+          </p:cNvSpPr>
           <p:nvPr>
             <p:ph type="subTitle" sz="quarter" idx="1"/>
           </p:nvPr>
@@ -2998,7 +3092,6 @@
             </a:lvl1pPr>
           </a:lstStyle>
           <a:p>
-            <a:pPr/>
             <a:r>
               <a:t>Entwicklung einer spielstarken KI für die Schachvariante “King of the hill”</a:t>
             </a:r>
@@ -3024,7 +3117,7 @@
           </a:ln>
           <a:extLst>
             <a:ext uri="{C572A759-6A51-4108-AA02-DFA0A04FC94B}">
-              <ma14:wrappingTextBoxFlag xmlns:ma14="http://schemas.microsoft.com/office/mac/drawingml/2011/main" val="1"/>
+              <ma14:wrappingTextBoxFlag xmlns:ma14="http://schemas.microsoft.com/office/mac/drawingml/2011/main" xmlns:a14="http://schemas.microsoft.com/office/drawing/2010/main" xmlns:m="http://schemas.openxmlformats.org/officeDocument/2006/math" xmlns="" val="1"/>
             </a:ext>
           </a:extLst>
         </p:spPr>
@@ -3034,13 +3127,11 @@
           </a:bodyPr>
           <a:lstStyle/>
           <a:p>
-            <a:pPr/>
             <a:r>
               <a:t>Gruppe:  AN</a:t>
             </a:r>
           </a:p>
           <a:p>
-            <a:pPr/>
             <a:r>
               <a:t>Implementierungssprache: Python</a:t>
             </a:r>
@@ -3066,7 +3157,7 @@
           </a:ln>
           <a:extLst>
             <a:ext uri="{C572A759-6A51-4108-AA02-DFA0A04FC94B}">
-              <ma14:wrappingTextBoxFlag xmlns:ma14="http://schemas.microsoft.com/office/mac/drawingml/2011/main" val="1"/>
+              <ma14:wrappingTextBoxFlag xmlns:ma14="http://schemas.microsoft.com/office/mac/drawingml/2011/main" xmlns:a14="http://schemas.microsoft.com/office/drawing/2010/main" xmlns:m="http://schemas.openxmlformats.org/officeDocument/2006/math" xmlns="" val="1"/>
             </a:ext>
           </a:extLst>
         </p:spPr>
@@ -3076,11 +3167,10 @@
           </a:bodyPr>
           <a:lstStyle>
             <a:lvl1pPr>
-              <a:defRPr cap="all" sz="10000"/>
+              <a:defRPr sz="10000" cap="all"/>
             </a:lvl1pPr>
           </a:lstStyle>
           <a:p>
-            <a:pPr/>
             <a:r>
               <a:t>Meilenstein 1 - Dummy-KI</a:t>
             </a:r>
@@ -3106,7 +3196,7 @@
           </a:ln>
           <a:extLst>
             <a:ext uri="{C572A759-6A51-4108-AA02-DFA0A04FC94B}">
-              <ma14:wrappingTextBoxFlag xmlns:ma14="http://schemas.microsoft.com/office/mac/drawingml/2011/main" val="1"/>
+              <ma14:wrappingTextBoxFlag xmlns:ma14="http://schemas.microsoft.com/office/mac/drawingml/2011/main" xmlns:a14="http://schemas.microsoft.com/office/drawing/2010/main" xmlns:m="http://schemas.openxmlformats.org/officeDocument/2006/math" xmlns="" val="1"/>
             </a:ext>
           </a:extLst>
         </p:spPr>
@@ -3116,7 +3206,6 @@
           </a:bodyPr>
           <a:lstStyle/>
           <a:p>
-            <a:pPr/>
             <a:r>
               <a:t>Eric Benschneider</a:t>
             </a:r>
@@ -3142,7 +3231,7 @@
           </a:ln>
           <a:extLst>
             <a:ext uri="{C572A759-6A51-4108-AA02-DFA0A04FC94B}">
-              <ma14:wrappingTextBoxFlag xmlns:ma14="http://schemas.microsoft.com/office/mac/drawingml/2011/main" val="1"/>
+              <ma14:wrappingTextBoxFlag xmlns:ma14="http://schemas.microsoft.com/office/mac/drawingml/2011/main" xmlns:a14="http://schemas.microsoft.com/office/drawing/2010/main" xmlns:m="http://schemas.openxmlformats.org/officeDocument/2006/math" xmlns="" val="1"/>
             </a:ext>
           </a:extLst>
         </p:spPr>
@@ -3152,7 +3241,6 @@
           </a:bodyPr>
           <a:lstStyle/>
           <a:p>
-            <a:pPr/>
             <a:r>
               <a:t>Kemel Alex Callisaya</a:t>
             </a:r>
@@ -3178,7 +3266,7 @@
           </a:ln>
           <a:extLst>
             <a:ext uri="{C572A759-6A51-4108-AA02-DFA0A04FC94B}">
-              <ma14:wrappingTextBoxFlag xmlns:ma14="http://schemas.microsoft.com/office/mac/drawingml/2011/main" val="1"/>
+              <ma14:wrappingTextBoxFlag xmlns:ma14="http://schemas.microsoft.com/office/mac/drawingml/2011/main" xmlns:a14="http://schemas.microsoft.com/office/drawing/2010/main" xmlns:m="http://schemas.openxmlformats.org/officeDocument/2006/math" xmlns="" val="1"/>
             </a:ext>
           </a:extLst>
         </p:spPr>
@@ -3188,7 +3276,6 @@
           </a:bodyPr>
           <a:lstStyle/>
           <a:p>
-            <a:pPr/>
             <a:r>
               <a:t>Christoph Scherer</a:t>
             </a:r>
@@ -3266,7 +3353,7 @@
           <a:blip r:embed="rId4">
             <a:extLst/>
           </a:blip>
-          <a:srcRect l="14491" t="0" r="14491" b="0"/>
+          <a:srcRect l="14491" r="14491"/>
           <a:stretch>
             <a:fillRect/>
           </a:stretch>
@@ -3289,12 +3376,12 @@
   <p:clrMapOvr>
     <a:masterClrMapping/>
   </p:clrMapOvr>
-  <p:transition xmlns:p14="http://schemas.microsoft.com/office/powerpoint/2010/main" spd="med" advClick="1"/>
+  <p:transition spd="med"/>
 </p:sld>
 </file>
 
 <file path=ppt/slides/slide2.xml><?xml version="1.0" encoding="utf-8"?>
-<p:sld xmlns:a="http://schemas.openxmlformats.org/drawingml/2006/main" xmlns:r="http://schemas.openxmlformats.org/officeDocument/2006/relationships" xmlns:p="http://schemas.openxmlformats.org/presentationml/2006/main" xmlns:m="http://schemas.openxmlformats.org/officeDocument/2006/math" xmlns:a14="http://schemas.microsoft.com/office/drawing/2010/main" showMasterSp="1" showMasterPhAnim="1">
+<p:sld xmlns:a="http://schemas.openxmlformats.org/drawingml/2006/main" xmlns:r="http://schemas.openxmlformats.org/officeDocument/2006/relationships" xmlns:p="http://schemas.openxmlformats.org/presentationml/2006/main">
   <p:cSld>
     <p:spTree>
       <p:nvGrpSpPr>
@@ -3313,12 +3400,18 @@
       <p:sp>
         <p:nvSpPr>
           <p:cNvPr id="130" name="Klassendiagramm"/>
-          <p:cNvSpPr txBox="1"/>
+          <p:cNvSpPr txBox="1">
+            <a:spLocks noGrp="1"/>
+          </p:cNvSpPr>
           <p:nvPr>
             <p:ph type="title"/>
           </p:nvPr>
         </p:nvSpPr>
         <p:spPr>
+          <a:xfrm>
+            <a:off x="666750" y="-250153"/>
+            <a:ext cx="23050500" cy="3429000"/>
+          </a:xfrm>
           <a:prstGeom prst="rect">
             <a:avLst/>
           </a:prstGeom>
@@ -3327,24 +3420,61 @@
           <a:bodyPr/>
           <a:lstStyle/>
           <a:p>
-            <a:pPr/>
             <a:r>
+              <a:rPr dirty="0" err="1"/>
               <a:t>Klassendiagramm</a:t>
             </a:r>
+            <a:endParaRPr dirty="0"/>
           </a:p>
         </p:txBody>
       </p:sp>
+      <p:pic>
+        <p:nvPicPr>
+          <p:cNvPr id="3" name="Picture 2">
+            <a:extLst>
+              <a:ext uri="{FF2B5EF4-FFF2-40B4-BE49-F238E27FC236}">
+                <a16:creationId xmlns:a16="http://schemas.microsoft.com/office/drawing/2014/main" id="{D8A1EC5C-28CB-45AC-9AF4-C6C8173AC01C}"/>
+              </a:ext>
+            </a:extLst>
+          </p:cNvPr>
+          <p:cNvPicPr>
+            <a:picLocks noChangeAspect="1"/>
+          </p:cNvPicPr>
+          <p:nvPr/>
+        </p:nvPicPr>
+        <p:blipFill>
+          <a:blip r:embed="rId2" cstate="print">
+            <a:extLst>
+              <a:ext uri="{28A0092B-C50C-407E-A947-70E740481C1C}">
+                <a14:useLocalDpi xmlns:a14="http://schemas.microsoft.com/office/drawing/2010/main" val="0"/>
+              </a:ext>
+            </a:extLst>
+          </a:blip>
+          <a:stretch>
+            <a:fillRect/>
+          </a:stretch>
+        </p:blipFill>
+        <p:spPr>
+          <a:xfrm>
+            <a:off x="4296937" y="2262992"/>
+            <a:ext cx="15790126" cy="11160863"/>
+          </a:xfrm>
+          <a:prstGeom prst="rect">
+            <a:avLst/>
+          </a:prstGeom>
+        </p:spPr>
+      </p:pic>
     </p:spTree>
   </p:cSld>
   <p:clrMapOvr>
     <a:masterClrMapping/>
   </p:clrMapOvr>
-  <p:transition xmlns:p14="http://schemas.microsoft.com/office/powerpoint/2010/main" spd="med" advClick="1"/>
+  <p:transition spd="med"/>
 </p:sld>
 </file>
 
 <file path=ppt/slides/slide3.xml><?xml version="1.0" encoding="utf-8"?>
-<p:sld xmlns:a="http://schemas.openxmlformats.org/drawingml/2006/main" xmlns:r="http://schemas.openxmlformats.org/officeDocument/2006/relationships" xmlns:p="http://schemas.openxmlformats.org/presentationml/2006/main" xmlns:m="http://schemas.openxmlformats.org/officeDocument/2006/math" xmlns:a14="http://schemas.microsoft.com/office/drawing/2010/main" showMasterSp="1" showMasterPhAnim="1">
+<p:sld xmlns:a="http://schemas.openxmlformats.org/drawingml/2006/main" xmlns:r="http://schemas.openxmlformats.org/officeDocument/2006/relationships" xmlns:p="http://schemas.openxmlformats.org/presentationml/2006/main">
   <p:cSld>
     <p:spTree>
       <p:nvGrpSpPr>
@@ -3363,7 +3493,9 @@
       <p:sp>
         <p:nvSpPr>
           <p:cNvPr id="132" name="Benchmarks"/>
-          <p:cNvSpPr txBox="1"/>
+          <p:cNvSpPr txBox="1">
+            <a:spLocks noGrp="1"/>
+          </p:cNvSpPr>
           <p:nvPr>
             <p:ph type="title"/>
           </p:nvPr>
@@ -3377,10 +3509,15 @@
           <a:bodyPr/>
           <a:lstStyle/>
           <a:p>
-            <a:pPr/>
             <a:r>
+              <a:rPr dirty="0"/>
               <a:t>Benchmarks</a:t>
             </a:r>
+            <a:r>
+              <a:rPr lang="de-CH" dirty="0"/>
+              <a:t> (Zuggenerator)</a:t>
+            </a:r>
+            <a:endParaRPr dirty="0"/>
           </a:p>
         </p:txBody>
       </p:sp>
@@ -3392,8 +3529,8 @@
         </p:nvSpPr>
         <p:spPr>
           <a:xfrm>
-            <a:off x="9243708" y="3357688"/>
-            <a:ext cx="5896584" cy="825501"/>
+            <a:off x="1980070" y="3334422"/>
+            <a:ext cx="20423861" cy="872034"/>
           </a:xfrm>
           <a:prstGeom prst="rect">
             <a:avLst/>
@@ -3403,7 +3540,7 @@
           </a:ln>
           <a:extLst>
             <a:ext uri="{C572A759-6A51-4108-AA02-DFA0A04FC94B}">
-              <ma14:wrappingTextBoxFlag xmlns:ma14="http://schemas.microsoft.com/office/mac/drawingml/2011/main" val="1"/>
+              <ma14:wrappingTextBoxFlag xmlns:ma14="http://schemas.microsoft.com/office/mac/drawingml/2011/main" xmlns:a14="http://schemas.microsoft.com/office/drawing/2010/main" xmlns:m="http://schemas.openxmlformats.org/officeDocument/2006/math" xmlns="" val="1"/>
             </a:ext>
           </a:extLst>
         </p:spPr>
@@ -3413,9 +3550,21 @@
           </a:bodyPr>
           <a:lstStyle/>
           <a:p>
-            <a:pPr/>
             <a:r>
-              <a:t>Rechnerkonfiguration:  </a:t>
+              <a:rPr dirty="0" err="1"/>
+              <a:t>Rechnerkonfiguration</a:t>
+            </a:r>
+            <a:r>
+              <a:rPr dirty="0"/>
+              <a:t>: </a:t>
+            </a:r>
+            <a:r>
+              <a:rPr lang="de-CH" dirty="0"/>
+              <a:t>Intel(R) Core(TM) i7-6650U CPU @ 2.20GHz   2.21 GHz</a:t>
+            </a:r>
+            <a:r>
+              <a:rPr dirty="0"/>
+              <a:t> </a:t>
             </a:r>
           </a:p>
         </p:txBody>
@@ -3424,23 +3573,53 @@
         <p:nvGraphicFramePr>
           <p:cNvPr id="134" name="Tabelle"/>
           <p:cNvGraphicFramePr/>
-          <p:nvPr/>
+          <p:nvPr>
+            <p:extLst>
+              <p:ext uri="{D42A27DB-BD31-4B8C-83A1-F6EECF244321}">
+                <p14:modId xmlns:p14="http://schemas.microsoft.com/office/powerpoint/2010/main" val="1853025810"/>
+              </p:ext>
+            </p:extLst>
+          </p:nvPr>
         </p:nvGraphicFramePr>
         <p:xfrm>
           <a:off x="673100" y="5020849"/>
-          <a:ext cx="23050500" cy="8148953"/>
+          <a:ext cx="23037799" cy="11179300"/>
         </p:xfrm>
-        <a:graphic xmlns:a="http://schemas.openxmlformats.org/drawingml/2006/main">
+        <a:graphic>
           <a:graphicData uri="http://schemas.openxmlformats.org/drawingml/2006/table">
             <a:tbl>
-              <a:tblPr firstCol="0" firstRow="0" lastCol="0" lastRow="0" bandCol="0" bandRow="1" rtl="0">
+              <a:tblPr bandRow="1">
                 <a:tableStyleId>{CF821DB8-F4EB-4A41-A1BA-3FCAFE7338EE}</a:tableStyleId>
               </a:tblPr>
               <a:tblGrid>
-                <a:gridCol w="7757778"/>
-                <a:gridCol w="7013960"/>
-                <a:gridCol w="4603529"/>
-                <a:gridCol w="3662532"/>
+                <a:gridCol w="7757778">
+                  <a:extLst>
+                    <a:ext uri="{9D8B030D-6E8A-4147-A177-3AD203B41FA5}">
+                      <a16:colId xmlns:a16="http://schemas.microsoft.com/office/drawing/2014/main" val="20000"/>
+                    </a:ext>
+                  </a:extLst>
+                </a:gridCol>
+                <a:gridCol w="7013960">
+                  <a:extLst>
+                    <a:ext uri="{9D8B030D-6E8A-4147-A177-3AD203B41FA5}">
+                      <a16:colId xmlns:a16="http://schemas.microsoft.com/office/drawing/2014/main" val="20001"/>
+                    </a:ext>
+                  </a:extLst>
+                </a:gridCol>
+                <a:gridCol w="3534538">
+                  <a:extLst>
+                    <a:ext uri="{9D8B030D-6E8A-4147-A177-3AD203B41FA5}">
+                      <a16:colId xmlns:a16="http://schemas.microsoft.com/office/drawing/2014/main" val="20002"/>
+                    </a:ext>
+                  </a:extLst>
+                </a:gridCol>
+                <a:gridCol w="4731523">
+                  <a:extLst>
+                    <a:ext uri="{9D8B030D-6E8A-4147-A177-3AD203B41FA5}">
+                      <a16:colId xmlns:a16="http://schemas.microsoft.com/office/drawing/2014/main" val="20003"/>
+                    </a:ext>
+                  </a:extLst>
+                </a:gridCol>
               </a:tblGrid>
               <a:tr h="1627250">
                 <a:tc>
@@ -3465,7 +3644,7 @@
                       </a:r>
                     </a:p>
                   </a:txBody>
-                  <a:tcPr marL="50800" marR="50800" marT="50800" marB="50800" anchor="ctr" anchorCtr="0" horzOverflow="overflow">
+                  <a:tcPr marL="50800" marR="50800" marT="50800" marB="50800" anchor="ctr" horzOverflow="overflow">
                     <a:lnL w="12700">
                       <a:solidFill>
                         <a:srgbClr val="B4B4B4"/>
@@ -3496,16 +3675,53 @@
                         </a:defRPr>
                       </a:pPr>
                       <a:r>
-                        <a:rPr sz="5000">
+                        <a:rPr sz="5000" dirty="0" err="1">
                           <a:solidFill>
                             <a:srgbClr val="5A5F5E"/>
                           </a:solidFill>
                         </a:rPr>
-                        <a:t>Gemittelte benötigte Zeit des Zuggenerators</a:t>
+                        <a:t>Gemittelte</a:t>
                       </a:r>
+                      <a:r>
+                        <a:rPr sz="5000" dirty="0">
+                          <a:solidFill>
+                            <a:srgbClr val="5A5F5E"/>
+                          </a:solidFill>
+                        </a:rPr>
+                        <a:t> </a:t>
+                      </a:r>
+                      <a:r>
+                        <a:rPr sz="5000" dirty="0" err="1">
+                          <a:solidFill>
+                            <a:srgbClr val="5A5F5E"/>
+                          </a:solidFill>
+                        </a:rPr>
+                        <a:t>benötigte</a:t>
+                      </a:r>
+                      <a:r>
+                        <a:rPr sz="5000" dirty="0">
+                          <a:solidFill>
+                            <a:srgbClr val="5A5F5E"/>
+                          </a:solidFill>
+                        </a:rPr>
+                        <a:t> Zeit des </a:t>
+                      </a:r>
+                      <a:r>
+                        <a:rPr sz="5000" dirty="0" err="1">
+                          <a:solidFill>
+                            <a:srgbClr val="5A5F5E"/>
+                          </a:solidFill>
+                        </a:rPr>
+                        <a:t>Zuggenerators</a:t>
+                      </a:r>
+                      <a:endParaRPr sz="5000" dirty="0">
+                        <a:solidFill>
+                          <a:srgbClr val="5A5F5E"/>
+                        </a:solidFill>
+                      </a:endParaRPr>
                     </a:p>
                   </a:txBody>
-                  <a:tcPr marL="50800" marR="50800" marT="50800" marB="50800" anchor="ctr" anchorCtr="0" horzOverflow="overflow">
+                  <a:tcPr marL="50800" marR="50800" marT="50800" marB="50800" anchor="ctr" horzOverflow="overflow">
                     <a:lnL w="0">
                       <a:miter lim="400000"/>
                     </a:lnL>
@@ -3542,7 +3758,7 @@
                       </a:r>
                     </a:p>
                   </a:txBody>
-                  <a:tcPr marL="50800" marR="50800" marT="50800" marB="50800" anchor="ctr" anchorCtr="0" horzOverflow="overflow">
+                  <a:tcPr marL="50800" marR="50800" marT="50800" marB="50800" anchor="ctr" horzOverflow="overflow">
                     <a:lnL w="0">
                       <a:miter lim="400000"/>
                     </a:lnL>
@@ -3579,7 +3795,7 @@
                       </a:r>
                     </a:p>
                   </a:txBody>
-                  <a:tcPr marL="50800" marR="50800" marT="50800" marB="50800" anchor="ctr" anchorCtr="0" horzOverflow="overflow">
+                  <a:tcPr marL="50800" marR="50800" marT="50800" marB="50800" anchor="ctr" horzOverflow="overflow">
                     <a:lnL w="0">
                       <a:miter lim="400000"/>
                     </a:lnL>
@@ -3597,6 +3813,11 @@
                     </a:lnT>
                   </a:tcPr>
                 </a:tc>
+                <a:extLst>
+                  <a:ext uri="{0D108BD9-81ED-4DB2-BD59-A6C34878D82A}">
+                    <a16:rowId xmlns:a16="http://schemas.microsoft.com/office/drawing/2014/main" val="10000"/>
+                  </a:ext>
+                </a:extLst>
               </a:tr>
               <a:tr h="1627250">
                 <a:tc>
@@ -3604,12 +3825,40 @@
                     <a:bodyPr/>
                     <a:lstStyle/>
                     <a:p>
-                      <a:pPr>
+                      <a:pPr marL="0" marR="0" lvl="0" indent="0" algn="ctr" defTabSz="825500" eaLnBrk="1" fontAlgn="auto" latinLnBrk="0" hangingPunct="1">
+                        <a:lnSpc>
+                          <a:spcPct val="100000"/>
+                        </a:lnSpc>
+                        <a:spcBef>
+                          <a:spcPts val="0"/>
+                        </a:spcBef>
+                        <a:spcAft>
+                          <a:spcPts val="0"/>
+                        </a:spcAft>
+                        <a:buClrTx/>
+                        <a:buSzTx/>
+                        <a:buFontTx/>
+                        <a:buNone/>
+                        <a:tabLst/>
                         <a:defRPr sz="5000"/>
                       </a:pPr>
+                      <a:r>
+                        <a:rPr lang="de-DE" sz="5000" b="0" i="0" u="none" strike="noStrike" cap="none" spc="0" baseline="0" dirty="0">
+                          <a:solidFill>
+                            <a:srgbClr val="5A5F5E"/>
+                          </a:solidFill>
+                          <a:effectLst/>
+                          <a:uFillTx/>
+                          <a:latin typeface="+mn-lt"/>
+                          <a:ea typeface="+mn-ea"/>
+                          <a:cs typeface="+mn-cs"/>
+                          <a:sym typeface="Gill Sans Light"/>
+                        </a:rPr>
+                        <a:t>rnb1kbnr/p4ppp/1p1pp3/2p3q1/3P4/NQP1PNPB/PP3P1P/R1B1K2R w</a:t>
+                      </a:r>
                     </a:p>
                   </a:txBody>
-                  <a:tcPr marL="50800" marR="50800" marT="50800" marB="50800" anchor="ctr" anchorCtr="0" horzOverflow="overflow">
+                  <a:tcPr marL="50800" marR="50800" marT="50800" marB="50800" anchor="ctr" horzOverflow="overflow">
                     <a:lnL w="12700">
                       <a:solidFill>
                         <a:srgbClr val="B4B4B4"/>
@@ -3629,10 +3878,154 @@
                       <a:pPr>
                         <a:defRPr sz="5000"/>
                       </a:pPr>
+                      <a:r>
+                        <a:rPr lang="de-DE" dirty="0"/>
+                        <a:t>0.009831369161605834s</a:t>
+                      </a:r>
                     </a:p>
                   </a:txBody>
-                  <a:tcPr marL="50800" marR="50800" marT="50800" marB="50800" anchor="ctr" anchorCtr="0" horzOverflow="overflow">
+                  <a:tcPr marL="50800" marR="50800" marT="50800" marB="50800" anchor="ctr" horzOverflow="overflow">
                     <a:lnL w="0">
+                      <a:miter lim="400000"/>
+                    </a:lnL>
+                    <a:lnR w="0">
+                      <a:miter lim="400000"/>
+                    </a:lnR>
+                  </a:tcPr>
+                </a:tc>
+                <a:tc>
+                  <a:txBody>
+                    <a:bodyPr/>
+                    <a:lstStyle/>
+                    <a:p>
+                      <a:pPr marL="0" marR="0" lvl="0" indent="0" algn="ctr" defTabSz="825500" eaLnBrk="1" fontAlgn="auto" latinLnBrk="0" hangingPunct="1">
+                        <a:lnSpc>
+                          <a:spcPct val="100000"/>
+                        </a:lnSpc>
+                        <a:spcBef>
+                          <a:spcPts val="0"/>
+                        </a:spcBef>
+                        <a:spcAft>
+                          <a:spcPts val="0"/>
+                        </a:spcAft>
+                        <a:buClrTx/>
+                        <a:buSzTx/>
+                        <a:buFontTx/>
+                        <a:buNone/>
+                        <a:tabLst/>
+                        <a:defRPr sz="5000"/>
+                      </a:pPr>
+                      <a:r>
+                        <a:rPr lang="de-DE" dirty="0"/>
+                        <a:t>39</a:t>
+                      </a:r>
+                    </a:p>
+                  </a:txBody>
+                  <a:tcPr marL="50800" marR="50800" marT="50800" marB="50800" anchor="ctr" horzOverflow="overflow">
+                    <a:lnL w="0">
+                      <a:miter lim="400000"/>
+                    </a:lnL>
+                    <a:lnR w="0">
+                      <a:miter lim="400000"/>
+                    </a:lnR>
+                  </a:tcPr>
+                </a:tc>
+                <a:tc>
+                  <a:txBody>
+                    <a:bodyPr/>
+                    <a:lstStyle/>
+                    <a:p>
+                      <a:pPr marL="0" marR="0" lvl="0" indent="0" algn="ctr" defTabSz="825500" eaLnBrk="1" fontAlgn="auto" latinLnBrk="0" hangingPunct="1">
+                        <a:lnSpc>
+                          <a:spcPct val="100000"/>
+                        </a:lnSpc>
+                        <a:spcBef>
+                          <a:spcPts val="0"/>
+                        </a:spcBef>
+                        <a:spcAft>
+                          <a:spcPts val="0"/>
+                        </a:spcAft>
+                        <a:buClrTx/>
+                        <a:buSzTx/>
+                        <a:buFontTx/>
+                        <a:buNone/>
+                        <a:tabLst/>
+                        <a:defRPr sz="5000"/>
+                      </a:pPr>
+                      <a:r>
+                        <a:rPr lang="de-DE" dirty="0"/>
+                        <a:t>0.00025208638875912396s</a:t>
+                      </a:r>
+                    </a:p>
+                    <a:p>
+                      <a:pPr>
+                        <a:defRPr sz="5000"/>
+                      </a:pPr>
+                      <a:endParaRPr dirty="0"/>
+                    </a:p>
+                  </a:txBody>
+                  <a:tcPr marL="50800" marR="50800" marT="50800" marB="50800" anchor="ctr" horzOverflow="overflow">
+                    <a:lnL w="0">
+                      <a:miter lim="400000"/>
+                    </a:lnL>
+                    <a:lnR w="12700">
+                      <a:solidFill>
+                        <a:srgbClr val="B4B4B4"/>
+                      </a:solidFill>
+                      <a:miter lim="400000"/>
+                    </a:lnR>
+                  </a:tcPr>
+                </a:tc>
+                <a:extLst>
+                  <a:ext uri="{0D108BD9-81ED-4DB2-BD59-A6C34878D82A}">
+                    <a16:rowId xmlns:a16="http://schemas.microsoft.com/office/drawing/2014/main" val="10001"/>
+                  </a:ext>
+                </a:extLst>
+              </a:tr>
+              <a:tr h="1627250">
+                <a:tc>
+                  <a:txBody>
+                    <a:bodyPr/>
+                    <a:lstStyle/>
+                    <a:p>
+                      <a:pPr marL="0" marR="0" lvl="0" indent="0" algn="ctr" defTabSz="825500" eaLnBrk="1" fontAlgn="auto" latinLnBrk="0" hangingPunct="1">
+                        <a:lnSpc>
+                          <a:spcPct val="100000"/>
+                        </a:lnSpc>
+                        <a:spcBef>
+                          <a:spcPts val="0"/>
+                        </a:spcBef>
+                        <a:spcAft>
+                          <a:spcPts val="0"/>
+                        </a:spcAft>
+                        <a:buClrTx/>
+                        <a:buSzTx/>
+                        <a:buFontTx/>
+                        <a:buNone/>
+                        <a:tabLst/>
+                        <a:defRPr sz="5000"/>
+                      </a:pPr>
+                      <a:r>
+                        <a:rPr lang="de-DE" sz="5000" b="0" i="0" u="none" strike="noStrike" cap="none" spc="0" baseline="0" dirty="0">
+                          <a:solidFill>
+                            <a:srgbClr val="5A5F5E"/>
+                          </a:solidFill>
+                          <a:effectLst/>
+                          <a:uFillTx/>
+                          <a:latin typeface="+mn-lt"/>
+                          <a:ea typeface="+mn-ea"/>
+                          <a:cs typeface="+mn-cs"/>
+                          <a:sym typeface="Gill Sans Light"/>
+                        </a:rPr>
+                        <a:t>r1b1kbnr/pN2pp1p/2P5/1p4qp/3P3P/2P5/PP3PP1/R1B1K1NR w</a:t>
+                      </a:r>
+                    </a:p>
+                  </a:txBody>
+                  <a:tcPr marL="50800" marR="50800" marT="50800" marB="50800" anchor="ctr" horzOverflow="overflow">
+                    <a:lnL w="12700">
+                      <a:solidFill>
+                        <a:srgbClr val="B4B4B4"/>
+                      </a:solidFill>
                       <a:miter lim="400000"/>
                     </a:lnL>
                     <a:lnR w="0">
@@ -3648,9 +4041,14 @@
                       <a:pPr>
                         <a:defRPr sz="5000"/>
                       </a:pPr>
+                      <a:r>
+                        <a:rPr lang="de-DE" dirty="0"/>
+                        <a:t>0.0078041660785675045s</a:t>
+                      </a:r>
+                      <a:endParaRPr dirty="0"/>
                     </a:p>
                   </a:txBody>
-                  <a:tcPr marL="50800" marR="50800" marT="50800" marB="50800" anchor="ctr" anchorCtr="0" horzOverflow="overflow">
+                  <a:tcPr marL="50800" marR="50800" marT="50800" marB="50800" anchor="ctr" horzOverflow="overflow">
                     <a:lnL w="0">
                       <a:miter lim="400000"/>
                     </a:lnL>
@@ -3667,9 +4065,51 @@
                       <a:pPr>
                         <a:defRPr sz="5000"/>
                       </a:pPr>
+                      <a:r>
+                        <a:rPr lang="de-DE" dirty="0"/>
+                        <a:t>28</a:t>
+                      </a:r>
+                      <a:endParaRPr dirty="0"/>
                     </a:p>
                   </a:txBody>
-                  <a:tcPr marL="50800" marR="50800" marT="50800" marB="50800" anchor="ctr" anchorCtr="0" horzOverflow="overflow">
+                  <a:tcPr marL="50800" marR="50800" marT="50800" marB="50800" anchor="ctr" horzOverflow="overflow">
+                    <a:lnL w="0">
+                      <a:miter lim="400000"/>
+                    </a:lnL>
+                    <a:lnR w="0">
+                      <a:miter lim="400000"/>
+                    </a:lnR>
+                  </a:tcPr>
+                </a:tc>
+                <a:tc>
+                  <a:txBody>
+                    <a:bodyPr/>
+                    <a:lstStyle/>
+                    <a:p>
+                      <a:pPr marL="0" marR="0" lvl="0" indent="0" algn="ctr" defTabSz="825500" eaLnBrk="1" fontAlgn="auto" latinLnBrk="0" hangingPunct="1">
+                        <a:lnSpc>
+                          <a:spcPct val="100000"/>
+                        </a:lnSpc>
+                        <a:spcBef>
+                          <a:spcPts val="0"/>
+                        </a:spcBef>
+                        <a:spcAft>
+                          <a:spcPts val="0"/>
+                        </a:spcAft>
+                        <a:buClrTx/>
+                        <a:buSzTx/>
+                        <a:buFontTx/>
+                        <a:buNone/>
+                        <a:tabLst/>
+                        <a:defRPr sz="5000"/>
+                      </a:pPr>
+                      <a:r>
+                        <a:rPr lang="de-DE" dirty="0"/>
+                        <a:t>0.0002787202170916966s</a:t>
+                      </a:r>
+                    </a:p>
+                  </a:txBody>
+                  <a:tcPr marL="50800" marR="50800" marT="50800" marB="50800" anchor="ctr" horzOverflow="overflow">
                     <a:lnL w="0">
                       <a:miter lim="400000"/>
                     </a:lnL>
@@ -3681,6 +4121,11 @@
                     </a:lnR>
                   </a:tcPr>
                 </a:tc>
+                <a:extLst>
+                  <a:ext uri="{0D108BD9-81ED-4DB2-BD59-A6C34878D82A}">
+                    <a16:rowId xmlns:a16="http://schemas.microsoft.com/office/drawing/2014/main" val="10002"/>
+                  </a:ext>
+                </a:extLst>
               </a:tr>
               <a:tr h="1627250">
                 <a:tc>
@@ -3691,9 +4136,24 @@
                       <a:pPr>
                         <a:defRPr sz="5000"/>
                       </a:pPr>
+                      <a:r>
+                        <a:rPr lang="de-CH" sz="5000" b="0" i="0" u="none" strike="noStrike" cap="none" spc="0" baseline="0" dirty="0">
+                          <a:solidFill>
+                            <a:srgbClr val="5A5F5E"/>
+                          </a:solidFill>
+                          <a:effectLst/>
+                          <a:uFillTx/>
+                          <a:latin typeface="+mn-lt"/>
+                          <a:ea typeface="+mn-ea"/>
+                          <a:cs typeface="+mn-cs"/>
+                          <a:sym typeface="Gill Sans Light"/>
+                        </a:rPr>
+                        <a:t>3q3r/1pp2pb1/3pkn2/1B6/3P4/4PN1P/5K1P/7R b</a:t>
+                      </a:r>
+                      <a:endParaRPr dirty="0"/>
                     </a:p>
                   </a:txBody>
-                  <a:tcPr marL="50800" marR="50800" marT="50800" marB="50800" anchor="ctr" anchorCtr="0" horzOverflow="overflow">
+                  <a:tcPr marL="50800" marR="50800" marT="50800" marB="50800" anchor="ctr" horzOverflow="overflow">
                     <a:lnL w="12700">
                       <a:solidFill>
                         <a:srgbClr val="B4B4B4"/>
@@ -3710,12 +4170,30 @@
                     <a:bodyPr/>
                     <a:lstStyle/>
                     <a:p>
-                      <a:pPr>
+                      <a:pPr marL="0" marR="0" lvl="0" indent="0" algn="ctr" defTabSz="825500" eaLnBrk="1" fontAlgn="auto" latinLnBrk="0" hangingPunct="1">
+                        <a:lnSpc>
+                          <a:spcPct val="100000"/>
+                        </a:lnSpc>
+                        <a:spcBef>
+                          <a:spcPts val="0"/>
+                        </a:spcBef>
+                        <a:spcAft>
+                          <a:spcPts val="0"/>
+                        </a:spcAft>
+                        <a:buClrTx/>
+                        <a:buSzTx/>
+                        <a:buFontTx/>
+                        <a:buNone/>
+                        <a:tabLst/>
                         <a:defRPr sz="5000"/>
                       </a:pPr>
+                      <a:r>
+                        <a:rPr lang="de-DE" dirty="0"/>
+                        <a:t>0.006782544136047363s</a:t>
+                      </a:r>
                     </a:p>
                   </a:txBody>
-                  <a:tcPr marL="50800" marR="50800" marT="50800" marB="50800" anchor="ctr" anchorCtr="0" horzOverflow="overflow">
+                  <a:tcPr marL="50800" marR="50800" marT="50800" marB="50800" anchor="ctr" horzOverflow="overflow">
                     <a:lnL w="0">
                       <a:miter lim="400000"/>
                     </a:lnL>
@@ -3729,12 +4207,30 @@
                     <a:bodyPr/>
                     <a:lstStyle/>
                     <a:p>
-                      <a:pPr>
+                      <a:pPr marL="0" marR="0" lvl="0" indent="0" algn="ctr" defTabSz="825500" eaLnBrk="1" fontAlgn="auto" latinLnBrk="0" hangingPunct="1">
+                        <a:lnSpc>
+                          <a:spcPct val="100000"/>
+                        </a:lnSpc>
+                        <a:spcBef>
+                          <a:spcPts val="0"/>
+                        </a:spcBef>
+                        <a:spcAft>
+                          <a:spcPts val="0"/>
+                        </a:spcAft>
+                        <a:buClrTx/>
+                        <a:buSzTx/>
+                        <a:buFontTx/>
+                        <a:buNone/>
+                        <a:tabLst/>
                         <a:defRPr sz="5000"/>
                       </a:pPr>
+                      <a:r>
+                        <a:rPr lang="de-DE" dirty="0"/>
+                        <a:t>28</a:t>
+                      </a:r>
                     </a:p>
                   </a:txBody>
-                  <a:tcPr marL="50800" marR="50800" marT="50800" marB="50800" anchor="ctr" anchorCtr="0" horzOverflow="overflow">
+                  <a:tcPr marL="50800" marR="50800" marT="50800" marB="50800" anchor="ctr" horzOverflow="overflow">
                     <a:lnL w="0">
                       <a:miter lim="400000"/>
                     </a:lnL>
@@ -3748,12 +4244,30 @@
                     <a:bodyPr/>
                     <a:lstStyle/>
                     <a:p>
-                      <a:pPr>
+                      <a:pPr marL="0" marR="0" lvl="0" indent="0" algn="ctr" defTabSz="825500" eaLnBrk="1" fontAlgn="auto" latinLnBrk="0" hangingPunct="1">
+                        <a:lnSpc>
+                          <a:spcPct val="100000"/>
+                        </a:lnSpc>
+                        <a:spcBef>
+                          <a:spcPts val="0"/>
+                        </a:spcBef>
+                        <a:spcAft>
+                          <a:spcPts val="0"/>
+                        </a:spcAft>
+                        <a:buClrTx/>
+                        <a:buSzTx/>
+                        <a:buFontTx/>
+                        <a:buNone/>
+                        <a:tabLst/>
                         <a:defRPr sz="5000"/>
                       </a:pPr>
+                      <a:r>
+                        <a:rPr lang="de-DE" dirty="0"/>
+                        <a:t>0.0002422337191445487s</a:t>
+                      </a:r>
                     </a:p>
                   </a:txBody>
-                  <a:tcPr marL="50800" marR="50800" marT="50800" marB="50800" anchor="ctr" anchorCtr="0" horzOverflow="overflow">
+                  <a:tcPr marL="50800" marR="50800" marT="50800" marB="50800" anchor="ctr" horzOverflow="overflow">
                     <a:lnL w="0">
                       <a:miter lim="400000"/>
                     </a:lnL>
@@ -3765,6 +4279,11 @@
                     </a:lnR>
                   </a:tcPr>
                 </a:tc>
+                <a:extLst>
+                  <a:ext uri="{0D108BD9-81ED-4DB2-BD59-A6C34878D82A}">
+                    <a16:rowId xmlns:a16="http://schemas.microsoft.com/office/drawing/2014/main" val="10003"/>
+                  </a:ext>
+                </a:extLst>
               </a:tr>
               <a:tr h="1627250">
                 <a:tc>
@@ -3772,96 +4291,60 @@
                     <a:bodyPr/>
                     <a:lstStyle/>
                     <a:p>
-                      <a:pPr>
+                      <a:pPr marL="0" marR="0" lvl="0" indent="0" algn="ctr" defTabSz="825500" eaLnBrk="1" fontAlgn="auto" latinLnBrk="0" hangingPunct="1">
+                        <a:lnSpc>
+                          <a:spcPct val="100000"/>
+                        </a:lnSpc>
+                        <a:spcBef>
+                          <a:spcPts val="0"/>
+                        </a:spcBef>
+                        <a:spcAft>
+                          <a:spcPts val="0"/>
+                        </a:spcAft>
+                        <a:buClrTx/>
+                        <a:buSzTx/>
+                        <a:buFontTx/>
+                        <a:buNone/>
+                        <a:tabLst/>
                         <a:defRPr sz="5000"/>
                       </a:pPr>
+                      <a:r>
+                        <a:rPr lang="de-DE" sz="5000" b="0" i="0" u="none" strike="noStrike" cap="none" spc="0" baseline="0" dirty="0" err="1">
+                          <a:solidFill>
+                            <a:srgbClr val="5A5F5E"/>
+                          </a:solidFill>
+                          <a:effectLst/>
+                          <a:uFillTx/>
+                          <a:latin typeface="+mn-lt"/>
+                          <a:ea typeface="+mn-ea"/>
+                          <a:cs typeface="+mn-cs"/>
+                          <a:sym typeface="Gill Sans Light"/>
+                        </a:rPr>
+                        <a:t>rnbqkbnr</a:t>
+                      </a:r>
+                      <a:r>
+                        <a:rPr lang="de-DE" sz="5000" b="0" i="0" u="none" strike="noStrike" cap="none" spc="0" baseline="0" dirty="0">
+                          <a:solidFill>
+                            <a:srgbClr val="5A5F5E"/>
+                          </a:solidFill>
+                          <a:effectLst/>
+                          <a:uFillTx/>
+                          <a:latin typeface="+mn-lt"/>
+                          <a:ea typeface="+mn-ea"/>
+                          <a:cs typeface="+mn-cs"/>
+                          <a:sym typeface="Gill Sans Light"/>
+                        </a:rPr>
+                        <a:t>/pp1p1ppp/4p3/1Pp5/8/2N5/P1PPPPPP/R1BQKBNR w</a:t>
+                      </a:r>
                     </a:p>
-                  </a:txBody>
-                  <a:tcPr marL="50800" marR="50800" marT="50800" marB="50800" anchor="ctr" anchorCtr="0" horzOverflow="overflow">
-                    <a:lnL w="12700">
-                      <a:solidFill>
-                        <a:srgbClr val="B4B4B4"/>
-                      </a:solidFill>
-                      <a:miter lim="400000"/>
-                    </a:lnL>
-                    <a:lnR w="0">
-                      <a:miter lim="400000"/>
-                    </a:lnR>
-                  </a:tcPr>
-                </a:tc>
-                <a:tc>
-                  <a:txBody>
-                    <a:bodyPr/>
-                    <a:lstStyle/>
                     <a:p>
                       <a:pPr>
                         <a:defRPr sz="5000"/>
                       </a:pPr>
+                      <a:endParaRPr dirty="0"/>
                     </a:p>
                   </a:txBody>
-                  <a:tcPr marL="50800" marR="50800" marT="50800" marB="50800" anchor="ctr" anchorCtr="0" horzOverflow="overflow">
-                    <a:lnL w="0">
-                      <a:miter lim="400000"/>
-                    </a:lnL>
-                    <a:lnR w="0">
-                      <a:miter lim="400000"/>
-                    </a:lnR>
-                  </a:tcPr>
-                </a:tc>
-                <a:tc>
-                  <a:txBody>
-                    <a:bodyPr/>
-                    <a:lstStyle/>
-                    <a:p>
-                      <a:pPr>
-                        <a:defRPr sz="5000"/>
-                      </a:pPr>
-                    </a:p>
-                  </a:txBody>
-                  <a:tcPr marL="50800" marR="50800" marT="50800" marB="50800" anchor="ctr" anchorCtr="0" horzOverflow="overflow">
-                    <a:lnL w="0">
-                      <a:miter lim="400000"/>
-                    </a:lnL>
-                    <a:lnR w="0">
-                      <a:miter lim="400000"/>
-                    </a:lnR>
-                  </a:tcPr>
-                </a:tc>
-                <a:tc>
-                  <a:txBody>
-                    <a:bodyPr/>
-                    <a:lstStyle/>
-                    <a:p>
-                      <a:pPr>
-                        <a:defRPr sz="5000"/>
-                      </a:pPr>
-                    </a:p>
-                  </a:txBody>
-                  <a:tcPr marL="50800" marR="50800" marT="50800" marB="50800" anchor="ctr" anchorCtr="0" horzOverflow="overflow">
-                    <a:lnL w="0">
-                      <a:miter lim="400000"/>
-                    </a:lnL>
-                    <a:lnR w="12700">
-                      <a:solidFill>
-                        <a:srgbClr val="B4B4B4"/>
-                      </a:solidFill>
-                      <a:miter lim="400000"/>
-                    </a:lnR>
-                  </a:tcPr>
-                </a:tc>
-              </a:tr>
-              <a:tr h="1627250">
-                <a:tc>
-                  <a:txBody>
-                    <a:bodyPr/>
-                    <a:lstStyle/>
-                    <a:p>
-                      <a:pPr>
-                        <a:defRPr sz="5000"/>
-                      </a:pPr>
-                    </a:p>
-                  </a:txBody>
-                  <a:tcPr marL="50800" marR="50800" marT="50800" marB="50800" anchor="ctr" anchorCtr="0" horzOverflow="overflow">
+                  <a:tcPr marL="50800" marR="50800" marT="50800" marB="50800" anchor="ctr" horzOverflow="overflow">
                     <a:lnL w="12700">
                       <a:solidFill>
                         <a:srgbClr val="B4B4B4"/>
@@ -3887,9 +4370,57 @@
                       <a:pPr>
                         <a:defRPr sz="5000"/>
                       </a:pPr>
+                      <a:r>
+                        <a:rPr lang="de-DE" dirty="0"/>
+                        <a:t>0.007024630546569825s</a:t>
+                      </a:r>
+                      <a:endParaRPr dirty="0"/>
                     </a:p>
                   </a:txBody>
-                  <a:tcPr marL="50800" marR="50800" marT="50800" marB="50800" anchor="ctr" anchorCtr="0" horzOverflow="overflow">
+                  <a:tcPr marL="50800" marR="50800" marT="50800" marB="50800" anchor="ctr" horzOverflow="overflow">
+                    <a:lnL w="0">
+                      <a:miter lim="400000"/>
+                    </a:lnL>
+                    <a:lnR w="0">
+                      <a:miter lim="400000"/>
+                    </a:lnR>
+                    <a:lnB w="12700">
+                      <a:solidFill>
+                        <a:srgbClr val="B4B4B4"/>
+                      </a:solidFill>
+                      <a:miter lim="400000"/>
+                    </a:lnB>
+                  </a:tcPr>
+                </a:tc>
+                <a:tc>
+                  <a:txBody>
+                    <a:bodyPr/>
+                    <a:lstStyle/>
+                    <a:p>
+                      <a:pPr marL="0" marR="0" lvl="0" indent="0" algn="ctr" defTabSz="825500" eaLnBrk="1" fontAlgn="auto" latinLnBrk="0" hangingPunct="1">
+                        <a:lnSpc>
+                          <a:spcPct val="100000"/>
+                        </a:lnSpc>
+                        <a:spcBef>
+                          <a:spcPts val="0"/>
+                        </a:spcBef>
+                        <a:spcAft>
+                          <a:spcPts val="0"/>
+                        </a:spcAft>
+                        <a:buClrTx/>
+                        <a:buSzTx/>
+                        <a:buFontTx/>
+                        <a:buNone/>
+                        <a:tabLst/>
+                        <a:defRPr sz="5000"/>
+                      </a:pPr>
+                      <a:r>
+                        <a:rPr lang="de-DE" dirty="0"/>
+                        <a:t>23</a:t>
+                      </a:r>
+                    </a:p>
+                  </a:txBody>
+                  <a:tcPr marL="50800" marR="50800" marT="50800" marB="50800" anchor="ctr" horzOverflow="overflow">
                     <a:lnL w="0">
                       <a:miter lim="400000"/>
                     </a:lnL>
@@ -3912,13 +4443,21 @@
                       <a:pPr>
                         <a:defRPr sz="5000"/>
                       </a:pPr>
+                      <a:r>
+                        <a:rPr lang="de-DE" dirty="0"/>
+                        <a:t>0.00030541871941607934s</a:t>
+                      </a:r>
+                      <a:endParaRPr dirty="0"/>
                     </a:p>
                   </a:txBody>
-                  <a:tcPr marL="50800" marR="50800" marT="50800" marB="50800" anchor="ctr" anchorCtr="0" horzOverflow="overflow">
+                  <a:tcPr marL="50800" marR="50800" marT="50800" marB="50800" anchor="ctr" horzOverflow="overflow">
                     <a:lnL w="0">
                       <a:miter lim="400000"/>
                     </a:lnL>
-                    <a:lnR w="0">
+                    <a:lnR w="12700">
+                      <a:solidFill>
+                        <a:srgbClr val="B4B4B4"/>
+                      </a:solidFill>
                       <a:miter lim="400000"/>
                     </a:lnR>
                     <a:lnB w="12700">
@@ -3929,34 +4468,11 @@
                     </a:lnB>
                   </a:tcPr>
                 </a:tc>
-                <a:tc>
-                  <a:txBody>
-                    <a:bodyPr/>
-                    <a:lstStyle/>
-                    <a:p>
-                      <a:pPr>
-                        <a:defRPr sz="5000"/>
-                      </a:pPr>
-                    </a:p>
-                  </a:txBody>
-                  <a:tcPr marL="50800" marR="50800" marT="50800" marB="50800" anchor="ctr" anchorCtr="0" horzOverflow="overflow">
-                    <a:lnL w="0">
-                      <a:miter lim="400000"/>
-                    </a:lnL>
-                    <a:lnR w="12700">
-                      <a:solidFill>
-                        <a:srgbClr val="B4B4B4"/>
-                      </a:solidFill>
-                      <a:miter lim="400000"/>
-                    </a:lnR>
-                    <a:lnB w="12700">
-                      <a:solidFill>
-                        <a:srgbClr val="B4B4B4"/>
-                      </a:solidFill>
-                      <a:miter lim="400000"/>
-                    </a:lnB>
-                  </a:tcPr>
-                </a:tc>
+                <a:extLst>
+                  <a:ext uri="{0D108BD9-81ED-4DB2-BD59-A6C34878D82A}">
+                    <a16:rowId xmlns:a16="http://schemas.microsoft.com/office/drawing/2014/main" val="10004"/>
+                  </a:ext>
+                </a:extLst>
               </a:tr>
             </a:tbl>
           </a:graphicData>
@@ -3967,12 +4483,12 @@
   <p:clrMapOvr>
     <a:masterClrMapping/>
   </p:clrMapOvr>
-  <p:transition xmlns:p14="http://schemas.microsoft.com/office/powerpoint/2010/main" spd="med" advClick="1"/>
+  <p:transition spd="med"/>
 </p:sld>
 </file>
 
 <file path=ppt/slides/slide4.xml><?xml version="1.0" encoding="utf-8"?>
-<p:sld xmlns:a="http://schemas.openxmlformats.org/drawingml/2006/main" xmlns:r="http://schemas.openxmlformats.org/officeDocument/2006/relationships" xmlns:p="http://schemas.openxmlformats.org/presentationml/2006/main" xmlns:m="http://schemas.openxmlformats.org/officeDocument/2006/math" xmlns:a14="http://schemas.microsoft.com/office/drawing/2010/main" showMasterSp="1" showMasterPhAnim="1">
+<p:sld xmlns:a="http://schemas.openxmlformats.org/drawingml/2006/main" xmlns:r="http://schemas.openxmlformats.org/officeDocument/2006/relationships" xmlns:p="http://schemas.openxmlformats.org/presentationml/2006/main">
   <p:cSld>
     <p:spTree>
       <p:nvGrpSpPr>
@@ -3991,7 +4507,9 @@
       <p:sp>
         <p:nvSpPr>
           <p:cNvPr id="136" name="Projekt: KI"/>
-          <p:cNvSpPr txBox="1"/>
+          <p:cNvSpPr txBox="1">
+            <a:spLocks noGrp="1"/>
+          </p:cNvSpPr>
           <p:nvPr>
             <p:ph type="ctrTitle"/>
           </p:nvPr>
@@ -4013,7 +4531,6 @@
             </a:lvl1pPr>
           </a:lstStyle>
           <a:p>
-            <a:pPr/>
             <a:r>
               <a:t>Projekt: KI</a:t>
             </a:r>
@@ -4023,7 +4540,9 @@
       <p:sp>
         <p:nvSpPr>
           <p:cNvPr id="137" name="Entwicklung einer spielstarken KI für die Schachvariante “King of the hill”"/>
-          <p:cNvSpPr txBox="1"/>
+          <p:cNvSpPr txBox="1">
+            <a:spLocks noGrp="1"/>
+          </p:cNvSpPr>
           <p:nvPr>
             <p:ph type="subTitle" sz="quarter" idx="1"/>
           </p:nvPr>
@@ -4045,7 +4564,6 @@
             </a:lvl1pPr>
           </a:lstStyle>
           <a:p>
-            <a:pPr/>
             <a:r>
               <a:t>Entwicklung einer spielstarken KI für die Schachvariante “King of the hill”</a:t>
             </a:r>
@@ -4071,7 +4589,7 @@
           </a:ln>
           <a:extLst>
             <a:ext uri="{C572A759-6A51-4108-AA02-DFA0A04FC94B}">
-              <ma14:wrappingTextBoxFlag xmlns:ma14="http://schemas.microsoft.com/office/mac/drawingml/2011/main" val="1"/>
+              <ma14:wrappingTextBoxFlag xmlns:ma14="http://schemas.microsoft.com/office/mac/drawingml/2011/main" xmlns:a14="http://schemas.microsoft.com/office/drawing/2010/main" xmlns:m="http://schemas.openxmlformats.org/officeDocument/2006/math" xmlns="" val="1"/>
             </a:ext>
           </a:extLst>
         </p:spPr>
@@ -4081,34 +4599,29 @@
           </a:bodyPr>
           <a:lstStyle/>
           <a:p>
-            <a:pPr/>
             <a:r>
               <a:t>Gruppe:  AN</a:t>
             </a:r>
           </a:p>
           <a:p>
-            <a:pPr/>
-          </a:p>
-          <a:p>
-            <a:pPr/>
+            <a:endParaRPr/>
+          </a:p>
+          <a:p>
             <a:r>
               <a:t>Mitglieder: </a:t>
             </a:r>
           </a:p>
           <a:p>
-            <a:pPr/>
             <a:r>
               <a:t>Eric Benschneider</a:t>
             </a:r>
           </a:p>
           <a:p>
-            <a:pPr/>
             <a:r>
               <a:t>Kemel Alex Callisaya</a:t>
             </a:r>
           </a:p>
           <a:p>
-            <a:pPr/>
             <a:r>
               <a:t>Christoph Scherer</a:t>
             </a:r>
@@ -4134,7 +4647,7 @@
           </a:ln>
           <a:extLst>
             <a:ext uri="{C572A759-6A51-4108-AA02-DFA0A04FC94B}">
-              <ma14:wrappingTextBoxFlag xmlns:ma14="http://schemas.microsoft.com/office/mac/drawingml/2011/main" val="1"/>
+              <ma14:wrappingTextBoxFlag xmlns:ma14="http://schemas.microsoft.com/office/mac/drawingml/2011/main" xmlns:a14="http://schemas.microsoft.com/office/drawing/2010/main" xmlns:m="http://schemas.openxmlformats.org/officeDocument/2006/math" xmlns="" val="1"/>
             </a:ext>
           </a:extLst>
         </p:spPr>
@@ -4144,11 +4657,10 @@
           </a:bodyPr>
           <a:lstStyle>
             <a:lvl1pPr>
-              <a:defRPr cap="all" sz="10000"/>
+              <a:defRPr sz="10000" cap="all"/>
             </a:lvl1pPr>
           </a:lstStyle>
           <a:p>
-            <a:pPr/>
             <a:r>
               <a:t>Meilenstein 2 - BASIS-KI</a:t>
             </a:r>
@@ -4160,12 +4672,12 @@
   <p:clrMapOvr>
     <a:masterClrMapping/>
   </p:clrMapOvr>
-  <p:transition xmlns:p14="http://schemas.microsoft.com/office/powerpoint/2010/main" spd="med" advClick="1"/>
+  <p:transition spd="med"/>
 </p:sld>
 </file>
 
 <file path=ppt/slides/slide5.xml><?xml version="1.0" encoding="utf-8"?>
-<p:sld xmlns:a="http://schemas.openxmlformats.org/drawingml/2006/main" xmlns:r="http://schemas.openxmlformats.org/officeDocument/2006/relationships" xmlns:p="http://schemas.openxmlformats.org/presentationml/2006/main" xmlns:m="http://schemas.openxmlformats.org/officeDocument/2006/math" xmlns:a14="http://schemas.microsoft.com/office/drawing/2010/main" showMasterSp="1" showMasterPhAnim="1">
+<p:sld xmlns:a="http://schemas.openxmlformats.org/drawingml/2006/main" xmlns:r="http://schemas.openxmlformats.org/officeDocument/2006/relationships" xmlns:p="http://schemas.openxmlformats.org/presentationml/2006/main">
   <p:cSld>
     <p:spTree>
       <p:nvGrpSpPr>
@@ -4184,7 +4696,9 @@
       <p:sp>
         <p:nvSpPr>
           <p:cNvPr id="141" name="Benchmarks"/>
-          <p:cNvSpPr txBox="1"/>
+          <p:cNvSpPr txBox="1">
+            <a:spLocks noGrp="1"/>
+          </p:cNvSpPr>
           <p:nvPr>
             <p:ph type="title"/>
           </p:nvPr>
@@ -4198,10 +4712,15 @@
           <a:bodyPr/>
           <a:lstStyle/>
           <a:p>
-            <a:pPr/>
             <a:r>
+              <a:rPr dirty="0"/>
               <a:t>Benchmarks</a:t>
             </a:r>
+            <a:r>
+              <a:rPr lang="de-CH" dirty="0"/>
+              <a:t> (Bewertung)</a:t>
+            </a:r>
+            <a:endParaRPr dirty="0"/>
           </a:p>
         </p:txBody>
       </p:sp>
@@ -4213,8 +4732,8 @@
         </p:nvSpPr>
         <p:spPr>
           <a:xfrm>
-            <a:off x="9243708" y="3357688"/>
-            <a:ext cx="5896584" cy="825501"/>
+            <a:off x="1891104" y="3334422"/>
+            <a:ext cx="20601794" cy="872034"/>
           </a:xfrm>
           <a:prstGeom prst="rect">
             <a:avLst/>
@@ -4224,7 +4743,7 @@
           </a:ln>
           <a:extLst>
             <a:ext uri="{C572A759-6A51-4108-AA02-DFA0A04FC94B}">
-              <ma14:wrappingTextBoxFlag xmlns:ma14="http://schemas.microsoft.com/office/mac/drawingml/2011/main" val="1"/>
+              <ma14:wrappingTextBoxFlag xmlns:ma14="http://schemas.microsoft.com/office/mac/drawingml/2011/main" xmlns:a14="http://schemas.microsoft.com/office/drawing/2010/main" xmlns:m="http://schemas.openxmlformats.org/officeDocument/2006/math" xmlns="" val="1"/>
             </a:ext>
           </a:extLst>
         </p:spPr>
@@ -4234,9 +4753,21 @@
           </a:bodyPr>
           <a:lstStyle/>
           <a:p>
-            <a:pPr/>
             <a:r>
-              <a:t>Rechnerkonfiguration:  </a:t>
+              <a:rPr dirty="0" err="1"/>
+              <a:t>Rechnerkonfiguration</a:t>
+            </a:r>
+            <a:r>
+              <a:rPr dirty="0"/>
+              <a:t>:</a:t>
+            </a:r>
+            <a:r>
+              <a:rPr lang="de-CH" dirty="0"/>
+              <a:t> Intel(R) Core(TM) i7-6650U CPU @ 2.20GHz   2.21 GHz</a:t>
+            </a:r>
+            <a:r>
+              <a:rPr dirty="0"/>
+              <a:t>  </a:t>
             </a:r>
           </a:p>
         </p:txBody>
@@ -4245,23 +4776,53 @@
         <p:nvGraphicFramePr>
           <p:cNvPr id="143" name="Tabelle"/>
           <p:cNvGraphicFramePr/>
-          <p:nvPr/>
+          <p:nvPr>
+            <p:extLst>
+              <p:ext uri="{D42A27DB-BD31-4B8C-83A1-F6EECF244321}">
+                <p14:modId xmlns:p14="http://schemas.microsoft.com/office/powerpoint/2010/main" val="2214858428"/>
+              </p:ext>
+            </p:extLst>
+          </p:nvPr>
         </p:nvGraphicFramePr>
         <p:xfrm>
           <a:off x="673100" y="5020849"/>
-          <a:ext cx="23050500" cy="8148953"/>
+          <a:ext cx="23037799" cy="8896600"/>
         </p:xfrm>
-        <a:graphic xmlns:a="http://schemas.openxmlformats.org/drawingml/2006/main">
+        <a:graphic>
           <a:graphicData uri="http://schemas.openxmlformats.org/drawingml/2006/table">
             <a:tbl>
-              <a:tblPr firstCol="0" firstRow="0" lastCol="0" lastRow="0" bandCol="0" bandRow="1" rtl="0">
+              <a:tblPr bandRow="1">
                 <a:tableStyleId>{CF821DB8-F4EB-4A41-A1BA-3FCAFE7338EE}</a:tableStyleId>
               </a:tblPr>
               <a:tblGrid>
-                <a:gridCol w="7757778"/>
-                <a:gridCol w="7013960"/>
-                <a:gridCol w="4603529"/>
-                <a:gridCol w="3662532"/>
+                <a:gridCol w="7757778">
+                  <a:extLst>
+                    <a:ext uri="{9D8B030D-6E8A-4147-A177-3AD203B41FA5}">
+                      <a16:colId xmlns:a16="http://schemas.microsoft.com/office/drawing/2014/main" val="20000"/>
+                    </a:ext>
+                  </a:extLst>
+                </a:gridCol>
+                <a:gridCol w="7013960">
+                  <a:extLst>
+                    <a:ext uri="{9D8B030D-6E8A-4147-A177-3AD203B41FA5}">
+                      <a16:colId xmlns:a16="http://schemas.microsoft.com/office/drawing/2014/main" val="20001"/>
+                    </a:ext>
+                  </a:extLst>
+                </a:gridCol>
+                <a:gridCol w="4603529">
+                  <a:extLst>
+                    <a:ext uri="{9D8B030D-6E8A-4147-A177-3AD203B41FA5}">
+                      <a16:colId xmlns:a16="http://schemas.microsoft.com/office/drawing/2014/main" val="20002"/>
+                    </a:ext>
+                  </a:extLst>
+                </a:gridCol>
+                <a:gridCol w="3662532">
+                  <a:extLst>
+                    <a:ext uri="{9D8B030D-6E8A-4147-A177-3AD203B41FA5}">
+                      <a16:colId xmlns:a16="http://schemas.microsoft.com/office/drawing/2014/main" val="20003"/>
+                    </a:ext>
+                  </a:extLst>
+                </a:gridCol>
               </a:tblGrid>
               <a:tr h="1627250">
                 <a:tc>
@@ -4286,7 +4847,1579 @@
                       </a:r>
                     </a:p>
                   </a:txBody>
-                  <a:tcPr marL="50800" marR="50800" marT="50800" marB="50800" anchor="ctr" anchorCtr="0" horzOverflow="overflow">
+                  <a:tcPr marL="50800" marR="50800" marT="50800" marB="50800" anchor="ctr" horzOverflow="overflow">
+                    <a:lnL w="12700">
+                      <a:solidFill>
+                        <a:srgbClr val="B4B4B4"/>
+                      </a:solidFill>
+                      <a:miter lim="400000"/>
+                    </a:lnL>
+                    <a:lnR w="0">
+                      <a:miter lim="400000"/>
+                    </a:lnR>
+                    <a:lnT w="12700">
+                      <a:solidFill>
+                        <a:srgbClr val="B4B4B4"/>
+                      </a:solidFill>
+                      <a:miter lim="400000"/>
+                    </a:lnT>
+                  </a:tcPr>
+                </a:tc>
+                <a:tc>
+                  <a:txBody>
+                    <a:bodyPr/>
+                    <a:lstStyle/>
+                    <a:p>
+                      <a:pPr>
+                        <a:defRPr sz="1800">
+                          <a:solidFill>
+                            <a:srgbClr val="000000"/>
+                          </a:solidFill>
+                        </a:defRPr>
+                      </a:pPr>
+                      <a:r>
+                        <a:rPr sz="5000" dirty="0" err="1">
+                          <a:solidFill>
+                            <a:srgbClr val="5A5F5E"/>
+                          </a:solidFill>
+                        </a:rPr>
+                        <a:t>Baumtiefe</a:t>
+                      </a:r>
+                      <a:endParaRPr sz="5000" dirty="0">
+                        <a:solidFill>
+                          <a:srgbClr val="5A5F5E"/>
+                        </a:solidFill>
+                      </a:endParaRPr>
+                    </a:p>
+                  </a:txBody>
+                  <a:tcPr marL="50800" marR="50800" marT="50800" marB="50800" anchor="ctr" horzOverflow="overflow">
+                    <a:lnL w="0">
+                      <a:miter lim="400000"/>
+                    </a:lnL>
+                    <a:lnR w="0">
+                      <a:miter lim="400000"/>
+                    </a:lnR>
+                    <a:lnT w="12700">
+                      <a:solidFill>
+                        <a:srgbClr val="B4B4B4"/>
+                      </a:solidFill>
+                      <a:miter lim="400000"/>
+                    </a:lnT>
+                  </a:tcPr>
+                </a:tc>
+                <a:tc>
+                  <a:txBody>
+                    <a:bodyPr/>
+                    <a:lstStyle/>
+                    <a:p>
+                      <a:pPr>
+                        <a:defRPr sz="1800">
+                          <a:solidFill>
+                            <a:srgbClr val="000000"/>
+                          </a:solidFill>
+                        </a:defRPr>
+                      </a:pPr>
+                      <a:r>
+                        <a:rPr sz="5000" dirty="0">
+                          <a:solidFill>
+                            <a:srgbClr val="5A5F5E"/>
+                          </a:solidFill>
+                        </a:rPr>
+                        <a:t>#</a:t>
+                      </a:r>
+                      <a:r>
+                        <a:rPr sz="5000" dirty="0" err="1">
+                          <a:solidFill>
+                            <a:srgbClr val="5A5F5E"/>
+                          </a:solidFill>
+                        </a:rPr>
+                        <a:t>Züge</a:t>
+                      </a:r>
+                      <a:r>
+                        <a:rPr sz="5000" dirty="0">
+                          <a:solidFill>
+                            <a:srgbClr val="5A5F5E"/>
+                          </a:solidFill>
+                        </a:rPr>
+                        <a:t> </a:t>
+                      </a:r>
+                      <a:r>
+                        <a:rPr sz="5000" dirty="0" err="1">
+                          <a:solidFill>
+                            <a:srgbClr val="5A5F5E"/>
+                          </a:solidFill>
+                        </a:rPr>
+                        <a:t>bewertet</a:t>
+                      </a:r>
+                      <a:endParaRPr sz="5000" dirty="0">
+                        <a:solidFill>
+                          <a:srgbClr val="5A5F5E"/>
+                        </a:solidFill>
+                      </a:endParaRPr>
+                    </a:p>
+                  </a:txBody>
+                  <a:tcPr marL="50800" marR="50800" marT="50800" marB="50800" anchor="ctr" horzOverflow="overflow">
+                    <a:lnL w="0">
+                      <a:miter lim="400000"/>
+                    </a:lnL>
+                    <a:lnR w="0">
+                      <a:miter lim="400000"/>
+                    </a:lnR>
+                    <a:lnT w="12700">
+                      <a:solidFill>
+                        <a:srgbClr val="B4B4B4"/>
+                      </a:solidFill>
+                      <a:miter lim="400000"/>
+                    </a:lnT>
+                  </a:tcPr>
+                </a:tc>
+                <a:tc>
+                  <a:txBody>
+                    <a:bodyPr/>
+                    <a:lstStyle/>
+                    <a:p>
+                      <a:pPr>
+                        <a:defRPr sz="1800">
+                          <a:solidFill>
+                            <a:srgbClr val="000000"/>
+                          </a:solidFill>
+                        </a:defRPr>
+                      </a:pPr>
+                      <a:r>
+                        <a:rPr sz="5000" dirty="0">
+                          <a:solidFill>
+                            <a:srgbClr val="5A5F5E"/>
+                          </a:solidFill>
+                        </a:rPr>
+                        <a:t>Zeit pro Zug</a:t>
+                      </a:r>
+                    </a:p>
+                  </a:txBody>
+                  <a:tcPr marL="50800" marR="50800" marT="50800" marB="50800" anchor="ctr" horzOverflow="overflow">
+                    <a:lnL w="0">
+                      <a:miter lim="400000"/>
+                    </a:lnL>
+                    <a:lnR w="12700">
+                      <a:solidFill>
+                        <a:srgbClr val="B4B4B4"/>
+                      </a:solidFill>
+                      <a:miter lim="400000"/>
+                    </a:lnR>
+                    <a:lnT w="12700">
+                      <a:solidFill>
+                        <a:srgbClr val="B4B4B4"/>
+                      </a:solidFill>
+                      <a:miter lim="400000"/>
+                    </a:lnT>
+                  </a:tcPr>
+                </a:tc>
+                <a:extLst>
+                  <a:ext uri="{0D108BD9-81ED-4DB2-BD59-A6C34878D82A}">
+                    <a16:rowId xmlns:a16="http://schemas.microsoft.com/office/drawing/2014/main" val="10000"/>
+                  </a:ext>
+                </a:extLst>
+              </a:tr>
+              <a:tr h="1627250">
+                <a:tc>
+                  <a:txBody>
+                    <a:bodyPr/>
+                    <a:lstStyle/>
+                    <a:p>
+                      <a:pPr marL="0" marR="0" lvl="0" indent="0" algn="ctr" defTabSz="825500" eaLnBrk="1" fontAlgn="auto" latinLnBrk="0" hangingPunct="1">
+                        <a:lnSpc>
+                          <a:spcPct val="100000"/>
+                        </a:lnSpc>
+                        <a:spcBef>
+                          <a:spcPts val="0"/>
+                        </a:spcBef>
+                        <a:spcAft>
+                          <a:spcPts val="0"/>
+                        </a:spcAft>
+                        <a:buClrTx/>
+                        <a:buSzTx/>
+                        <a:buFontTx/>
+                        <a:buNone/>
+                        <a:tabLst/>
+                        <a:defRPr sz="5000"/>
+                      </a:pPr>
+                      <a:r>
+                        <a:rPr lang="de-DE" sz="5000" b="0" i="0" u="none" strike="noStrike" cap="none" spc="0" baseline="0" dirty="0">
+                          <a:solidFill>
+                            <a:srgbClr val="5A5F5E"/>
+                          </a:solidFill>
+                          <a:effectLst/>
+                          <a:uFillTx/>
+                          <a:latin typeface="+mn-lt"/>
+                          <a:ea typeface="+mn-ea"/>
+                          <a:cs typeface="+mn-cs"/>
+                          <a:sym typeface="Gill Sans Light"/>
+                        </a:rPr>
+                        <a:t>3q3r/1pp2pb1/3pkn2/1B6/3P4/4PN1P/5K1P/7R b</a:t>
+                      </a:r>
+                    </a:p>
+                  </a:txBody>
+                  <a:tcPr marL="50800" marR="50800" marT="50800" marB="50800" anchor="ctr" horzOverflow="overflow">
+                    <a:lnL w="12700">
+                      <a:solidFill>
+                        <a:srgbClr val="B4B4B4"/>
+                      </a:solidFill>
+                      <a:miter lim="400000"/>
+                    </a:lnL>
+                    <a:lnR w="0">
+                      <a:miter lim="400000"/>
+                    </a:lnR>
+                  </a:tcPr>
+                </a:tc>
+                <a:tc>
+                  <a:txBody>
+                    <a:bodyPr/>
+                    <a:lstStyle/>
+                    <a:p>
+                      <a:pPr>
+                        <a:defRPr sz="5000"/>
+                      </a:pPr>
+                      <a:r>
+                        <a:rPr lang="de-CH" dirty="0"/>
+                        <a:t>3</a:t>
+                      </a:r>
+                      <a:endParaRPr dirty="0"/>
+                    </a:p>
+                  </a:txBody>
+                  <a:tcPr marL="50800" marR="50800" marT="50800" marB="50800" anchor="ctr" horzOverflow="overflow">
+                    <a:lnL w="0">
+                      <a:miter lim="400000"/>
+                    </a:lnL>
+                    <a:lnR w="0">
+                      <a:miter lim="400000"/>
+                    </a:lnR>
+                  </a:tcPr>
+                </a:tc>
+                <a:tc>
+                  <a:txBody>
+                    <a:bodyPr/>
+                    <a:lstStyle/>
+                    <a:p>
+                      <a:pPr marL="0" marR="0" lvl="0" indent="0" algn="ctr" defTabSz="825500" eaLnBrk="1" fontAlgn="auto" latinLnBrk="0" hangingPunct="1">
+                        <a:lnSpc>
+                          <a:spcPct val="100000"/>
+                        </a:lnSpc>
+                        <a:spcBef>
+                          <a:spcPts val="0"/>
+                        </a:spcBef>
+                        <a:spcAft>
+                          <a:spcPts val="0"/>
+                        </a:spcAft>
+                        <a:buClrTx/>
+                        <a:buSzTx/>
+                        <a:buFontTx/>
+                        <a:buNone/>
+                        <a:tabLst/>
+                        <a:defRPr sz="5000"/>
+                      </a:pPr>
+                      <a:r>
+                        <a:rPr lang="de-DE" dirty="0"/>
+                        <a:t>21120</a:t>
+                      </a:r>
+                    </a:p>
+                  </a:txBody>
+                  <a:tcPr marL="50800" marR="50800" marT="50800" marB="50800" anchor="ctr" horzOverflow="overflow">
+                    <a:lnL w="0">
+                      <a:miter lim="400000"/>
+                    </a:lnL>
+                    <a:lnR w="0">
+                      <a:miter lim="400000"/>
+                    </a:lnR>
+                  </a:tcPr>
+                </a:tc>
+                <a:tc>
+                  <a:txBody>
+                    <a:bodyPr/>
+                    <a:lstStyle/>
+                    <a:p>
+                      <a:pPr marL="0" marR="0" lvl="0" indent="0" algn="ctr" defTabSz="825500" eaLnBrk="1" fontAlgn="auto" latinLnBrk="0" hangingPunct="1">
+                        <a:lnSpc>
+                          <a:spcPct val="100000"/>
+                        </a:lnSpc>
+                        <a:spcBef>
+                          <a:spcPts val="0"/>
+                        </a:spcBef>
+                        <a:spcAft>
+                          <a:spcPts val="0"/>
+                        </a:spcAft>
+                        <a:buClrTx/>
+                        <a:buSzTx/>
+                        <a:buFontTx/>
+                        <a:buNone/>
+                        <a:tabLst/>
+                        <a:defRPr sz="5000"/>
+                      </a:pPr>
+                      <a:r>
+                        <a:rPr lang="de-DE" dirty="0"/>
+                        <a:t>0.0006624333786241936s</a:t>
+                      </a:r>
+                    </a:p>
+                  </a:txBody>
+                  <a:tcPr marL="50800" marR="50800" marT="50800" marB="50800" anchor="ctr" horzOverflow="overflow">
+                    <a:lnL w="0">
+                      <a:miter lim="400000"/>
+                    </a:lnL>
+                    <a:lnR w="12700">
+                      <a:solidFill>
+                        <a:srgbClr val="B4B4B4"/>
+                      </a:solidFill>
+                      <a:miter lim="400000"/>
+                    </a:lnR>
+                  </a:tcPr>
+                </a:tc>
+                <a:extLst>
+                  <a:ext uri="{0D108BD9-81ED-4DB2-BD59-A6C34878D82A}">
+                    <a16:rowId xmlns:a16="http://schemas.microsoft.com/office/drawing/2014/main" val="10001"/>
+                  </a:ext>
+                </a:extLst>
+              </a:tr>
+              <a:tr h="1627250">
+                <a:tc>
+                  <a:txBody>
+                    <a:bodyPr/>
+                    <a:lstStyle/>
+                    <a:p>
+                      <a:pPr marL="0" marR="0" lvl="0" indent="0" algn="ctr" defTabSz="825500" eaLnBrk="1" fontAlgn="auto" latinLnBrk="0" hangingPunct="1">
+                        <a:lnSpc>
+                          <a:spcPct val="100000"/>
+                        </a:lnSpc>
+                        <a:spcBef>
+                          <a:spcPts val="0"/>
+                        </a:spcBef>
+                        <a:spcAft>
+                          <a:spcPts val="0"/>
+                        </a:spcAft>
+                        <a:buClrTx/>
+                        <a:buSzTx/>
+                        <a:buFontTx/>
+                        <a:buNone/>
+                        <a:tabLst/>
+                        <a:defRPr sz="5000"/>
+                      </a:pPr>
+                      <a:r>
+                        <a:rPr lang="de-DE" sz="5000" b="0" i="0" u="none" strike="noStrike" cap="none" spc="0" baseline="0" dirty="0">
+                          <a:solidFill>
+                            <a:srgbClr val="5A5F5E"/>
+                          </a:solidFill>
+                          <a:effectLst/>
+                          <a:uFillTx/>
+                          <a:latin typeface="+mn-lt"/>
+                          <a:ea typeface="+mn-ea"/>
+                          <a:cs typeface="+mn-cs"/>
+                          <a:sym typeface="Gill Sans Light"/>
+                        </a:rPr>
+                        <a:t>rnb1kbnr/p4ppp/1p1pp3/2p3q1/3P4/NQP1PNPB/PP3P1P/R1B1K2R w</a:t>
+                      </a:r>
+                    </a:p>
+                  </a:txBody>
+                  <a:tcPr marL="50800" marR="50800" marT="50800" marB="50800" anchor="ctr" horzOverflow="overflow">
+                    <a:lnL w="12700">
+                      <a:solidFill>
+                        <a:srgbClr val="B4B4B4"/>
+                      </a:solidFill>
+                      <a:miter lim="400000"/>
+                    </a:lnL>
+                    <a:lnR w="0">
+                      <a:miter lim="400000"/>
+                    </a:lnR>
+                  </a:tcPr>
+                </a:tc>
+                <a:tc>
+                  <a:txBody>
+                    <a:bodyPr/>
+                    <a:lstStyle/>
+                    <a:p>
+                      <a:pPr>
+                        <a:defRPr sz="5000"/>
+                      </a:pPr>
+                      <a:r>
+                        <a:rPr lang="de-CH" dirty="0"/>
+                        <a:t>3</a:t>
+                      </a:r>
+                      <a:endParaRPr dirty="0"/>
+                    </a:p>
+                  </a:txBody>
+                  <a:tcPr marL="50800" marR="50800" marT="50800" marB="50800" anchor="ctr" horzOverflow="overflow">
+                    <a:lnL w="0">
+                      <a:miter lim="400000"/>
+                    </a:lnL>
+                    <a:lnR w="0">
+                      <a:miter lim="400000"/>
+                    </a:lnR>
+                  </a:tcPr>
+                </a:tc>
+                <a:tc>
+                  <a:txBody>
+                    <a:bodyPr/>
+                    <a:lstStyle/>
+                    <a:p>
+                      <a:pPr marL="0" marR="0" lvl="0" indent="0" algn="ctr" defTabSz="825500" eaLnBrk="1" fontAlgn="auto" latinLnBrk="0" hangingPunct="1">
+                        <a:lnSpc>
+                          <a:spcPct val="100000"/>
+                        </a:lnSpc>
+                        <a:spcBef>
+                          <a:spcPts val="0"/>
+                        </a:spcBef>
+                        <a:spcAft>
+                          <a:spcPts val="0"/>
+                        </a:spcAft>
+                        <a:buClrTx/>
+                        <a:buSzTx/>
+                        <a:buFontTx/>
+                        <a:buNone/>
+                        <a:tabLst/>
+                        <a:defRPr sz="5000"/>
+                      </a:pPr>
+                      <a:r>
+                        <a:rPr lang="de-DE" dirty="0"/>
+                        <a:t>63652</a:t>
+                      </a:r>
+                    </a:p>
+                  </a:txBody>
+                  <a:tcPr marL="50800" marR="50800" marT="50800" marB="50800" anchor="ctr" horzOverflow="overflow">
+                    <a:lnL w="0">
+                      <a:miter lim="400000"/>
+                    </a:lnL>
+                    <a:lnR w="0">
+                      <a:miter lim="400000"/>
+                    </a:lnR>
+                  </a:tcPr>
+                </a:tc>
+                <a:tc>
+                  <a:txBody>
+                    <a:bodyPr/>
+                    <a:lstStyle/>
+                    <a:p>
+                      <a:pPr>
+                        <a:defRPr sz="5000"/>
+                      </a:pPr>
+                      <a:r>
+                        <a:rPr lang="de-DE" dirty="0"/>
+                        <a:t>0.0007253004365478853s</a:t>
+                      </a:r>
+                    </a:p>
+                  </a:txBody>
+                  <a:tcPr marL="50800" marR="50800" marT="50800" marB="50800" anchor="ctr" horzOverflow="overflow">
+                    <a:lnL w="0">
+                      <a:miter lim="400000"/>
+                    </a:lnL>
+                    <a:lnR w="12700">
+                      <a:solidFill>
+                        <a:srgbClr val="B4B4B4"/>
+                      </a:solidFill>
+                      <a:miter lim="400000"/>
+                    </a:lnR>
+                  </a:tcPr>
+                </a:tc>
+                <a:extLst>
+                  <a:ext uri="{0D108BD9-81ED-4DB2-BD59-A6C34878D82A}">
+                    <a16:rowId xmlns:a16="http://schemas.microsoft.com/office/drawing/2014/main" val="10002"/>
+                  </a:ext>
+                </a:extLst>
+              </a:tr>
+              <a:tr h="1627250">
+                <a:tc>
+                  <a:txBody>
+                    <a:bodyPr/>
+                    <a:lstStyle/>
+                    <a:p>
+                      <a:pPr>
+                        <a:defRPr sz="5000"/>
+                      </a:pPr>
+                      <a:endParaRPr/>
+                    </a:p>
+                  </a:txBody>
+                  <a:tcPr marL="50800" marR="50800" marT="50800" marB="50800" anchor="ctr" horzOverflow="overflow">
+                    <a:lnL w="12700">
+                      <a:solidFill>
+                        <a:srgbClr val="B4B4B4"/>
+                      </a:solidFill>
+                      <a:miter lim="400000"/>
+                    </a:lnL>
+                    <a:lnR w="0">
+                      <a:miter lim="400000"/>
+                    </a:lnR>
+                  </a:tcPr>
+                </a:tc>
+                <a:tc>
+                  <a:txBody>
+                    <a:bodyPr/>
+                    <a:lstStyle/>
+                    <a:p>
+                      <a:pPr>
+                        <a:defRPr sz="5000"/>
+                      </a:pPr>
+                      <a:endParaRPr dirty="0"/>
+                    </a:p>
+                  </a:txBody>
+                  <a:tcPr marL="50800" marR="50800" marT="50800" marB="50800" anchor="ctr" horzOverflow="overflow">
+                    <a:lnL w="0">
+                      <a:miter lim="400000"/>
+                    </a:lnL>
+                    <a:lnR w="0">
+                      <a:miter lim="400000"/>
+                    </a:lnR>
+                  </a:tcPr>
+                </a:tc>
+                <a:tc>
+                  <a:txBody>
+                    <a:bodyPr/>
+                    <a:lstStyle/>
+                    <a:p>
+                      <a:pPr>
+                        <a:defRPr sz="5000"/>
+                      </a:pPr>
+                      <a:endParaRPr dirty="0"/>
+                    </a:p>
+                  </a:txBody>
+                  <a:tcPr marL="50800" marR="50800" marT="50800" marB="50800" anchor="ctr" horzOverflow="overflow">
+                    <a:lnL w="0">
+                      <a:miter lim="400000"/>
+                    </a:lnL>
+                    <a:lnR w="0">
+                      <a:miter lim="400000"/>
+                    </a:lnR>
+                  </a:tcPr>
+                </a:tc>
+                <a:tc>
+                  <a:txBody>
+                    <a:bodyPr/>
+                    <a:lstStyle/>
+                    <a:p>
+                      <a:pPr>
+                        <a:defRPr sz="5000"/>
+                      </a:pPr>
+                      <a:endParaRPr/>
+                    </a:p>
+                  </a:txBody>
+                  <a:tcPr marL="50800" marR="50800" marT="50800" marB="50800" anchor="ctr" horzOverflow="overflow">
+                    <a:lnL w="0">
+                      <a:miter lim="400000"/>
+                    </a:lnL>
+                    <a:lnR w="12700">
+                      <a:solidFill>
+                        <a:srgbClr val="B4B4B4"/>
+                      </a:solidFill>
+                      <a:miter lim="400000"/>
+                    </a:lnR>
+                  </a:tcPr>
+                </a:tc>
+                <a:extLst>
+                  <a:ext uri="{0D108BD9-81ED-4DB2-BD59-A6C34878D82A}">
+                    <a16:rowId xmlns:a16="http://schemas.microsoft.com/office/drawing/2014/main" val="10003"/>
+                  </a:ext>
+                </a:extLst>
+              </a:tr>
+              <a:tr h="1627250">
+                <a:tc>
+                  <a:txBody>
+                    <a:bodyPr/>
+                    <a:lstStyle/>
+                    <a:p>
+                      <a:pPr>
+                        <a:defRPr sz="5000"/>
+                      </a:pPr>
+                      <a:endParaRPr/>
+                    </a:p>
+                  </a:txBody>
+                  <a:tcPr marL="50800" marR="50800" marT="50800" marB="50800" anchor="ctr" horzOverflow="overflow">
+                    <a:lnL w="12700">
+                      <a:solidFill>
+                        <a:srgbClr val="B4B4B4"/>
+                      </a:solidFill>
+                      <a:miter lim="400000"/>
+                    </a:lnL>
+                    <a:lnR w="0">
+                      <a:miter lim="400000"/>
+                    </a:lnR>
+                    <a:lnB w="12700">
+                      <a:solidFill>
+                        <a:srgbClr val="B4B4B4"/>
+                      </a:solidFill>
+                      <a:miter lim="400000"/>
+                    </a:lnB>
+                  </a:tcPr>
+                </a:tc>
+                <a:tc>
+                  <a:txBody>
+                    <a:bodyPr/>
+                    <a:lstStyle/>
+                    <a:p>
+                      <a:pPr>
+                        <a:defRPr sz="5000"/>
+                      </a:pPr>
+                      <a:endParaRPr/>
+                    </a:p>
+                  </a:txBody>
+                  <a:tcPr marL="50800" marR="50800" marT="50800" marB="50800" anchor="ctr" horzOverflow="overflow">
+                    <a:lnL w="0">
+                      <a:miter lim="400000"/>
+                    </a:lnL>
+                    <a:lnR w="0">
+                      <a:miter lim="400000"/>
+                    </a:lnR>
+                    <a:lnB w="12700">
+                      <a:solidFill>
+                        <a:srgbClr val="B4B4B4"/>
+                      </a:solidFill>
+                      <a:miter lim="400000"/>
+                    </a:lnB>
+                  </a:tcPr>
+                </a:tc>
+                <a:tc>
+                  <a:txBody>
+                    <a:bodyPr/>
+                    <a:lstStyle/>
+                    <a:p>
+                      <a:pPr>
+                        <a:defRPr sz="5000"/>
+                      </a:pPr>
+                      <a:endParaRPr/>
+                    </a:p>
+                  </a:txBody>
+                  <a:tcPr marL="50800" marR="50800" marT="50800" marB="50800" anchor="ctr" horzOverflow="overflow">
+                    <a:lnL w="0">
+                      <a:miter lim="400000"/>
+                    </a:lnL>
+                    <a:lnR w="0">
+                      <a:miter lim="400000"/>
+                    </a:lnR>
+                    <a:lnB w="12700">
+                      <a:solidFill>
+                        <a:srgbClr val="B4B4B4"/>
+                      </a:solidFill>
+                      <a:miter lim="400000"/>
+                    </a:lnB>
+                  </a:tcPr>
+                </a:tc>
+                <a:tc>
+                  <a:txBody>
+                    <a:bodyPr/>
+                    <a:lstStyle/>
+                    <a:p>
+                      <a:pPr>
+                        <a:defRPr sz="5000"/>
+                      </a:pPr>
+                      <a:endParaRPr dirty="0"/>
+                    </a:p>
+                  </a:txBody>
+                  <a:tcPr marL="50800" marR="50800" marT="50800" marB="50800" anchor="ctr" horzOverflow="overflow">
+                    <a:lnL w="0">
+                      <a:miter lim="400000"/>
+                    </a:lnL>
+                    <a:lnR w="12700">
+                      <a:solidFill>
+                        <a:srgbClr val="B4B4B4"/>
+                      </a:solidFill>
+                      <a:miter lim="400000"/>
+                    </a:lnR>
+                    <a:lnB w="12700">
+                      <a:solidFill>
+                        <a:srgbClr val="B4B4B4"/>
+                      </a:solidFill>
+                      <a:miter lim="400000"/>
+                    </a:lnB>
+                  </a:tcPr>
+                </a:tc>
+                <a:extLst>
+                  <a:ext uri="{0D108BD9-81ED-4DB2-BD59-A6C34878D82A}">
+                    <a16:rowId xmlns:a16="http://schemas.microsoft.com/office/drawing/2014/main" val="10004"/>
+                  </a:ext>
+                </a:extLst>
+              </a:tr>
+            </a:tbl>
+          </a:graphicData>
+        </a:graphic>
+      </p:graphicFrame>
+    </p:spTree>
+  </p:cSld>
+  <p:clrMapOvr>
+    <a:masterClrMapping/>
+  </p:clrMapOvr>
+  <p:transition spd="med"/>
+</p:sld>
+</file>
+
+<file path=ppt/slides/slide6.xml><?xml version="1.0" encoding="utf-8"?>
+<p:sld xmlns:a="http://schemas.openxmlformats.org/drawingml/2006/main" xmlns:r="http://schemas.openxmlformats.org/officeDocument/2006/relationships" xmlns:p="http://schemas.openxmlformats.org/presentationml/2006/main">
+  <p:cSld>
+    <p:spTree>
+      <p:nvGrpSpPr>
+        <p:cNvPr id="1" name=""/>
+        <p:cNvGrpSpPr/>
+        <p:nvPr/>
+      </p:nvGrpSpPr>
+      <p:grpSpPr>
+        <a:xfrm>
+          <a:off x="0" y="0"/>
+          <a:ext cx="0" cy="0"/>
+          <a:chOff x="0" y="0"/>
+          <a:chExt cx="0" cy="0"/>
+        </a:xfrm>
+      </p:grpSpPr>
+      <p:sp>
+        <p:nvSpPr>
+          <p:cNvPr id="141" name="Benchmarks"/>
+          <p:cNvSpPr txBox="1">
+            <a:spLocks noGrp="1"/>
+          </p:cNvSpPr>
+          <p:nvPr>
+            <p:ph type="title"/>
+          </p:nvPr>
+        </p:nvSpPr>
+        <p:spPr>
+          <a:prstGeom prst="rect">
+            <a:avLst/>
+          </a:prstGeom>
+        </p:spPr>
+        <p:txBody>
+          <a:bodyPr/>
+          <a:lstStyle/>
+          <a:p>
+            <a:r>
+              <a:rPr dirty="0"/>
+              <a:t>Benchmarks</a:t>
+            </a:r>
+            <a:r>
+              <a:rPr lang="de-CH" dirty="0"/>
+              <a:t> (Minimax)</a:t>
+            </a:r>
+            <a:endParaRPr dirty="0"/>
+          </a:p>
+        </p:txBody>
+      </p:sp>
+      <p:sp>
+        <p:nvSpPr>
+          <p:cNvPr id="142" name="Rechnerkonfiguration:"/>
+          <p:cNvSpPr txBox="1"/>
+          <p:nvPr/>
+        </p:nvSpPr>
+        <p:spPr>
+          <a:xfrm>
+            <a:off x="1891104" y="3334422"/>
+            <a:ext cx="20601794" cy="872034"/>
+          </a:xfrm>
+          <a:prstGeom prst="rect">
+            <a:avLst/>
+          </a:prstGeom>
+          <a:ln w="12700">
+            <a:miter lim="400000"/>
+          </a:ln>
+          <a:extLst>
+            <a:ext uri="{C572A759-6A51-4108-AA02-DFA0A04FC94B}">
+              <ma14:wrappingTextBoxFlag xmlns:ma14="http://schemas.microsoft.com/office/mac/drawingml/2011/main" xmlns:a14="http://schemas.microsoft.com/office/drawing/2010/main" xmlns:m="http://schemas.openxmlformats.org/officeDocument/2006/math" xmlns="" val="1"/>
+            </a:ext>
+          </a:extLst>
+        </p:spPr>
+        <p:txBody>
+          <a:bodyPr wrap="none" lIns="50800" tIns="50800" rIns="50800" bIns="50800" anchor="ctr">
+            <a:spAutoFit/>
+          </a:bodyPr>
+          <a:lstStyle/>
+          <a:p>
+            <a:r>
+              <a:rPr dirty="0" err="1"/>
+              <a:t>Rechnerkonfiguration</a:t>
+            </a:r>
+            <a:r>
+              <a:rPr dirty="0"/>
+              <a:t>:</a:t>
+            </a:r>
+            <a:r>
+              <a:rPr lang="de-CH" dirty="0"/>
+              <a:t> Intel(R) Core(TM) i7-6650U CPU @ 2.20GHz   2.21 GHz</a:t>
+            </a:r>
+            <a:r>
+              <a:rPr dirty="0"/>
+              <a:t>  </a:t>
+            </a:r>
+          </a:p>
+        </p:txBody>
+      </p:sp>
+      <p:graphicFrame>
+        <p:nvGraphicFramePr>
+          <p:cNvPr id="143" name="Tabelle"/>
+          <p:cNvGraphicFramePr/>
+          <p:nvPr>
+            <p:extLst>
+              <p:ext uri="{D42A27DB-BD31-4B8C-83A1-F6EECF244321}">
+                <p14:modId xmlns:p14="http://schemas.microsoft.com/office/powerpoint/2010/main" val="715055953"/>
+              </p:ext>
+            </p:extLst>
+          </p:nvPr>
+        </p:nvGraphicFramePr>
+        <p:xfrm>
+          <a:off x="673100" y="5020849"/>
+          <a:ext cx="18434270" cy="9016870"/>
+        </p:xfrm>
+        <a:graphic>
+          <a:graphicData uri="http://schemas.openxmlformats.org/drawingml/2006/table">
+            <a:tbl>
+              <a:tblPr bandRow="1">
+                <a:tableStyleId>{CF821DB8-F4EB-4A41-A1BA-3FCAFE7338EE}</a:tableStyleId>
+              </a:tblPr>
+              <a:tblGrid>
+                <a:gridCol w="7757778">
+                  <a:extLst>
+                    <a:ext uri="{9D8B030D-6E8A-4147-A177-3AD203B41FA5}">
+                      <a16:colId xmlns:a16="http://schemas.microsoft.com/office/drawing/2014/main" val="20000"/>
+                    </a:ext>
+                  </a:extLst>
+                </a:gridCol>
+                <a:gridCol w="7013960">
+                  <a:extLst>
+                    <a:ext uri="{9D8B030D-6E8A-4147-A177-3AD203B41FA5}">
+                      <a16:colId xmlns:a16="http://schemas.microsoft.com/office/drawing/2014/main" val="20001"/>
+                    </a:ext>
+                  </a:extLst>
+                </a:gridCol>
+                <a:gridCol w="3662532">
+                  <a:extLst>
+                    <a:ext uri="{9D8B030D-6E8A-4147-A177-3AD203B41FA5}">
+                      <a16:colId xmlns:a16="http://schemas.microsoft.com/office/drawing/2014/main" val="20003"/>
+                    </a:ext>
+                  </a:extLst>
+                </a:gridCol>
+              </a:tblGrid>
+              <a:tr h="1627250">
+                <a:tc>
+                  <a:txBody>
+                    <a:bodyPr/>
+                    <a:lstStyle/>
+                    <a:p>
+                      <a:pPr>
+                        <a:defRPr sz="1800">
+                          <a:solidFill>
+                            <a:srgbClr val="000000"/>
+                          </a:solidFill>
+                        </a:defRPr>
+                      </a:pPr>
+                      <a:r>
+                        <a:rPr sz="5000" dirty="0">
+                          <a:solidFill>
+                            <a:srgbClr val="5A5F5E"/>
+                          </a:solidFill>
+                        </a:rPr>
+                        <a:t>FEN</a:t>
+                      </a:r>
+                    </a:p>
+                  </a:txBody>
+                  <a:tcPr marL="50800" marR="50800" marT="50800" marB="50800" anchor="ctr" horzOverflow="overflow">
+                    <a:lnL w="12700">
+                      <a:solidFill>
+                        <a:srgbClr val="B4B4B4"/>
+                      </a:solidFill>
+                      <a:miter lim="400000"/>
+                    </a:lnL>
+                    <a:lnR w="0">
+                      <a:miter lim="400000"/>
+                    </a:lnR>
+                    <a:lnT w="12700">
+                      <a:solidFill>
+                        <a:srgbClr val="B4B4B4"/>
+                      </a:solidFill>
+                      <a:miter lim="400000"/>
+                    </a:lnT>
+                  </a:tcPr>
+                </a:tc>
+                <a:tc>
+                  <a:txBody>
+                    <a:bodyPr/>
+                    <a:lstStyle/>
+                    <a:p>
+                      <a:pPr>
+                        <a:defRPr sz="1800">
+                          <a:solidFill>
+                            <a:srgbClr val="000000"/>
+                          </a:solidFill>
+                        </a:defRPr>
+                      </a:pPr>
+                      <a:r>
+                        <a:rPr lang="de-CH" sz="5000" dirty="0">
+                          <a:solidFill>
+                            <a:srgbClr val="5A5F5E"/>
+                          </a:solidFill>
+                        </a:rPr>
+                        <a:t>Suchtiefe</a:t>
+                      </a:r>
+                      <a:endParaRPr sz="5000" dirty="0">
+                        <a:solidFill>
+                          <a:srgbClr val="5A5F5E"/>
+                        </a:solidFill>
+                      </a:endParaRPr>
+                    </a:p>
+                  </a:txBody>
+                  <a:tcPr marL="50800" marR="50800" marT="50800" marB="50800" anchor="ctr" horzOverflow="overflow">
+                    <a:lnL w="0">
+                      <a:miter lim="400000"/>
+                    </a:lnL>
+                    <a:lnR w="0">
+                      <a:miter lim="400000"/>
+                    </a:lnR>
+                    <a:lnT w="12700">
+                      <a:solidFill>
+                        <a:srgbClr val="B4B4B4"/>
+                      </a:solidFill>
+                      <a:miter lim="400000"/>
+                    </a:lnT>
+                  </a:tcPr>
+                </a:tc>
+                <a:tc>
+                  <a:txBody>
+                    <a:bodyPr/>
+                    <a:lstStyle/>
+                    <a:p>
+                      <a:pPr>
+                        <a:defRPr sz="1800">
+                          <a:solidFill>
+                            <a:srgbClr val="000000"/>
+                          </a:solidFill>
+                        </a:defRPr>
+                      </a:pPr>
+                      <a:r>
+                        <a:rPr sz="5000" dirty="0">
+                          <a:solidFill>
+                            <a:srgbClr val="5A5F5E"/>
+                          </a:solidFill>
+                        </a:rPr>
+                        <a:t>Zeit </a:t>
+                      </a:r>
+                    </a:p>
+                  </a:txBody>
+                  <a:tcPr marL="50800" marR="50800" marT="50800" marB="50800" anchor="ctr" horzOverflow="overflow">
+                    <a:lnL w="0">
+                      <a:noFill/>
+                      <a:miter lim="400000"/>
+                    </a:lnL>
+                    <a:lnR w="12700">
+                      <a:solidFill>
+                        <a:srgbClr val="B4B4B4"/>
+                      </a:solidFill>
+                      <a:miter lim="400000"/>
+                    </a:lnR>
+                    <a:lnT w="12700">
+                      <a:solidFill>
+                        <a:srgbClr val="B4B4B4"/>
+                      </a:solidFill>
+                      <a:miter lim="400000"/>
+                    </a:lnT>
+                  </a:tcPr>
+                </a:tc>
+                <a:extLst>
+                  <a:ext uri="{0D108BD9-81ED-4DB2-BD59-A6C34878D82A}">
+                    <a16:rowId xmlns:a16="http://schemas.microsoft.com/office/drawing/2014/main" val="10000"/>
+                  </a:ext>
+                </a:extLst>
+              </a:tr>
+              <a:tr h="1627250">
+                <a:tc>
+                  <a:txBody>
+                    <a:bodyPr/>
+                    <a:lstStyle/>
+                    <a:p>
+                      <a:r>
+                        <a:rPr lang="de-DE" sz="2400" b="0" i="0" u="none" strike="noStrike" cap="none" spc="0" baseline="0" dirty="0">
+                          <a:solidFill>
+                            <a:srgbClr val="5A5F5E"/>
+                          </a:solidFill>
+                          <a:effectLst/>
+                          <a:uFillTx/>
+                          <a:latin typeface="+mn-lt"/>
+                          <a:ea typeface="+mn-ea"/>
+                          <a:cs typeface="+mn-cs"/>
+                          <a:sym typeface="Gill Sans Light"/>
+                        </a:rPr>
+                        <a:t>rnb1kbnr/p4ppp/1p1pp3/2p3q1/3P4/NQP1PNPB/PP3P1P/R1B1K2R w</a:t>
+                      </a:r>
+                    </a:p>
+                  </a:txBody>
+                  <a:tcPr marL="50800" marR="50800" marT="50800" marB="50800" anchor="ctr" horzOverflow="overflow">
+                    <a:lnL w="12700">
+                      <a:solidFill>
+                        <a:srgbClr val="B4B4B4"/>
+                      </a:solidFill>
+                      <a:miter lim="400000"/>
+                    </a:lnL>
+                    <a:lnR w="0">
+                      <a:miter lim="400000"/>
+                    </a:lnR>
+                  </a:tcPr>
+                </a:tc>
+                <a:tc>
+                  <a:txBody>
+                    <a:bodyPr/>
+                    <a:lstStyle/>
+                    <a:p>
+                      <a:pPr>
+                        <a:defRPr sz="5000"/>
+                      </a:pPr>
+                      <a:r>
+                        <a:rPr lang="de-CH" dirty="0"/>
+                        <a:t>3</a:t>
+                      </a:r>
+                      <a:endParaRPr dirty="0"/>
+                    </a:p>
+                  </a:txBody>
+                  <a:tcPr marL="50800" marR="50800" marT="50800" marB="50800" anchor="ctr" horzOverflow="overflow">
+                    <a:lnL w="0">
+                      <a:miter lim="400000"/>
+                    </a:lnL>
+                    <a:lnR w="0">
+                      <a:miter lim="400000"/>
+                    </a:lnR>
+                  </a:tcPr>
+                </a:tc>
+                <a:tc>
+                  <a:txBody>
+                    <a:bodyPr/>
+                    <a:lstStyle/>
+                    <a:p>
+                      <a:pPr marL="0" marR="0" lvl="0" indent="0" algn="ctr" defTabSz="825500" eaLnBrk="1" fontAlgn="auto" latinLnBrk="0" hangingPunct="1">
+                        <a:lnSpc>
+                          <a:spcPct val="100000"/>
+                        </a:lnSpc>
+                        <a:spcBef>
+                          <a:spcPts val="0"/>
+                        </a:spcBef>
+                        <a:spcAft>
+                          <a:spcPts val="0"/>
+                        </a:spcAft>
+                        <a:buClrTx/>
+                        <a:buSzTx/>
+                        <a:buFontTx/>
+                        <a:buNone/>
+                        <a:tabLst/>
+                        <a:defRPr sz="5000"/>
+                      </a:pPr>
+                      <a:r>
+                        <a:rPr lang="de-DE" dirty="0"/>
+                        <a:t>0.22300457954406738s</a:t>
+                      </a:r>
+                    </a:p>
+                  </a:txBody>
+                  <a:tcPr marL="50800" marR="50800" marT="50800" marB="50800" anchor="ctr" horzOverflow="overflow">
+                    <a:lnL w="0">
+                      <a:noFill/>
+                      <a:miter lim="400000"/>
+                    </a:lnL>
+                    <a:lnR w="12700">
+                      <a:solidFill>
+                        <a:srgbClr val="B4B4B4"/>
+                      </a:solidFill>
+                      <a:miter lim="400000"/>
+                    </a:lnR>
+                  </a:tcPr>
+                </a:tc>
+                <a:extLst>
+                  <a:ext uri="{0D108BD9-81ED-4DB2-BD59-A6C34878D82A}">
+                    <a16:rowId xmlns:a16="http://schemas.microsoft.com/office/drawing/2014/main" val="10001"/>
+                  </a:ext>
+                </a:extLst>
+              </a:tr>
+              <a:tr h="1627250">
+                <a:tc>
+                  <a:txBody>
+                    <a:bodyPr/>
+                    <a:lstStyle/>
+                    <a:p>
+                      <a:pPr marL="0" marR="0" lvl="0" indent="0" algn="ctr" defTabSz="825500" eaLnBrk="1" fontAlgn="auto" latinLnBrk="0" hangingPunct="1">
+                        <a:lnSpc>
+                          <a:spcPct val="100000"/>
+                        </a:lnSpc>
+                        <a:spcBef>
+                          <a:spcPts val="0"/>
+                        </a:spcBef>
+                        <a:spcAft>
+                          <a:spcPts val="0"/>
+                        </a:spcAft>
+                        <a:buClrTx/>
+                        <a:buSzTx/>
+                        <a:buFontTx/>
+                        <a:buNone/>
+                        <a:tabLst/>
+                        <a:defRPr sz="5000"/>
+                      </a:pPr>
+                      <a:r>
+                        <a:rPr lang="de-DE" sz="5400" b="0" i="0" u="none" strike="noStrike" cap="none" spc="0" baseline="0" dirty="0">
+                          <a:solidFill>
+                            <a:srgbClr val="5A5F5E"/>
+                          </a:solidFill>
+                          <a:effectLst/>
+                          <a:uFillTx/>
+                          <a:latin typeface="+mn-lt"/>
+                          <a:ea typeface="+mn-ea"/>
+                          <a:cs typeface="+mn-cs"/>
+                          <a:sym typeface="Gill Sans Light"/>
+                        </a:rPr>
+                        <a:t>3q3r/1pp2pb1/3pkn2/1B6/3P4/4PN1P/5K1P/7R b</a:t>
+                      </a:r>
+                    </a:p>
+                  </a:txBody>
+                  <a:tcPr marL="50800" marR="50800" marT="50800" marB="50800" anchor="ctr" horzOverflow="overflow">
+                    <a:lnL w="12700">
+                      <a:solidFill>
+                        <a:srgbClr val="B4B4B4"/>
+                      </a:solidFill>
+                      <a:miter lim="400000"/>
+                    </a:lnL>
+                    <a:lnR w="0">
+                      <a:miter lim="400000"/>
+                    </a:lnR>
+                  </a:tcPr>
+                </a:tc>
+                <a:tc>
+                  <a:txBody>
+                    <a:bodyPr/>
+                    <a:lstStyle/>
+                    <a:p>
+                      <a:pPr>
+                        <a:defRPr sz="5000"/>
+                      </a:pPr>
+                      <a:r>
+                        <a:rPr lang="de-CH" dirty="0"/>
+                        <a:t>3</a:t>
+                      </a:r>
+                      <a:endParaRPr dirty="0"/>
+                    </a:p>
+                  </a:txBody>
+                  <a:tcPr marL="50800" marR="50800" marT="50800" marB="50800" anchor="ctr" horzOverflow="overflow">
+                    <a:lnL w="0">
+                      <a:miter lim="400000"/>
+                    </a:lnL>
+                    <a:lnR w="0">
+                      <a:miter lim="400000"/>
+                    </a:lnR>
+                  </a:tcPr>
+                </a:tc>
+                <a:tc>
+                  <a:txBody>
+                    <a:bodyPr/>
+                    <a:lstStyle/>
+                    <a:p>
+                      <a:pPr>
+                        <a:defRPr sz="5000"/>
+                      </a:pPr>
+                      <a:r>
+                        <a:rPr lang="de-DE" dirty="0"/>
+                        <a:t>0.03504061698913574s</a:t>
+                      </a:r>
+                      <a:endParaRPr dirty="0"/>
+                    </a:p>
+                  </a:txBody>
+                  <a:tcPr marL="50800" marR="50800" marT="50800" marB="50800" anchor="ctr" horzOverflow="overflow">
+                    <a:lnL w="0">
+                      <a:noFill/>
+                      <a:miter lim="400000"/>
+                    </a:lnL>
+                    <a:lnR w="12700">
+                      <a:solidFill>
+                        <a:srgbClr val="B4B4B4"/>
+                      </a:solidFill>
+                      <a:miter lim="400000"/>
+                    </a:lnR>
+                  </a:tcPr>
+                </a:tc>
+                <a:extLst>
+                  <a:ext uri="{0D108BD9-81ED-4DB2-BD59-A6C34878D82A}">
+                    <a16:rowId xmlns:a16="http://schemas.microsoft.com/office/drawing/2014/main" val="10002"/>
+                  </a:ext>
+                </a:extLst>
+              </a:tr>
+              <a:tr h="1627250">
+                <a:tc>
+                  <a:txBody>
+                    <a:bodyPr/>
+                    <a:lstStyle/>
+                    <a:p>
+                      <a:pPr marL="0" marR="0" lvl="0" indent="0" algn="ctr" defTabSz="825500" eaLnBrk="1" fontAlgn="auto" latinLnBrk="0" hangingPunct="1">
+                        <a:lnSpc>
+                          <a:spcPct val="100000"/>
+                        </a:lnSpc>
+                        <a:spcBef>
+                          <a:spcPts val="0"/>
+                        </a:spcBef>
+                        <a:spcAft>
+                          <a:spcPts val="0"/>
+                        </a:spcAft>
+                        <a:buClrTx/>
+                        <a:buSzTx/>
+                        <a:buFontTx/>
+                        <a:buNone/>
+                        <a:tabLst/>
+                        <a:defRPr sz="5000"/>
+                      </a:pPr>
+                      <a:r>
+                        <a:rPr lang="de-DE" sz="5000" b="0" i="0" u="none" strike="noStrike" cap="none" spc="0" baseline="0" dirty="0">
+                          <a:solidFill>
+                            <a:srgbClr val="5A5F5E"/>
+                          </a:solidFill>
+                          <a:effectLst/>
+                          <a:uFillTx/>
+                          <a:latin typeface="+mn-lt"/>
+                          <a:ea typeface="+mn-ea"/>
+                          <a:cs typeface="+mn-cs"/>
+                          <a:sym typeface="Gill Sans Light"/>
+                        </a:rPr>
+                        <a:t>r1b1kbnr/pN2pp1p/2P5/1p4qp/3P3P/2P5/PP3PP1/R1B1K1NR W</a:t>
+                      </a:r>
+                    </a:p>
+                  </a:txBody>
+                  <a:tcPr marL="50800" marR="50800" marT="50800" marB="50800" anchor="ctr" horzOverflow="overflow">
+                    <a:lnL w="12700">
+                      <a:solidFill>
+                        <a:srgbClr val="B4B4B4"/>
+                      </a:solidFill>
+                      <a:miter lim="400000"/>
+                    </a:lnL>
+                    <a:lnR w="0">
+                      <a:miter lim="400000"/>
+                    </a:lnR>
+                  </a:tcPr>
+                </a:tc>
+                <a:tc>
+                  <a:txBody>
+                    <a:bodyPr/>
+                    <a:lstStyle/>
+                    <a:p>
+                      <a:pPr>
+                        <a:defRPr sz="5000"/>
+                      </a:pPr>
+                      <a:r>
+                        <a:rPr lang="de-CH" dirty="0"/>
+                        <a:t>2</a:t>
+                      </a:r>
+                      <a:endParaRPr dirty="0"/>
+                    </a:p>
+                  </a:txBody>
+                  <a:tcPr marL="50800" marR="50800" marT="50800" marB="50800" anchor="ctr" horzOverflow="overflow">
+                    <a:lnL w="0">
+                      <a:miter lim="400000"/>
+                    </a:lnL>
+                    <a:lnR w="0">
+                      <a:miter lim="400000"/>
+                    </a:lnR>
+                  </a:tcPr>
+                </a:tc>
+                <a:tc>
+                  <a:txBody>
+                    <a:bodyPr/>
+                    <a:lstStyle/>
+                    <a:p>
+                      <a:pPr>
+                        <a:defRPr sz="5000"/>
+                      </a:pPr>
+                      <a:r>
+                        <a:rPr lang="de-DE" dirty="0"/>
+                        <a:t>0.012006282806396484s</a:t>
+                      </a:r>
+                      <a:endParaRPr dirty="0"/>
+                    </a:p>
+                  </a:txBody>
+                  <a:tcPr marL="50800" marR="50800" marT="50800" marB="50800" anchor="ctr" horzOverflow="overflow">
+                    <a:lnL w="0">
+                      <a:noFill/>
+                      <a:miter lim="400000"/>
+                    </a:lnL>
+                    <a:lnR w="12700">
+                      <a:solidFill>
+                        <a:srgbClr val="B4B4B4"/>
+                      </a:solidFill>
+                      <a:miter lim="400000"/>
+                    </a:lnR>
+                  </a:tcPr>
+                </a:tc>
+                <a:extLst>
+                  <a:ext uri="{0D108BD9-81ED-4DB2-BD59-A6C34878D82A}">
+                    <a16:rowId xmlns:a16="http://schemas.microsoft.com/office/drawing/2014/main" val="10003"/>
+                  </a:ext>
+                </a:extLst>
+              </a:tr>
+              <a:tr h="1627250">
+                <a:tc>
+                  <a:txBody>
+                    <a:bodyPr/>
+                    <a:lstStyle/>
+                    <a:p>
+                      <a:pPr>
+                        <a:defRPr sz="5000"/>
+                      </a:pPr>
+                      <a:endParaRPr/>
+                    </a:p>
+                  </a:txBody>
+                  <a:tcPr marL="50800" marR="50800" marT="50800" marB="50800" anchor="ctr" horzOverflow="overflow">
+                    <a:lnL w="12700">
+                      <a:solidFill>
+                        <a:srgbClr val="B4B4B4"/>
+                      </a:solidFill>
+                      <a:miter lim="400000"/>
+                    </a:lnL>
+                    <a:lnR w="0">
+                      <a:miter lim="400000"/>
+                    </a:lnR>
+                    <a:lnB w="12700">
+                      <a:solidFill>
+                        <a:srgbClr val="B4B4B4"/>
+                      </a:solidFill>
+                      <a:miter lim="400000"/>
+                    </a:lnB>
+                  </a:tcPr>
+                </a:tc>
+                <a:tc>
+                  <a:txBody>
+                    <a:bodyPr/>
+                    <a:lstStyle/>
+                    <a:p>
+                      <a:pPr>
+                        <a:defRPr sz="5000"/>
+                      </a:pPr>
+                      <a:endParaRPr/>
+                    </a:p>
+                  </a:txBody>
+                  <a:tcPr marL="50800" marR="50800" marT="50800" marB="50800" anchor="ctr" horzOverflow="overflow">
+                    <a:lnL w="0">
+                      <a:miter lim="400000"/>
+                    </a:lnL>
+                    <a:lnR w="0">
+                      <a:miter lim="400000"/>
+                    </a:lnR>
+                    <a:lnB w="12700">
+                      <a:solidFill>
+                        <a:srgbClr val="B4B4B4"/>
+                      </a:solidFill>
+                      <a:miter lim="400000"/>
+                    </a:lnB>
+                  </a:tcPr>
+                </a:tc>
+                <a:tc>
+                  <a:txBody>
+                    <a:bodyPr/>
+                    <a:lstStyle/>
+                    <a:p>
+                      <a:pPr>
+                        <a:defRPr sz="5000"/>
+                      </a:pPr>
+                      <a:endParaRPr dirty="0"/>
+                    </a:p>
+                  </a:txBody>
+                  <a:tcPr marL="50800" marR="50800" marT="50800" marB="50800" anchor="ctr" horzOverflow="overflow">
+                    <a:lnL w="0">
+                      <a:noFill/>
+                      <a:miter lim="400000"/>
+                    </a:lnL>
+                    <a:lnR w="12700">
+                      <a:solidFill>
+                        <a:srgbClr val="B4B4B4"/>
+                      </a:solidFill>
+                      <a:miter lim="400000"/>
+                    </a:lnR>
+                    <a:lnB w="12700">
+                      <a:solidFill>
+                        <a:srgbClr val="B4B4B4"/>
+                      </a:solidFill>
+                      <a:miter lim="400000"/>
+                    </a:lnB>
+                  </a:tcPr>
+                </a:tc>
+                <a:extLst>
+                  <a:ext uri="{0D108BD9-81ED-4DB2-BD59-A6C34878D82A}">
+                    <a16:rowId xmlns:a16="http://schemas.microsoft.com/office/drawing/2014/main" val="10004"/>
+                  </a:ext>
+                </a:extLst>
+              </a:tr>
+            </a:tbl>
+          </a:graphicData>
+        </a:graphic>
+      </p:graphicFrame>
+    </p:spTree>
+    <p:extLst>
+      <p:ext uri="{BB962C8B-B14F-4D97-AF65-F5344CB8AC3E}">
+        <p14:creationId xmlns:p14="http://schemas.microsoft.com/office/powerpoint/2010/main" val="4160156601"/>
+      </p:ext>
+    </p:extLst>
+  </p:cSld>
+  <p:clrMapOvr>
+    <a:masterClrMapping/>
+  </p:clrMapOvr>
+  <p:transition spd="med"/>
+</p:sld>
+</file>
+
+<file path=ppt/slides/slide7.xml><?xml version="1.0" encoding="utf-8"?>
+<p:sld xmlns:a="http://schemas.openxmlformats.org/drawingml/2006/main" xmlns:r="http://schemas.openxmlformats.org/officeDocument/2006/relationships" xmlns:p="http://schemas.openxmlformats.org/presentationml/2006/main">
+  <p:cSld>
+    <p:spTree>
+      <p:nvGrpSpPr>
+        <p:cNvPr id="1" name=""/>
+        <p:cNvGrpSpPr/>
+        <p:nvPr/>
+      </p:nvGrpSpPr>
+      <p:grpSpPr>
+        <a:xfrm>
+          <a:off x="0" y="0"/>
+          <a:ext cx="0" cy="0"/>
+          <a:chOff x="0" y="0"/>
+          <a:chExt cx="0" cy="0"/>
+        </a:xfrm>
+      </p:grpSpPr>
+      <p:sp>
+        <p:nvSpPr>
+          <p:cNvPr id="141" name="Benchmarks"/>
+          <p:cNvSpPr txBox="1">
+            <a:spLocks noGrp="1"/>
+          </p:cNvSpPr>
+          <p:nvPr>
+            <p:ph type="title"/>
+          </p:nvPr>
+        </p:nvSpPr>
+        <p:spPr>
+          <a:prstGeom prst="rect">
+            <a:avLst/>
+          </a:prstGeom>
+        </p:spPr>
+        <p:txBody>
+          <a:bodyPr/>
+          <a:lstStyle/>
+          <a:p>
+            <a:r>
+              <a:rPr dirty="0"/>
+              <a:t>Benchmarks</a:t>
+            </a:r>
+            <a:r>
+              <a:rPr lang="de-CH" dirty="0"/>
+              <a:t> (Alpha-Beta) eigentlich</a:t>
+            </a:r>
+            <a:endParaRPr dirty="0"/>
+          </a:p>
+        </p:txBody>
+      </p:sp>
+      <p:sp>
+        <p:nvSpPr>
+          <p:cNvPr id="142" name="Rechnerkonfiguration:"/>
+          <p:cNvSpPr txBox="1"/>
+          <p:nvPr/>
+        </p:nvSpPr>
+        <p:spPr>
+          <a:xfrm>
+            <a:off x="1891104" y="3334422"/>
+            <a:ext cx="20601794" cy="872034"/>
+          </a:xfrm>
+          <a:prstGeom prst="rect">
+            <a:avLst/>
+          </a:prstGeom>
+          <a:ln w="12700">
+            <a:miter lim="400000"/>
+          </a:ln>
+          <a:extLst>
+            <a:ext uri="{C572A759-6A51-4108-AA02-DFA0A04FC94B}">
+              <ma14:wrappingTextBoxFlag xmlns:ma14="http://schemas.microsoft.com/office/mac/drawingml/2011/main" xmlns:a14="http://schemas.microsoft.com/office/drawing/2010/main" xmlns:m="http://schemas.openxmlformats.org/officeDocument/2006/math" xmlns="" val="1"/>
+            </a:ext>
+          </a:extLst>
+        </p:spPr>
+        <p:txBody>
+          <a:bodyPr wrap="none" lIns="50800" tIns="50800" rIns="50800" bIns="50800" anchor="ctr">
+            <a:spAutoFit/>
+          </a:bodyPr>
+          <a:lstStyle/>
+          <a:p>
+            <a:r>
+              <a:rPr dirty="0" err="1"/>
+              <a:t>Rechnerkonfiguration</a:t>
+            </a:r>
+            <a:r>
+              <a:rPr dirty="0"/>
+              <a:t>:</a:t>
+            </a:r>
+            <a:r>
+              <a:rPr lang="de-CH" dirty="0"/>
+              <a:t> Intel(R) Core(TM) i7-6650U CPU @ 2.20GHz   2.21 GHz</a:t>
+            </a:r>
+            <a:r>
+              <a:rPr dirty="0"/>
+              <a:t>  </a:t>
+            </a:r>
+          </a:p>
+        </p:txBody>
+      </p:sp>
+      <p:graphicFrame>
+        <p:nvGraphicFramePr>
+          <p:cNvPr id="143" name="Tabelle"/>
+          <p:cNvGraphicFramePr/>
+          <p:nvPr>
+            <p:extLst>
+              <p:ext uri="{D42A27DB-BD31-4B8C-83A1-F6EECF244321}">
+                <p14:modId xmlns:p14="http://schemas.microsoft.com/office/powerpoint/2010/main" val="3599854793"/>
+              </p:ext>
+            </p:extLst>
+          </p:nvPr>
+        </p:nvGraphicFramePr>
+        <p:xfrm>
+          <a:off x="673100" y="5020849"/>
+          <a:ext cx="23037799" cy="8896600"/>
+        </p:xfrm>
+        <a:graphic>
+          <a:graphicData uri="http://schemas.openxmlformats.org/drawingml/2006/table">
+            <a:tbl>
+              <a:tblPr bandRow="1">
+                <a:tableStyleId>{CF821DB8-F4EB-4A41-A1BA-3FCAFE7338EE}</a:tableStyleId>
+              </a:tblPr>
+              <a:tblGrid>
+                <a:gridCol w="7757778">
+                  <a:extLst>
+                    <a:ext uri="{9D8B030D-6E8A-4147-A177-3AD203B41FA5}">
+                      <a16:colId xmlns:a16="http://schemas.microsoft.com/office/drawing/2014/main" val="20000"/>
+                    </a:ext>
+                  </a:extLst>
+                </a:gridCol>
+                <a:gridCol w="7013960">
+                  <a:extLst>
+                    <a:ext uri="{9D8B030D-6E8A-4147-A177-3AD203B41FA5}">
+                      <a16:colId xmlns:a16="http://schemas.microsoft.com/office/drawing/2014/main" val="20001"/>
+                    </a:ext>
+                  </a:extLst>
+                </a:gridCol>
+                <a:gridCol w="4603529">
+                  <a:extLst>
+                    <a:ext uri="{9D8B030D-6E8A-4147-A177-3AD203B41FA5}">
+                      <a16:colId xmlns:a16="http://schemas.microsoft.com/office/drawing/2014/main" val="20002"/>
+                    </a:ext>
+                  </a:extLst>
+                </a:gridCol>
+                <a:gridCol w="3662532">
+                  <a:extLst>
+                    <a:ext uri="{9D8B030D-6E8A-4147-A177-3AD203B41FA5}">
+                      <a16:colId xmlns:a16="http://schemas.microsoft.com/office/drawing/2014/main" val="20003"/>
+                    </a:ext>
+                  </a:extLst>
+                </a:gridCol>
+              </a:tblGrid>
+              <a:tr h="1627250">
+                <a:tc>
+                  <a:txBody>
+                    <a:bodyPr/>
+                    <a:lstStyle/>
+                    <a:p>
+                      <a:pPr>
+                        <a:defRPr sz="1800">
+                          <a:solidFill>
+                            <a:srgbClr val="000000"/>
+                          </a:solidFill>
+                        </a:defRPr>
+                      </a:pPr>
+                      <a:r>
+                        <a:rPr sz="5000">
+                          <a:solidFill>
+                            <a:srgbClr val="5A5F5E"/>
+                          </a:solidFill>
+                        </a:rPr>
+                        <a:t>FEN</a:t>
+                      </a:r>
+                    </a:p>
+                  </a:txBody>
+                  <a:tcPr marL="50800" marR="50800" marT="50800" marB="50800" anchor="ctr" horzOverflow="overflow">
                     <a:lnL w="12700">
                       <a:solidFill>
                         <a:srgbClr val="B4B4B4"/>
@@ -4326,7 +6459,7 @@
                       </a:r>
                     </a:p>
                   </a:txBody>
-                  <a:tcPr marL="50800" marR="50800" marT="50800" marB="50800" anchor="ctr" anchorCtr="0" horzOverflow="overflow">
+                  <a:tcPr marL="50800" marR="50800" marT="50800" marB="50800" anchor="ctr" horzOverflow="overflow">
                     <a:lnL w="0">
                       <a:miter lim="400000"/>
                     </a:lnL>
@@ -4363,7 +6496,7 @@
                       </a:r>
                     </a:p>
                   </a:txBody>
-                  <a:tcPr marL="50800" marR="50800" marT="50800" marB="50800" anchor="ctr" anchorCtr="0" horzOverflow="overflow">
+                  <a:tcPr marL="50800" marR="50800" marT="50800" marB="50800" anchor="ctr" horzOverflow="overflow">
                     <a:lnL w="0">
                       <a:miter lim="400000"/>
                     </a:lnL>
@@ -4391,7 +6524,7 @@
                         </a:defRPr>
                       </a:pPr>
                       <a:r>
-                        <a:rPr sz="5000">
+                        <a:rPr sz="5000" dirty="0">
                           <a:solidFill>
                             <a:srgbClr val="5A5F5E"/>
                           </a:solidFill>
@@ -4400,7 +6533,7 @@
                       </a:r>
                     </a:p>
                   </a:txBody>
-                  <a:tcPr marL="50800" marR="50800" marT="50800" marB="50800" anchor="ctr" anchorCtr="0" horzOverflow="overflow">
+                  <a:tcPr marL="50800" marR="50800" marT="50800" marB="50800" anchor="ctr" horzOverflow="overflow">
                     <a:lnL w="0">
                       <a:miter lim="400000"/>
                     </a:lnL>
@@ -4418,6 +6551,11 @@
                     </a:lnT>
                   </a:tcPr>
                 </a:tc>
+                <a:extLst>
+                  <a:ext uri="{0D108BD9-81ED-4DB2-BD59-A6C34878D82A}">
+                    <a16:rowId xmlns:a16="http://schemas.microsoft.com/office/drawing/2014/main" val="10000"/>
+                  </a:ext>
+                </a:extLst>
               </a:tr>
               <a:tr h="1627250">
                 <a:tc>
@@ -4428,9 +6566,50 @@
                       <a:pPr>
                         <a:defRPr sz="5000"/>
                       </a:pPr>
+                      <a:r>
+                        <a:rPr lang="de-CH" dirty="0" err="1"/>
+                        <a:t>Vlt</a:t>
+                      </a:r>
+                      <a:r>
+                        <a:rPr lang="de-CH" dirty="0"/>
+                        <a:t> </a:t>
+                      </a:r>
+                      <a:r>
+                        <a:rPr lang="de-CH" dirty="0" err="1"/>
+                        <a:t>minimax</a:t>
+                      </a:r>
+                      <a:r>
+                        <a:rPr lang="de-CH" dirty="0"/>
+                        <a:t> als </a:t>
+                      </a:r>
+                      <a:r>
+                        <a:rPr lang="de-CH" dirty="0" err="1"/>
+                        <a:t>alpha</a:t>
+                      </a:r>
+                      <a:r>
+                        <a:rPr lang="de-CH" dirty="0"/>
+                        <a:t> </a:t>
+                      </a:r>
+                      <a:r>
+                        <a:rPr lang="de-CH" dirty="0" err="1"/>
+                        <a:t>beta</a:t>
+                      </a:r>
+                      <a:r>
+                        <a:rPr lang="de-CH" dirty="0"/>
+                        <a:t> verkaufen und dann </a:t>
+                      </a:r>
+                      <a:r>
+                        <a:rPr lang="de-CH" dirty="0" err="1"/>
+                        <a:t>minimax</a:t>
+                      </a:r>
+                      <a:r>
+                        <a:rPr lang="de-CH" dirty="0"/>
+                        <a:t> weglassen?</a:t>
+                      </a:r>
+                      <a:endParaRPr dirty="0"/>
                     </a:p>
                   </a:txBody>
-                  <a:tcPr marL="50800" marR="50800" marT="50800" marB="50800" anchor="ctr" anchorCtr="0" horzOverflow="overflow">
+                  <a:tcPr marL="50800" marR="50800" marT="50800" marB="50800" anchor="ctr" horzOverflow="overflow">
                     <a:lnL w="12700">
                       <a:solidFill>
                         <a:srgbClr val="B4B4B4"/>
@@ -4450,9 +6629,10 @@
                       <a:pPr>
                         <a:defRPr sz="5000"/>
                       </a:pPr>
+                      <a:endParaRPr/>
                     </a:p>
                   </a:txBody>
-                  <a:tcPr marL="50800" marR="50800" marT="50800" marB="50800" anchor="ctr" anchorCtr="0" horzOverflow="overflow">
+                  <a:tcPr marL="50800" marR="50800" marT="50800" marB="50800" anchor="ctr" horzOverflow="overflow">
                     <a:lnL w="0">
                       <a:miter lim="400000"/>
                     </a:lnL>
@@ -4469,9 +6649,10 @@
                       <a:pPr>
                         <a:defRPr sz="5000"/>
                       </a:pPr>
+                      <a:endParaRPr dirty="0"/>
                     </a:p>
                   </a:txBody>
-                  <a:tcPr marL="50800" marR="50800" marT="50800" marB="50800" anchor="ctr" anchorCtr="0" horzOverflow="overflow">
+                  <a:tcPr marL="50800" marR="50800" marT="50800" marB="50800" anchor="ctr" horzOverflow="overflow">
                     <a:lnL w="0">
                       <a:miter lim="400000"/>
                     </a:lnL>
@@ -4488,9 +6669,10 @@
                       <a:pPr>
                         <a:defRPr sz="5000"/>
                       </a:pPr>
+                      <a:endParaRPr/>
                     </a:p>
                   </a:txBody>
-                  <a:tcPr marL="50800" marR="50800" marT="50800" marB="50800" anchor="ctr" anchorCtr="0" horzOverflow="overflow">
+                  <a:tcPr marL="50800" marR="50800" marT="50800" marB="50800" anchor="ctr" horzOverflow="overflow">
                     <a:lnL w="0">
                       <a:miter lim="400000"/>
                     </a:lnL>
@@ -4502,6 +6684,11 @@
                     </a:lnR>
                   </a:tcPr>
                 </a:tc>
+                <a:extLst>
+                  <a:ext uri="{0D108BD9-81ED-4DB2-BD59-A6C34878D82A}">
+                    <a16:rowId xmlns:a16="http://schemas.microsoft.com/office/drawing/2014/main" val="10001"/>
+                  </a:ext>
+                </a:extLst>
               </a:tr>
               <a:tr h="1627250">
                 <a:tc>
@@ -4512,9 +6699,10 @@
                       <a:pPr>
                         <a:defRPr sz="5000"/>
                       </a:pPr>
+                      <a:endParaRPr/>
                     </a:p>
                   </a:txBody>
-                  <a:tcPr marL="50800" marR="50800" marT="50800" marB="50800" anchor="ctr" anchorCtr="0" horzOverflow="overflow">
+                  <a:tcPr marL="50800" marR="50800" marT="50800" marB="50800" anchor="ctr" horzOverflow="overflow">
                     <a:lnL w="12700">
                       <a:solidFill>
                         <a:srgbClr val="B4B4B4"/>
@@ -4534,9 +6722,10 @@
                       <a:pPr>
                         <a:defRPr sz="5000"/>
                       </a:pPr>
+                      <a:endParaRPr/>
                     </a:p>
                   </a:txBody>
-                  <a:tcPr marL="50800" marR="50800" marT="50800" marB="50800" anchor="ctr" anchorCtr="0" horzOverflow="overflow">
+                  <a:tcPr marL="50800" marR="50800" marT="50800" marB="50800" anchor="ctr" horzOverflow="overflow">
                     <a:lnL w="0">
                       <a:miter lim="400000"/>
                     </a:lnL>
@@ -4553,9 +6742,10 @@
                       <a:pPr>
                         <a:defRPr sz="5000"/>
                       </a:pPr>
+                      <a:endParaRPr/>
                     </a:p>
                   </a:txBody>
-                  <a:tcPr marL="50800" marR="50800" marT="50800" marB="50800" anchor="ctr" anchorCtr="0" horzOverflow="overflow">
+                  <a:tcPr marL="50800" marR="50800" marT="50800" marB="50800" anchor="ctr" horzOverflow="overflow">
                     <a:lnL w="0">
                       <a:miter lim="400000"/>
                     </a:lnL>
@@ -4572,9 +6762,10 @@
                       <a:pPr>
                         <a:defRPr sz="5000"/>
                       </a:pPr>
+                      <a:endParaRPr/>
                     </a:p>
                   </a:txBody>
-                  <a:tcPr marL="50800" marR="50800" marT="50800" marB="50800" anchor="ctr" anchorCtr="0" horzOverflow="overflow">
+                  <a:tcPr marL="50800" marR="50800" marT="50800" marB="50800" anchor="ctr" horzOverflow="overflow">
                     <a:lnL w="0">
                       <a:miter lim="400000"/>
                     </a:lnL>
@@ -4586,6 +6777,11 @@
                     </a:lnR>
                   </a:tcPr>
                 </a:tc>
+                <a:extLst>
+                  <a:ext uri="{0D108BD9-81ED-4DB2-BD59-A6C34878D82A}">
+                    <a16:rowId xmlns:a16="http://schemas.microsoft.com/office/drawing/2014/main" val="10002"/>
+                  </a:ext>
+                </a:extLst>
               </a:tr>
               <a:tr h="1627250">
                 <a:tc>
@@ -4596,9 +6792,10 @@
                       <a:pPr>
                         <a:defRPr sz="5000"/>
                       </a:pPr>
+                      <a:endParaRPr/>
                     </a:p>
                   </a:txBody>
-                  <a:tcPr marL="50800" marR="50800" marT="50800" marB="50800" anchor="ctr" anchorCtr="0" horzOverflow="overflow">
+                  <a:tcPr marL="50800" marR="50800" marT="50800" marB="50800" anchor="ctr" horzOverflow="overflow">
                     <a:lnL w="12700">
                       <a:solidFill>
                         <a:srgbClr val="B4B4B4"/>
@@ -4618,9 +6815,10 @@
                       <a:pPr>
                         <a:defRPr sz="5000"/>
                       </a:pPr>
+                      <a:endParaRPr/>
                     </a:p>
                   </a:txBody>
-                  <a:tcPr marL="50800" marR="50800" marT="50800" marB="50800" anchor="ctr" anchorCtr="0" horzOverflow="overflow">
+                  <a:tcPr marL="50800" marR="50800" marT="50800" marB="50800" anchor="ctr" horzOverflow="overflow">
                     <a:lnL w="0">
                       <a:miter lim="400000"/>
                     </a:lnL>
@@ -4637,9 +6835,10 @@
                       <a:pPr>
                         <a:defRPr sz="5000"/>
                       </a:pPr>
+                      <a:endParaRPr/>
                     </a:p>
                   </a:txBody>
-                  <a:tcPr marL="50800" marR="50800" marT="50800" marB="50800" anchor="ctr" anchorCtr="0" horzOverflow="overflow">
+                  <a:tcPr marL="50800" marR="50800" marT="50800" marB="50800" anchor="ctr" horzOverflow="overflow">
                     <a:lnL w="0">
                       <a:miter lim="400000"/>
                     </a:lnL>
@@ -4656,9 +6855,10 @@
                       <a:pPr>
                         <a:defRPr sz="5000"/>
                       </a:pPr>
+                      <a:endParaRPr/>
                     </a:p>
                   </a:txBody>
-                  <a:tcPr marL="50800" marR="50800" marT="50800" marB="50800" anchor="ctr" anchorCtr="0" horzOverflow="overflow">
+                  <a:tcPr marL="50800" marR="50800" marT="50800" marB="50800" anchor="ctr" horzOverflow="overflow">
                     <a:lnL w="0">
                       <a:miter lim="400000"/>
                     </a:lnL>
@@ -4670,6 +6870,11 @@
                     </a:lnR>
                   </a:tcPr>
                 </a:tc>
+                <a:extLst>
+                  <a:ext uri="{0D108BD9-81ED-4DB2-BD59-A6C34878D82A}">
+                    <a16:rowId xmlns:a16="http://schemas.microsoft.com/office/drawing/2014/main" val="10003"/>
+                  </a:ext>
+                </a:extLst>
               </a:tr>
               <a:tr h="1627250">
                 <a:tc>
@@ -4680,9 +6885,10 @@
                       <a:pPr>
                         <a:defRPr sz="5000"/>
                       </a:pPr>
+                      <a:endParaRPr/>
                     </a:p>
                   </a:txBody>
-                  <a:tcPr marL="50800" marR="50800" marT="50800" marB="50800" anchor="ctr" anchorCtr="0" horzOverflow="overflow">
+                  <a:tcPr marL="50800" marR="50800" marT="50800" marB="50800" anchor="ctr" horzOverflow="overflow">
                     <a:lnL w="12700">
                       <a:solidFill>
                         <a:srgbClr val="B4B4B4"/>
@@ -4708,9 +6914,10 @@
                       <a:pPr>
                         <a:defRPr sz="5000"/>
                       </a:pPr>
+                      <a:endParaRPr/>
                     </a:p>
                   </a:txBody>
-                  <a:tcPr marL="50800" marR="50800" marT="50800" marB="50800" anchor="ctr" anchorCtr="0" horzOverflow="overflow">
+                  <a:tcPr marL="50800" marR="50800" marT="50800" marB="50800" anchor="ctr" horzOverflow="overflow">
                     <a:lnL w="0">
                       <a:miter lim="400000"/>
                     </a:lnL>
@@ -4733,9 +6940,10 @@
                       <a:pPr>
                         <a:defRPr sz="5000"/>
                       </a:pPr>
+                      <a:endParaRPr/>
                     </a:p>
                   </a:txBody>
-                  <a:tcPr marL="50800" marR="50800" marT="50800" marB="50800" anchor="ctr" anchorCtr="0" horzOverflow="overflow">
+                  <a:tcPr marL="50800" marR="50800" marT="50800" marB="50800" anchor="ctr" horzOverflow="overflow">
                     <a:lnL w="0">
                       <a:miter lim="400000"/>
                     </a:lnL>
@@ -4758,9 +6966,10 @@
                       <a:pPr>
                         <a:defRPr sz="5000"/>
                       </a:pPr>
+                      <a:endParaRPr dirty="0"/>
                     </a:p>
                   </a:txBody>
-                  <a:tcPr marL="50800" marR="50800" marT="50800" marB="50800" anchor="ctr" anchorCtr="0" horzOverflow="overflow">
+                  <a:tcPr marL="50800" marR="50800" marT="50800" marB="50800" anchor="ctr" horzOverflow="overflow">
                     <a:lnL w="0">
                       <a:miter lim="400000"/>
                     </a:lnL>
@@ -4778,22 +6987,32 @@
                     </a:lnB>
                   </a:tcPr>
                 </a:tc>
+                <a:extLst>
+                  <a:ext uri="{0D108BD9-81ED-4DB2-BD59-A6C34878D82A}">
+                    <a16:rowId xmlns:a16="http://schemas.microsoft.com/office/drawing/2014/main" val="10004"/>
+                  </a:ext>
+                </a:extLst>
               </a:tr>
             </a:tbl>
           </a:graphicData>
         </a:graphic>
       </p:graphicFrame>
     </p:spTree>
+    <p:extLst>
+      <p:ext uri="{BB962C8B-B14F-4D97-AF65-F5344CB8AC3E}">
+        <p14:creationId xmlns:p14="http://schemas.microsoft.com/office/powerpoint/2010/main" val="1434913383"/>
+      </p:ext>
+    </p:extLst>
   </p:cSld>
   <p:clrMapOvr>
     <a:masterClrMapping/>
   </p:clrMapOvr>
-  <p:transition xmlns:p14="http://schemas.microsoft.com/office/powerpoint/2010/main" spd="med" advClick="1"/>
+  <p:transition spd="med"/>
 </p:sld>
 </file>
 
-<file path=ppt/slides/slide6.xml><?xml version="1.0" encoding="utf-8"?>
-<p:sld xmlns:a="http://schemas.openxmlformats.org/drawingml/2006/main" xmlns:r="http://schemas.openxmlformats.org/officeDocument/2006/relationships" xmlns:p="http://schemas.openxmlformats.org/presentationml/2006/main" xmlns:m="http://schemas.openxmlformats.org/officeDocument/2006/math" xmlns:a14="http://schemas.microsoft.com/office/drawing/2010/main" showMasterSp="1" showMasterPhAnim="1">
+<file path=ppt/slides/slide8.xml><?xml version="1.0" encoding="utf-8"?>
+<p:sld xmlns:a="http://schemas.openxmlformats.org/drawingml/2006/main" xmlns:r="http://schemas.openxmlformats.org/officeDocument/2006/relationships" xmlns:p="http://schemas.openxmlformats.org/presentationml/2006/main">
   <p:cSld>
     <p:spTree>
       <p:nvGrpSpPr>
@@ -4812,7 +7031,9 @@
       <p:sp>
         <p:nvSpPr>
           <p:cNvPr id="145" name="Ausblick"/>
-          <p:cNvSpPr txBox="1"/>
+          <p:cNvSpPr txBox="1">
+            <a:spLocks noGrp="1"/>
+          </p:cNvSpPr>
           <p:nvPr>
             <p:ph type="title"/>
           </p:nvPr>
@@ -4826,7 +7047,6 @@
           <a:bodyPr/>
           <a:lstStyle/>
           <a:p>
-            <a:pPr/>
             <a:r>
               <a:t>Ausblick</a:t>
             </a:r>
@@ -4836,7 +7056,9 @@
       <p:sp>
         <p:nvSpPr>
           <p:cNvPr id="146" name="Bewertungsfunktion verbessern (evtl. Neural-Network)…"/>
-          <p:cNvSpPr txBox="1"/>
+          <p:cNvSpPr txBox="1">
+            <a:spLocks noGrp="1"/>
+          </p:cNvSpPr>
           <p:nvPr>
             <p:ph type="body" idx="1"/>
           </p:nvPr>
@@ -4847,7 +7069,9 @@
           </a:prstGeom>
         </p:spPr>
         <p:txBody>
-          <a:bodyPr/>
+          <a:bodyPr>
+            <a:normAutofit lnSpcReduction="10000"/>
+          </a:bodyPr>
           <a:lstStyle/>
           <a:p>
             <a:pPr marL="604012" indent="-604012" defTabSz="676909">
@@ -4922,12 +7146,12 @@
   <p:clrMapOvr>
     <a:masterClrMapping/>
   </p:clrMapOvr>
-  <p:transition xmlns:p14="http://schemas.microsoft.com/office/powerpoint/2010/main" spd="med" advClick="1"/>
+  <p:transition spd="med"/>
 </p:sld>
 </file>
 
 <file path=ppt/theme/theme1.xml><?xml version="1.0" encoding="utf-8"?>
-<a:theme xmlns:a="http://schemas.openxmlformats.org/drawingml/2006/main" xmlns:r="http://schemas.openxmlformats.org/officeDocument/2006/relationships" name="Showroom">
+<a:theme xmlns:a="http://schemas.openxmlformats.org/drawingml/2006/main" name="Showroom">
   <a:themeElements>
     <a:clrScheme name="Showroom">
       <a:dk1>
@@ -5126,7 +7350,7 @@
         <a:effectLst/>
         <a:sp3d/>
       </a:spPr>
-      <a:bodyPr rot="0" spcFirstLastPara="1" vertOverflow="overflow" horzOverflow="overflow" vert="horz" wrap="square" lIns="50800" tIns="50800" rIns="50800" bIns="50800" numCol="1" spcCol="38100" rtlCol="0" anchor="ctr" upright="0">
+      <a:bodyPr rot="0" spcFirstLastPara="1" vertOverflow="overflow" horzOverflow="overflow" vert="horz" wrap="square" lIns="50800" tIns="50800" rIns="50800" bIns="50800" numCol="1" spcCol="38100" rtlCol="0" anchor="ctr">
         <a:spAutoFit/>
       </a:bodyPr>
       <a:lstStyle>
@@ -5145,7 +7369,7 @@
           <a:buFontTx/>
           <a:buNone/>
           <a:tabLst/>
-          <a:defRPr b="0" baseline="0" cap="none" i="0" spc="0" strike="noStrike" sz="5000" u="none" kumimoji="0" normalizeH="0">
+          <a:defRPr kumimoji="0" sz="5000" b="0" i="0" u="none" strike="noStrike" cap="none" spc="0" normalizeH="0" baseline="0">
             <a:ln>
               <a:noFill/>
             </a:ln>
@@ -5175,7 +7399,7 @@
           <a:buFontTx/>
           <a:buNone/>
           <a:tabLst/>
-          <a:defRPr b="0" baseline="0" cap="none" i="0" spc="0" strike="noStrike" sz="1800" u="none" kumimoji="0" normalizeH="0">
+          <a:defRPr kumimoji="0" sz="1800" b="0" i="0" u="none" strike="noStrike" cap="none" spc="0" normalizeH="0" baseline="0">
             <a:ln>
               <a:noFill/>
             </a:ln>
@@ -5201,7 +7425,7 @@
           <a:buFontTx/>
           <a:buNone/>
           <a:tabLst/>
-          <a:defRPr b="0" baseline="0" cap="none" i="0" spc="0" strike="noStrike" sz="1800" u="none" kumimoji="0" normalizeH="0">
+          <a:defRPr kumimoji="0" sz="1800" b="0" i="0" u="none" strike="noStrike" cap="none" spc="0" normalizeH="0" baseline="0">
             <a:ln>
               <a:noFill/>
             </a:ln>
@@ -5227,7 +7451,7 @@
           <a:buFontTx/>
           <a:buNone/>
           <a:tabLst/>
-          <a:defRPr b="0" baseline="0" cap="none" i="0" spc="0" strike="noStrike" sz="1800" u="none" kumimoji="0" normalizeH="0">
+          <a:defRPr kumimoji="0" sz="1800" b="0" i="0" u="none" strike="noStrike" cap="none" spc="0" normalizeH="0" baseline="0">
             <a:ln>
               <a:noFill/>
             </a:ln>
@@ -5253,7 +7477,7 @@
           <a:buFontTx/>
           <a:buNone/>
           <a:tabLst/>
-          <a:defRPr b="0" baseline="0" cap="none" i="0" spc="0" strike="noStrike" sz="1800" u="none" kumimoji="0" normalizeH="0">
+          <a:defRPr kumimoji="0" sz="1800" b="0" i="0" u="none" strike="noStrike" cap="none" spc="0" normalizeH="0" baseline="0">
             <a:ln>
               <a:noFill/>
             </a:ln>
@@ -5279,7 +7503,7 @@
           <a:buFontTx/>
           <a:buNone/>
           <a:tabLst/>
-          <a:defRPr b="0" baseline="0" cap="none" i="0" spc="0" strike="noStrike" sz="1800" u="none" kumimoji="0" normalizeH="0">
+          <a:defRPr kumimoji="0" sz="1800" b="0" i="0" u="none" strike="noStrike" cap="none" spc="0" normalizeH="0" baseline="0">
             <a:ln>
               <a:noFill/>
             </a:ln>
@@ -5305,7 +7529,7 @@
           <a:buFontTx/>
           <a:buNone/>
           <a:tabLst/>
-          <a:defRPr b="0" baseline="0" cap="none" i="0" spc="0" strike="noStrike" sz="1800" u="none" kumimoji="0" normalizeH="0">
+          <a:defRPr kumimoji="0" sz="1800" b="0" i="0" u="none" strike="noStrike" cap="none" spc="0" normalizeH="0" baseline="0">
             <a:ln>
               <a:noFill/>
             </a:ln>
@@ -5331,7 +7555,7 @@
           <a:buFontTx/>
           <a:buNone/>
           <a:tabLst/>
-          <a:defRPr b="0" baseline="0" cap="none" i="0" spc="0" strike="noStrike" sz="1800" u="none" kumimoji="0" normalizeH="0">
+          <a:defRPr kumimoji="0" sz="1800" b="0" i="0" u="none" strike="noStrike" cap="none" spc="0" normalizeH="0" baseline="0">
             <a:ln>
               <a:noFill/>
             </a:ln>
@@ -5357,7 +7581,7 @@
           <a:buFontTx/>
           <a:buNone/>
           <a:tabLst/>
-          <a:defRPr b="0" baseline="0" cap="none" i="0" spc="0" strike="noStrike" sz="1800" u="none" kumimoji="0" normalizeH="0">
+          <a:defRPr kumimoji="0" sz="1800" b="0" i="0" u="none" strike="noStrike" cap="none" spc="0" normalizeH="0" baseline="0">
             <a:ln>
               <a:noFill/>
             </a:ln>
@@ -5383,7 +7607,7 @@
           <a:buFontTx/>
           <a:buNone/>
           <a:tabLst/>
-          <a:defRPr b="0" baseline="0" cap="none" i="0" spc="0" strike="noStrike" sz="1800" u="none" kumimoji="0" normalizeH="0">
+          <a:defRPr kumimoji="0" sz="1800" b="0" i="0" u="none" strike="noStrike" cap="none" spc="0" normalizeH="0" baseline="0">
             <a:ln>
               <a:noFill/>
             </a:ln>
@@ -5396,9 +7620,15 @@
         </a:lvl9pPr>
       </a:lstStyle>
       <a:style>
-        <a:lnRef idx="0"/>
-        <a:fillRef idx="0"/>
-        <a:effectRef idx="0"/>
+        <a:lnRef idx="0">
+          <a:scrgbClr r="0" g="0" b="0"/>
+        </a:lnRef>
+        <a:fillRef idx="0">
+          <a:scrgbClr r="0" g="0" b="0"/>
+        </a:fillRef>
+        <a:effectRef idx="0">
+          <a:scrgbClr r="0" g="0" b="0"/>
+        </a:effectRef>
         <a:fontRef idx="none"/>
       </a:style>
     </a:spDef>
@@ -5415,7 +7645,7 @@
         <a:effectLst/>
         <a:sp3d/>
       </a:spPr>
-      <a:bodyPr rot="0" spcFirstLastPara="1" vertOverflow="overflow" horzOverflow="overflow" vert="horz" wrap="square" lIns="91439" tIns="45719" rIns="91439" bIns="45719" numCol="1" spcCol="38100" rtlCol="0" anchor="t" upright="0">
+      <a:bodyPr rot="0" spcFirstLastPara="1" vertOverflow="overflow" horzOverflow="overflow" vert="horz" wrap="square" lIns="91439" tIns="45719" rIns="91439" bIns="45719" numCol="1" spcCol="38100" rtlCol="0" anchor="t">
         <a:noAutofit/>
       </a:bodyPr>
       <a:lstStyle>
@@ -5434,7 +7664,7 @@
           <a:buFontTx/>
           <a:buNone/>
           <a:tabLst/>
-          <a:defRPr b="0" baseline="0" cap="none" i="0" spc="0" strike="noStrike" sz="1800" u="none" kumimoji="0" normalizeH="0">
+          <a:defRPr kumimoji="0" sz="1800" b="0" i="0" u="none" strike="noStrike" cap="none" spc="0" normalizeH="0" baseline="0">
             <a:ln>
               <a:noFill/>
             </a:ln>
@@ -5460,7 +7690,7 @@
           <a:buFontTx/>
           <a:buNone/>
           <a:tabLst/>
-          <a:defRPr b="0" baseline="0" cap="none" i="0" spc="0" strike="noStrike" sz="1800" u="none" kumimoji="0" normalizeH="0">
+          <a:defRPr kumimoji="0" sz="1800" b="0" i="0" u="none" strike="noStrike" cap="none" spc="0" normalizeH="0" baseline="0">
             <a:ln>
               <a:noFill/>
             </a:ln>
@@ -5486,7 +7716,7 @@
           <a:buFontTx/>
           <a:buNone/>
           <a:tabLst/>
-          <a:defRPr b="0" baseline="0" cap="none" i="0" spc="0" strike="noStrike" sz="1800" u="none" kumimoji="0" normalizeH="0">
+          <a:defRPr kumimoji="0" sz="1800" b="0" i="0" u="none" strike="noStrike" cap="none" spc="0" normalizeH="0" baseline="0">
             <a:ln>
               <a:noFill/>
             </a:ln>
@@ -5512,7 +7742,7 @@
           <a:buFontTx/>
           <a:buNone/>
           <a:tabLst/>
-          <a:defRPr b="0" baseline="0" cap="none" i="0" spc="0" strike="noStrike" sz="1800" u="none" kumimoji="0" normalizeH="0">
+          <a:defRPr kumimoji="0" sz="1800" b="0" i="0" u="none" strike="noStrike" cap="none" spc="0" normalizeH="0" baseline="0">
             <a:ln>
               <a:noFill/>
             </a:ln>
@@ -5538,7 +7768,7 @@
           <a:buFontTx/>
           <a:buNone/>
           <a:tabLst/>
-          <a:defRPr b="0" baseline="0" cap="none" i="0" spc="0" strike="noStrike" sz="1800" u="none" kumimoji="0" normalizeH="0">
+          <a:defRPr kumimoji="0" sz="1800" b="0" i="0" u="none" strike="noStrike" cap="none" spc="0" normalizeH="0" baseline="0">
             <a:ln>
               <a:noFill/>
             </a:ln>
@@ -5564,7 +7794,7 @@
           <a:buFontTx/>
           <a:buNone/>
           <a:tabLst/>
-          <a:defRPr b="0" baseline="0" cap="none" i="0" spc="0" strike="noStrike" sz="1800" u="none" kumimoji="0" normalizeH="0">
+          <a:defRPr kumimoji="0" sz="1800" b="0" i="0" u="none" strike="noStrike" cap="none" spc="0" normalizeH="0" baseline="0">
             <a:ln>
               <a:noFill/>
             </a:ln>
@@ -5590,7 +7820,7 @@
           <a:buFontTx/>
           <a:buNone/>
           <a:tabLst/>
-          <a:defRPr b="0" baseline="0" cap="none" i="0" spc="0" strike="noStrike" sz="1800" u="none" kumimoji="0" normalizeH="0">
+          <a:defRPr kumimoji="0" sz="1800" b="0" i="0" u="none" strike="noStrike" cap="none" spc="0" normalizeH="0" baseline="0">
             <a:ln>
               <a:noFill/>
             </a:ln>
@@ -5616,7 +7846,7 @@
           <a:buFontTx/>
           <a:buNone/>
           <a:tabLst/>
-          <a:defRPr b="0" baseline="0" cap="none" i="0" spc="0" strike="noStrike" sz="1800" u="none" kumimoji="0" normalizeH="0">
+          <a:defRPr kumimoji="0" sz="1800" b="0" i="0" u="none" strike="noStrike" cap="none" spc="0" normalizeH="0" baseline="0">
             <a:ln>
               <a:noFill/>
             </a:ln>
@@ -5642,7 +7872,7 @@
           <a:buFontTx/>
           <a:buNone/>
           <a:tabLst/>
-          <a:defRPr b="0" baseline="0" cap="none" i="0" spc="0" strike="noStrike" sz="1800" u="none" kumimoji="0" normalizeH="0">
+          <a:defRPr kumimoji="0" sz="1800" b="0" i="0" u="none" strike="noStrike" cap="none" spc="0" normalizeH="0" baseline="0">
             <a:ln>
               <a:noFill/>
             </a:ln>
@@ -5668,7 +7898,7 @@
           <a:buFontTx/>
           <a:buNone/>
           <a:tabLst/>
-          <a:defRPr b="0" baseline="0" cap="none" i="0" spc="0" strike="noStrike" sz="1800" u="none" kumimoji="0" normalizeH="0">
+          <a:defRPr kumimoji="0" sz="1800" b="0" i="0" u="none" strike="noStrike" cap="none" spc="0" normalizeH="0" baseline="0">
             <a:ln>
               <a:noFill/>
             </a:ln>
@@ -5681,9 +7911,15 @@
         </a:lvl9pPr>
       </a:lstStyle>
       <a:style>
-        <a:lnRef idx="0"/>
-        <a:fillRef idx="0"/>
-        <a:effectRef idx="0"/>
+        <a:lnRef idx="0">
+          <a:scrgbClr r="0" g="0" b="0"/>
+        </a:lnRef>
+        <a:fillRef idx="0">
+          <a:scrgbClr r="0" g="0" b="0"/>
+        </a:fillRef>
+        <a:effectRef idx="0">
+          <a:scrgbClr r="0" g="0" b="0"/>
+        </a:effectRef>
         <a:fontRef idx="none"/>
       </a:style>
     </a:lnDef>
@@ -5697,7 +7933,7 @@
         <a:effectLst/>
         <a:sp3d/>
       </a:spPr>
-      <a:bodyPr rot="0" spcFirstLastPara="1" vertOverflow="overflow" horzOverflow="overflow" vert="horz" wrap="square" lIns="50800" tIns="50800" rIns="50800" bIns="50800" numCol="1" spcCol="38100" rtlCol="0" anchor="ctr" upright="0">
+      <a:bodyPr rot="0" spcFirstLastPara="1" vertOverflow="overflow" horzOverflow="overflow" vert="horz" wrap="square" lIns="50800" tIns="50800" rIns="50800" bIns="50800" numCol="1" spcCol="38100" rtlCol="0" anchor="ctr">
         <a:spAutoFit/>
       </a:bodyPr>
       <a:lstStyle>
@@ -5716,7 +7952,7 @@
           <a:buFontTx/>
           <a:buNone/>
           <a:tabLst/>
-          <a:defRPr b="0" baseline="0" cap="none" i="0" spc="0" strike="noStrike" sz="5000" u="none" kumimoji="0" normalizeH="0">
+          <a:defRPr kumimoji="0" sz="5000" b="0" i="0" u="none" strike="noStrike" cap="none" spc="0" normalizeH="0" baseline="0">
             <a:ln>
               <a:noFill/>
             </a:ln>
@@ -5746,7 +7982,7 @@
           <a:buFontTx/>
           <a:buNone/>
           <a:tabLst/>
-          <a:defRPr b="0" baseline="0" cap="none" i="0" spc="0" strike="noStrike" sz="1800" u="none" kumimoji="0" normalizeH="0">
+          <a:defRPr kumimoji="0" sz="1800" b="0" i="0" u="none" strike="noStrike" cap="none" spc="0" normalizeH="0" baseline="0">
             <a:ln>
               <a:noFill/>
             </a:ln>
@@ -5772,7 +8008,7 @@
           <a:buFontTx/>
           <a:buNone/>
           <a:tabLst/>
-          <a:defRPr b="0" baseline="0" cap="none" i="0" spc="0" strike="noStrike" sz="1800" u="none" kumimoji="0" normalizeH="0">
+          <a:defRPr kumimoji="0" sz="1800" b="0" i="0" u="none" strike="noStrike" cap="none" spc="0" normalizeH="0" baseline="0">
             <a:ln>
               <a:noFill/>
             </a:ln>
@@ -5798,7 +8034,7 @@
           <a:buFontTx/>
           <a:buNone/>
           <a:tabLst/>
-          <a:defRPr b="0" baseline="0" cap="none" i="0" spc="0" strike="noStrike" sz="1800" u="none" kumimoji="0" normalizeH="0">
+          <a:defRPr kumimoji="0" sz="1800" b="0" i="0" u="none" strike="noStrike" cap="none" spc="0" normalizeH="0" baseline="0">
             <a:ln>
               <a:noFill/>
             </a:ln>
@@ -5824,7 +8060,7 @@
           <a:buFontTx/>
           <a:buNone/>
           <a:tabLst/>
-          <a:defRPr b="0" baseline="0" cap="none" i="0" spc="0" strike="noStrike" sz="1800" u="none" kumimoji="0" normalizeH="0">
+          <a:defRPr kumimoji="0" sz="1800" b="0" i="0" u="none" strike="noStrike" cap="none" spc="0" normalizeH="0" baseline="0">
             <a:ln>
               <a:noFill/>
             </a:ln>
@@ -5850,7 +8086,7 @@
           <a:buFontTx/>
           <a:buNone/>
           <a:tabLst/>
-          <a:defRPr b="0" baseline="0" cap="none" i="0" spc="0" strike="noStrike" sz="1800" u="none" kumimoji="0" normalizeH="0">
+          <a:defRPr kumimoji="0" sz="1800" b="0" i="0" u="none" strike="noStrike" cap="none" spc="0" normalizeH="0" baseline="0">
             <a:ln>
               <a:noFill/>
             </a:ln>
@@ -5876,7 +8112,7 @@
           <a:buFontTx/>
           <a:buNone/>
           <a:tabLst/>
-          <a:defRPr b="0" baseline="0" cap="none" i="0" spc="0" strike="noStrike" sz="1800" u="none" kumimoji="0" normalizeH="0">
+          <a:defRPr kumimoji="0" sz="1800" b="0" i="0" u="none" strike="noStrike" cap="none" spc="0" normalizeH="0" baseline="0">
             <a:ln>
               <a:noFill/>
             </a:ln>
@@ -5902,7 +8138,7 @@
           <a:buFontTx/>
           <a:buNone/>
           <a:tabLst/>
-          <a:defRPr b="0" baseline="0" cap="none" i="0" spc="0" strike="noStrike" sz="1800" u="none" kumimoji="0" normalizeH="0">
+          <a:defRPr kumimoji="0" sz="1800" b="0" i="0" u="none" strike="noStrike" cap="none" spc="0" normalizeH="0" baseline="0">
             <a:ln>
               <a:noFill/>
             </a:ln>
@@ -5928,7 +8164,7 @@
           <a:buFontTx/>
           <a:buNone/>
           <a:tabLst/>
-          <a:defRPr b="0" baseline="0" cap="none" i="0" spc="0" strike="noStrike" sz="1800" u="none" kumimoji="0" normalizeH="0">
+          <a:defRPr kumimoji="0" sz="1800" b="0" i="0" u="none" strike="noStrike" cap="none" spc="0" normalizeH="0" baseline="0">
             <a:ln>
               <a:noFill/>
             </a:ln>
@@ -5954,7 +8190,7 @@
           <a:buFontTx/>
           <a:buNone/>
           <a:tabLst/>
-          <a:defRPr b="0" baseline="0" cap="none" i="0" spc="0" strike="noStrike" sz="1800" u="none" kumimoji="0" normalizeH="0">
+          <a:defRPr kumimoji="0" sz="1800" b="0" i="0" u="none" strike="noStrike" cap="none" spc="0" normalizeH="0" baseline="0">
             <a:ln>
               <a:noFill/>
             </a:ln>
@@ -5967,18 +8203,25 @@
         </a:lvl9pPr>
       </a:lstStyle>
       <a:style>
-        <a:lnRef idx="0"/>
-        <a:fillRef idx="0"/>
-        <a:effectRef idx="0"/>
+        <a:lnRef idx="0">
+          <a:scrgbClr r="0" g="0" b="0"/>
+        </a:lnRef>
+        <a:fillRef idx="0">
+          <a:scrgbClr r="0" g="0" b="0"/>
+        </a:fillRef>
+        <a:effectRef idx="0">
+          <a:scrgbClr r="0" g="0" b="0"/>
+        </a:effectRef>
         <a:fontRef idx="none"/>
       </a:style>
     </a:txDef>
   </a:objectDefaults>
+  <a:extraClrSchemeLst/>
 </a:theme>
 </file>
 
 <file path=ppt/theme/theme2.xml><?xml version="1.0" encoding="utf-8"?>
-<a:theme xmlns:a="http://schemas.openxmlformats.org/drawingml/2006/main" xmlns:r="http://schemas.openxmlformats.org/officeDocument/2006/relationships" name="Showroom">
+<a:theme xmlns:a="http://schemas.openxmlformats.org/drawingml/2006/main" name="Showroom">
   <a:themeElements>
     <a:clrScheme name="Showroom">
       <a:dk1>
@@ -6177,7 +8420,7 @@
         <a:effectLst/>
         <a:sp3d/>
       </a:spPr>
-      <a:bodyPr rot="0" spcFirstLastPara="1" vertOverflow="overflow" horzOverflow="overflow" vert="horz" wrap="square" lIns="50800" tIns="50800" rIns="50800" bIns="50800" numCol="1" spcCol="38100" rtlCol="0" anchor="ctr" upright="0">
+      <a:bodyPr rot="0" spcFirstLastPara="1" vertOverflow="overflow" horzOverflow="overflow" vert="horz" wrap="square" lIns="50800" tIns="50800" rIns="50800" bIns="50800" numCol="1" spcCol="38100" rtlCol="0" anchor="ctr">
         <a:spAutoFit/>
       </a:bodyPr>
       <a:lstStyle>
@@ -6196,7 +8439,7 @@
           <a:buFontTx/>
           <a:buNone/>
           <a:tabLst/>
-          <a:defRPr b="0" baseline="0" cap="none" i="0" spc="0" strike="noStrike" sz="5000" u="none" kumimoji="0" normalizeH="0">
+          <a:defRPr kumimoji="0" sz="5000" b="0" i="0" u="none" strike="noStrike" cap="none" spc="0" normalizeH="0" baseline="0">
             <a:ln>
               <a:noFill/>
             </a:ln>
@@ -6226,7 +8469,7 @@
           <a:buFontTx/>
           <a:buNone/>
           <a:tabLst/>
-          <a:defRPr b="0" baseline="0" cap="none" i="0" spc="0" strike="noStrike" sz="1800" u="none" kumimoji="0" normalizeH="0">
+          <a:defRPr kumimoji="0" sz="1800" b="0" i="0" u="none" strike="noStrike" cap="none" spc="0" normalizeH="0" baseline="0">
             <a:ln>
               <a:noFill/>
             </a:ln>
@@ -6252,7 +8495,7 @@
           <a:buFontTx/>
           <a:buNone/>
           <a:tabLst/>
-          <a:defRPr b="0" baseline="0" cap="none" i="0" spc="0" strike="noStrike" sz="1800" u="none" kumimoji="0" normalizeH="0">
+          <a:defRPr kumimoji="0" sz="1800" b="0" i="0" u="none" strike="noStrike" cap="none" spc="0" normalizeH="0" baseline="0">
             <a:ln>
               <a:noFill/>
             </a:ln>
@@ -6278,7 +8521,7 @@
           <a:buFontTx/>
           <a:buNone/>
           <a:tabLst/>
-          <a:defRPr b="0" baseline="0" cap="none" i="0" spc="0" strike="noStrike" sz="1800" u="none" kumimoji="0" normalizeH="0">
+          <a:defRPr kumimoji="0" sz="1800" b="0" i="0" u="none" strike="noStrike" cap="none" spc="0" normalizeH="0" baseline="0">
             <a:ln>
               <a:noFill/>
             </a:ln>
@@ -6304,7 +8547,7 @@
           <a:buFontTx/>
           <a:buNone/>
           <a:tabLst/>
-          <a:defRPr b="0" baseline="0" cap="none" i="0" spc="0" strike="noStrike" sz="1800" u="none" kumimoji="0" normalizeH="0">
+          <a:defRPr kumimoji="0" sz="1800" b="0" i="0" u="none" strike="noStrike" cap="none" spc="0" normalizeH="0" baseline="0">
             <a:ln>
               <a:noFill/>
             </a:ln>
@@ -6330,7 +8573,7 @@
           <a:buFontTx/>
           <a:buNone/>
           <a:tabLst/>
-          <a:defRPr b="0" baseline="0" cap="none" i="0" spc="0" strike="noStrike" sz="1800" u="none" kumimoji="0" normalizeH="0">
+          <a:defRPr kumimoji="0" sz="1800" b="0" i="0" u="none" strike="noStrike" cap="none" spc="0" normalizeH="0" baseline="0">
             <a:ln>
               <a:noFill/>
             </a:ln>
@@ -6356,7 +8599,7 @@
           <a:buFontTx/>
           <a:buNone/>
           <a:tabLst/>
-          <a:defRPr b="0" baseline="0" cap="none" i="0" spc="0" strike="noStrike" sz="1800" u="none" kumimoji="0" normalizeH="0">
+          <a:defRPr kumimoji="0" sz="1800" b="0" i="0" u="none" strike="noStrike" cap="none" spc="0" normalizeH="0" baseline="0">
             <a:ln>
               <a:noFill/>
             </a:ln>
@@ -6382,7 +8625,7 @@
           <a:buFontTx/>
           <a:buNone/>
           <a:tabLst/>
-          <a:defRPr b="0" baseline="0" cap="none" i="0" spc="0" strike="noStrike" sz="1800" u="none" kumimoji="0" normalizeH="0">
+          <a:defRPr kumimoji="0" sz="1800" b="0" i="0" u="none" strike="noStrike" cap="none" spc="0" normalizeH="0" baseline="0">
             <a:ln>
               <a:noFill/>
             </a:ln>
@@ -6408,7 +8651,7 @@
           <a:buFontTx/>
           <a:buNone/>
           <a:tabLst/>
-          <a:defRPr b="0" baseline="0" cap="none" i="0" spc="0" strike="noStrike" sz="1800" u="none" kumimoji="0" normalizeH="0">
+          <a:defRPr kumimoji="0" sz="1800" b="0" i="0" u="none" strike="noStrike" cap="none" spc="0" normalizeH="0" baseline="0">
             <a:ln>
               <a:noFill/>
             </a:ln>
@@ -6434,7 +8677,7 @@
           <a:buFontTx/>
           <a:buNone/>
           <a:tabLst/>
-          <a:defRPr b="0" baseline="0" cap="none" i="0" spc="0" strike="noStrike" sz="1800" u="none" kumimoji="0" normalizeH="0">
+          <a:defRPr kumimoji="0" sz="1800" b="0" i="0" u="none" strike="noStrike" cap="none" spc="0" normalizeH="0" baseline="0">
             <a:ln>
               <a:noFill/>
             </a:ln>
@@ -6447,9 +8690,15 @@
         </a:lvl9pPr>
       </a:lstStyle>
       <a:style>
-        <a:lnRef idx="0"/>
-        <a:fillRef idx="0"/>
-        <a:effectRef idx="0"/>
+        <a:lnRef idx="0">
+          <a:scrgbClr r="0" g="0" b="0"/>
+        </a:lnRef>
+        <a:fillRef idx="0">
+          <a:scrgbClr r="0" g="0" b="0"/>
+        </a:fillRef>
+        <a:effectRef idx="0">
+          <a:scrgbClr r="0" g="0" b="0"/>
+        </a:effectRef>
         <a:fontRef idx="none"/>
       </a:style>
     </a:spDef>
@@ -6466,7 +8715,7 @@
         <a:effectLst/>
         <a:sp3d/>
       </a:spPr>
-      <a:bodyPr rot="0" spcFirstLastPara="1" vertOverflow="overflow" horzOverflow="overflow" vert="horz" wrap="square" lIns="91439" tIns="45719" rIns="91439" bIns="45719" numCol="1" spcCol="38100" rtlCol="0" anchor="t" upright="0">
+      <a:bodyPr rot="0" spcFirstLastPara="1" vertOverflow="overflow" horzOverflow="overflow" vert="horz" wrap="square" lIns="91439" tIns="45719" rIns="91439" bIns="45719" numCol="1" spcCol="38100" rtlCol="0" anchor="t">
         <a:noAutofit/>
       </a:bodyPr>
       <a:lstStyle>
@@ -6485,7 +8734,7 @@
           <a:buFontTx/>
           <a:buNone/>
           <a:tabLst/>
-          <a:defRPr b="0" baseline="0" cap="none" i="0" spc="0" strike="noStrike" sz="1800" u="none" kumimoji="0" normalizeH="0">
+          <a:defRPr kumimoji="0" sz="1800" b="0" i="0" u="none" strike="noStrike" cap="none" spc="0" normalizeH="0" baseline="0">
             <a:ln>
               <a:noFill/>
             </a:ln>
@@ -6511,7 +8760,7 @@
           <a:buFontTx/>
           <a:buNone/>
           <a:tabLst/>
-          <a:defRPr b="0" baseline="0" cap="none" i="0" spc="0" strike="noStrike" sz="1800" u="none" kumimoji="0" normalizeH="0">
+          <a:defRPr kumimoji="0" sz="1800" b="0" i="0" u="none" strike="noStrike" cap="none" spc="0" normalizeH="0" baseline="0">
             <a:ln>
               <a:noFill/>
             </a:ln>
@@ -6537,7 +8786,7 @@
           <a:buFontTx/>
           <a:buNone/>
           <a:tabLst/>
-          <a:defRPr b="0" baseline="0" cap="none" i="0" spc="0" strike="noStrike" sz="1800" u="none" kumimoji="0" normalizeH="0">
+          <a:defRPr kumimoji="0" sz="1800" b="0" i="0" u="none" strike="noStrike" cap="none" spc="0" normalizeH="0" baseline="0">
             <a:ln>
               <a:noFill/>
             </a:ln>
@@ -6563,7 +8812,7 @@
           <a:buFontTx/>
           <a:buNone/>
           <a:tabLst/>
-          <a:defRPr b="0" baseline="0" cap="none" i="0" spc="0" strike="noStrike" sz="1800" u="none" kumimoji="0" normalizeH="0">
+          <a:defRPr kumimoji="0" sz="1800" b="0" i="0" u="none" strike="noStrike" cap="none" spc="0" normalizeH="0" baseline="0">
             <a:ln>
               <a:noFill/>
             </a:ln>
@@ -6589,7 +8838,7 @@
           <a:buFontTx/>
           <a:buNone/>
           <a:tabLst/>
-          <a:defRPr b="0" baseline="0" cap="none" i="0" spc="0" strike="noStrike" sz="1800" u="none" kumimoji="0" normalizeH="0">
+          <a:defRPr kumimoji="0" sz="1800" b="0" i="0" u="none" strike="noStrike" cap="none" spc="0" normalizeH="0" baseline="0">
             <a:ln>
               <a:noFill/>
             </a:ln>
@@ -6615,7 +8864,7 @@
           <a:buFontTx/>
           <a:buNone/>
           <a:tabLst/>
-          <a:defRPr b="0" baseline="0" cap="none" i="0" spc="0" strike="noStrike" sz="1800" u="none" kumimoji="0" normalizeH="0">
+          <a:defRPr kumimoji="0" sz="1800" b="0" i="0" u="none" strike="noStrike" cap="none" spc="0" normalizeH="0" baseline="0">
             <a:ln>
               <a:noFill/>
             </a:ln>
@@ -6641,7 +8890,7 @@
           <a:buFontTx/>
           <a:buNone/>
           <a:tabLst/>
-          <a:defRPr b="0" baseline="0" cap="none" i="0" spc="0" strike="noStrike" sz="1800" u="none" kumimoji="0" normalizeH="0">
+          <a:defRPr kumimoji="0" sz="1800" b="0" i="0" u="none" strike="noStrike" cap="none" spc="0" normalizeH="0" baseline="0">
             <a:ln>
               <a:noFill/>
             </a:ln>
@@ -6667,7 +8916,7 @@
           <a:buFontTx/>
           <a:buNone/>
           <a:tabLst/>
-          <a:defRPr b="0" baseline="0" cap="none" i="0" spc="0" strike="noStrike" sz="1800" u="none" kumimoji="0" normalizeH="0">
+          <a:defRPr kumimoji="0" sz="1800" b="0" i="0" u="none" strike="noStrike" cap="none" spc="0" normalizeH="0" baseline="0">
             <a:ln>
               <a:noFill/>
             </a:ln>
@@ -6693,7 +8942,7 @@
           <a:buFontTx/>
           <a:buNone/>
           <a:tabLst/>
-          <a:defRPr b="0" baseline="0" cap="none" i="0" spc="0" strike="noStrike" sz="1800" u="none" kumimoji="0" normalizeH="0">
+          <a:defRPr kumimoji="0" sz="1800" b="0" i="0" u="none" strike="noStrike" cap="none" spc="0" normalizeH="0" baseline="0">
             <a:ln>
               <a:noFill/>
             </a:ln>
@@ -6719,7 +8968,7 @@
           <a:buFontTx/>
           <a:buNone/>
           <a:tabLst/>
-          <a:defRPr b="0" baseline="0" cap="none" i="0" spc="0" strike="noStrike" sz="1800" u="none" kumimoji="0" normalizeH="0">
+          <a:defRPr kumimoji="0" sz="1800" b="0" i="0" u="none" strike="noStrike" cap="none" spc="0" normalizeH="0" baseline="0">
             <a:ln>
               <a:noFill/>
             </a:ln>
@@ -6732,9 +8981,15 @@
         </a:lvl9pPr>
       </a:lstStyle>
       <a:style>
-        <a:lnRef idx="0"/>
-        <a:fillRef idx="0"/>
-        <a:effectRef idx="0"/>
+        <a:lnRef idx="0">
+          <a:scrgbClr r="0" g="0" b="0"/>
+        </a:lnRef>
+        <a:fillRef idx="0">
+          <a:scrgbClr r="0" g="0" b="0"/>
+        </a:fillRef>
+        <a:effectRef idx="0">
+          <a:scrgbClr r="0" g="0" b="0"/>
+        </a:effectRef>
         <a:fontRef idx="none"/>
       </a:style>
     </a:lnDef>
@@ -6748,7 +9003,7 @@
         <a:effectLst/>
         <a:sp3d/>
       </a:spPr>
-      <a:bodyPr rot="0" spcFirstLastPara="1" vertOverflow="overflow" horzOverflow="overflow" vert="horz" wrap="square" lIns="50800" tIns="50800" rIns="50800" bIns="50800" numCol="1" spcCol="38100" rtlCol="0" anchor="ctr" upright="0">
+      <a:bodyPr rot="0" spcFirstLastPara="1" vertOverflow="overflow" horzOverflow="overflow" vert="horz" wrap="square" lIns="50800" tIns="50800" rIns="50800" bIns="50800" numCol="1" spcCol="38100" rtlCol="0" anchor="ctr">
         <a:spAutoFit/>
       </a:bodyPr>
       <a:lstStyle>
@@ -6767,7 +9022,7 @@
           <a:buFontTx/>
           <a:buNone/>
           <a:tabLst/>
-          <a:defRPr b="0" baseline="0" cap="none" i="0" spc="0" strike="noStrike" sz="5000" u="none" kumimoji="0" normalizeH="0">
+          <a:defRPr kumimoji="0" sz="5000" b="0" i="0" u="none" strike="noStrike" cap="none" spc="0" normalizeH="0" baseline="0">
             <a:ln>
               <a:noFill/>
             </a:ln>
@@ -6797,7 +9052,7 @@
           <a:buFontTx/>
           <a:buNone/>
           <a:tabLst/>
-          <a:defRPr b="0" baseline="0" cap="none" i="0" spc="0" strike="noStrike" sz="1800" u="none" kumimoji="0" normalizeH="0">
+          <a:defRPr kumimoji="0" sz="1800" b="0" i="0" u="none" strike="noStrike" cap="none" spc="0" normalizeH="0" baseline="0">
             <a:ln>
               <a:noFill/>
             </a:ln>
@@ -6823,7 +9078,7 @@
           <a:buFontTx/>
           <a:buNone/>
           <a:tabLst/>
-          <a:defRPr b="0" baseline="0" cap="none" i="0" spc="0" strike="noStrike" sz="1800" u="none" kumimoji="0" normalizeH="0">
+          <a:defRPr kumimoji="0" sz="1800" b="0" i="0" u="none" strike="noStrike" cap="none" spc="0" normalizeH="0" baseline="0">
             <a:ln>
               <a:noFill/>
             </a:ln>
@@ -6849,7 +9104,7 @@
           <a:buFontTx/>
           <a:buNone/>
           <a:tabLst/>
-          <a:defRPr b="0" baseline="0" cap="none" i="0" spc="0" strike="noStrike" sz="1800" u="none" kumimoji="0" normalizeH="0">
+          <a:defRPr kumimoji="0" sz="1800" b="0" i="0" u="none" strike="noStrike" cap="none" spc="0" normalizeH="0" baseline="0">
             <a:ln>
               <a:noFill/>
             </a:ln>
@@ -6875,7 +9130,7 @@
           <a:buFontTx/>
           <a:buNone/>
           <a:tabLst/>
-          <a:defRPr b="0" baseline="0" cap="none" i="0" spc="0" strike="noStrike" sz="1800" u="none" kumimoji="0" normalizeH="0">
+          <a:defRPr kumimoji="0" sz="1800" b="0" i="0" u="none" strike="noStrike" cap="none" spc="0" normalizeH="0" baseline="0">
             <a:ln>
               <a:noFill/>
             </a:ln>
@@ -6901,7 +9156,7 @@
           <a:buFontTx/>
           <a:buNone/>
           <a:tabLst/>
-          <a:defRPr b="0" baseline="0" cap="none" i="0" spc="0" strike="noStrike" sz="1800" u="none" kumimoji="0" normalizeH="0">
+          <a:defRPr kumimoji="0" sz="1800" b="0" i="0" u="none" strike="noStrike" cap="none" spc="0" normalizeH="0" baseline="0">
             <a:ln>
               <a:noFill/>
             </a:ln>
@@ -6927,7 +9182,7 @@
           <a:buFontTx/>
           <a:buNone/>
           <a:tabLst/>
-          <a:defRPr b="0" baseline="0" cap="none" i="0" spc="0" strike="noStrike" sz="1800" u="none" kumimoji="0" normalizeH="0">
+          <a:defRPr kumimoji="0" sz="1800" b="0" i="0" u="none" strike="noStrike" cap="none" spc="0" normalizeH="0" baseline="0">
             <a:ln>
               <a:noFill/>
             </a:ln>
@@ -6953,7 +9208,7 @@
           <a:buFontTx/>
           <a:buNone/>
           <a:tabLst/>
-          <a:defRPr b="0" baseline="0" cap="none" i="0" spc="0" strike="noStrike" sz="1800" u="none" kumimoji="0" normalizeH="0">
+          <a:defRPr kumimoji="0" sz="1800" b="0" i="0" u="none" strike="noStrike" cap="none" spc="0" normalizeH="0" baseline="0">
             <a:ln>
               <a:noFill/>
             </a:ln>
@@ -6979,7 +9234,7 @@
           <a:buFontTx/>
           <a:buNone/>
           <a:tabLst/>
-          <a:defRPr b="0" baseline="0" cap="none" i="0" spc="0" strike="noStrike" sz="1800" u="none" kumimoji="0" normalizeH="0">
+          <a:defRPr kumimoji="0" sz="1800" b="0" i="0" u="none" strike="noStrike" cap="none" spc="0" normalizeH="0" baseline="0">
             <a:ln>
               <a:noFill/>
             </a:ln>
@@ -7005,7 +9260,7 @@
           <a:buFontTx/>
           <a:buNone/>
           <a:tabLst/>
-          <a:defRPr b="0" baseline="0" cap="none" i="0" spc="0" strike="noStrike" sz="1800" u="none" kumimoji="0" normalizeH="0">
+          <a:defRPr kumimoji="0" sz="1800" b="0" i="0" u="none" strike="noStrike" cap="none" spc="0" normalizeH="0" baseline="0">
             <a:ln>
               <a:noFill/>
             </a:ln>
@@ -7018,12 +9273,19 @@
         </a:lvl9pPr>
       </a:lstStyle>
       <a:style>
-        <a:lnRef idx="0"/>
-        <a:fillRef idx="0"/>
-        <a:effectRef idx="0"/>
+        <a:lnRef idx="0">
+          <a:scrgbClr r="0" g="0" b="0"/>
+        </a:lnRef>
+        <a:fillRef idx="0">
+          <a:scrgbClr r="0" g="0" b="0"/>
+        </a:fillRef>
+        <a:effectRef idx="0">
+          <a:scrgbClr r="0" g="0" b="0"/>
+        </a:effectRef>
         <a:fontRef idx="none"/>
       </a:style>
     </a:txDef>
   </a:objectDefaults>
+  <a:extraClrSchemeLst/>
 </a:theme>
 </file>
--- a/Meilenstein_1_und_2.pptx
+++ b/Meilenstein_1_und_2.pptx
@@ -1,21 +1,20 @@
 
 <file path=ppt/presentation.xml><?xml version="1.0" encoding="utf-8"?>
-<p:presentation xmlns:a="http://schemas.openxmlformats.org/drawingml/2006/main" xmlns:r="http://schemas.openxmlformats.org/officeDocument/2006/relationships" xmlns:p="http://schemas.openxmlformats.org/presentationml/2006/main">
+<p:presentation xmlns:a="http://schemas.openxmlformats.org/drawingml/2006/main" xmlns:r="http://schemas.openxmlformats.org/officeDocument/2006/relationships" xmlns:p="http://schemas.openxmlformats.org/presentationml/2006/main" xmlns:m="http://schemas.openxmlformats.org/officeDocument/2006/math" xmlns:a14="http://schemas.microsoft.com/office/drawing/2010/main">
   <p:sldMasterIdLst>
-    <p:sldMasterId id="2147483648" r:id="rId1"/>
+    <p:sldMasterId id="2147483648" r:id="rId5"/>
   </p:sldMasterIdLst>
   <p:notesMasterIdLst>
-    <p:notesMasterId r:id="rId10"/>
+    <p:notesMasterId r:id="rId7"/>
   </p:notesMasterIdLst>
   <p:sldIdLst>
-    <p:sldId id="256" r:id="rId2"/>
-    <p:sldId id="257" r:id="rId3"/>
-    <p:sldId id="258" r:id="rId4"/>
-    <p:sldId id="259" r:id="rId5"/>
-    <p:sldId id="260" r:id="rId6"/>
-    <p:sldId id="262" r:id="rId7"/>
-    <p:sldId id="263" r:id="rId8"/>
-    <p:sldId id="261" r:id="rId9"/>
+    <p:sldId id="256" r:id="rId8"/>
+    <p:sldId id="257" r:id="rId9"/>
+    <p:sldId id="258" r:id="rId10"/>
+    <p:sldId id="259" r:id="rId11"/>
+    <p:sldId id="260" r:id="rId12"/>
+    <p:sldId id="261" r:id="rId13"/>
+    <p:sldId id="262" r:id="rId14"/>
   </p:sldIdLst>
   <p:sldSz cx="24384000" cy="13716000"/>
   <p:notesSz cx="6858000" cy="9144000"/>
@@ -35,7 +34,7 @@
       <a:buFontTx/>
       <a:buNone/>
       <a:tabLst/>
-      <a:defRPr kumimoji="0" sz="1800" b="0" i="0" u="none" strike="noStrike" cap="none" spc="0" normalizeH="0" baseline="0">
+      <a:defRPr b="0" baseline="0" cap="none" i="0" spc="0" strike="noStrike" sz="1800" u="none" kumimoji="0" normalizeH="0">
         <a:ln>
           <a:noFill/>
         </a:ln>
@@ -61,7 +60,7 @@
       <a:buFontTx/>
       <a:buNone/>
       <a:tabLst/>
-      <a:defRPr kumimoji="0" sz="5000" b="0" i="0" u="none" strike="noStrike" cap="none" spc="0" normalizeH="0" baseline="0">
+      <a:defRPr b="0" baseline="0" cap="none" i="0" spc="0" strike="noStrike" sz="5000" u="none" kumimoji="0" normalizeH="0">
         <a:ln>
           <a:noFill/>
         </a:ln>
@@ -70,9 +69,9 @@
         </a:solidFill>
         <a:effectLst/>
         <a:uFillTx/>
-        <a:latin typeface="+mn-lt"/>
-        <a:ea typeface="+mn-ea"/>
-        <a:cs typeface="+mn-cs"/>
+        <a:latin typeface="Gill Sans Light"/>
+        <a:ea typeface="Gill Sans Light"/>
+        <a:cs typeface="Gill Sans Light"/>
         <a:sym typeface="Gill Sans Light"/>
       </a:defRPr>
     </a:lvl1pPr>
@@ -91,7 +90,7 @@
       <a:buFontTx/>
       <a:buNone/>
       <a:tabLst/>
-      <a:defRPr kumimoji="0" sz="5000" b="0" i="0" u="none" strike="noStrike" cap="none" spc="0" normalizeH="0" baseline="0">
+      <a:defRPr b="0" baseline="0" cap="none" i="0" spc="0" strike="noStrike" sz="5000" u="none" kumimoji="0" normalizeH="0">
         <a:ln>
           <a:noFill/>
         </a:ln>
@@ -100,9 +99,9 @@
         </a:solidFill>
         <a:effectLst/>
         <a:uFillTx/>
-        <a:latin typeface="+mn-lt"/>
-        <a:ea typeface="+mn-ea"/>
-        <a:cs typeface="+mn-cs"/>
+        <a:latin typeface="Gill Sans Light"/>
+        <a:ea typeface="Gill Sans Light"/>
+        <a:cs typeface="Gill Sans Light"/>
         <a:sym typeface="Gill Sans Light"/>
       </a:defRPr>
     </a:lvl2pPr>
@@ -121,7 +120,7 @@
       <a:buFontTx/>
       <a:buNone/>
       <a:tabLst/>
-      <a:defRPr kumimoji="0" sz="5000" b="0" i="0" u="none" strike="noStrike" cap="none" spc="0" normalizeH="0" baseline="0">
+      <a:defRPr b="0" baseline="0" cap="none" i="0" spc="0" strike="noStrike" sz="5000" u="none" kumimoji="0" normalizeH="0">
         <a:ln>
           <a:noFill/>
         </a:ln>
@@ -130,9 +129,9 @@
         </a:solidFill>
         <a:effectLst/>
         <a:uFillTx/>
-        <a:latin typeface="+mn-lt"/>
-        <a:ea typeface="+mn-ea"/>
-        <a:cs typeface="+mn-cs"/>
+        <a:latin typeface="Gill Sans Light"/>
+        <a:ea typeface="Gill Sans Light"/>
+        <a:cs typeface="Gill Sans Light"/>
         <a:sym typeface="Gill Sans Light"/>
       </a:defRPr>
     </a:lvl3pPr>
@@ -151,7 +150,7 @@
       <a:buFontTx/>
       <a:buNone/>
       <a:tabLst/>
-      <a:defRPr kumimoji="0" sz="5000" b="0" i="0" u="none" strike="noStrike" cap="none" spc="0" normalizeH="0" baseline="0">
+      <a:defRPr b="0" baseline="0" cap="none" i="0" spc="0" strike="noStrike" sz="5000" u="none" kumimoji="0" normalizeH="0">
         <a:ln>
           <a:noFill/>
         </a:ln>
@@ -160,9 +159,9 @@
         </a:solidFill>
         <a:effectLst/>
         <a:uFillTx/>
-        <a:latin typeface="+mn-lt"/>
-        <a:ea typeface="+mn-ea"/>
-        <a:cs typeface="+mn-cs"/>
+        <a:latin typeface="Gill Sans Light"/>
+        <a:ea typeface="Gill Sans Light"/>
+        <a:cs typeface="Gill Sans Light"/>
         <a:sym typeface="Gill Sans Light"/>
       </a:defRPr>
     </a:lvl4pPr>
@@ -181,7 +180,7 @@
       <a:buFontTx/>
       <a:buNone/>
       <a:tabLst/>
-      <a:defRPr kumimoji="0" sz="5000" b="0" i="0" u="none" strike="noStrike" cap="none" spc="0" normalizeH="0" baseline="0">
+      <a:defRPr b="0" baseline="0" cap="none" i="0" spc="0" strike="noStrike" sz="5000" u="none" kumimoji="0" normalizeH="0">
         <a:ln>
           <a:noFill/>
         </a:ln>
@@ -190,9 +189,9 @@
         </a:solidFill>
         <a:effectLst/>
         <a:uFillTx/>
-        <a:latin typeface="+mn-lt"/>
-        <a:ea typeface="+mn-ea"/>
-        <a:cs typeface="+mn-cs"/>
+        <a:latin typeface="Gill Sans Light"/>
+        <a:ea typeface="Gill Sans Light"/>
+        <a:cs typeface="Gill Sans Light"/>
         <a:sym typeface="Gill Sans Light"/>
       </a:defRPr>
     </a:lvl5pPr>
@@ -211,7 +210,7 @@
       <a:buFontTx/>
       <a:buNone/>
       <a:tabLst/>
-      <a:defRPr kumimoji="0" sz="5000" b="0" i="0" u="none" strike="noStrike" cap="none" spc="0" normalizeH="0" baseline="0">
+      <a:defRPr b="0" baseline="0" cap="none" i="0" spc="0" strike="noStrike" sz="5000" u="none" kumimoji="0" normalizeH="0">
         <a:ln>
           <a:noFill/>
         </a:ln>
@@ -220,9 +219,9 @@
         </a:solidFill>
         <a:effectLst/>
         <a:uFillTx/>
-        <a:latin typeface="+mn-lt"/>
-        <a:ea typeface="+mn-ea"/>
-        <a:cs typeface="+mn-cs"/>
+        <a:latin typeface="Gill Sans Light"/>
+        <a:ea typeface="Gill Sans Light"/>
+        <a:cs typeface="Gill Sans Light"/>
         <a:sym typeface="Gill Sans Light"/>
       </a:defRPr>
     </a:lvl6pPr>
@@ -241,7 +240,7 @@
       <a:buFontTx/>
       <a:buNone/>
       <a:tabLst/>
-      <a:defRPr kumimoji="0" sz="5000" b="0" i="0" u="none" strike="noStrike" cap="none" spc="0" normalizeH="0" baseline="0">
+      <a:defRPr b="0" baseline="0" cap="none" i="0" spc="0" strike="noStrike" sz="5000" u="none" kumimoji="0" normalizeH="0">
         <a:ln>
           <a:noFill/>
         </a:ln>
@@ -250,9 +249,9 @@
         </a:solidFill>
         <a:effectLst/>
         <a:uFillTx/>
-        <a:latin typeface="+mn-lt"/>
-        <a:ea typeface="+mn-ea"/>
-        <a:cs typeface="+mn-cs"/>
+        <a:latin typeface="Gill Sans Light"/>
+        <a:ea typeface="Gill Sans Light"/>
+        <a:cs typeface="Gill Sans Light"/>
         <a:sym typeface="Gill Sans Light"/>
       </a:defRPr>
     </a:lvl7pPr>
@@ -271,7 +270,7 @@
       <a:buFontTx/>
       <a:buNone/>
       <a:tabLst/>
-      <a:defRPr kumimoji="0" sz="5000" b="0" i="0" u="none" strike="noStrike" cap="none" spc="0" normalizeH="0" baseline="0">
+      <a:defRPr b="0" baseline="0" cap="none" i="0" spc="0" strike="noStrike" sz="5000" u="none" kumimoji="0" normalizeH="0">
         <a:ln>
           <a:noFill/>
         </a:ln>
@@ -280,9 +279,9 @@
         </a:solidFill>
         <a:effectLst/>
         <a:uFillTx/>
-        <a:latin typeface="+mn-lt"/>
-        <a:ea typeface="+mn-ea"/>
-        <a:cs typeface="+mn-cs"/>
+        <a:latin typeface="Gill Sans Light"/>
+        <a:ea typeface="Gill Sans Light"/>
+        <a:cs typeface="Gill Sans Light"/>
         <a:sym typeface="Gill Sans Light"/>
       </a:defRPr>
     </a:lvl8pPr>
@@ -301,7 +300,7 @@
       <a:buFontTx/>
       <a:buNone/>
       <a:tabLst/>
-      <a:defRPr kumimoji="0" sz="5000" b="0" i="0" u="none" strike="noStrike" cap="none" spc="0" normalizeH="0" baseline="0">
+      <a:defRPr b="0" baseline="0" cap="none" i="0" spc="0" strike="noStrike" sz="5000" u="none" kumimoji="0" normalizeH="0">
         <a:ln>
           <a:noFill/>
         </a:ln>
@@ -310,9 +309,9 @@
         </a:solidFill>
         <a:effectLst/>
         <a:uFillTx/>
-        <a:latin typeface="+mn-lt"/>
-        <a:ea typeface="+mn-ea"/>
-        <a:cs typeface="+mn-cs"/>
+        <a:latin typeface="Gill Sans Light"/>
+        <a:ea typeface="Gill Sans Light"/>
+        <a:cs typeface="Gill Sans Light"/>
         <a:sym typeface="Gill Sans Light"/>
       </a:defRPr>
     </a:lvl9pPr>
@@ -320,14 +319,13 @@
 </p:presentation>
 </file>
 
+<file path=ppt/commentAuthors.xml><?xml version="1.0" encoding="utf-8"?>
+<p:cmAuthorLst xmlns:a="http://schemas.openxmlformats.org/drawingml/2006/main" xmlns:r="http://schemas.openxmlformats.org/officeDocument/2006/relationships" xmlns:p="http://schemas.openxmlformats.org/presentationml/2006/main" xmlns:m="http://schemas.openxmlformats.org/officeDocument/2006/math" xmlns:a14="http://schemas.microsoft.com/office/drawing/2010/main"/>
+</file>
+
 <file path=ppt/notesMasters/notesMaster1.xml><?xml version="1.0" encoding="utf-8"?>
-<p:notesMaster xmlns:a="http://schemas.openxmlformats.org/drawingml/2006/main" xmlns:r="http://schemas.openxmlformats.org/officeDocument/2006/relationships" xmlns:p="http://schemas.openxmlformats.org/presentationml/2006/main">
+<p:notesMaster xmlns:a="http://schemas.openxmlformats.org/drawingml/2006/main" xmlns:r="http://schemas.openxmlformats.org/officeDocument/2006/relationships" xmlns:p="http://schemas.openxmlformats.org/presentationml/2006/main" xmlns:m="http://schemas.openxmlformats.org/officeDocument/2006/math" xmlns:a14="http://schemas.microsoft.com/office/drawing/2010/main">
   <p:cSld>
-    <p:bg>
-      <p:bgRef idx="1001">
-        <a:schemeClr val="bg1"/>
-      </p:bgRef>
-    </p:bg>
     <p:spTree>
       <p:nvGrpSpPr>
         <p:cNvPr id="1" name=""/>
@@ -345,9 +343,7 @@
       <p:sp>
         <p:nvSpPr>
           <p:cNvPr id="116" name="Shape 116"/>
-          <p:cNvSpPr>
-            <a:spLocks noGrp="1" noRot="1" noChangeAspect="1"/>
-          </p:cNvSpPr>
+          <p:cNvSpPr/>
           <p:nvPr>
             <p:ph type="sldImg"/>
           </p:nvPr>
@@ -365,16 +361,14 @@
           <a:bodyPr/>
           <a:lstStyle/>
           <a:p>
-            <a:endParaRPr/>
+            <a:pPr/>
           </a:p>
         </p:txBody>
       </p:sp>
       <p:sp>
         <p:nvSpPr>
           <p:cNvPr id="117" name="Shape 117"/>
-          <p:cNvSpPr>
-            <a:spLocks noGrp="1"/>
-          </p:cNvSpPr>
+          <p:cNvSpPr/>
           <p:nvPr>
             <p:ph type="body" sz="quarter" idx="1"/>
           </p:nvPr>
@@ -392,7 +386,7 @@
           <a:bodyPr/>
           <a:lstStyle/>
           <a:p>
-            <a:endParaRPr/>
+            <a:pPr/>
           </a:p>
         </p:txBody>
       </p:sp>
@@ -405,9 +399,9 @@
         <a:spcPct val="117999"/>
       </a:lnSpc>
       <a:defRPr sz="2200">
-        <a:latin typeface="Helvetica Neue"/>
-        <a:ea typeface="Helvetica Neue"/>
-        <a:cs typeface="Helvetica Neue"/>
+        <a:latin typeface="+mj-lt"/>
+        <a:ea typeface="+mj-ea"/>
+        <a:cs typeface="+mj-cs"/>
         <a:sym typeface="Helvetica Neue"/>
       </a:defRPr>
     </a:lvl1pPr>
@@ -416,9 +410,9 @@
         <a:spcPct val="117999"/>
       </a:lnSpc>
       <a:defRPr sz="2200">
-        <a:latin typeface="Helvetica Neue"/>
-        <a:ea typeface="Helvetica Neue"/>
-        <a:cs typeface="Helvetica Neue"/>
+        <a:latin typeface="+mj-lt"/>
+        <a:ea typeface="+mj-ea"/>
+        <a:cs typeface="+mj-cs"/>
         <a:sym typeface="Helvetica Neue"/>
       </a:defRPr>
     </a:lvl2pPr>
@@ -427,9 +421,9 @@
         <a:spcPct val="117999"/>
       </a:lnSpc>
       <a:defRPr sz="2200">
-        <a:latin typeface="Helvetica Neue"/>
-        <a:ea typeface="Helvetica Neue"/>
-        <a:cs typeface="Helvetica Neue"/>
+        <a:latin typeface="+mj-lt"/>
+        <a:ea typeface="+mj-ea"/>
+        <a:cs typeface="+mj-cs"/>
         <a:sym typeface="Helvetica Neue"/>
       </a:defRPr>
     </a:lvl3pPr>
@@ -438,9 +432,9 @@
         <a:spcPct val="117999"/>
       </a:lnSpc>
       <a:defRPr sz="2200">
-        <a:latin typeface="Helvetica Neue"/>
-        <a:ea typeface="Helvetica Neue"/>
-        <a:cs typeface="Helvetica Neue"/>
+        <a:latin typeface="+mj-lt"/>
+        <a:ea typeface="+mj-ea"/>
+        <a:cs typeface="+mj-cs"/>
         <a:sym typeface="Helvetica Neue"/>
       </a:defRPr>
     </a:lvl4pPr>
@@ -449,9 +443,9 @@
         <a:spcPct val="117999"/>
       </a:lnSpc>
       <a:defRPr sz="2200">
-        <a:latin typeface="Helvetica Neue"/>
-        <a:ea typeface="Helvetica Neue"/>
-        <a:cs typeface="Helvetica Neue"/>
+        <a:latin typeface="+mj-lt"/>
+        <a:ea typeface="+mj-ea"/>
+        <a:cs typeface="+mj-cs"/>
         <a:sym typeface="Helvetica Neue"/>
       </a:defRPr>
     </a:lvl5pPr>
@@ -460,9 +454,9 @@
         <a:spcPct val="117999"/>
       </a:lnSpc>
       <a:defRPr sz="2200">
-        <a:latin typeface="Helvetica Neue"/>
-        <a:ea typeface="Helvetica Neue"/>
-        <a:cs typeface="Helvetica Neue"/>
+        <a:latin typeface="+mj-lt"/>
+        <a:ea typeface="+mj-ea"/>
+        <a:cs typeface="+mj-cs"/>
         <a:sym typeface="Helvetica Neue"/>
       </a:defRPr>
     </a:lvl6pPr>
@@ -471,9 +465,9 @@
         <a:spcPct val="117999"/>
       </a:lnSpc>
       <a:defRPr sz="2200">
-        <a:latin typeface="Helvetica Neue"/>
-        <a:ea typeface="Helvetica Neue"/>
-        <a:cs typeface="Helvetica Neue"/>
+        <a:latin typeface="+mj-lt"/>
+        <a:ea typeface="+mj-ea"/>
+        <a:cs typeface="+mj-cs"/>
         <a:sym typeface="Helvetica Neue"/>
       </a:defRPr>
     </a:lvl7pPr>
@@ -482,9 +476,9 @@
         <a:spcPct val="117999"/>
       </a:lnSpc>
       <a:defRPr sz="2200">
-        <a:latin typeface="Helvetica Neue"/>
-        <a:ea typeface="Helvetica Neue"/>
-        <a:cs typeface="Helvetica Neue"/>
+        <a:latin typeface="+mj-lt"/>
+        <a:ea typeface="+mj-ea"/>
+        <a:cs typeface="+mj-cs"/>
         <a:sym typeface="Helvetica Neue"/>
       </a:defRPr>
     </a:lvl8pPr>
@@ -493,9 +487,9 @@
         <a:spcPct val="117999"/>
       </a:lnSpc>
       <a:defRPr sz="2200">
-        <a:latin typeface="Helvetica Neue"/>
-        <a:ea typeface="Helvetica Neue"/>
-        <a:cs typeface="Helvetica Neue"/>
+        <a:latin typeface="+mj-lt"/>
+        <a:ea typeface="+mj-ea"/>
+        <a:cs typeface="+mj-cs"/>
         <a:sym typeface="Helvetica Neue"/>
       </a:defRPr>
     </a:lvl9pPr>
@@ -504,7 +498,7 @@
 </file>
 
 <file path=ppt/slideLayouts/slideLayout1.xml><?xml version="1.0" encoding="utf-8"?>
-<p:sldLayout xmlns:a="http://schemas.openxmlformats.org/drawingml/2006/main" xmlns:r="http://schemas.openxmlformats.org/officeDocument/2006/relationships" xmlns:p="http://schemas.openxmlformats.org/presentationml/2006/main" type="title">
+<p:sldLayout xmlns:a="http://schemas.openxmlformats.org/drawingml/2006/main" xmlns:r="http://schemas.openxmlformats.org/officeDocument/2006/relationships" xmlns:p="http://schemas.openxmlformats.org/presentationml/2006/main" xmlns:m="http://schemas.openxmlformats.org/officeDocument/2006/math" xmlns:a14="http://schemas.microsoft.com/office/drawing/2010/main" type="title" showMasterSp="1" showMasterPhAnim="1">
   <p:cSld name="Titel &amp; Untertitel">
     <p:spTree>
       <p:nvGrpSpPr>
@@ -523,9 +517,7 @@
       <p:sp>
         <p:nvSpPr>
           <p:cNvPr id="11" name="Titeltext"/>
-          <p:cNvSpPr txBox="1">
-            <a:spLocks noGrp="1"/>
-          </p:cNvSpPr>
+          <p:cNvSpPr txBox="1"/>
           <p:nvPr>
             <p:ph type="title"/>
           </p:nvPr>
@@ -543,6 +535,7 @@
           <a:bodyPr anchor="b"/>
           <a:lstStyle/>
           <a:p>
+            <a:pPr/>
             <a:r>
               <a:t>Titeltext</a:t>
             </a:r>
@@ -552,9 +545,7 @@
       <p:sp>
         <p:nvSpPr>
           <p:cNvPr id="12" name="Textebene 1…"/>
-          <p:cNvSpPr txBox="1">
-            <a:spLocks noGrp="1"/>
-          </p:cNvSpPr>
+          <p:cNvSpPr txBox="1"/>
           <p:nvPr>
             <p:ph type="body" sz="quarter" idx="1"/>
           </p:nvPr>
@@ -572,42 +563,63 @@
           <a:bodyPr anchor="t"/>
           <a:lstStyle>
             <a:lvl1pPr marL="0" indent="0" algn="ctr">
+              <a:lnSpc>
+                <a:spcPct val="100000"/>
+              </a:lnSpc>
               <a:spcBef>
                 <a:spcPts val="0"/>
               </a:spcBef>
               <a:buSzTx/>
               <a:buNone/>
+              <a:defRPr sz="5200"/>
             </a:lvl1pPr>
             <a:lvl2pPr marL="0" indent="0" algn="ctr">
+              <a:lnSpc>
+                <a:spcPct val="100000"/>
+              </a:lnSpc>
               <a:spcBef>
                 <a:spcPts val="0"/>
               </a:spcBef>
               <a:buSzTx/>
               <a:buNone/>
+              <a:defRPr sz="5200"/>
             </a:lvl2pPr>
             <a:lvl3pPr marL="0" indent="0" algn="ctr">
+              <a:lnSpc>
+                <a:spcPct val="100000"/>
+              </a:lnSpc>
               <a:spcBef>
                 <a:spcPts val="0"/>
               </a:spcBef>
               <a:buSzTx/>
               <a:buNone/>
+              <a:defRPr sz="5200"/>
             </a:lvl3pPr>
             <a:lvl4pPr marL="0" indent="0" algn="ctr">
+              <a:lnSpc>
+                <a:spcPct val="100000"/>
+              </a:lnSpc>
               <a:spcBef>
                 <a:spcPts val="0"/>
               </a:spcBef>
               <a:buSzTx/>
               <a:buNone/>
+              <a:defRPr sz="5200"/>
             </a:lvl4pPr>
             <a:lvl5pPr marL="0" indent="0" algn="ctr">
+              <a:lnSpc>
+                <a:spcPct val="100000"/>
+              </a:lnSpc>
               <a:spcBef>
                 <a:spcPts val="0"/>
               </a:spcBef>
               <a:buSzTx/>
               <a:buNone/>
+              <a:defRPr sz="5200"/>
             </a:lvl5pPr>
           </a:lstStyle>
           <a:p>
+            <a:pPr/>
             <a:r>
               <a:t>Textebene 1</a:t>
             </a:r>
@@ -641,9 +653,7 @@
       <p:sp>
         <p:nvSpPr>
           <p:cNvPr id="13" name="Foliennummer"/>
-          <p:cNvSpPr txBox="1">
-            <a:spLocks noGrp="1"/>
-          </p:cNvSpPr>
+          <p:cNvSpPr txBox="1"/>
           <p:nvPr>
             <p:ph type="sldNum" sz="quarter" idx="2"/>
           </p:nvPr>
@@ -657,10 +667,8 @@
           <a:bodyPr/>
           <a:lstStyle/>
           <a:p>
-            <a:fld id="{86CB4B4D-7CA3-9044-876B-883B54F8677D}" type="slidenum">
-              <a:t>‹#›</a:t>
-            </a:fld>
-            <a:endParaRPr/>
+            <a:pPr/>
+            <a:fld id="{86CB4B4D-7CA3-9044-876B-883B54F8677D}" type="slidenum"/>
           </a:p>
         </p:txBody>
       </p:sp>
@@ -669,12 +677,12 @@
   <p:clrMapOvr>
     <a:masterClrMapping/>
   </p:clrMapOvr>
-  <p:transition spd="med"/>
+  <p:transition xmlns:p14="http://schemas.microsoft.com/office/powerpoint/2010/main" spd="med" advClick="1"/>
 </p:sldLayout>
 </file>
 
 <file path=ppt/slideLayouts/slideLayout10.xml><?xml version="1.0" encoding="utf-8"?>
-<p:sldLayout xmlns:a="http://schemas.openxmlformats.org/drawingml/2006/main" xmlns:r="http://schemas.openxmlformats.org/officeDocument/2006/relationships" xmlns:p="http://schemas.openxmlformats.org/presentationml/2006/main" type="tx">
+<p:sldLayout xmlns:a="http://schemas.openxmlformats.org/drawingml/2006/main" xmlns:r="http://schemas.openxmlformats.org/officeDocument/2006/relationships" xmlns:p="http://schemas.openxmlformats.org/presentationml/2006/main" xmlns:m="http://schemas.openxmlformats.org/officeDocument/2006/math" xmlns:a14="http://schemas.microsoft.com/office/drawing/2010/main" type="tx" showMasterSp="1" showMasterPhAnim="1">
   <p:cSld name="Zitat">
     <p:spTree>
       <p:nvGrpSpPr>
@@ -692,12 +700,10 @@
       </p:grpSpPr>
       <p:sp>
         <p:nvSpPr>
-          <p:cNvPr id="93" name="–Christian Bauer"/>
-          <p:cNvSpPr txBox="1">
-            <a:spLocks noGrp="1"/>
-          </p:cNvSpPr>
+          <p:cNvPr id="93" name="Textebene 1…"/>
+          <p:cNvSpPr txBox="1"/>
           <p:nvPr>
-            <p:ph type="body" sz="quarter" idx="21"/>
+            <p:ph type="body" sz="quarter" idx="1"/>
           </p:nvPr>
         </p:nvSpPr>
         <p:spPr>
@@ -710,11 +716,12 @@
           </a:prstGeom>
         </p:spPr>
         <p:txBody>
-          <a:bodyPr anchor="t">
-            <a:spAutoFit/>
-          </a:bodyPr>
+          <a:bodyPr anchor="t"/>
           <a:lstStyle>
             <a:lvl1pPr marL="0" indent="0" algn="ctr">
+              <a:lnSpc>
+                <a:spcPct val="100000"/>
+              </a:lnSpc>
               <a:spcBef>
                 <a:spcPts val="0"/>
               </a:spcBef>
@@ -722,10 +729,71 @@
               <a:buNone/>
               <a:defRPr sz="3800"/>
             </a:lvl1pPr>
+            <a:lvl2pPr marL="1011115" indent="-426915" algn="ctr">
+              <a:lnSpc>
+                <a:spcPct val="100000"/>
+              </a:lnSpc>
+              <a:spcBef>
+                <a:spcPts val="0"/>
+              </a:spcBef>
+              <a:defRPr sz="3800"/>
+            </a:lvl2pPr>
+            <a:lvl3pPr marL="1595315" indent="-426915" algn="ctr">
+              <a:lnSpc>
+                <a:spcPct val="100000"/>
+              </a:lnSpc>
+              <a:spcBef>
+                <a:spcPts val="0"/>
+              </a:spcBef>
+              <a:defRPr sz="3800"/>
+            </a:lvl3pPr>
+            <a:lvl4pPr marL="2179515" indent="-426915" algn="ctr">
+              <a:lnSpc>
+                <a:spcPct val="100000"/>
+              </a:lnSpc>
+              <a:spcBef>
+                <a:spcPts val="0"/>
+              </a:spcBef>
+              <a:defRPr sz="3800"/>
+            </a:lvl4pPr>
+            <a:lvl5pPr marL="2763715" indent="-426915" algn="ctr">
+              <a:lnSpc>
+                <a:spcPct val="100000"/>
+              </a:lnSpc>
+              <a:spcBef>
+                <a:spcPts val="0"/>
+              </a:spcBef>
+              <a:defRPr sz="3800"/>
+            </a:lvl5pPr>
           </a:lstStyle>
           <a:p>
-            <a:r>
-              <a:t>–Christian Bauer</a:t>
+            <a:pPr/>
+            <a:r>
+              <a:t>Textebene 1</a:t>
+            </a:r>
+          </a:p>
+          <a:p>
+            <a:pPr lvl="1"/>
+            <a:r>
+              <a:t>Textebene 2</a:t>
+            </a:r>
+          </a:p>
+          <a:p>
+            <a:pPr lvl="2"/>
+            <a:r>
+              <a:t>Textebene 3</a:t>
+            </a:r>
+          </a:p>
+          <a:p>
+            <a:pPr lvl="3"/>
+            <a:r>
+              <a:t>Textebene 4</a:t>
+            </a:r>
+          </a:p>
+          <a:p>
+            <a:pPr lvl="4"/>
+            <a:r>
+              <a:t>Textebene 5</a:t>
             </a:r>
           </a:p>
         </p:txBody>
@@ -733,11 +801,9 @@
       <p:sp>
         <p:nvSpPr>
           <p:cNvPr id="94" name="„Zitat hier eingeben.“"/>
-          <p:cNvSpPr txBox="1">
-            <a:spLocks noGrp="1"/>
-          </p:cNvSpPr>
+          <p:cNvSpPr txBox="1"/>
           <p:nvPr>
-            <p:ph type="body" sz="quarter" idx="22"/>
+            <p:ph type="body" sz="quarter" idx="21"/>
           </p:nvPr>
         </p:nvSpPr>
         <p:spPr>
@@ -750,31 +816,27 @@
           </a:prstGeom>
         </p:spPr>
         <p:txBody>
-          <a:bodyPr>
-            <a:spAutoFit/>
-          </a:bodyPr>
-          <a:lstStyle>
-            <a:lvl1pPr marL="0" indent="0" algn="ctr">
+          <a:bodyPr/>
+          <a:lstStyle/>
+          <a:p>
+            <a:pPr marL="0" indent="0" algn="ctr">
+              <a:lnSpc>
+                <a:spcPct val="100000"/>
+              </a:lnSpc>
               <a:spcBef>
                 <a:spcPts val="0"/>
               </a:spcBef>
               <a:buSzTx/>
               <a:buNone/>
-            </a:lvl1pPr>
-          </a:lstStyle>
-          <a:p>
-            <a:r>
-              <a:t>„Zitat hier eingeben.“</a:t>
-            </a:r>
+              <a:defRPr sz="5200"/>
+            </a:pPr>
           </a:p>
         </p:txBody>
       </p:sp>
       <p:sp>
         <p:nvSpPr>
           <p:cNvPr id="95" name="Foliennummer"/>
-          <p:cNvSpPr txBox="1">
-            <a:spLocks noGrp="1"/>
-          </p:cNvSpPr>
+          <p:cNvSpPr txBox="1"/>
           <p:nvPr>
             <p:ph type="sldNum" sz="quarter" idx="2"/>
           </p:nvPr>
@@ -788,10 +850,8 @@
           <a:bodyPr/>
           <a:lstStyle/>
           <a:p>
-            <a:fld id="{86CB4B4D-7CA3-9044-876B-883B54F8677D}" type="slidenum">
-              <a:t>‹#›</a:t>
-            </a:fld>
-            <a:endParaRPr/>
+            <a:pPr/>
+            <a:fld id="{86CB4B4D-7CA3-9044-876B-883B54F8677D}" type="slidenum"/>
           </a:p>
         </p:txBody>
       </p:sp>
@@ -800,12 +860,12 @@
   <p:clrMapOvr>
     <a:masterClrMapping/>
   </p:clrMapOvr>
-  <p:transition spd="med"/>
+  <p:transition xmlns:p14="http://schemas.microsoft.com/office/powerpoint/2010/main" spd="med" advClick="1"/>
 </p:sldLayout>
 </file>
 
 <file path=ppt/slideLayouts/slideLayout11.xml><?xml version="1.0" encoding="utf-8"?>
-<p:sldLayout xmlns:a="http://schemas.openxmlformats.org/drawingml/2006/main" xmlns:r="http://schemas.openxmlformats.org/officeDocument/2006/relationships" xmlns:p="http://schemas.openxmlformats.org/presentationml/2006/main" type="tx">
+<p:sldLayout xmlns:a="http://schemas.openxmlformats.org/drawingml/2006/main" xmlns:r="http://schemas.openxmlformats.org/officeDocument/2006/relationships" xmlns:p="http://schemas.openxmlformats.org/presentationml/2006/main" xmlns:m="http://schemas.openxmlformats.org/officeDocument/2006/math" xmlns:a14="http://schemas.microsoft.com/office/drawing/2010/main" type="tx" showMasterSp="1" showMasterPhAnim="1">
   <p:cSld name="Foto">
     <p:spTree>
       <p:nvGrpSpPr>
@@ -824,9 +884,7 @@
       <p:sp>
         <p:nvSpPr>
           <p:cNvPr id="102" name="Vorderansicht eines roten Ducati-Motorrads vor schwarzem Hintergrund"/>
-          <p:cNvSpPr>
-            <a:spLocks noGrp="1"/>
-          </p:cNvSpPr>
+          <p:cNvSpPr/>
           <p:nvPr>
             <p:ph type="pic" idx="21"/>
           </p:nvPr>
@@ -846,16 +904,14 @@
           </a:bodyPr>
           <a:lstStyle/>
           <a:p>
-            <a:endParaRPr/>
+            <a:pPr/>
           </a:p>
         </p:txBody>
       </p:sp>
       <p:sp>
         <p:nvSpPr>
           <p:cNvPr id="103" name="Foliennummer"/>
-          <p:cNvSpPr txBox="1">
-            <a:spLocks noGrp="1"/>
-          </p:cNvSpPr>
+          <p:cNvSpPr txBox="1"/>
           <p:nvPr>
             <p:ph type="sldNum" sz="quarter" idx="2"/>
           </p:nvPr>
@@ -869,10 +925,8 @@
           <a:bodyPr/>
           <a:lstStyle/>
           <a:p>
-            <a:fld id="{86CB4B4D-7CA3-9044-876B-883B54F8677D}" type="slidenum">
-              <a:t>‹#›</a:t>
-            </a:fld>
-            <a:endParaRPr/>
+            <a:pPr/>
+            <a:fld id="{86CB4B4D-7CA3-9044-876B-883B54F8677D}" type="slidenum"/>
           </a:p>
         </p:txBody>
       </p:sp>
@@ -881,12 +935,12 @@
   <p:clrMapOvr>
     <a:masterClrMapping/>
   </p:clrMapOvr>
-  <p:transition spd="med"/>
+  <p:transition xmlns:p14="http://schemas.microsoft.com/office/powerpoint/2010/main" spd="med" advClick="1"/>
 </p:sldLayout>
 </file>
 
 <file path=ppt/slideLayouts/slideLayout12.xml><?xml version="1.0" encoding="utf-8"?>
-<p:sldLayout xmlns:a="http://schemas.openxmlformats.org/drawingml/2006/main" xmlns:r="http://schemas.openxmlformats.org/officeDocument/2006/relationships" xmlns:p="http://schemas.openxmlformats.org/presentationml/2006/main" type="tx">
+<p:sldLayout xmlns:a="http://schemas.openxmlformats.org/drawingml/2006/main" xmlns:r="http://schemas.openxmlformats.org/officeDocument/2006/relationships" xmlns:p="http://schemas.openxmlformats.org/presentationml/2006/main" xmlns:m="http://schemas.openxmlformats.org/officeDocument/2006/math" xmlns:a14="http://schemas.microsoft.com/office/drawing/2010/main" type="tx" showMasterSp="1" showMasterPhAnim="1">
   <p:cSld name="Leer">
     <p:spTree>
       <p:nvGrpSpPr>
@@ -905,9 +959,7 @@
       <p:sp>
         <p:nvSpPr>
           <p:cNvPr id="110" name="Foliennummer"/>
-          <p:cNvSpPr txBox="1">
-            <a:spLocks noGrp="1"/>
-          </p:cNvSpPr>
+          <p:cNvSpPr txBox="1"/>
           <p:nvPr>
             <p:ph type="sldNum" sz="quarter" idx="2"/>
           </p:nvPr>
@@ -921,10 +973,8 @@
           <a:bodyPr/>
           <a:lstStyle/>
           <a:p>
-            <a:fld id="{86CB4B4D-7CA3-9044-876B-883B54F8677D}" type="slidenum">
-              <a:t>‹#›</a:t>
-            </a:fld>
-            <a:endParaRPr/>
+            <a:pPr/>
+            <a:fld id="{86CB4B4D-7CA3-9044-876B-883B54F8677D}" type="slidenum"/>
           </a:p>
         </p:txBody>
       </p:sp>
@@ -933,12 +983,12 @@
   <p:clrMapOvr>
     <a:masterClrMapping/>
   </p:clrMapOvr>
-  <p:transition spd="med"/>
+  <p:transition xmlns:p14="http://schemas.microsoft.com/office/powerpoint/2010/main" spd="med" advClick="1"/>
 </p:sldLayout>
 </file>
 
 <file path=ppt/slideLayouts/slideLayout2.xml><?xml version="1.0" encoding="utf-8"?>
-<p:sldLayout xmlns:a="http://schemas.openxmlformats.org/drawingml/2006/main" xmlns:r="http://schemas.openxmlformats.org/officeDocument/2006/relationships" xmlns:p="http://schemas.openxmlformats.org/presentationml/2006/main" type="tx">
+<p:sldLayout xmlns:a="http://schemas.openxmlformats.org/drawingml/2006/main" xmlns:r="http://schemas.openxmlformats.org/officeDocument/2006/relationships" xmlns:p="http://schemas.openxmlformats.org/presentationml/2006/main" xmlns:m="http://schemas.openxmlformats.org/officeDocument/2006/math" xmlns:a14="http://schemas.microsoft.com/office/drawing/2010/main" type="tx" showMasterSp="1" showMasterPhAnim="1">
   <p:cSld name="Foto - Horizontal">
     <p:spTree>
       <p:nvGrpSpPr>
@@ -957,17 +1007,15 @@
       <p:sp>
         <p:nvSpPr>
           <p:cNvPr id="20" name="Profilansicht eines roten Ducati-Motorrads"/>
-          <p:cNvSpPr>
-            <a:spLocks noGrp="1"/>
-          </p:cNvSpPr>
+          <p:cNvSpPr/>
           <p:nvPr>
             <p:ph type="pic" idx="21"/>
           </p:nvPr>
         </p:nvSpPr>
         <p:spPr>
           <a:xfrm>
-            <a:off x="4280774" y="-1688429"/>
-            <a:ext cx="15829857" cy="11849101"/>
+            <a:off x="4280773" y="-1688429"/>
+            <a:ext cx="15829858" cy="11849101"/>
           </a:xfrm>
           <a:prstGeom prst="rect">
             <a:avLst/>
@@ -979,16 +1027,14 @@
           </a:bodyPr>
           <a:lstStyle/>
           <a:p>
-            <a:endParaRPr/>
+            <a:pPr/>
           </a:p>
         </p:txBody>
       </p:sp>
       <p:sp>
         <p:nvSpPr>
           <p:cNvPr id="21" name="Titeltext"/>
-          <p:cNvSpPr txBox="1">
-            <a:spLocks noGrp="1"/>
-          </p:cNvSpPr>
+          <p:cNvSpPr txBox="1"/>
           <p:nvPr>
             <p:ph type="title"/>
           </p:nvPr>
@@ -1006,6 +1052,7 @@
           <a:bodyPr/>
           <a:lstStyle/>
           <a:p>
+            <a:pPr/>
             <a:r>
               <a:t>Titeltext</a:t>
             </a:r>
@@ -1015,9 +1062,7 @@
       <p:sp>
         <p:nvSpPr>
           <p:cNvPr id="22" name="Textebene 1…"/>
-          <p:cNvSpPr txBox="1">
-            <a:spLocks noGrp="1"/>
-          </p:cNvSpPr>
+          <p:cNvSpPr txBox="1"/>
           <p:nvPr>
             <p:ph type="body" sz="quarter" idx="1"/>
           </p:nvPr>
@@ -1035,42 +1080,63 @@
           <a:bodyPr anchor="t"/>
           <a:lstStyle>
             <a:lvl1pPr marL="0" indent="0" algn="ctr">
+              <a:lnSpc>
+                <a:spcPct val="100000"/>
+              </a:lnSpc>
               <a:spcBef>
                 <a:spcPts val="0"/>
               </a:spcBef>
               <a:buSzTx/>
               <a:buNone/>
+              <a:defRPr sz="5200"/>
             </a:lvl1pPr>
             <a:lvl2pPr marL="0" indent="0" algn="ctr">
+              <a:lnSpc>
+                <a:spcPct val="100000"/>
+              </a:lnSpc>
               <a:spcBef>
                 <a:spcPts val="0"/>
               </a:spcBef>
               <a:buSzTx/>
               <a:buNone/>
+              <a:defRPr sz="5200"/>
             </a:lvl2pPr>
             <a:lvl3pPr marL="0" indent="0" algn="ctr">
+              <a:lnSpc>
+                <a:spcPct val="100000"/>
+              </a:lnSpc>
               <a:spcBef>
                 <a:spcPts val="0"/>
               </a:spcBef>
               <a:buSzTx/>
               <a:buNone/>
+              <a:defRPr sz="5200"/>
             </a:lvl3pPr>
             <a:lvl4pPr marL="0" indent="0" algn="ctr">
+              <a:lnSpc>
+                <a:spcPct val="100000"/>
+              </a:lnSpc>
               <a:spcBef>
                 <a:spcPts val="0"/>
               </a:spcBef>
               <a:buSzTx/>
               <a:buNone/>
+              <a:defRPr sz="5200"/>
             </a:lvl4pPr>
             <a:lvl5pPr marL="0" indent="0" algn="ctr">
+              <a:lnSpc>
+                <a:spcPct val="100000"/>
+              </a:lnSpc>
               <a:spcBef>
                 <a:spcPts val="0"/>
               </a:spcBef>
               <a:buSzTx/>
               <a:buNone/>
+              <a:defRPr sz="5200"/>
             </a:lvl5pPr>
           </a:lstStyle>
           <a:p>
+            <a:pPr/>
             <a:r>
               <a:t>Textebene 1</a:t>
             </a:r>
@@ -1104,9 +1170,7 @@
       <p:sp>
         <p:nvSpPr>
           <p:cNvPr id="23" name="Foliennummer"/>
-          <p:cNvSpPr txBox="1">
-            <a:spLocks noGrp="1"/>
-          </p:cNvSpPr>
+          <p:cNvSpPr txBox="1"/>
           <p:nvPr>
             <p:ph type="sldNum" sz="quarter" idx="2"/>
           </p:nvPr>
@@ -1120,10 +1184,8 @@
           <a:bodyPr/>
           <a:lstStyle/>
           <a:p>
-            <a:fld id="{86CB4B4D-7CA3-9044-876B-883B54F8677D}" type="slidenum">
-              <a:t>‹#›</a:t>
-            </a:fld>
-            <a:endParaRPr/>
+            <a:pPr/>
+            <a:fld id="{86CB4B4D-7CA3-9044-876B-883B54F8677D}" type="slidenum"/>
           </a:p>
         </p:txBody>
       </p:sp>
@@ -1132,12 +1194,12 @@
   <p:clrMapOvr>
     <a:masterClrMapping/>
   </p:clrMapOvr>
-  <p:transition spd="med"/>
+  <p:transition xmlns:p14="http://schemas.microsoft.com/office/powerpoint/2010/main" spd="med" advClick="1"/>
 </p:sldLayout>
 </file>
 
 <file path=ppt/slideLayouts/slideLayout3.xml><?xml version="1.0" encoding="utf-8"?>
-<p:sldLayout xmlns:a="http://schemas.openxmlformats.org/drawingml/2006/main" xmlns:r="http://schemas.openxmlformats.org/officeDocument/2006/relationships" xmlns:p="http://schemas.openxmlformats.org/presentationml/2006/main" type="tx">
+<p:sldLayout xmlns:a="http://schemas.openxmlformats.org/drawingml/2006/main" xmlns:r="http://schemas.openxmlformats.org/officeDocument/2006/relationships" xmlns:p="http://schemas.openxmlformats.org/presentationml/2006/main" xmlns:m="http://schemas.openxmlformats.org/officeDocument/2006/math" xmlns:a14="http://schemas.microsoft.com/office/drawing/2010/main" type="tx" showMasterSp="1" showMasterPhAnim="1">
   <p:cSld name="Titel - Mitte">
     <p:spTree>
       <p:nvGrpSpPr>
@@ -1156,9 +1218,7 @@
       <p:sp>
         <p:nvSpPr>
           <p:cNvPr id="30" name="Titeltext"/>
-          <p:cNvSpPr txBox="1">
-            <a:spLocks noGrp="1"/>
-          </p:cNvSpPr>
+          <p:cNvSpPr txBox="1"/>
           <p:nvPr>
             <p:ph type="title"/>
           </p:nvPr>
@@ -1176,6 +1236,7 @@
           <a:bodyPr/>
           <a:lstStyle/>
           <a:p>
+            <a:pPr/>
             <a:r>
               <a:t>Titeltext</a:t>
             </a:r>
@@ -1185,9 +1246,7 @@
       <p:sp>
         <p:nvSpPr>
           <p:cNvPr id="31" name="Foliennummer"/>
-          <p:cNvSpPr txBox="1">
-            <a:spLocks noGrp="1"/>
-          </p:cNvSpPr>
+          <p:cNvSpPr txBox="1"/>
           <p:nvPr>
             <p:ph type="sldNum" sz="quarter" idx="2"/>
           </p:nvPr>
@@ -1201,10 +1260,8 @@
           <a:bodyPr/>
           <a:lstStyle/>
           <a:p>
-            <a:fld id="{86CB4B4D-7CA3-9044-876B-883B54F8677D}" type="slidenum">
-              <a:t>‹#›</a:t>
-            </a:fld>
-            <a:endParaRPr/>
+            <a:pPr/>
+            <a:fld id="{86CB4B4D-7CA3-9044-876B-883B54F8677D}" type="slidenum"/>
           </a:p>
         </p:txBody>
       </p:sp>
@@ -1213,12 +1270,12 @@
   <p:clrMapOvr>
     <a:masterClrMapping/>
   </p:clrMapOvr>
-  <p:transition spd="med"/>
+  <p:transition xmlns:p14="http://schemas.microsoft.com/office/powerpoint/2010/main" spd="med" advClick="1"/>
 </p:sldLayout>
 </file>
 
 <file path=ppt/slideLayouts/slideLayout4.xml><?xml version="1.0" encoding="utf-8"?>
-<p:sldLayout xmlns:a="http://schemas.openxmlformats.org/drawingml/2006/main" xmlns:r="http://schemas.openxmlformats.org/officeDocument/2006/relationships" xmlns:p="http://schemas.openxmlformats.org/presentationml/2006/main" type="tx">
+<p:sldLayout xmlns:a="http://schemas.openxmlformats.org/drawingml/2006/main" xmlns:r="http://schemas.openxmlformats.org/officeDocument/2006/relationships" xmlns:p="http://schemas.openxmlformats.org/presentationml/2006/main" xmlns:m="http://schemas.openxmlformats.org/officeDocument/2006/math" xmlns:a14="http://schemas.microsoft.com/office/drawing/2010/main" type="tx" showMasterSp="1" showMasterPhAnim="1">
   <p:cSld name="Foto - Vertikal">
     <p:spTree>
       <p:nvGrpSpPr>
@@ -1237,9 +1294,7 @@
       <p:sp>
         <p:nvSpPr>
           <p:cNvPr id="38" name="Vorderansicht eines roten Ducati-Motorrads"/>
-          <p:cNvSpPr>
-            <a:spLocks noGrp="1"/>
-          </p:cNvSpPr>
+          <p:cNvSpPr/>
           <p:nvPr>
             <p:ph type="pic" idx="21"/>
           </p:nvPr>
@@ -1247,7 +1302,7 @@
         <p:spPr>
           <a:xfrm>
             <a:off x="10590462" y="1511300"/>
-            <a:ext cx="13644824" cy="12128732"/>
+            <a:ext cx="13644825" cy="12128732"/>
           </a:xfrm>
           <a:prstGeom prst="rect">
             <a:avLst/>
@@ -1259,16 +1314,14 @@
           </a:bodyPr>
           <a:lstStyle/>
           <a:p>
-            <a:endParaRPr/>
+            <a:pPr/>
           </a:p>
         </p:txBody>
       </p:sp>
       <p:sp>
         <p:nvSpPr>
           <p:cNvPr id="39" name="Titeltext"/>
-          <p:cNvSpPr txBox="1">
-            <a:spLocks noGrp="1"/>
-          </p:cNvSpPr>
+          <p:cNvSpPr txBox="1"/>
           <p:nvPr>
             <p:ph type="title"/>
           </p:nvPr>
@@ -1286,6 +1339,7 @@
           <a:bodyPr anchor="b"/>
           <a:lstStyle/>
           <a:p>
+            <a:pPr/>
             <a:r>
               <a:t>Titeltext</a:t>
             </a:r>
@@ -1295,9 +1349,7 @@
       <p:sp>
         <p:nvSpPr>
           <p:cNvPr id="40" name="Textebene 1…"/>
-          <p:cNvSpPr txBox="1">
-            <a:spLocks noGrp="1"/>
-          </p:cNvSpPr>
+          <p:cNvSpPr txBox="1"/>
           <p:nvPr>
             <p:ph type="body" sz="quarter" idx="1"/>
           </p:nvPr>
@@ -1315,42 +1367,63 @@
           <a:bodyPr anchor="t"/>
           <a:lstStyle>
             <a:lvl1pPr marL="0" indent="0" algn="ctr">
+              <a:lnSpc>
+                <a:spcPct val="100000"/>
+              </a:lnSpc>
               <a:spcBef>
                 <a:spcPts val="0"/>
               </a:spcBef>
               <a:buSzTx/>
               <a:buNone/>
+              <a:defRPr sz="5200"/>
             </a:lvl1pPr>
             <a:lvl2pPr marL="0" indent="0" algn="ctr">
+              <a:lnSpc>
+                <a:spcPct val="100000"/>
+              </a:lnSpc>
               <a:spcBef>
                 <a:spcPts val="0"/>
               </a:spcBef>
               <a:buSzTx/>
               <a:buNone/>
+              <a:defRPr sz="5200"/>
             </a:lvl2pPr>
             <a:lvl3pPr marL="0" indent="0" algn="ctr">
+              <a:lnSpc>
+                <a:spcPct val="100000"/>
+              </a:lnSpc>
               <a:spcBef>
                 <a:spcPts val="0"/>
               </a:spcBef>
               <a:buSzTx/>
               <a:buNone/>
+              <a:defRPr sz="5200"/>
             </a:lvl3pPr>
             <a:lvl4pPr marL="0" indent="0" algn="ctr">
+              <a:lnSpc>
+                <a:spcPct val="100000"/>
+              </a:lnSpc>
               <a:spcBef>
                 <a:spcPts val="0"/>
               </a:spcBef>
               <a:buSzTx/>
               <a:buNone/>
+              <a:defRPr sz="5200"/>
             </a:lvl4pPr>
             <a:lvl5pPr marL="0" indent="0" algn="ctr">
+              <a:lnSpc>
+                <a:spcPct val="100000"/>
+              </a:lnSpc>
               <a:spcBef>
                 <a:spcPts val="0"/>
               </a:spcBef>
               <a:buSzTx/>
               <a:buNone/>
+              <a:defRPr sz="5200"/>
             </a:lvl5pPr>
           </a:lstStyle>
           <a:p>
+            <a:pPr/>
             <a:r>
               <a:t>Textebene 1</a:t>
             </a:r>
@@ -1384,9 +1457,7 @@
       <p:sp>
         <p:nvSpPr>
           <p:cNvPr id="41" name="Foliennummer"/>
-          <p:cNvSpPr txBox="1">
-            <a:spLocks noGrp="1"/>
-          </p:cNvSpPr>
+          <p:cNvSpPr txBox="1"/>
           <p:nvPr>
             <p:ph type="sldNum" sz="quarter" idx="2"/>
           </p:nvPr>
@@ -1400,10 +1471,8 @@
           <a:bodyPr/>
           <a:lstStyle/>
           <a:p>
-            <a:fld id="{86CB4B4D-7CA3-9044-876B-883B54F8677D}" type="slidenum">
-              <a:t>‹#›</a:t>
-            </a:fld>
-            <a:endParaRPr/>
+            <a:pPr/>
+            <a:fld id="{86CB4B4D-7CA3-9044-876B-883B54F8677D}" type="slidenum"/>
           </a:p>
         </p:txBody>
       </p:sp>
@@ -1412,12 +1481,12 @@
   <p:clrMapOvr>
     <a:masterClrMapping/>
   </p:clrMapOvr>
-  <p:transition spd="med"/>
+  <p:transition xmlns:p14="http://schemas.microsoft.com/office/powerpoint/2010/main" spd="med" advClick="1"/>
 </p:sldLayout>
 </file>
 
 <file path=ppt/slideLayouts/slideLayout5.xml><?xml version="1.0" encoding="utf-8"?>
-<p:sldLayout xmlns:a="http://schemas.openxmlformats.org/drawingml/2006/main" xmlns:r="http://schemas.openxmlformats.org/officeDocument/2006/relationships" xmlns:p="http://schemas.openxmlformats.org/presentationml/2006/main" type="tx">
+<p:sldLayout xmlns:a="http://schemas.openxmlformats.org/drawingml/2006/main" xmlns:r="http://schemas.openxmlformats.org/officeDocument/2006/relationships" xmlns:p="http://schemas.openxmlformats.org/presentationml/2006/main" xmlns:m="http://schemas.openxmlformats.org/officeDocument/2006/math" xmlns:a14="http://schemas.microsoft.com/office/drawing/2010/main" type="tx" showMasterSp="1" showMasterPhAnim="1">
   <p:cSld name="Titel - Oben">
     <p:spTree>
       <p:nvGrpSpPr>
@@ -1436,9 +1505,7 @@
       <p:sp>
         <p:nvSpPr>
           <p:cNvPr id="48" name="Titeltext"/>
-          <p:cNvSpPr txBox="1">
-            <a:spLocks noGrp="1"/>
-          </p:cNvSpPr>
+          <p:cNvSpPr txBox="1"/>
           <p:nvPr>
             <p:ph type="title"/>
           </p:nvPr>
@@ -1452,6 +1519,7 @@
           <a:bodyPr/>
           <a:lstStyle/>
           <a:p>
+            <a:pPr/>
             <a:r>
               <a:t>Titeltext</a:t>
             </a:r>
@@ -1461,9 +1529,7 @@
       <p:sp>
         <p:nvSpPr>
           <p:cNvPr id="49" name="Foliennummer"/>
-          <p:cNvSpPr txBox="1">
-            <a:spLocks noGrp="1"/>
-          </p:cNvSpPr>
+          <p:cNvSpPr txBox="1"/>
           <p:nvPr>
             <p:ph type="sldNum" sz="quarter" idx="2"/>
           </p:nvPr>
@@ -1477,10 +1543,8 @@
           <a:bodyPr/>
           <a:lstStyle/>
           <a:p>
-            <a:fld id="{86CB4B4D-7CA3-9044-876B-883B54F8677D}" type="slidenum">
-              <a:t>‹#›</a:t>
-            </a:fld>
-            <a:endParaRPr/>
+            <a:pPr/>
+            <a:fld id="{86CB4B4D-7CA3-9044-876B-883B54F8677D}" type="slidenum"/>
           </a:p>
         </p:txBody>
       </p:sp>
@@ -1489,12 +1553,12 @@
   <p:clrMapOvr>
     <a:masterClrMapping/>
   </p:clrMapOvr>
-  <p:transition spd="med"/>
+  <p:transition xmlns:p14="http://schemas.microsoft.com/office/powerpoint/2010/main" spd="med" advClick="1"/>
 </p:sldLayout>
 </file>
 
 <file path=ppt/slideLayouts/slideLayout6.xml><?xml version="1.0" encoding="utf-8"?>
-<p:sldLayout xmlns:a="http://schemas.openxmlformats.org/drawingml/2006/main" xmlns:r="http://schemas.openxmlformats.org/officeDocument/2006/relationships" xmlns:p="http://schemas.openxmlformats.org/presentationml/2006/main" type="tx">
+<p:sldLayout xmlns:a="http://schemas.openxmlformats.org/drawingml/2006/main" xmlns:r="http://schemas.openxmlformats.org/officeDocument/2006/relationships" xmlns:p="http://schemas.openxmlformats.org/presentationml/2006/main" xmlns:m="http://schemas.openxmlformats.org/officeDocument/2006/math" xmlns:a14="http://schemas.microsoft.com/office/drawing/2010/main" type="tx" showMasterSp="1" showMasterPhAnim="1">
   <p:cSld name="Titel &amp; Punkte">
     <p:spTree>
       <p:nvGrpSpPr>
@@ -1513,9 +1577,7 @@
       <p:sp>
         <p:nvSpPr>
           <p:cNvPr id="56" name="Titeltext"/>
-          <p:cNvSpPr txBox="1">
-            <a:spLocks noGrp="1"/>
-          </p:cNvSpPr>
+          <p:cNvSpPr txBox="1"/>
           <p:nvPr>
             <p:ph type="title"/>
           </p:nvPr>
@@ -1529,6 +1591,7 @@
           <a:bodyPr/>
           <a:lstStyle/>
           <a:p>
+            <a:pPr/>
             <a:r>
               <a:t>Titeltext</a:t>
             </a:r>
@@ -1538,9 +1601,7 @@
       <p:sp>
         <p:nvSpPr>
           <p:cNvPr id="57" name="Textebene 1…"/>
-          <p:cNvSpPr txBox="1">
-            <a:spLocks noGrp="1"/>
-          </p:cNvSpPr>
+          <p:cNvSpPr txBox="1"/>
           <p:nvPr>
             <p:ph type="body" idx="1"/>
           </p:nvPr>
@@ -1552,54 +1613,9 @@
         </p:spPr>
         <p:txBody>
           <a:bodyPr/>
-          <a:lstStyle>
-            <a:lvl1pPr marL="736600" indent="-736600">
-              <a:lnSpc>
-                <a:spcPct val="120000"/>
-              </a:lnSpc>
-              <a:spcBef>
-                <a:spcPts val="6500"/>
-              </a:spcBef>
-              <a:defRPr sz="6400"/>
-            </a:lvl1pPr>
-            <a:lvl2pPr marL="1473200" indent="-736600">
-              <a:lnSpc>
-                <a:spcPct val="120000"/>
-              </a:lnSpc>
-              <a:spcBef>
-                <a:spcPts val="6500"/>
-              </a:spcBef>
-              <a:defRPr sz="6400"/>
-            </a:lvl2pPr>
-            <a:lvl3pPr marL="2209800" indent="-736600">
-              <a:lnSpc>
-                <a:spcPct val="120000"/>
-              </a:lnSpc>
-              <a:spcBef>
-                <a:spcPts val="6500"/>
-              </a:spcBef>
-              <a:defRPr sz="6400"/>
-            </a:lvl3pPr>
-            <a:lvl4pPr marL="2946400" indent="-736600">
-              <a:lnSpc>
-                <a:spcPct val="120000"/>
-              </a:lnSpc>
-              <a:spcBef>
-                <a:spcPts val="6500"/>
-              </a:spcBef>
-              <a:defRPr sz="6400"/>
-            </a:lvl4pPr>
-            <a:lvl5pPr marL="3683000" indent="-736600">
-              <a:lnSpc>
-                <a:spcPct val="120000"/>
-              </a:lnSpc>
-              <a:spcBef>
-                <a:spcPts val="6500"/>
-              </a:spcBef>
-              <a:defRPr sz="6400"/>
-            </a:lvl5pPr>
-          </a:lstStyle>
-          <a:p>
+          <a:lstStyle/>
+          <a:p>
+            <a:pPr/>
             <a:r>
               <a:t>Textebene 1</a:t>
             </a:r>
@@ -1633,9 +1649,7 @@
       <p:sp>
         <p:nvSpPr>
           <p:cNvPr id="58" name="Foliennummer"/>
-          <p:cNvSpPr txBox="1">
-            <a:spLocks noGrp="1"/>
-          </p:cNvSpPr>
+          <p:cNvSpPr txBox="1"/>
           <p:nvPr>
             <p:ph type="sldNum" sz="quarter" idx="2"/>
           </p:nvPr>
@@ -1649,10 +1663,8 @@
           <a:bodyPr/>
           <a:lstStyle/>
           <a:p>
-            <a:fld id="{86CB4B4D-7CA3-9044-876B-883B54F8677D}" type="slidenum">
-              <a:t>‹#›</a:t>
-            </a:fld>
-            <a:endParaRPr/>
+            <a:pPr/>
+            <a:fld id="{86CB4B4D-7CA3-9044-876B-883B54F8677D}" type="slidenum"/>
           </a:p>
         </p:txBody>
       </p:sp>
@@ -1661,12 +1673,12 @@
   <p:clrMapOvr>
     <a:masterClrMapping/>
   </p:clrMapOvr>
-  <p:transition spd="med"/>
+  <p:transition xmlns:p14="http://schemas.microsoft.com/office/powerpoint/2010/main" spd="med" advClick="1"/>
 </p:sldLayout>
 </file>
 
 <file path=ppt/slideLayouts/slideLayout7.xml><?xml version="1.0" encoding="utf-8"?>
-<p:sldLayout xmlns:a="http://schemas.openxmlformats.org/drawingml/2006/main" xmlns:r="http://schemas.openxmlformats.org/officeDocument/2006/relationships" xmlns:p="http://schemas.openxmlformats.org/presentationml/2006/main" type="tx">
+<p:sldLayout xmlns:a="http://schemas.openxmlformats.org/drawingml/2006/main" xmlns:r="http://schemas.openxmlformats.org/officeDocument/2006/relationships" xmlns:p="http://schemas.openxmlformats.org/presentationml/2006/main" xmlns:m="http://schemas.openxmlformats.org/officeDocument/2006/math" xmlns:a14="http://schemas.microsoft.com/office/drawing/2010/main" type="tx" showMasterSp="1" showMasterPhAnim="1">
   <p:cSld name="Titel, Punkte &amp; Foto">
     <p:spTree>
       <p:nvGrpSpPr>
@@ -1685,9 +1697,7 @@
       <p:sp>
         <p:nvSpPr>
           <p:cNvPr id="65" name="Vorderansicht eines roten Ducati-Motorrads"/>
-          <p:cNvSpPr>
-            <a:spLocks noGrp="1"/>
-          </p:cNvSpPr>
+          <p:cNvSpPr/>
           <p:nvPr>
             <p:ph type="pic" sz="half" idx="21"/>
           </p:nvPr>
@@ -1695,7 +1705,7 @@
         <p:spPr>
           <a:xfrm>
             <a:off x="11814854" y="3233783"/>
-            <a:ext cx="11753235" cy="10447317"/>
+            <a:ext cx="11753236" cy="10447318"/>
           </a:xfrm>
           <a:prstGeom prst="rect">
             <a:avLst/>
@@ -1707,16 +1717,14 @@
           </a:bodyPr>
           <a:lstStyle/>
           <a:p>
-            <a:endParaRPr/>
+            <a:pPr/>
           </a:p>
         </p:txBody>
       </p:sp>
       <p:sp>
         <p:nvSpPr>
           <p:cNvPr id="66" name="Titeltext"/>
-          <p:cNvSpPr txBox="1">
-            <a:spLocks noGrp="1"/>
-          </p:cNvSpPr>
+          <p:cNvSpPr txBox="1"/>
           <p:nvPr>
             <p:ph type="title"/>
           </p:nvPr>
@@ -1730,6 +1738,7 @@
           <a:bodyPr/>
           <a:lstStyle/>
           <a:p>
+            <a:pPr/>
             <a:r>
               <a:t>Titeltext</a:t>
             </a:r>
@@ -1739,9 +1748,7 @@
       <p:sp>
         <p:nvSpPr>
           <p:cNvPr id="67" name="Textebene 1…"/>
-          <p:cNvSpPr txBox="1">
-            <a:spLocks noGrp="1"/>
-          </p:cNvSpPr>
+          <p:cNvSpPr txBox="1"/>
           <p:nvPr>
             <p:ph type="body" sz="half" idx="1"/>
           </p:nvPr>
@@ -1757,8 +1764,55 @@
         </p:spPr>
         <p:txBody>
           <a:bodyPr/>
-          <a:lstStyle/>
-          <a:p>
+          <a:lstStyle>
+            <a:lvl1pPr marL="584200" indent="-584200">
+              <a:lnSpc>
+                <a:spcPct val="100000"/>
+              </a:lnSpc>
+              <a:spcBef>
+                <a:spcPts val="5300"/>
+              </a:spcBef>
+              <a:defRPr sz="5200"/>
+            </a:lvl1pPr>
+            <a:lvl2pPr marL="1168400" indent="-584200">
+              <a:lnSpc>
+                <a:spcPct val="100000"/>
+              </a:lnSpc>
+              <a:spcBef>
+                <a:spcPts val="5300"/>
+              </a:spcBef>
+              <a:defRPr sz="5200"/>
+            </a:lvl2pPr>
+            <a:lvl3pPr marL="1752600" indent="-584200">
+              <a:lnSpc>
+                <a:spcPct val="100000"/>
+              </a:lnSpc>
+              <a:spcBef>
+                <a:spcPts val="5300"/>
+              </a:spcBef>
+              <a:defRPr sz="5200"/>
+            </a:lvl3pPr>
+            <a:lvl4pPr marL="2336800" indent="-584200">
+              <a:lnSpc>
+                <a:spcPct val="100000"/>
+              </a:lnSpc>
+              <a:spcBef>
+                <a:spcPts val="5300"/>
+              </a:spcBef>
+              <a:defRPr sz="5200"/>
+            </a:lvl4pPr>
+            <a:lvl5pPr marL="2921000" indent="-584200">
+              <a:lnSpc>
+                <a:spcPct val="100000"/>
+              </a:lnSpc>
+              <a:spcBef>
+                <a:spcPts val="5300"/>
+              </a:spcBef>
+              <a:defRPr sz="5200"/>
+            </a:lvl5pPr>
+          </a:lstStyle>
+          <a:p>
+            <a:pPr/>
             <a:r>
               <a:t>Textebene 1</a:t>
             </a:r>
@@ -1792,9 +1846,7 @@
       <p:sp>
         <p:nvSpPr>
           <p:cNvPr id="68" name="Foliennummer"/>
-          <p:cNvSpPr txBox="1">
-            <a:spLocks noGrp="1"/>
-          </p:cNvSpPr>
+          <p:cNvSpPr txBox="1"/>
           <p:nvPr>
             <p:ph type="sldNum" sz="quarter" idx="2"/>
           </p:nvPr>
@@ -1808,10 +1860,8 @@
           <a:bodyPr/>
           <a:lstStyle/>
           <a:p>
-            <a:fld id="{86CB4B4D-7CA3-9044-876B-883B54F8677D}" type="slidenum">
-              <a:t>‹#›</a:t>
-            </a:fld>
-            <a:endParaRPr/>
+            <a:pPr/>
+            <a:fld id="{86CB4B4D-7CA3-9044-876B-883B54F8677D}" type="slidenum"/>
           </a:p>
         </p:txBody>
       </p:sp>
@@ -1820,12 +1870,12 @@
   <p:clrMapOvr>
     <a:masterClrMapping/>
   </p:clrMapOvr>
-  <p:transition spd="med"/>
+  <p:transition xmlns:p14="http://schemas.microsoft.com/office/powerpoint/2010/main" spd="med" advClick="1"/>
 </p:sldLayout>
 </file>
 
 <file path=ppt/slideLayouts/slideLayout8.xml><?xml version="1.0" encoding="utf-8"?>
-<p:sldLayout xmlns:a="http://schemas.openxmlformats.org/drawingml/2006/main" xmlns:r="http://schemas.openxmlformats.org/officeDocument/2006/relationships" xmlns:p="http://schemas.openxmlformats.org/presentationml/2006/main" type="tx">
+<p:sldLayout xmlns:a="http://schemas.openxmlformats.org/drawingml/2006/main" xmlns:r="http://schemas.openxmlformats.org/officeDocument/2006/relationships" xmlns:p="http://schemas.openxmlformats.org/presentationml/2006/main" xmlns:m="http://schemas.openxmlformats.org/officeDocument/2006/math" xmlns:a14="http://schemas.microsoft.com/office/drawing/2010/main" type="tx" showMasterSp="1" showMasterPhAnim="1">
   <p:cSld name="Punkte">
     <p:spTree>
       <p:nvGrpSpPr>
@@ -1844,9 +1894,7 @@
       <p:sp>
         <p:nvSpPr>
           <p:cNvPr id="75" name="Textebene 1…"/>
-          <p:cNvSpPr txBox="1">
-            <a:spLocks noGrp="1"/>
-          </p:cNvSpPr>
+          <p:cNvSpPr txBox="1"/>
           <p:nvPr>
             <p:ph type="body" idx="1"/>
           </p:nvPr>
@@ -1862,54 +1910,9 @@
         </p:spPr>
         <p:txBody>
           <a:bodyPr/>
-          <a:lstStyle>
-            <a:lvl1pPr marL="736600" indent="-736600">
-              <a:lnSpc>
-                <a:spcPct val="120000"/>
-              </a:lnSpc>
-              <a:spcBef>
-                <a:spcPts val="6500"/>
-              </a:spcBef>
-              <a:defRPr sz="6400"/>
-            </a:lvl1pPr>
-            <a:lvl2pPr marL="1473200" indent="-736600">
-              <a:lnSpc>
-                <a:spcPct val="120000"/>
-              </a:lnSpc>
-              <a:spcBef>
-                <a:spcPts val="6500"/>
-              </a:spcBef>
-              <a:defRPr sz="6400"/>
-            </a:lvl2pPr>
-            <a:lvl3pPr marL="2209800" indent="-736600">
-              <a:lnSpc>
-                <a:spcPct val="120000"/>
-              </a:lnSpc>
-              <a:spcBef>
-                <a:spcPts val="6500"/>
-              </a:spcBef>
-              <a:defRPr sz="6400"/>
-            </a:lvl3pPr>
-            <a:lvl4pPr marL="2946400" indent="-736600">
-              <a:lnSpc>
-                <a:spcPct val="120000"/>
-              </a:lnSpc>
-              <a:spcBef>
-                <a:spcPts val="6500"/>
-              </a:spcBef>
-              <a:defRPr sz="6400"/>
-            </a:lvl4pPr>
-            <a:lvl5pPr marL="3683000" indent="-736600">
-              <a:lnSpc>
-                <a:spcPct val="120000"/>
-              </a:lnSpc>
-              <a:spcBef>
-                <a:spcPts val="6500"/>
-              </a:spcBef>
-              <a:defRPr sz="6400"/>
-            </a:lvl5pPr>
-          </a:lstStyle>
-          <a:p>
+          <a:lstStyle/>
+          <a:p>
+            <a:pPr/>
             <a:r>
               <a:t>Textebene 1</a:t>
             </a:r>
@@ -1943,9 +1946,7 @@
       <p:sp>
         <p:nvSpPr>
           <p:cNvPr id="76" name="Foliennummer"/>
-          <p:cNvSpPr txBox="1">
-            <a:spLocks noGrp="1"/>
-          </p:cNvSpPr>
+          <p:cNvSpPr txBox="1"/>
           <p:nvPr>
             <p:ph type="sldNum" sz="quarter" idx="2"/>
           </p:nvPr>
@@ -1959,10 +1960,8 @@
           <a:bodyPr/>
           <a:lstStyle/>
           <a:p>
-            <a:fld id="{86CB4B4D-7CA3-9044-876B-883B54F8677D}" type="slidenum">
-              <a:t>‹#›</a:t>
-            </a:fld>
-            <a:endParaRPr/>
+            <a:pPr/>
+            <a:fld id="{86CB4B4D-7CA3-9044-876B-883B54F8677D}" type="slidenum"/>
           </a:p>
         </p:txBody>
       </p:sp>
@@ -1971,12 +1970,12 @@
   <p:clrMapOvr>
     <a:masterClrMapping/>
   </p:clrMapOvr>
-  <p:transition spd="med"/>
+  <p:transition xmlns:p14="http://schemas.microsoft.com/office/powerpoint/2010/main" spd="med" advClick="1"/>
 </p:sldLayout>
 </file>
 
 <file path=ppt/slideLayouts/slideLayout9.xml><?xml version="1.0" encoding="utf-8"?>
-<p:sldLayout xmlns:a="http://schemas.openxmlformats.org/drawingml/2006/main" xmlns:r="http://schemas.openxmlformats.org/officeDocument/2006/relationships" xmlns:p="http://schemas.openxmlformats.org/presentationml/2006/main" type="tx">
+<p:sldLayout xmlns:a="http://schemas.openxmlformats.org/drawingml/2006/main" xmlns:r="http://schemas.openxmlformats.org/officeDocument/2006/relationships" xmlns:p="http://schemas.openxmlformats.org/presentationml/2006/main" xmlns:m="http://schemas.openxmlformats.org/officeDocument/2006/math" xmlns:a14="http://schemas.microsoft.com/office/drawing/2010/main" type="tx" showMasterSp="1" showMasterPhAnim="1">
   <p:cSld name="Foto - 3 Stück">
     <p:spTree>
       <p:nvGrpSpPr>
@@ -1995,9 +1994,7 @@
       <p:sp>
         <p:nvSpPr>
           <p:cNvPr id="83" name="Nahaufnahme der Motorteile eines Ducati-Motorrads"/>
-          <p:cNvSpPr>
-            <a:spLocks noGrp="1"/>
-          </p:cNvSpPr>
+          <p:cNvSpPr/>
           <p:nvPr>
             <p:ph type="pic" sz="half" idx="21"/>
           </p:nvPr>
@@ -2005,7 +2002,7 @@
         <p:spPr>
           <a:xfrm>
             <a:off x="12420509" y="5714207"/>
-            <a:ext cx="11023601" cy="8255001"/>
+            <a:ext cx="11023602" cy="8255001"/>
           </a:xfrm>
           <a:prstGeom prst="rect">
             <a:avLst/>
@@ -2017,16 +2014,14 @@
           </a:bodyPr>
           <a:lstStyle/>
           <a:p>
-            <a:endParaRPr/>
+            <a:pPr/>
           </a:p>
         </p:txBody>
       </p:sp>
       <p:sp>
         <p:nvSpPr>
           <p:cNvPr id="84" name="Nahaufnahme des Tankdeckels eines Ducati-Motorrads"/>
-          <p:cNvSpPr>
-            <a:spLocks noGrp="1"/>
-          </p:cNvSpPr>
+          <p:cNvSpPr/>
           <p:nvPr>
             <p:ph type="pic" sz="half" idx="22"/>
           </p:nvPr>
@@ -2046,24 +2041,22 @@
           </a:bodyPr>
           <a:lstStyle/>
           <a:p>
-            <a:endParaRPr/>
+            <a:pPr/>
           </a:p>
         </p:txBody>
       </p:sp>
       <p:sp>
         <p:nvSpPr>
           <p:cNvPr id="85" name="Schwarzweißfoto der Motorteile eines Ducati-Motorrads"/>
-          <p:cNvSpPr>
-            <a:spLocks noGrp="1"/>
-          </p:cNvSpPr>
+          <p:cNvSpPr/>
           <p:nvPr>
             <p:ph type="pic" idx="23"/>
           </p:nvPr>
         </p:nvSpPr>
         <p:spPr>
           <a:xfrm>
-            <a:off x="-825499" y="-2108200"/>
-            <a:ext cx="13804901" cy="18443211"/>
+            <a:off x="-825500" y="-2108200"/>
+            <a:ext cx="13804903" cy="18443211"/>
           </a:xfrm>
           <a:prstGeom prst="rect">
             <a:avLst/>
@@ -2075,16 +2068,14 @@
           </a:bodyPr>
           <a:lstStyle/>
           <a:p>
-            <a:endParaRPr/>
+            <a:pPr/>
           </a:p>
         </p:txBody>
       </p:sp>
       <p:sp>
         <p:nvSpPr>
           <p:cNvPr id="86" name="Foliennummer"/>
-          <p:cNvSpPr txBox="1">
-            <a:spLocks noGrp="1"/>
-          </p:cNvSpPr>
+          <p:cNvSpPr txBox="1"/>
           <p:nvPr>
             <p:ph type="sldNum" sz="quarter" idx="2"/>
           </p:nvPr>
@@ -2098,10 +2089,8 @@
           <a:bodyPr/>
           <a:lstStyle/>
           <a:p>
-            <a:fld id="{86CB4B4D-7CA3-9044-876B-883B54F8677D}" type="slidenum">
-              <a:t>‹#›</a:t>
-            </a:fld>
-            <a:endParaRPr/>
+            <a:pPr/>
+            <a:fld id="{86CB4B4D-7CA3-9044-876B-883B54F8677D}" type="slidenum"/>
           </a:p>
         </p:txBody>
       </p:sp>
@@ -2110,23 +2099,22 @@
   <p:clrMapOvr>
     <a:masterClrMapping/>
   </p:clrMapOvr>
-  <p:transition spd="med"/>
+  <p:transition xmlns:p14="http://schemas.microsoft.com/office/powerpoint/2010/main" spd="med" advClick="1"/>
 </p:sldLayout>
 </file>
 
 <file path=ppt/slideMasters/slideMaster1.xml><?xml version="1.0" encoding="utf-8"?>
-<p:sldMaster xmlns:a="http://schemas.openxmlformats.org/drawingml/2006/main" xmlns:r="http://schemas.openxmlformats.org/officeDocument/2006/relationships" xmlns:p="http://schemas.openxmlformats.org/presentationml/2006/main">
+<p:sldMaster xmlns:a="http://schemas.openxmlformats.org/drawingml/2006/main" xmlns:r="http://schemas.openxmlformats.org/officeDocument/2006/relationships" xmlns:p="http://schemas.openxmlformats.org/presentationml/2006/main" xmlns:m="http://schemas.openxmlformats.org/officeDocument/2006/math" xmlns:a14="http://schemas.microsoft.com/office/drawing/2010/main">
   <p:cSld>
     <p:bg>
       <p:bgPr>
         <a:blipFill rotWithShape="1">
-          <a:blip r:embed="rId14"/>
-          <a:srcRect/>
+          <a:blip r:embed="rId2"/>
+          <a:srcRect l="0" t="0" r="0" b="0"/>
           <a:stretch>
             <a:fillRect/>
           </a:stretch>
         </a:blipFill>
-        <a:effectLst/>
       </p:bgPr>
     </p:bg>
     <p:spTree>
@@ -2146,9 +2134,7 @@
       <p:sp>
         <p:nvSpPr>
           <p:cNvPr id="2" name="Titeltext"/>
-          <p:cNvSpPr txBox="1">
-            <a:spLocks noGrp="1"/>
-          </p:cNvSpPr>
+          <p:cNvSpPr txBox="1"/>
           <p:nvPr>
             <p:ph type="title"/>
           </p:nvPr>
@@ -2166,16 +2152,17 @@
           </a:ln>
           <a:extLst>
             <a:ext uri="{C572A759-6A51-4108-AA02-DFA0A04FC94B}">
-              <ma14:wrappingTextBoxFlag xmlns:ma14="http://schemas.microsoft.com/office/mac/drawingml/2011/main" xmlns:a14="http://schemas.microsoft.com/office/drawing/2010/main" xmlns:m="http://schemas.openxmlformats.org/officeDocument/2006/math" xmlns="" val="1"/>
+              <ma14:wrappingTextBoxFlag xmlns:ma14="http://schemas.microsoft.com/office/mac/drawingml/2011/main" val="1"/>
             </a:ext>
           </a:extLst>
         </p:spPr>
         <p:txBody>
           <a:bodyPr lIns="50800" tIns="50800" rIns="50800" bIns="50800" anchor="ctr">
-            <a:normAutofit/>
+            <a:normAutofit fontScale="100000" lnSpcReduction="0"/>
           </a:bodyPr>
           <a:lstStyle/>
           <a:p>
+            <a:pPr/>
             <a:r>
               <a:t>Titeltext</a:t>
             </a:r>
@@ -2185,9 +2172,7 @@
       <p:sp>
         <p:nvSpPr>
           <p:cNvPr id="3" name="Textebene 1…"/>
-          <p:cNvSpPr txBox="1">
-            <a:spLocks noGrp="1"/>
-          </p:cNvSpPr>
+          <p:cNvSpPr txBox="1"/>
           <p:nvPr>
             <p:ph type="body" idx="1"/>
           </p:nvPr>
@@ -2205,16 +2190,17 @@
           </a:ln>
           <a:extLst>
             <a:ext uri="{C572A759-6A51-4108-AA02-DFA0A04FC94B}">
-              <ma14:wrappingTextBoxFlag xmlns:ma14="http://schemas.microsoft.com/office/mac/drawingml/2011/main" xmlns:a14="http://schemas.microsoft.com/office/drawing/2010/main" xmlns:m="http://schemas.openxmlformats.org/officeDocument/2006/math" xmlns="" val="1"/>
+              <ma14:wrappingTextBoxFlag xmlns:ma14="http://schemas.microsoft.com/office/mac/drawingml/2011/main" val="1"/>
             </a:ext>
           </a:extLst>
         </p:spPr>
         <p:txBody>
           <a:bodyPr lIns="50800" tIns="50800" rIns="50800" bIns="50800" anchor="ctr">
-            <a:normAutofit/>
+            <a:normAutofit fontScale="100000" lnSpcReduction="0"/>
           </a:bodyPr>
           <a:lstStyle/>
           <a:p>
+            <a:pPr/>
             <a:r>
               <a:t>Textebene 1</a:t>
             </a:r>
@@ -2248,17 +2234,15 @@
       <p:sp>
         <p:nvSpPr>
           <p:cNvPr id="4" name="Foliennummer"/>
-          <p:cNvSpPr txBox="1">
-            <a:spLocks noGrp="1"/>
-          </p:cNvSpPr>
+          <p:cNvSpPr txBox="1"/>
           <p:nvPr>
             <p:ph type="sldNum" sz="quarter" idx="2"/>
           </p:nvPr>
         </p:nvSpPr>
         <p:spPr>
           <a:xfrm>
-            <a:off x="11976100" y="13081000"/>
-            <a:ext cx="419100" cy="457200"/>
+            <a:off x="11976099" y="13080999"/>
+            <a:ext cx="419101" cy="457201"/>
           </a:xfrm>
           <a:prstGeom prst="rect">
             <a:avLst/>
@@ -2277,10 +2261,8 @@
             </a:lvl1pPr>
           </a:lstStyle>
           <a:p>
-            <a:fld id="{86CB4B4D-7CA3-9044-876B-883B54F8677D}" type="slidenum">
-              <a:t>‹#›</a:t>
-            </a:fld>
-            <a:endParaRPr/>
+            <a:pPr/>
+            <a:fld id="{86CB4B4D-7CA3-9044-876B-883B54F8677D}" type="slidenum"/>
           </a:p>
         </p:txBody>
       </p:sp>
@@ -2288,20 +2270,20 @@
   </p:cSld>
   <p:clrMap bg1="lt1" tx1="dk1" bg2="lt2" tx2="dk2" accent1="accent1" accent2="accent2" accent3="accent3" accent4="accent4" accent5="accent5" accent6="accent6" hlink="hlink" folHlink="folHlink"/>
   <p:sldLayoutIdLst>
-    <p:sldLayoutId id="2147483649" r:id="rId1"/>
-    <p:sldLayoutId id="2147483650" r:id="rId2"/>
-    <p:sldLayoutId id="2147483651" r:id="rId3"/>
-    <p:sldLayoutId id="2147483652" r:id="rId4"/>
-    <p:sldLayoutId id="2147483653" r:id="rId5"/>
-    <p:sldLayoutId id="2147483654" r:id="rId6"/>
-    <p:sldLayoutId id="2147483655" r:id="rId7"/>
-    <p:sldLayoutId id="2147483656" r:id="rId8"/>
-    <p:sldLayoutId id="2147483657" r:id="rId9"/>
-    <p:sldLayoutId id="2147483658" r:id="rId10"/>
-    <p:sldLayoutId id="2147483659" r:id="rId11"/>
-    <p:sldLayoutId id="2147483660" r:id="rId12"/>
+    <p:sldLayoutId id="2147483649" r:id="rId3"/>
+    <p:sldLayoutId id="2147483650" r:id="rId4"/>
+    <p:sldLayoutId id="2147483651" r:id="rId5"/>
+    <p:sldLayoutId id="2147483652" r:id="rId6"/>
+    <p:sldLayoutId id="2147483653" r:id="rId7"/>
+    <p:sldLayoutId id="2147483654" r:id="rId8"/>
+    <p:sldLayoutId id="2147483655" r:id="rId9"/>
+    <p:sldLayoutId id="2147483656" r:id="rId10"/>
+    <p:sldLayoutId id="2147483657" r:id="rId11"/>
+    <p:sldLayoutId id="2147483658" r:id="rId12"/>
+    <p:sldLayoutId id="2147483659" r:id="rId13"/>
+    <p:sldLayoutId id="2147483660" r:id="rId14"/>
   </p:sldLayoutIdLst>
-  <p:transition spd="med"/>
+  <p:transition xmlns:p14="http://schemas.microsoft.com/office/powerpoint/2010/main" spd="med" advClick="1"/>
   <p:txStyles>
     <p:titleStyle>
       <a:lvl1pPr marL="0" marR="0" indent="0" algn="ctr" defTabSz="825500" rtl="0" latinLnBrk="0">
@@ -2319,9 +2301,481 @@
         <a:buFontTx/>
         <a:buNone/>
         <a:tabLst/>
-        <a:defRPr sz="10000" b="0" i="0" u="none" strike="noStrike" cap="all" spc="0" baseline="0">
+        <a:defRPr b="0" baseline="0" cap="all" i="0" spc="0" strike="noStrike" sz="10000" u="none">
           <a:solidFill>
             <a:srgbClr val="535353"/>
+          </a:solidFill>
+          <a:uFillTx/>
+          <a:latin typeface="Gill Sans Light"/>
+          <a:ea typeface="Gill Sans Light"/>
+          <a:cs typeface="Gill Sans Light"/>
+          <a:sym typeface="Gill Sans Light"/>
+        </a:defRPr>
+      </a:lvl1pPr>
+      <a:lvl2pPr marL="0" marR="0" indent="0" algn="ctr" defTabSz="825500" rtl="0" latinLnBrk="0">
+        <a:lnSpc>
+          <a:spcPct val="100000"/>
+        </a:lnSpc>
+        <a:spcBef>
+          <a:spcPts val="0"/>
+        </a:spcBef>
+        <a:spcAft>
+          <a:spcPts val="0"/>
+        </a:spcAft>
+        <a:buClrTx/>
+        <a:buSzTx/>
+        <a:buFontTx/>
+        <a:buNone/>
+        <a:tabLst/>
+        <a:defRPr b="0" baseline="0" cap="all" i="0" spc="0" strike="noStrike" sz="10000" u="none">
+          <a:solidFill>
+            <a:srgbClr val="535353"/>
+          </a:solidFill>
+          <a:uFillTx/>
+          <a:latin typeface="Gill Sans Light"/>
+          <a:ea typeface="Gill Sans Light"/>
+          <a:cs typeface="Gill Sans Light"/>
+          <a:sym typeface="Gill Sans Light"/>
+        </a:defRPr>
+      </a:lvl2pPr>
+      <a:lvl3pPr marL="0" marR="0" indent="0" algn="ctr" defTabSz="825500" rtl="0" latinLnBrk="0">
+        <a:lnSpc>
+          <a:spcPct val="100000"/>
+        </a:lnSpc>
+        <a:spcBef>
+          <a:spcPts val="0"/>
+        </a:spcBef>
+        <a:spcAft>
+          <a:spcPts val="0"/>
+        </a:spcAft>
+        <a:buClrTx/>
+        <a:buSzTx/>
+        <a:buFontTx/>
+        <a:buNone/>
+        <a:tabLst/>
+        <a:defRPr b="0" baseline="0" cap="all" i="0" spc="0" strike="noStrike" sz="10000" u="none">
+          <a:solidFill>
+            <a:srgbClr val="535353"/>
+          </a:solidFill>
+          <a:uFillTx/>
+          <a:latin typeface="Gill Sans Light"/>
+          <a:ea typeface="Gill Sans Light"/>
+          <a:cs typeface="Gill Sans Light"/>
+          <a:sym typeface="Gill Sans Light"/>
+        </a:defRPr>
+      </a:lvl3pPr>
+      <a:lvl4pPr marL="0" marR="0" indent="0" algn="ctr" defTabSz="825500" rtl="0" latinLnBrk="0">
+        <a:lnSpc>
+          <a:spcPct val="100000"/>
+        </a:lnSpc>
+        <a:spcBef>
+          <a:spcPts val="0"/>
+        </a:spcBef>
+        <a:spcAft>
+          <a:spcPts val="0"/>
+        </a:spcAft>
+        <a:buClrTx/>
+        <a:buSzTx/>
+        <a:buFontTx/>
+        <a:buNone/>
+        <a:tabLst/>
+        <a:defRPr b="0" baseline="0" cap="all" i="0" spc="0" strike="noStrike" sz="10000" u="none">
+          <a:solidFill>
+            <a:srgbClr val="535353"/>
+          </a:solidFill>
+          <a:uFillTx/>
+          <a:latin typeface="Gill Sans Light"/>
+          <a:ea typeface="Gill Sans Light"/>
+          <a:cs typeface="Gill Sans Light"/>
+          <a:sym typeface="Gill Sans Light"/>
+        </a:defRPr>
+      </a:lvl4pPr>
+      <a:lvl5pPr marL="0" marR="0" indent="0" algn="ctr" defTabSz="825500" rtl="0" latinLnBrk="0">
+        <a:lnSpc>
+          <a:spcPct val="100000"/>
+        </a:lnSpc>
+        <a:spcBef>
+          <a:spcPts val="0"/>
+        </a:spcBef>
+        <a:spcAft>
+          <a:spcPts val="0"/>
+        </a:spcAft>
+        <a:buClrTx/>
+        <a:buSzTx/>
+        <a:buFontTx/>
+        <a:buNone/>
+        <a:tabLst/>
+        <a:defRPr b="0" baseline="0" cap="all" i="0" spc="0" strike="noStrike" sz="10000" u="none">
+          <a:solidFill>
+            <a:srgbClr val="535353"/>
+          </a:solidFill>
+          <a:uFillTx/>
+          <a:latin typeface="Gill Sans Light"/>
+          <a:ea typeface="Gill Sans Light"/>
+          <a:cs typeface="Gill Sans Light"/>
+          <a:sym typeface="Gill Sans Light"/>
+        </a:defRPr>
+      </a:lvl5pPr>
+      <a:lvl6pPr marL="0" marR="0" indent="0" algn="ctr" defTabSz="825500" rtl="0" latinLnBrk="0">
+        <a:lnSpc>
+          <a:spcPct val="100000"/>
+        </a:lnSpc>
+        <a:spcBef>
+          <a:spcPts val="0"/>
+        </a:spcBef>
+        <a:spcAft>
+          <a:spcPts val="0"/>
+        </a:spcAft>
+        <a:buClrTx/>
+        <a:buSzTx/>
+        <a:buFontTx/>
+        <a:buNone/>
+        <a:tabLst/>
+        <a:defRPr b="0" baseline="0" cap="all" i="0" spc="0" strike="noStrike" sz="10000" u="none">
+          <a:solidFill>
+            <a:srgbClr val="535353"/>
+          </a:solidFill>
+          <a:uFillTx/>
+          <a:latin typeface="Gill Sans Light"/>
+          <a:ea typeface="Gill Sans Light"/>
+          <a:cs typeface="Gill Sans Light"/>
+          <a:sym typeface="Gill Sans Light"/>
+        </a:defRPr>
+      </a:lvl6pPr>
+      <a:lvl7pPr marL="0" marR="0" indent="0" algn="ctr" defTabSz="825500" rtl="0" latinLnBrk="0">
+        <a:lnSpc>
+          <a:spcPct val="100000"/>
+        </a:lnSpc>
+        <a:spcBef>
+          <a:spcPts val="0"/>
+        </a:spcBef>
+        <a:spcAft>
+          <a:spcPts val="0"/>
+        </a:spcAft>
+        <a:buClrTx/>
+        <a:buSzTx/>
+        <a:buFontTx/>
+        <a:buNone/>
+        <a:tabLst/>
+        <a:defRPr b="0" baseline="0" cap="all" i="0" spc="0" strike="noStrike" sz="10000" u="none">
+          <a:solidFill>
+            <a:srgbClr val="535353"/>
+          </a:solidFill>
+          <a:uFillTx/>
+          <a:latin typeface="Gill Sans Light"/>
+          <a:ea typeface="Gill Sans Light"/>
+          <a:cs typeface="Gill Sans Light"/>
+          <a:sym typeface="Gill Sans Light"/>
+        </a:defRPr>
+      </a:lvl7pPr>
+      <a:lvl8pPr marL="0" marR="0" indent="0" algn="ctr" defTabSz="825500" rtl="0" latinLnBrk="0">
+        <a:lnSpc>
+          <a:spcPct val="100000"/>
+        </a:lnSpc>
+        <a:spcBef>
+          <a:spcPts val="0"/>
+        </a:spcBef>
+        <a:spcAft>
+          <a:spcPts val="0"/>
+        </a:spcAft>
+        <a:buClrTx/>
+        <a:buSzTx/>
+        <a:buFontTx/>
+        <a:buNone/>
+        <a:tabLst/>
+        <a:defRPr b="0" baseline="0" cap="all" i="0" spc="0" strike="noStrike" sz="10000" u="none">
+          <a:solidFill>
+            <a:srgbClr val="535353"/>
+          </a:solidFill>
+          <a:uFillTx/>
+          <a:latin typeface="Gill Sans Light"/>
+          <a:ea typeface="Gill Sans Light"/>
+          <a:cs typeface="Gill Sans Light"/>
+          <a:sym typeface="Gill Sans Light"/>
+        </a:defRPr>
+      </a:lvl8pPr>
+      <a:lvl9pPr marL="0" marR="0" indent="0" algn="ctr" defTabSz="825500" rtl="0" latinLnBrk="0">
+        <a:lnSpc>
+          <a:spcPct val="100000"/>
+        </a:lnSpc>
+        <a:spcBef>
+          <a:spcPts val="0"/>
+        </a:spcBef>
+        <a:spcAft>
+          <a:spcPts val="0"/>
+        </a:spcAft>
+        <a:buClrTx/>
+        <a:buSzTx/>
+        <a:buFontTx/>
+        <a:buNone/>
+        <a:tabLst/>
+        <a:defRPr b="0" baseline="0" cap="all" i="0" spc="0" strike="noStrike" sz="10000" u="none">
+          <a:solidFill>
+            <a:srgbClr val="535353"/>
+          </a:solidFill>
+          <a:uFillTx/>
+          <a:latin typeface="Gill Sans Light"/>
+          <a:ea typeface="Gill Sans Light"/>
+          <a:cs typeface="Gill Sans Light"/>
+          <a:sym typeface="Gill Sans Light"/>
+        </a:defRPr>
+      </a:lvl9pPr>
+    </p:titleStyle>
+    <p:bodyStyle>
+      <a:lvl1pPr marL="736600" marR="0" indent="-736600" algn="l" defTabSz="825500" rtl="0" latinLnBrk="0">
+        <a:lnSpc>
+          <a:spcPct val="120000"/>
+        </a:lnSpc>
+        <a:spcBef>
+          <a:spcPts val="6500"/>
+        </a:spcBef>
+        <a:spcAft>
+          <a:spcPts val="0"/>
+        </a:spcAft>
+        <a:buClrTx/>
+        <a:buSzPct val="82000"/>
+        <a:buFontTx/>
+        <a:buChar char="•"/>
+        <a:tabLst/>
+        <a:defRPr b="0" baseline="0" cap="none" i="0" spc="0" strike="noStrike" sz="6400" u="none">
+          <a:solidFill>
+            <a:srgbClr val="535353"/>
+          </a:solidFill>
+          <a:uFillTx/>
+          <a:latin typeface="Gill Sans Light"/>
+          <a:ea typeface="Gill Sans Light"/>
+          <a:cs typeface="Gill Sans Light"/>
+          <a:sym typeface="Gill Sans Light"/>
+        </a:defRPr>
+      </a:lvl1pPr>
+      <a:lvl2pPr marL="1473200" marR="0" indent="-736600" algn="l" defTabSz="825500" rtl="0" latinLnBrk="0">
+        <a:lnSpc>
+          <a:spcPct val="120000"/>
+        </a:lnSpc>
+        <a:spcBef>
+          <a:spcPts val="6500"/>
+        </a:spcBef>
+        <a:spcAft>
+          <a:spcPts val="0"/>
+        </a:spcAft>
+        <a:buClrTx/>
+        <a:buSzPct val="82000"/>
+        <a:buFontTx/>
+        <a:buChar char="•"/>
+        <a:tabLst/>
+        <a:defRPr b="0" baseline="0" cap="none" i="0" spc="0" strike="noStrike" sz="6400" u="none">
+          <a:solidFill>
+            <a:srgbClr val="535353"/>
+          </a:solidFill>
+          <a:uFillTx/>
+          <a:latin typeface="Gill Sans Light"/>
+          <a:ea typeface="Gill Sans Light"/>
+          <a:cs typeface="Gill Sans Light"/>
+          <a:sym typeface="Gill Sans Light"/>
+        </a:defRPr>
+      </a:lvl2pPr>
+      <a:lvl3pPr marL="2209800" marR="0" indent="-736600" algn="l" defTabSz="825500" rtl="0" latinLnBrk="0">
+        <a:lnSpc>
+          <a:spcPct val="120000"/>
+        </a:lnSpc>
+        <a:spcBef>
+          <a:spcPts val="6500"/>
+        </a:spcBef>
+        <a:spcAft>
+          <a:spcPts val="0"/>
+        </a:spcAft>
+        <a:buClrTx/>
+        <a:buSzPct val="82000"/>
+        <a:buFontTx/>
+        <a:buChar char="•"/>
+        <a:tabLst/>
+        <a:defRPr b="0" baseline="0" cap="none" i="0" spc="0" strike="noStrike" sz="6400" u="none">
+          <a:solidFill>
+            <a:srgbClr val="535353"/>
+          </a:solidFill>
+          <a:uFillTx/>
+          <a:latin typeface="Gill Sans Light"/>
+          <a:ea typeface="Gill Sans Light"/>
+          <a:cs typeface="Gill Sans Light"/>
+          <a:sym typeface="Gill Sans Light"/>
+        </a:defRPr>
+      </a:lvl3pPr>
+      <a:lvl4pPr marL="2946400" marR="0" indent="-736600" algn="l" defTabSz="825500" rtl="0" latinLnBrk="0">
+        <a:lnSpc>
+          <a:spcPct val="120000"/>
+        </a:lnSpc>
+        <a:spcBef>
+          <a:spcPts val="6500"/>
+        </a:spcBef>
+        <a:spcAft>
+          <a:spcPts val="0"/>
+        </a:spcAft>
+        <a:buClrTx/>
+        <a:buSzPct val="82000"/>
+        <a:buFontTx/>
+        <a:buChar char="•"/>
+        <a:tabLst/>
+        <a:defRPr b="0" baseline="0" cap="none" i="0" spc="0" strike="noStrike" sz="6400" u="none">
+          <a:solidFill>
+            <a:srgbClr val="535353"/>
+          </a:solidFill>
+          <a:uFillTx/>
+          <a:latin typeface="Gill Sans Light"/>
+          <a:ea typeface="Gill Sans Light"/>
+          <a:cs typeface="Gill Sans Light"/>
+          <a:sym typeface="Gill Sans Light"/>
+        </a:defRPr>
+      </a:lvl4pPr>
+      <a:lvl5pPr marL="3683000" marR="0" indent="-736600" algn="l" defTabSz="825500" rtl="0" latinLnBrk="0">
+        <a:lnSpc>
+          <a:spcPct val="120000"/>
+        </a:lnSpc>
+        <a:spcBef>
+          <a:spcPts val="6500"/>
+        </a:spcBef>
+        <a:spcAft>
+          <a:spcPts val="0"/>
+        </a:spcAft>
+        <a:buClrTx/>
+        <a:buSzPct val="82000"/>
+        <a:buFontTx/>
+        <a:buChar char="•"/>
+        <a:tabLst/>
+        <a:defRPr b="0" baseline="0" cap="none" i="0" spc="0" strike="noStrike" sz="6400" u="none">
+          <a:solidFill>
+            <a:srgbClr val="535353"/>
+          </a:solidFill>
+          <a:uFillTx/>
+          <a:latin typeface="Gill Sans Light"/>
+          <a:ea typeface="Gill Sans Light"/>
+          <a:cs typeface="Gill Sans Light"/>
+          <a:sym typeface="Gill Sans Light"/>
+        </a:defRPr>
+      </a:lvl5pPr>
+      <a:lvl6pPr marL="3640015" marR="0" indent="-719015" algn="l" defTabSz="825500" rtl="0" latinLnBrk="0">
+        <a:lnSpc>
+          <a:spcPct val="120000"/>
+        </a:lnSpc>
+        <a:spcBef>
+          <a:spcPts val="6500"/>
+        </a:spcBef>
+        <a:spcAft>
+          <a:spcPts val="0"/>
+        </a:spcAft>
+        <a:buClrTx/>
+        <a:buSzPct val="82000"/>
+        <a:buFontTx/>
+        <a:buChar char="•"/>
+        <a:tabLst/>
+        <a:defRPr b="0" baseline="0" cap="none" i="0" spc="0" strike="noStrike" sz="6400" u="none">
+          <a:solidFill>
+            <a:srgbClr val="535353"/>
+          </a:solidFill>
+          <a:uFillTx/>
+          <a:latin typeface="Gill Sans Light"/>
+          <a:ea typeface="Gill Sans Light"/>
+          <a:cs typeface="Gill Sans Light"/>
+          <a:sym typeface="Gill Sans Light"/>
+        </a:defRPr>
+      </a:lvl6pPr>
+      <a:lvl7pPr marL="4224215" marR="0" indent="-719015" algn="l" defTabSz="825500" rtl="0" latinLnBrk="0">
+        <a:lnSpc>
+          <a:spcPct val="120000"/>
+        </a:lnSpc>
+        <a:spcBef>
+          <a:spcPts val="6500"/>
+        </a:spcBef>
+        <a:spcAft>
+          <a:spcPts val="0"/>
+        </a:spcAft>
+        <a:buClrTx/>
+        <a:buSzPct val="82000"/>
+        <a:buFontTx/>
+        <a:buChar char="•"/>
+        <a:tabLst/>
+        <a:defRPr b="0" baseline="0" cap="none" i="0" spc="0" strike="noStrike" sz="6400" u="none">
+          <a:solidFill>
+            <a:srgbClr val="535353"/>
+          </a:solidFill>
+          <a:uFillTx/>
+          <a:latin typeface="Gill Sans Light"/>
+          <a:ea typeface="Gill Sans Light"/>
+          <a:cs typeface="Gill Sans Light"/>
+          <a:sym typeface="Gill Sans Light"/>
+        </a:defRPr>
+      </a:lvl7pPr>
+      <a:lvl8pPr marL="4808415" marR="0" indent="-719015" algn="l" defTabSz="825500" rtl="0" latinLnBrk="0">
+        <a:lnSpc>
+          <a:spcPct val="120000"/>
+        </a:lnSpc>
+        <a:spcBef>
+          <a:spcPts val="6500"/>
+        </a:spcBef>
+        <a:spcAft>
+          <a:spcPts val="0"/>
+        </a:spcAft>
+        <a:buClrTx/>
+        <a:buSzPct val="82000"/>
+        <a:buFontTx/>
+        <a:buChar char="•"/>
+        <a:tabLst/>
+        <a:defRPr b="0" baseline="0" cap="none" i="0" spc="0" strike="noStrike" sz="6400" u="none">
+          <a:solidFill>
+            <a:srgbClr val="535353"/>
+          </a:solidFill>
+          <a:uFillTx/>
+          <a:latin typeface="Gill Sans Light"/>
+          <a:ea typeface="Gill Sans Light"/>
+          <a:cs typeface="Gill Sans Light"/>
+          <a:sym typeface="Gill Sans Light"/>
+        </a:defRPr>
+      </a:lvl8pPr>
+      <a:lvl9pPr marL="5392615" marR="0" indent="-719015" algn="l" defTabSz="825500" rtl="0" latinLnBrk="0">
+        <a:lnSpc>
+          <a:spcPct val="120000"/>
+        </a:lnSpc>
+        <a:spcBef>
+          <a:spcPts val="6500"/>
+        </a:spcBef>
+        <a:spcAft>
+          <a:spcPts val="0"/>
+        </a:spcAft>
+        <a:buClrTx/>
+        <a:buSzPct val="82000"/>
+        <a:buFontTx/>
+        <a:buChar char="•"/>
+        <a:tabLst/>
+        <a:defRPr b="0" baseline="0" cap="none" i="0" spc="0" strike="noStrike" sz="6400" u="none">
+          <a:solidFill>
+            <a:srgbClr val="535353"/>
+          </a:solidFill>
+          <a:uFillTx/>
+          <a:latin typeface="Gill Sans Light"/>
+          <a:ea typeface="Gill Sans Light"/>
+          <a:cs typeface="Gill Sans Light"/>
+          <a:sym typeface="Gill Sans Light"/>
+        </a:defRPr>
+      </a:lvl9pPr>
+    </p:bodyStyle>
+    <p:otherStyle>
+      <a:lvl1pPr marL="0" marR="0" indent="0" algn="ctr" defTabSz="825500" rtl="0" latinLnBrk="0">
+        <a:lnSpc>
+          <a:spcPct val="100000"/>
+        </a:lnSpc>
+        <a:spcBef>
+          <a:spcPts val="0"/>
+        </a:spcBef>
+        <a:spcAft>
+          <a:spcPts val="0"/>
+        </a:spcAft>
+        <a:buClrTx/>
+        <a:buSzTx/>
+        <a:buFontTx/>
+        <a:buNone/>
+        <a:tabLst/>
+        <a:defRPr b="0" baseline="0" cap="none" i="0" spc="0" strike="noStrike" sz="2400" u="none">
+          <a:solidFill>
+            <a:schemeClr val="tx1"/>
           </a:solidFill>
           <a:uFillTx/>
           <a:latin typeface="+mn-lt"/>
@@ -2345,9 +2799,9 @@
         <a:buFontTx/>
         <a:buNone/>
         <a:tabLst/>
-        <a:defRPr sz="10000" b="0" i="0" u="none" strike="noStrike" cap="all" spc="0" baseline="0">
+        <a:defRPr b="0" baseline="0" cap="none" i="0" spc="0" strike="noStrike" sz="2400" u="none">
           <a:solidFill>
-            <a:srgbClr val="535353"/>
+            <a:schemeClr val="tx1"/>
           </a:solidFill>
           <a:uFillTx/>
           <a:latin typeface="+mn-lt"/>
@@ -2371,9 +2825,9 @@
         <a:buFontTx/>
         <a:buNone/>
         <a:tabLst/>
-        <a:defRPr sz="10000" b="0" i="0" u="none" strike="noStrike" cap="all" spc="0" baseline="0">
+        <a:defRPr b="0" baseline="0" cap="none" i="0" spc="0" strike="noStrike" sz="2400" u="none">
           <a:solidFill>
-            <a:srgbClr val="535353"/>
+            <a:schemeClr val="tx1"/>
           </a:solidFill>
           <a:uFillTx/>
           <a:latin typeface="+mn-lt"/>
@@ -2397,9 +2851,9 @@
         <a:buFontTx/>
         <a:buNone/>
         <a:tabLst/>
-        <a:defRPr sz="10000" b="0" i="0" u="none" strike="noStrike" cap="all" spc="0" baseline="0">
+        <a:defRPr b="0" baseline="0" cap="none" i="0" spc="0" strike="noStrike" sz="2400" u="none">
           <a:solidFill>
-            <a:srgbClr val="535353"/>
+            <a:schemeClr val="tx1"/>
           </a:solidFill>
           <a:uFillTx/>
           <a:latin typeface="+mn-lt"/>
@@ -2423,9 +2877,9 @@
         <a:buFontTx/>
         <a:buNone/>
         <a:tabLst/>
-        <a:defRPr sz="10000" b="0" i="0" u="none" strike="noStrike" cap="all" spc="0" baseline="0">
+        <a:defRPr b="0" baseline="0" cap="none" i="0" spc="0" strike="noStrike" sz="2400" u="none">
           <a:solidFill>
-            <a:srgbClr val="535353"/>
+            <a:schemeClr val="tx1"/>
           </a:solidFill>
           <a:uFillTx/>
           <a:latin typeface="+mn-lt"/>
@@ -2449,9 +2903,9 @@
         <a:buFontTx/>
         <a:buNone/>
         <a:tabLst/>
-        <a:defRPr sz="10000" b="0" i="0" u="none" strike="noStrike" cap="all" spc="0" baseline="0">
+        <a:defRPr b="0" baseline="0" cap="none" i="0" spc="0" strike="noStrike" sz="2400" u="none">
           <a:solidFill>
-            <a:srgbClr val="535353"/>
+            <a:schemeClr val="tx1"/>
           </a:solidFill>
           <a:uFillTx/>
           <a:latin typeface="+mn-lt"/>
@@ -2475,9 +2929,9 @@
         <a:buFontTx/>
         <a:buNone/>
         <a:tabLst/>
-        <a:defRPr sz="10000" b="0" i="0" u="none" strike="noStrike" cap="all" spc="0" baseline="0">
+        <a:defRPr b="0" baseline="0" cap="none" i="0" spc="0" strike="noStrike" sz="2400" u="none">
           <a:solidFill>
-            <a:srgbClr val="535353"/>
+            <a:schemeClr val="tx1"/>
           </a:solidFill>
           <a:uFillTx/>
           <a:latin typeface="+mn-lt"/>
@@ -2501,9 +2955,9 @@
         <a:buFontTx/>
         <a:buNone/>
         <a:tabLst/>
-        <a:defRPr sz="10000" b="0" i="0" u="none" strike="noStrike" cap="all" spc="0" baseline="0">
+        <a:defRPr b="0" baseline="0" cap="none" i="0" spc="0" strike="noStrike" sz="2400" u="none">
           <a:solidFill>
-            <a:srgbClr val="535353"/>
+            <a:schemeClr val="tx1"/>
           </a:solidFill>
           <a:uFillTx/>
           <a:latin typeface="+mn-lt"/>
@@ -2527,479 +2981,7 @@
         <a:buFontTx/>
         <a:buNone/>
         <a:tabLst/>
-        <a:defRPr sz="10000" b="0" i="0" u="none" strike="noStrike" cap="all" spc="0" baseline="0">
-          <a:solidFill>
-            <a:srgbClr val="535353"/>
-          </a:solidFill>
-          <a:uFillTx/>
-          <a:latin typeface="+mn-lt"/>
-          <a:ea typeface="+mn-ea"/>
-          <a:cs typeface="+mn-cs"/>
-          <a:sym typeface="Gill Sans Light"/>
-        </a:defRPr>
-      </a:lvl9pPr>
-    </p:titleStyle>
-    <p:bodyStyle>
-      <a:lvl1pPr marL="584200" marR="0" indent="-584200" algn="l" defTabSz="825500" rtl="0" latinLnBrk="0">
-        <a:lnSpc>
-          <a:spcPct val="100000"/>
-        </a:lnSpc>
-        <a:spcBef>
-          <a:spcPts val="5300"/>
-        </a:spcBef>
-        <a:spcAft>
-          <a:spcPts val="0"/>
-        </a:spcAft>
-        <a:buClrTx/>
-        <a:buSzPct val="82000"/>
-        <a:buFontTx/>
-        <a:buChar char="•"/>
-        <a:tabLst/>
-        <a:defRPr sz="5200" b="0" i="0" u="none" strike="noStrike" cap="none" spc="0" baseline="0">
-          <a:solidFill>
-            <a:srgbClr val="535353"/>
-          </a:solidFill>
-          <a:uFillTx/>
-          <a:latin typeface="+mn-lt"/>
-          <a:ea typeface="+mn-ea"/>
-          <a:cs typeface="+mn-cs"/>
-          <a:sym typeface="Gill Sans Light"/>
-        </a:defRPr>
-      </a:lvl1pPr>
-      <a:lvl2pPr marL="1168400" marR="0" indent="-584200" algn="l" defTabSz="825500" rtl="0" latinLnBrk="0">
-        <a:lnSpc>
-          <a:spcPct val="100000"/>
-        </a:lnSpc>
-        <a:spcBef>
-          <a:spcPts val="5300"/>
-        </a:spcBef>
-        <a:spcAft>
-          <a:spcPts val="0"/>
-        </a:spcAft>
-        <a:buClrTx/>
-        <a:buSzPct val="82000"/>
-        <a:buFontTx/>
-        <a:buChar char="•"/>
-        <a:tabLst/>
-        <a:defRPr sz="5200" b="0" i="0" u="none" strike="noStrike" cap="none" spc="0" baseline="0">
-          <a:solidFill>
-            <a:srgbClr val="535353"/>
-          </a:solidFill>
-          <a:uFillTx/>
-          <a:latin typeface="+mn-lt"/>
-          <a:ea typeface="+mn-ea"/>
-          <a:cs typeface="+mn-cs"/>
-          <a:sym typeface="Gill Sans Light"/>
-        </a:defRPr>
-      </a:lvl2pPr>
-      <a:lvl3pPr marL="1752600" marR="0" indent="-584200" algn="l" defTabSz="825500" rtl="0" latinLnBrk="0">
-        <a:lnSpc>
-          <a:spcPct val="100000"/>
-        </a:lnSpc>
-        <a:spcBef>
-          <a:spcPts val="5300"/>
-        </a:spcBef>
-        <a:spcAft>
-          <a:spcPts val="0"/>
-        </a:spcAft>
-        <a:buClrTx/>
-        <a:buSzPct val="82000"/>
-        <a:buFontTx/>
-        <a:buChar char="•"/>
-        <a:tabLst/>
-        <a:defRPr sz="5200" b="0" i="0" u="none" strike="noStrike" cap="none" spc="0" baseline="0">
-          <a:solidFill>
-            <a:srgbClr val="535353"/>
-          </a:solidFill>
-          <a:uFillTx/>
-          <a:latin typeface="+mn-lt"/>
-          <a:ea typeface="+mn-ea"/>
-          <a:cs typeface="+mn-cs"/>
-          <a:sym typeface="Gill Sans Light"/>
-        </a:defRPr>
-      </a:lvl3pPr>
-      <a:lvl4pPr marL="2336800" marR="0" indent="-584200" algn="l" defTabSz="825500" rtl="0" latinLnBrk="0">
-        <a:lnSpc>
-          <a:spcPct val="100000"/>
-        </a:lnSpc>
-        <a:spcBef>
-          <a:spcPts val="5300"/>
-        </a:spcBef>
-        <a:spcAft>
-          <a:spcPts val="0"/>
-        </a:spcAft>
-        <a:buClrTx/>
-        <a:buSzPct val="82000"/>
-        <a:buFontTx/>
-        <a:buChar char="•"/>
-        <a:tabLst/>
-        <a:defRPr sz="5200" b="0" i="0" u="none" strike="noStrike" cap="none" spc="0" baseline="0">
-          <a:solidFill>
-            <a:srgbClr val="535353"/>
-          </a:solidFill>
-          <a:uFillTx/>
-          <a:latin typeface="+mn-lt"/>
-          <a:ea typeface="+mn-ea"/>
-          <a:cs typeface="+mn-cs"/>
-          <a:sym typeface="Gill Sans Light"/>
-        </a:defRPr>
-      </a:lvl4pPr>
-      <a:lvl5pPr marL="2921000" marR="0" indent="-584200" algn="l" defTabSz="825500" rtl="0" latinLnBrk="0">
-        <a:lnSpc>
-          <a:spcPct val="100000"/>
-        </a:lnSpc>
-        <a:spcBef>
-          <a:spcPts val="5300"/>
-        </a:spcBef>
-        <a:spcAft>
-          <a:spcPts val="0"/>
-        </a:spcAft>
-        <a:buClrTx/>
-        <a:buSzPct val="82000"/>
-        <a:buFontTx/>
-        <a:buChar char="•"/>
-        <a:tabLst/>
-        <a:defRPr sz="5200" b="0" i="0" u="none" strike="noStrike" cap="none" spc="0" baseline="0">
-          <a:solidFill>
-            <a:srgbClr val="535353"/>
-          </a:solidFill>
-          <a:uFillTx/>
-          <a:latin typeface="+mn-lt"/>
-          <a:ea typeface="+mn-ea"/>
-          <a:cs typeface="+mn-cs"/>
-          <a:sym typeface="Gill Sans Light"/>
-        </a:defRPr>
-      </a:lvl5pPr>
-      <a:lvl6pPr marL="3505200" marR="0" indent="-584200" algn="l" defTabSz="825500" rtl="0" latinLnBrk="0">
-        <a:lnSpc>
-          <a:spcPct val="100000"/>
-        </a:lnSpc>
-        <a:spcBef>
-          <a:spcPts val="5300"/>
-        </a:spcBef>
-        <a:spcAft>
-          <a:spcPts val="0"/>
-        </a:spcAft>
-        <a:buClrTx/>
-        <a:buSzPct val="82000"/>
-        <a:buFontTx/>
-        <a:buChar char="•"/>
-        <a:tabLst/>
-        <a:defRPr sz="5200" b="0" i="0" u="none" strike="noStrike" cap="none" spc="0" baseline="0">
-          <a:solidFill>
-            <a:srgbClr val="535353"/>
-          </a:solidFill>
-          <a:uFillTx/>
-          <a:latin typeface="+mn-lt"/>
-          <a:ea typeface="+mn-ea"/>
-          <a:cs typeface="+mn-cs"/>
-          <a:sym typeface="Gill Sans Light"/>
-        </a:defRPr>
-      </a:lvl6pPr>
-      <a:lvl7pPr marL="4089400" marR="0" indent="-584200" algn="l" defTabSz="825500" rtl="0" latinLnBrk="0">
-        <a:lnSpc>
-          <a:spcPct val="100000"/>
-        </a:lnSpc>
-        <a:spcBef>
-          <a:spcPts val="5300"/>
-        </a:spcBef>
-        <a:spcAft>
-          <a:spcPts val="0"/>
-        </a:spcAft>
-        <a:buClrTx/>
-        <a:buSzPct val="82000"/>
-        <a:buFontTx/>
-        <a:buChar char="•"/>
-        <a:tabLst/>
-        <a:defRPr sz="5200" b="0" i="0" u="none" strike="noStrike" cap="none" spc="0" baseline="0">
-          <a:solidFill>
-            <a:srgbClr val="535353"/>
-          </a:solidFill>
-          <a:uFillTx/>
-          <a:latin typeface="+mn-lt"/>
-          <a:ea typeface="+mn-ea"/>
-          <a:cs typeface="+mn-cs"/>
-          <a:sym typeface="Gill Sans Light"/>
-        </a:defRPr>
-      </a:lvl7pPr>
-      <a:lvl8pPr marL="4673600" marR="0" indent="-584200" algn="l" defTabSz="825500" rtl="0" latinLnBrk="0">
-        <a:lnSpc>
-          <a:spcPct val="100000"/>
-        </a:lnSpc>
-        <a:spcBef>
-          <a:spcPts val="5300"/>
-        </a:spcBef>
-        <a:spcAft>
-          <a:spcPts val="0"/>
-        </a:spcAft>
-        <a:buClrTx/>
-        <a:buSzPct val="82000"/>
-        <a:buFontTx/>
-        <a:buChar char="•"/>
-        <a:tabLst/>
-        <a:defRPr sz="5200" b="0" i="0" u="none" strike="noStrike" cap="none" spc="0" baseline="0">
-          <a:solidFill>
-            <a:srgbClr val="535353"/>
-          </a:solidFill>
-          <a:uFillTx/>
-          <a:latin typeface="+mn-lt"/>
-          <a:ea typeface="+mn-ea"/>
-          <a:cs typeface="+mn-cs"/>
-          <a:sym typeface="Gill Sans Light"/>
-        </a:defRPr>
-      </a:lvl8pPr>
-      <a:lvl9pPr marL="5257800" marR="0" indent="-584200" algn="l" defTabSz="825500" rtl="0" latinLnBrk="0">
-        <a:lnSpc>
-          <a:spcPct val="100000"/>
-        </a:lnSpc>
-        <a:spcBef>
-          <a:spcPts val="5300"/>
-        </a:spcBef>
-        <a:spcAft>
-          <a:spcPts val="0"/>
-        </a:spcAft>
-        <a:buClrTx/>
-        <a:buSzPct val="82000"/>
-        <a:buFontTx/>
-        <a:buChar char="•"/>
-        <a:tabLst/>
-        <a:defRPr sz="5200" b="0" i="0" u="none" strike="noStrike" cap="none" spc="0" baseline="0">
-          <a:solidFill>
-            <a:srgbClr val="535353"/>
-          </a:solidFill>
-          <a:uFillTx/>
-          <a:latin typeface="+mn-lt"/>
-          <a:ea typeface="+mn-ea"/>
-          <a:cs typeface="+mn-cs"/>
-          <a:sym typeface="Gill Sans Light"/>
-        </a:defRPr>
-      </a:lvl9pPr>
-    </p:bodyStyle>
-    <p:otherStyle>
-      <a:lvl1pPr marL="0" marR="0" indent="0" algn="ctr" defTabSz="825500" latinLnBrk="0">
-        <a:lnSpc>
-          <a:spcPct val="100000"/>
-        </a:lnSpc>
-        <a:spcBef>
-          <a:spcPts val="0"/>
-        </a:spcBef>
-        <a:spcAft>
-          <a:spcPts val="0"/>
-        </a:spcAft>
-        <a:buClrTx/>
-        <a:buSzTx/>
-        <a:buFontTx/>
-        <a:buNone/>
-        <a:tabLst/>
-        <a:defRPr sz="2400" b="0" i="0" u="none" strike="noStrike" cap="none" spc="0" baseline="0">
-          <a:solidFill>
-            <a:schemeClr val="tx1"/>
-          </a:solidFill>
-          <a:uFillTx/>
-          <a:latin typeface="+mn-lt"/>
-          <a:ea typeface="+mn-ea"/>
-          <a:cs typeface="+mn-cs"/>
-          <a:sym typeface="Gill Sans Light"/>
-        </a:defRPr>
-      </a:lvl1pPr>
-      <a:lvl2pPr marL="0" marR="0" indent="228600" algn="ctr" defTabSz="825500" latinLnBrk="0">
-        <a:lnSpc>
-          <a:spcPct val="100000"/>
-        </a:lnSpc>
-        <a:spcBef>
-          <a:spcPts val="0"/>
-        </a:spcBef>
-        <a:spcAft>
-          <a:spcPts val="0"/>
-        </a:spcAft>
-        <a:buClrTx/>
-        <a:buSzTx/>
-        <a:buFontTx/>
-        <a:buNone/>
-        <a:tabLst/>
-        <a:defRPr sz="2400" b="0" i="0" u="none" strike="noStrike" cap="none" spc="0" baseline="0">
-          <a:solidFill>
-            <a:schemeClr val="tx1"/>
-          </a:solidFill>
-          <a:uFillTx/>
-          <a:latin typeface="+mn-lt"/>
-          <a:ea typeface="+mn-ea"/>
-          <a:cs typeface="+mn-cs"/>
-          <a:sym typeface="Gill Sans Light"/>
-        </a:defRPr>
-      </a:lvl2pPr>
-      <a:lvl3pPr marL="0" marR="0" indent="457200" algn="ctr" defTabSz="825500" latinLnBrk="0">
-        <a:lnSpc>
-          <a:spcPct val="100000"/>
-        </a:lnSpc>
-        <a:spcBef>
-          <a:spcPts val="0"/>
-        </a:spcBef>
-        <a:spcAft>
-          <a:spcPts val="0"/>
-        </a:spcAft>
-        <a:buClrTx/>
-        <a:buSzTx/>
-        <a:buFontTx/>
-        <a:buNone/>
-        <a:tabLst/>
-        <a:defRPr sz="2400" b="0" i="0" u="none" strike="noStrike" cap="none" spc="0" baseline="0">
-          <a:solidFill>
-            <a:schemeClr val="tx1"/>
-          </a:solidFill>
-          <a:uFillTx/>
-          <a:latin typeface="+mn-lt"/>
-          <a:ea typeface="+mn-ea"/>
-          <a:cs typeface="+mn-cs"/>
-          <a:sym typeface="Gill Sans Light"/>
-        </a:defRPr>
-      </a:lvl3pPr>
-      <a:lvl4pPr marL="0" marR="0" indent="685800" algn="ctr" defTabSz="825500" latinLnBrk="0">
-        <a:lnSpc>
-          <a:spcPct val="100000"/>
-        </a:lnSpc>
-        <a:spcBef>
-          <a:spcPts val="0"/>
-        </a:spcBef>
-        <a:spcAft>
-          <a:spcPts val="0"/>
-        </a:spcAft>
-        <a:buClrTx/>
-        <a:buSzTx/>
-        <a:buFontTx/>
-        <a:buNone/>
-        <a:tabLst/>
-        <a:defRPr sz="2400" b="0" i="0" u="none" strike="noStrike" cap="none" spc="0" baseline="0">
-          <a:solidFill>
-            <a:schemeClr val="tx1"/>
-          </a:solidFill>
-          <a:uFillTx/>
-          <a:latin typeface="+mn-lt"/>
-          <a:ea typeface="+mn-ea"/>
-          <a:cs typeface="+mn-cs"/>
-          <a:sym typeface="Gill Sans Light"/>
-        </a:defRPr>
-      </a:lvl4pPr>
-      <a:lvl5pPr marL="0" marR="0" indent="914400" algn="ctr" defTabSz="825500" latinLnBrk="0">
-        <a:lnSpc>
-          <a:spcPct val="100000"/>
-        </a:lnSpc>
-        <a:spcBef>
-          <a:spcPts val="0"/>
-        </a:spcBef>
-        <a:spcAft>
-          <a:spcPts val="0"/>
-        </a:spcAft>
-        <a:buClrTx/>
-        <a:buSzTx/>
-        <a:buFontTx/>
-        <a:buNone/>
-        <a:tabLst/>
-        <a:defRPr sz="2400" b="0" i="0" u="none" strike="noStrike" cap="none" spc="0" baseline="0">
-          <a:solidFill>
-            <a:schemeClr val="tx1"/>
-          </a:solidFill>
-          <a:uFillTx/>
-          <a:latin typeface="+mn-lt"/>
-          <a:ea typeface="+mn-ea"/>
-          <a:cs typeface="+mn-cs"/>
-          <a:sym typeface="Gill Sans Light"/>
-        </a:defRPr>
-      </a:lvl5pPr>
-      <a:lvl6pPr marL="0" marR="0" indent="1143000" algn="ctr" defTabSz="825500" latinLnBrk="0">
-        <a:lnSpc>
-          <a:spcPct val="100000"/>
-        </a:lnSpc>
-        <a:spcBef>
-          <a:spcPts val="0"/>
-        </a:spcBef>
-        <a:spcAft>
-          <a:spcPts val="0"/>
-        </a:spcAft>
-        <a:buClrTx/>
-        <a:buSzTx/>
-        <a:buFontTx/>
-        <a:buNone/>
-        <a:tabLst/>
-        <a:defRPr sz="2400" b="0" i="0" u="none" strike="noStrike" cap="none" spc="0" baseline="0">
-          <a:solidFill>
-            <a:schemeClr val="tx1"/>
-          </a:solidFill>
-          <a:uFillTx/>
-          <a:latin typeface="+mn-lt"/>
-          <a:ea typeface="+mn-ea"/>
-          <a:cs typeface="+mn-cs"/>
-          <a:sym typeface="Gill Sans Light"/>
-        </a:defRPr>
-      </a:lvl6pPr>
-      <a:lvl7pPr marL="0" marR="0" indent="1371600" algn="ctr" defTabSz="825500" latinLnBrk="0">
-        <a:lnSpc>
-          <a:spcPct val="100000"/>
-        </a:lnSpc>
-        <a:spcBef>
-          <a:spcPts val="0"/>
-        </a:spcBef>
-        <a:spcAft>
-          <a:spcPts val="0"/>
-        </a:spcAft>
-        <a:buClrTx/>
-        <a:buSzTx/>
-        <a:buFontTx/>
-        <a:buNone/>
-        <a:tabLst/>
-        <a:defRPr sz="2400" b="0" i="0" u="none" strike="noStrike" cap="none" spc="0" baseline="0">
-          <a:solidFill>
-            <a:schemeClr val="tx1"/>
-          </a:solidFill>
-          <a:uFillTx/>
-          <a:latin typeface="+mn-lt"/>
-          <a:ea typeface="+mn-ea"/>
-          <a:cs typeface="+mn-cs"/>
-          <a:sym typeface="Gill Sans Light"/>
-        </a:defRPr>
-      </a:lvl7pPr>
-      <a:lvl8pPr marL="0" marR="0" indent="1600200" algn="ctr" defTabSz="825500" latinLnBrk="0">
-        <a:lnSpc>
-          <a:spcPct val="100000"/>
-        </a:lnSpc>
-        <a:spcBef>
-          <a:spcPts val="0"/>
-        </a:spcBef>
-        <a:spcAft>
-          <a:spcPts val="0"/>
-        </a:spcAft>
-        <a:buClrTx/>
-        <a:buSzTx/>
-        <a:buFontTx/>
-        <a:buNone/>
-        <a:tabLst/>
-        <a:defRPr sz="2400" b="0" i="0" u="none" strike="noStrike" cap="none" spc="0" baseline="0">
-          <a:solidFill>
-            <a:schemeClr val="tx1"/>
-          </a:solidFill>
-          <a:uFillTx/>
-          <a:latin typeface="+mn-lt"/>
-          <a:ea typeface="+mn-ea"/>
-          <a:cs typeface="+mn-cs"/>
-          <a:sym typeface="Gill Sans Light"/>
-        </a:defRPr>
-      </a:lvl8pPr>
-      <a:lvl9pPr marL="0" marR="0" indent="1828800" algn="ctr" defTabSz="825500" latinLnBrk="0">
-        <a:lnSpc>
-          <a:spcPct val="100000"/>
-        </a:lnSpc>
-        <a:spcBef>
-          <a:spcPts val="0"/>
-        </a:spcBef>
-        <a:spcAft>
-          <a:spcPts val="0"/>
-        </a:spcAft>
-        <a:buClrTx/>
-        <a:buSzTx/>
-        <a:buFontTx/>
-        <a:buNone/>
-        <a:tabLst/>
-        <a:defRPr sz="2400" b="0" i="0" u="none" strike="noStrike" cap="none" spc="0" baseline="0">
+        <a:defRPr b="0" baseline="0" cap="none" i="0" spc="0" strike="noStrike" sz="2400" u="none">
           <a:solidFill>
             <a:schemeClr val="tx1"/>
           </a:solidFill>
@@ -3016,7 +2998,7 @@
 </file>
 
 <file path=ppt/slides/slide1.xml><?xml version="1.0" encoding="utf-8"?>
-<p:sld xmlns:a="http://schemas.openxmlformats.org/drawingml/2006/main" xmlns:r="http://schemas.openxmlformats.org/officeDocument/2006/relationships" xmlns:p="http://schemas.openxmlformats.org/presentationml/2006/main">
+<p:sld xmlns:a="http://schemas.openxmlformats.org/drawingml/2006/main" xmlns:r="http://schemas.openxmlformats.org/officeDocument/2006/relationships" xmlns:p="http://schemas.openxmlformats.org/presentationml/2006/main" xmlns:m="http://schemas.openxmlformats.org/officeDocument/2006/math" xmlns:a14="http://schemas.microsoft.com/office/drawing/2010/main" showMasterSp="1" showMasterPhAnim="1">
   <p:cSld>
     <p:spTree>
       <p:nvGrpSpPr>
@@ -3035,9 +3017,7 @@
       <p:sp>
         <p:nvSpPr>
           <p:cNvPr id="119" name="Projekt: KI"/>
-          <p:cNvSpPr txBox="1">
-            <a:spLocks noGrp="1"/>
-          </p:cNvSpPr>
+          <p:cNvSpPr txBox="1"/>
           <p:nvPr>
             <p:ph type="ctrTitle"/>
           </p:nvPr>
@@ -3059,6 +3039,7 @@
             </a:lvl1pPr>
           </a:lstStyle>
           <a:p>
+            <a:pPr/>
             <a:r>
               <a:t>Projekt: KI</a:t>
             </a:r>
@@ -3068,9 +3049,7 @@
       <p:sp>
         <p:nvSpPr>
           <p:cNvPr id="120" name="Entwicklung einer spielstarken KI für die Schachvariante “King of the hill”"/>
-          <p:cNvSpPr txBox="1">
-            <a:spLocks noGrp="1"/>
-          </p:cNvSpPr>
+          <p:cNvSpPr txBox="1"/>
           <p:nvPr>
             <p:ph type="subTitle" sz="quarter" idx="1"/>
           </p:nvPr>
@@ -3078,7 +3057,7 @@
         <p:spPr>
           <a:xfrm>
             <a:off x="666750" y="2243513"/>
-            <a:ext cx="23050500" cy="1816101"/>
+            <a:ext cx="23050500" cy="1816102"/>
           </a:xfrm>
           <a:prstGeom prst="rect">
             <a:avLst/>
@@ -3092,6 +3071,7 @@
             </a:lvl1pPr>
           </a:lstStyle>
           <a:p>
+            <a:pPr/>
             <a:r>
               <a:t>Entwicklung einer spielstarken KI für die Schachvariante “King of the hill”</a:t>
             </a:r>
@@ -3106,7 +3086,7 @@
         </p:nvSpPr>
         <p:spPr>
           <a:xfrm>
-            <a:off x="7956810" y="5111749"/>
+            <a:off x="7956809" y="5111748"/>
             <a:ext cx="8470380" cy="1549401"/>
           </a:xfrm>
           <a:prstGeom prst="rect">
@@ -3117,7 +3097,7 @@
           </a:ln>
           <a:extLst>
             <a:ext uri="{C572A759-6A51-4108-AA02-DFA0A04FC94B}">
-              <ma14:wrappingTextBoxFlag xmlns:ma14="http://schemas.microsoft.com/office/mac/drawingml/2011/main" xmlns:a14="http://schemas.microsoft.com/office/drawing/2010/main" xmlns:m="http://schemas.openxmlformats.org/officeDocument/2006/math" xmlns="" val="1"/>
+              <ma14:wrappingTextBoxFlag xmlns:ma14="http://schemas.microsoft.com/office/mac/drawingml/2011/main" val="1"/>
             </a:ext>
           </a:extLst>
         </p:spPr>
@@ -3127,11 +3107,13 @@
           </a:bodyPr>
           <a:lstStyle/>
           <a:p>
+            <a:pPr/>
             <a:r>
               <a:t>Gruppe:  AN</a:t>
             </a:r>
           </a:p>
           <a:p>
+            <a:pPr/>
             <a:r>
               <a:t>Implementierungssprache: Python</a:t>
             </a:r>
@@ -3146,7 +3128,7 @@
         </p:nvSpPr>
         <p:spPr>
           <a:xfrm>
-            <a:off x="4624300" y="3651249"/>
+            <a:off x="4624299" y="3651248"/>
             <a:ext cx="15135400" cy="1549401"/>
           </a:xfrm>
           <a:prstGeom prst="rect">
@@ -3157,7 +3139,7 @@
           </a:ln>
           <a:extLst>
             <a:ext uri="{C572A759-6A51-4108-AA02-DFA0A04FC94B}">
-              <ma14:wrappingTextBoxFlag xmlns:ma14="http://schemas.microsoft.com/office/mac/drawingml/2011/main" xmlns:a14="http://schemas.microsoft.com/office/drawing/2010/main" xmlns:m="http://schemas.openxmlformats.org/officeDocument/2006/math" xmlns="" val="1"/>
+              <ma14:wrappingTextBoxFlag xmlns:ma14="http://schemas.microsoft.com/office/mac/drawingml/2011/main" val="1"/>
             </a:ext>
           </a:extLst>
         </p:spPr>
@@ -3167,10 +3149,11 @@
           </a:bodyPr>
           <a:lstStyle>
             <a:lvl1pPr>
-              <a:defRPr sz="10000" cap="all"/>
+              <a:defRPr cap="all" sz="10000"/>
             </a:lvl1pPr>
           </a:lstStyle>
           <a:p>
+            <a:pPr/>
             <a:r>
               <a:t>Meilenstein 1 - Dummy-KI</a:t>
             </a:r>
@@ -3185,7 +3168,7 @@
         </p:nvSpPr>
         <p:spPr>
           <a:xfrm>
-            <a:off x="3429700" y="12280384"/>
+            <a:off x="3429699" y="12280383"/>
             <a:ext cx="4541008" cy="825501"/>
           </a:xfrm>
           <a:prstGeom prst="rect">
@@ -3196,7 +3179,7 @@
           </a:ln>
           <a:extLst>
             <a:ext uri="{C572A759-6A51-4108-AA02-DFA0A04FC94B}">
-              <ma14:wrappingTextBoxFlag xmlns:ma14="http://schemas.microsoft.com/office/mac/drawingml/2011/main" xmlns:a14="http://schemas.microsoft.com/office/drawing/2010/main" xmlns:m="http://schemas.openxmlformats.org/officeDocument/2006/math" xmlns="" val="1"/>
+              <ma14:wrappingTextBoxFlag xmlns:ma14="http://schemas.microsoft.com/office/mac/drawingml/2011/main" val="1"/>
             </a:ext>
           </a:extLst>
         </p:spPr>
@@ -3206,6 +3189,7 @@
           </a:bodyPr>
           <a:lstStyle/>
           <a:p>
+            <a:pPr/>
             <a:r>
               <a:t>Eric Benschneider</a:t>
             </a:r>
@@ -3220,7 +3204,7 @@
         </p:nvSpPr>
         <p:spPr>
           <a:xfrm>
-            <a:off x="9587408" y="12280384"/>
+            <a:off x="9587407" y="12280383"/>
             <a:ext cx="5209184" cy="825501"/>
           </a:xfrm>
           <a:prstGeom prst="rect">
@@ -3231,7 +3215,7 @@
           </a:ln>
           <a:extLst>
             <a:ext uri="{C572A759-6A51-4108-AA02-DFA0A04FC94B}">
-              <ma14:wrappingTextBoxFlag xmlns:ma14="http://schemas.microsoft.com/office/mac/drawingml/2011/main" xmlns:a14="http://schemas.microsoft.com/office/drawing/2010/main" xmlns:m="http://schemas.openxmlformats.org/officeDocument/2006/math" xmlns="" val="1"/>
+              <ma14:wrappingTextBoxFlag xmlns:ma14="http://schemas.microsoft.com/office/mac/drawingml/2011/main" val="1"/>
             </a:ext>
           </a:extLst>
         </p:spPr>
@@ -3241,6 +3225,7 @@
           </a:bodyPr>
           <a:lstStyle/>
           <a:p>
+            <a:pPr/>
             <a:r>
               <a:t>Kemel Alex Callisaya</a:t>
             </a:r>
@@ -3255,7 +3240,7 @@
         </p:nvSpPr>
         <p:spPr>
           <a:xfrm>
-            <a:off x="16347126" y="12280384"/>
+            <a:off x="16347126" y="12280383"/>
             <a:ext cx="4679293" cy="825501"/>
           </a:xfrm>
           <a:prstGeom prst="rect">
@@ -3266,7 +3251,7 @@
           </a:ln>
           <a:extLst>
             <a:ext uri="{C572A759-6A51-4108-AA02-DFA0A04FC94B}">
-              <ma14:wrappingTextBoxFlag xmlns:ma14="http://schemas.microsoft.com/office/mac/drawingml/2011/main" xmlns:a14="http://schemas.microsoft.com/office/drawing/2010/main" xmlns:m="http://schemas.openxmlformats.org/officeDocument/2006/math" xmlns="" val="1"/>
+              <ma14:wrappingTextBoxFlag xmlns:ma14="http://schemas.microsoft.com/office/mac/drawingml/2011/main" val="1"/>
             </a:ext>
           </a:extLst>
         </p:spPr>
@@ -3276,6 +3261,7 @@
           </a:bodyPr>
           <a:lstStyle/>
           <a:p>
+            <a:pPr/>
             <a:r>
               <a:t>Christoph Scherer</a:t>
             </a:r>
@@ -3301,7 +3287,7 @@
         <p:spPr>
           <a:xfrm>
             <a:off x="4032336" y="7189661"/>
-            <a:ext cx="3335858" cy="5025763"/>
+            <a:ext cx="3335859" cy="5025764"/>
           </a:xfrm>
           <a:prstGeom prst="rect">
             <a:avLst/>
@@ -3330,8 +3316,8 @@
         </p:blipFill>
         <p:spPr>
           <a:xfrm>
-            <a:off x="17015928" y="7189661"/>
-            <a:ext cx="3341769" cy="5025763"/>
+            <a:off x="17015927" y="7189661"/>
+            <a:ext cx="3341770" cy="5025764"/>
           </a:xfrm>
           <a:prstGeom prst="rect">
             <a:avLst/>
@@ -3353,15 +3339,15 @@
           <a:blip r:embed="rId4">
             <a:extLst/>
           </a:blip>
-          <a:srcRect l="14491" r="14491"/>
+          <a:srcRect l="14490" t="0" r="14490" b="0"/>
           <a:stretch>
             <a:fillRect/>
           </a:stretch>
         </p:blipFill>
         <p:spPr>
           <a:xfrm>
-            <a:off x="10523537" y="7189661"/>
-            <a:ext cx="3337113" cy="5025763"/>
+            <a:off x="10523536" y="7189661"/>
+            <a:ext cx="3337114" cy="5025764"/>
           </a:xfrm>
           <a:prstGeom prst="rect">
             <a:avLst/>
@@ -3376,12 +3362,12 @@
   <p:clrMapOvr>
     <a:masterClrMapping/>
   </p:clrMapOvr>
-  <p:transition spd="med"/>
+  <p:transition xmlns:p14="http://schemas.microsoft.com/office/powerpoint/2010/main" spd="med" advClick="1"/>
 </p:sld>
 </file>
 
 <file path=ppt/slides/slide2.xml><?xml version="1.0" encoding="utf-8"?>
-<p:sld xmlns:a="http://schemas.openxmlformats.org/drawingml/2006/main" xmlns:r="http://schemas.openxmlformats.org/officeDocument/2006/relationships" xmlns:p="http://schemas.openxmlformats.org/presentationml/2006/main">
+<p:sld xmlns:a="http://schemas.openxmlformats.org/drawingml/2006/main" xmlns:r="http://schemas.openxmlformats.org/officeDocument/2006/relationships" xmlns:p="http://schemas.openxmlformats.org/presentationml/2006/main" xmlns:m="http://schemas.openxmlformats.org/officeDocument/2006/math" xmlns:a14="http://schemas.microsoft.com/office/drawing/2010/main" showMasterSp="1" showMasterPhAnim="1">
   <p:cSld>
     <p:spTree>
       <p:nvGrpSpPr>
@@ -3400,9 +3386,7 @@
       <p:sp>
         <p:nvSpPr>
           <p:cNvPr id="130" name="Klassendiagramm"/>
-          <p:cNvSpPr txBox="1">
-            <a:spLocks noGrp="1"/>
-          </p:cNvSpPr>
+          <p:cNvSpPr txBox="1"/>
           <p:nvPr>
             <p:ph type="title"/>
           </p:nvPr>
@@ -3410,7 +3394,7 @@
         <p:spPr>
           <a:xfrm>
             <a:off x="666750" y="-250153"/>
-            <a:ext cx="23050500" cy="3429000"/>
+            <a:ext cx="23050500" cy="3429001"/>
           </a:xfrm>
           <a:prstGeom prst="rect">
             <a:avLst/>
@@ -3420,35 +3404,24 @@
           <a:bodyPr/>
           <a:lstStyle/>
           <a:p>
-            <a:r>
-              <a:rPr dirty="0" err="1"/>
+            <a:pPr/>
+            <a:r>
               <a:t>Klassendiagramm</a:t>
             </a:r>
-            <a:endParaRPr dirty="0"/>
           </a:p>
         </p:txBody>
       </p:sp>
       <p:pic>
         <p:nvPicPr>
-          <p:cNvPr id="3" name="Picture 2">
-            <a:extLst>
-              <a:ext uri="{FF2B5EF4-FFF2-40B4-BE49-F238E27FC236}">
-                <a16:creationId xmlns:a16="http://schemas.microsoft.com/office/drawing/2014/main" id="{D8A1EC5C-28CB-45AC-9AF4-C6C8173AC01C}"/>
-              </a:ext>
-            </a:extLst>
-          </p:cNvPr>
+          <p:cNvPr id="131" name="classes.png" descr="classes.png"/>
           <p:cNvPicPr>
             <a:picLocks noChangeAspect="1"/>
           </p:cNvPicPr>
           <p:nvPr/>
         </p:nvPicPr>
         <p:blipFill>
-          <a:blip r:embed="rId2" cstate="print">
-            <a:extLst>
-              <a:ext uri="{28A0092B-C50C-407E-A947-70E740481C1C}">
-                <a14:useLocalDpi xmlns:a14="http://schemas.microsoft.com/office/drawing/2010/main" val="0"/>
-              </a:ext>
-            </a:extLst>
+          <a:blip r:embed="rId2">
+            <a:extLst/>
           </a:blip>
           <a:stretch>
             <a:fillRect/>
@@ -3456,12 +3429,15 @@
         </p:blipFill>
         <p:spPr>
           <a:xfrm>
-            <a:off x="4296937" y="2262992"/>
-            <a:ext cx="15790126" cy="11160863"/>
+            <a:off x="5543962" y="2596372"/>
+            <a:ext cx="13296076" cy="10471269"/>
           </a:xfrm>
           <a:prstGeom prst="rect">
             <a:avLst/>
           </a:prstGeom>
+          <a:ln w="12700">
+            <a:miter lim="400000"/>
+          </a:ln>
         </p:spPr>
       </p:pic>
     </p:spTree>
@@ -3469,12 +3445,12 @@
   <p:clrMapOvr>
     <a:masterClrMapping/>
   </p:clrMapOvr>
-  <p:transition spd="med"/>
+  <p:transition xmlns:p14="http://schemas.microsoft.com/office/powerpoint/2010/main" spd="med" advClick="1"/>
 </p:sld>
 </file>
 
 <file path=ppt/slides/slide3.xml><?xml version="1.0" encoding="utf-8"?>
-<p:sld xmlns:a="http://schemas.openxmlformats.org/drawingml/2006/main" xmlns:r="http://schemas.openxmlformats.org/officeDocument/2006/relationships" xmlns:p="http://schemas.openxmlformats.org/presentationml/2006/main">
+<p:sld xmlns:a="http://schemas.openxmlformats.org/drawingml/2006/main" xmlns:r="http://schemas.openxmlformats.org/officeDocument/2006/relationships" xmlns:p="http://schemas.openxmlformats.org/presentationml/2006/main" xmlns:m="http://schemas.openxmlformats.org/officeDocument/2006/math" xmlns:a14="http://schemas.microsoft.com/office/drawing/2010/main" showMasterSp="1" showMasterPhAnim="1">
   <p:cSld>
     <p:spTree>
       <p:nvGrpSpPr>
@@ -3492,10 +3468,8 @@
       </p:grpSpPr>
       <p:sp>
         <p:nvSpPr>
-          <p:cNvPr id="132" name="Benchmarks"/>
-          <p:cNvSpPr txBox="1">
-            <a:spLocks noGrp="1"/>
-          </p:cNvSpPr>
+          <p:cNvPr id="133" name="Benchmarks"/>
+          <p:cNvSpPr txBox="1"/>
           <p:nvPr>
             <p:ph type="title"/>
           </p:nvPr>
@@ -3509,28 +3483,26 @@
           <a:bodyPr/>
           <a:lstStyle/>
           <a:p>
-            <a:r>
-              <a:rPr dirty="0"/>
+            <a:pPr/>
+            <a:r>
               <a:t>Benchmarks</a:t>
             </a:r>
             <a:r>
-              <a:rPr lang="de-CH" dirty="0"/>
               <a:t> (Zuggenerator)</a:t>
             </a:r>
-            <a:endParaRPr dirty="0"/>
           </a:p>
         </p:txBody>
       </p:sp>
       <p:sp>
         <p:nvSpPr>
-          <p:cNvPr id="133" name="Rechnerkonfiguration:"/>
+          <p:cNvPr id="134" name="Rechnerkonfiguration:"/>
           <p:cNvSpPr txBox="1"/>
           <p:nvPr/>
         </p:nvSpPr>
         <p:spPr>
           <a:xfrm>
-            <a:off x="1980070" y="3334422"/>
-            <a:ext cx="20423861" cy="872034"/>
+            <a:off x="3562815" y="3357689"/>
+            <a:ext cx="17258371" cy="825501"/>
           </a:xfrm>
           <a:prstGeom prst="rect">
             <a:avLst/>
@@ -3540,7 +3512,7 @@
           </a:ln>
           <a:extLst>
             <a:ext uri="{C572A759-6A51-4108-AA02-DFA0A04FC94B}">
-              <ma14:wrappingTextBoxFlag xmlns:ma14="http://schemas.microsoft.com/office/mac/drawingml/2011/main" xmlns:a14="http://schemas.microsoft.com/office/drawing/2010/main" xmlns:m="http://schemas.openxmlformats.org/officeDocument/2006/math" xmlns="" val="1"/>
+              <ma14:wrappingTextBoxFlag xmlns:ma14="http://schemas.microsoft.com/office/mac/drawingml/2011/main" val="1"/>
             </a:ext>
           </a:extLst>
         </p:spPr>
@@ -3550,78 +3522,39 @@
           </a:bodyPr>
           <a:lstStyle/>
           <a:p>
-            <a:r>
-              <a:rPr dirty="0" err="1"/>
-              <a:t>Rechnerkonfiguration</a:t>
-            </a:r>
-            <a:r>
-              <a:rPr dirty="0"/>
-              <a:t>: </a:t>
-            </a:r>
-            <a:r>
-              <a:rPr lang="de-CH" dirty="0"/>
-              <a:t>Intel(R) Core(TM) i7-6650U CPU @ 2.20GHz   2.21 GHz</a:t>
-            </a:r>
-            <a:r>
-              <a:rPr dirty="0"/>
-              <a:t> </a:t>
+            <a:pPr/>
+            <a:r>
+              <a:t>Rechnerkonfiguration: </a:t>
+            </a:r>
+            <a:r>
+              <a:t>Intel(R) Core(TM) i7-6650U CPU @ 2.20GHz</a:t>
             </a:r>
           </a:p>
         </p:txBody>
       </p:sp>
       <p:graphicFrame>
         <p:nvGraphicFramePr>
-          <p:cNvPr id="134" name="Tabelle"/>
+          <p:cNvPr id="135" name="Tabelle"/>
           <p:cNvGraphicFramePr/>
-          <p:nvPr>
-            <p:extLst>
-              <p:ext uri="{D42A27DB-BD31-4B8C-83A1-F6EECF244321}">
-                <p14:modId xmlns:p14="http://schemas.microsoft.com/office/powerpoint/2010/main" val="1853025810"/>
-              </p:ext>
-            </p:extLst>
-          </p:nvPr>
+          <p:nvPr/>
         </p:nvGraphicFramePr>
         <p:xfrm>
-          <a:off x="673100" y="5020849"/>
-          <a:ext cx="23037799" cy="11179300"/>
+          <a:off x="673100" y="5020848"/>
+          <a:ext cx="22760039" cy="8257016"/>
         </p:xfrm>
-        <a:graphic>
+        <a:graphic xmlns:a="http://schemas.openxmlformats.org/drawingml/2006/main">
           <a:graphicData uri="http://schemas.openxmlformats.org/drawingml/2006/table">
             <a:tbl>
-              <a:tblPr bandRow="1">
-                <a:tableStyleId>{CF821DB8-F4EB-4A41-A1BA-3FCAFE7338EE}</a:tableStyleId>
+              <a:tblPr firstCol="0" firstRow="0" lastCol="0" lastRow="0" bandCol="0" bandRow="1" rtl="0">
+                <a:tableStyleId>{4C3C2611-4C71-4FC5-86AE-919BDF0F9419}</a:tableStyleId>
               </a:tblPr>
               <a:tblGrid>
-                <a:gridCol w="7757778">
-                  <a:extLst>
-                    <a:ext uri="{9D8B030D-6E8A-4147-A177-3AD203B41FA5}">
-                      <a16:colId xmlns:a16="http://schemas.microsoft.com/office/drawing/2014/main" val="20000"/>
-                    </a:ext>
-                  </a:extLst>
-                </a:gridCol>
-                <a:gridCol w="7013960">
-                  <a:extLst>
-                    <a:ext uri="{9D8B030D-6E8A-4147-A177-3AD203B41FA5}">
-                      <a16:colId xmlns:a16="http://schemas.microsoft.com/office/drawing/2014/main" val="20001"/>
-                    </a:ext>
-                  </a:extLst>
-                </a:gridCol>
-                <a:gridCol w="3534538">
-                  <a:extLst>
-                    <a:ext uri="{9D8B030D-6E8A-4147-A177-3AD203B41FA5}">
-                      <a16:colId xmlns:a16="http://schemas.microsoft.com/office/drawing/2014/main" val="20002"/>
-                    </a:ext>
-                  </a:extLst>
-                </a:gridCol>
-                <a:gridCol w="4731523">
-                  <a:extLst>
-                    <a:ext uri="{9D8B030D-6E8A-4147-A177-3AD203B41FA5}">
-                      <a16:colId xmlns:a16="http://schemas.microsoft.com/office/drawing/2014/main" val="20003"/>
-                    </a:ext>
-                  </a:extLst>
-                </a:gridCol>
+                <a:gridCol w="7659967"/>
+                <a:gridCol w="6925528"/>
+                <a:gridCol w="3489974"/>
+                <a:gridCol w="4671868"/>
               </a:tblGrid>
-              <a:tr h="1627250">
+              <a:tr h="1074500">
                 <a:tc>
                   <a:txBody>
                     <a:bodyPr/>
@@ -3635,7 +3568,7 @@
                         </a:defRPr>
                       </a:pPr>
                       <a:r>
-                        <a:rPr sz="5000">
+                        <a:rPr sz="3800">
                           <a:solidFill>
                             <a:srgbClr val="5A5F5E"/>
                           </a:solidFill>
@@ -3644,16 +3577,13 @@
                       </a:r>
                     </a:p>
                   </a:txBody>
-                  <a:tcPr marL="50800" marR="50800" marT="50800" marB="50800" anchor="ctr" horzOverflow="overflow">
+                  <a:tcPr marL="50800" marR="50800" marT="50800" marB="50800" anchor="ctr" anchorCtr="0" horzOverflow="overflow">
                     <a:lnL w="12700">
                       <a:solidFill>
                         <a:srgbClr val="B4B4B4"/>
                       </a:solidFill>
                       <a:miter lim="400000"/>
                     </a:lnL>
-                    <a:lnR w="0">
-                      <a:miter lim="400000"/>
-                    </a:lnR>
                     <a:lnT w="12700">
                       <a:solidFill>
                         <a:srgbClr val="B4B4B4"/>
@@ -3675,59 +3605,16 @@
                         </a:defRPr>
                       </a:pPr>
                       <a:r>
-                        <a:rPr sz="5000" dirty="0" err="1">
+                        <a:rPr sz="3800">
                           <a:solidFill>
                             <a:srgbClr val="5A5F5E"/>
                           </a:solidFill>
                         </a:rPr>
-                        <a:t>Gemittelte</a:t>
+                        <a:t>Gemittelte benötigte Zeit des Zuggenerators</a:t>
                       </a:r>
-                      <a:r>
-                        <a:rPr sz="5000" dirty="0">
-                          <a:solidFill>
-                            <a:srgbClr val="5A5F5E"/>
-                          </a:solidFill>
-                        </a:rPr>
-                        <a:t> </a:t>
-                      </a:r>
-                      <a:r>
-                        <a:rPr sz="5000" dirty="0" err="1">
-                          <a:solidFill>
-                            <a:srgbClr val="5A5F5E"/>
-                          </a:solidFill>
-                        </a:rPr>
-                        <a:t>benötigte</a:t>
-                      </a:r>
-                      <a:r>
-                        <a:rPr sz="5000" dirty="0">
-                          <a:solidFill>
-                            <a:srgbClr val="5A5F5E"/>
-                          </a:solidFill>
-                        </a:rPr>
-                        <a:t> Zeit des </a:t>
-                      </a:r>
-                      <a:r>
-                        <a:rPr sz="5000" dirty="0" err="1">
-                          <a:solidFill>
-                            <a:srgbClr val="5A5F5E"/>
-                          </a:solidFill>
-                        </a:rPr>
-                        <a:t>Zuggenerators</a:t>
-                      </a:r>
-                      <a:endParaRPr sz="5000" dirty="0">
-                        <a:solidFill>
-                          <a:srgbClr val="5A5F5E"/>
-                        </a:solidFill>
-                      </a:endParaRPr>
                     </a:p>
                   </a:txBody>
-                  <a:tcPr marL="50800" marR="50800" marT="50800" marB="50800" anchor="ctr" horzOverflow="overflow">
-                    <a:lnL w="0">
-                      <a:miter lim="400000"/>
-                    </a:lnL>
-                    <a:lnR w="0">
-                      <a:miter lim="400000"/>
-                    </a:lnR>
+                  <a:tcPr marL="50800" marR="50800" marT="50800" marB="50800" anchor="ctr" anchorCtr="0" horzOverflow="overflow">
                     <a:lnT w="12700">
                       <a:solidFill>
                         <a:srgbClr val="B4B4B4"/>
@@ -3749,7 +3636,7 @@
                         </a:defRPr>
                       </a:pPr>
                       <a:r>
-                        <a:rPr sz="5000">
+                        <a:rPr sz="3800">
                           <a:solidFill>
                             <a:srgbClr val="5A5F5E"/>
                           </a:solidFill>
@@ -3758,13 +3645,7 @@
                       </a:r>
                     </a:p>
                   </a:txBody>
-                  <a:tcPr marL="50800" marR="50800" marT="50800" marB="50800" anchor="ctr" horzOverflow="overflow">
-                    <a:lnL w="0">
-                      <a:miter lim="400000"/>
-                    </a:lnL>
-                    <a:lnR w="0">
-                      <a:miter lim="400000"/>
-                    </a:lnR>
+                  <a:tcPr marL="50800" marR="50800" marT="50800" marB="50800" anchor="ctr" anchorCtr="0" horzOverflow="overflow">
                     <a:lnT w="12700">
                       <a:solidFill>
                         <a:srgbClr val="B4B4B4"/>
@@ -3786,7 +3667,7 @@
                         </a:defRPr>
                       </a:pPr>
                       <a:r>
-                        <a:rPr sz="5000">
+                        <a:rPr sz="3800">
                           <a:solidFill>
                             <a:srgbClr val="5A5F5E"/>
                           </a:solidFill>
@@ -3795,10 +3676,7 @@
                       </a:r>
                     </a:p>
                   </a:txBody>
-                  <a:tcPr marL="50800" marR="50800" marT="50800" marB="50800" anchor="ctr" horzOverflow="overflow">
-                    <a:lnL w="0">
-                      <a:miter lim="400000"/>
-                    </a:lnL>
+                  <a:tcPr marL="50800" marR="50800" marT="50800" marB="50800" anchor="ctr" anchorCtr="0" horzOverflow="overflow">
                     <a:lnR w="12700">
                       <a:solidFill>
                         <a:srgbClr val="B4B4B4"/>
@@ -3813,61 +3691,37 @@
                     </a:lnT>
                   </a:tcPr>
                 </a:tc>
-                <a:extLst>
-                  <a:ext uri="{0D108BD9-81ED-4DB2-BD59-A6C34878D82A}">
-                    <a16:rowId xmlns:a16="http://schemas.microsoft.com/office/drawing/2014/main" val="10000"/>
-                  </a:ext>
-                </a:extLst>
               </a:tr>
-              <a:tr h="1627250">
+              <a:tr h="2037465">
                 <a:tc>
                   <a:txBody>
                     <a:bodyPr/>
                     <a:lstStyle/>
                     <a:p>
-                      <a:pPr marL="0" marR="0" lvl="0" indent="0" algn="ctr" defTabSz="825500" eaLnBrk="1" fontAlgn="auto" latinLnBrk="0" hangingPunct="1">
-                        <a:lnSpc>
-                          <a:spcPct val="100000"/>
-                        </a:lnSpc>
-                        <a:spcBef>
-                          <a:spcPts val="0"/>
-                        </a:spcBef>
-                        <a:spcAft>
-                          <a:spcPts val="0"/>
-                        </a:spcAft>
-                        <a:buClrTx/>
-                        <a:buSzTx/>
-                        <a:buFontTx/>
-                        <a:buNone/>
-                        <a:tabLst/>
-                        <a:defRPr sz="5000"/>
+                      <a:pPr>
+                        <a:defRPr sz="1800">
+                          <a:solidFill>
+                            <a:srgbClr val="000000"/>
+                          </a:solidFill>
+                        </a:defRPr>
                       </a:pPr>
                       <a:r>
-                        <a:rPr lang="de-DE" sz="5000" b="0" i="0" u="none" strike="noStrike" cap="none" spc="0" baseline="0" dirty="0">
+                        <a:rPr sz="3800">
                           <a:solidFill>
                             <a:srgbClr val="5A5F5E"/>
                           </a:solidFill>
-                          <a:effectLst/>
-                          <a:uFillTx/>
-                          <a:latin typeface="+mn-lt"/>
-                          <a:ea typeface="+mn-ea"/>
-                          <a:cs typeface="+mn-cs"/>
-                          <a:sym typeface="Gill Sans Light"/>
                         </a:rPr>
                         <a:t>rnb1kbnr/p4ppp/1p1pp3/2p3q1/3P4/NQP1PNPB/PP3P1P/R1B1K2R w</a:t>
                       </a:r>
                     </a:p>
                   </a:txBody>
-                  <a:tcPr marL="50800" marR="50800" marT="50800" marB="50800" anchor="ctr" horzOverflow="overflow">
+                  <a:tcPr marL="50800" marR="50800" marT="50800" marB="50800" anchor="ctr" anchorCtr="0" horzOverflow="overflow">
                     <a:lnL w="12700">
                       <a:solidFill>
                         <a:srgbClr val="B4B4B4"/>
                       </a:solidFill>
                       <a:miter lim="400000"/>
                     </a:lnL>
-                    <a:lnR w="0">
-                      <a:miter lim="400000"/>
-                    </a:lnR>
                   </a:tcPr>
                 </a:tc>
                 <a:tc>
@@ -3876,98 +3730,62 @@
                     <a:lstStyle/>
                     <a:p>
                       <a:pPr>
-                        <a:defRPr sz="5000"/>
+                        <a:defRPr sz="1800">
+                          <a:solidFill>
+                            <a:srgbClr val="000000"/>
+                          </a:solidFill>
+                        </a:defRPr>
                       </a:pPr>
                       <a:r>
-                        <a:rPr lang="de-DE" dirty="0"/>
-                        <a:t>0.009831369161605834s</a:t>
+                        <a:rPr sz="3800">
+                          <a:solidFill>
+                            <a:srgbClr val="5A5F5E"/>
+                          </a:solidFill>
+                        </a:rPr>
+                        <a:t>~9.831 * 10^-3 s</a:t>
                       </a:r>
                     </a:p>
                   </a:txBody>
-                  <a:tcPr marL="50800" marR="50800" marT="50800" marB="50800" anchor="ctr" horzOverflow="overflow">
-                    <a:lnL w="0">
-                      <a:miter lim="400000"/>
-                    </a:lnL>
-                    <a:lnR w="0">
-                      <a:miter lim="400000"/>
-                    </a:lnR>
-                  </a:tcPr>
+                  <a:tcPr marL="50800" marR="50800" marT="50800" marB="50800" anchor="ctr" anchorCtr="0" horzOverflow="overflow"/>
                 </a:tc>
                 <a:tc>
                   <a:txBody>
                     <a:bodyPr/>
                     <a:lstStyle/>
                     <a:p>
-                      <a:pPr marL="0" marR="0" lvl="0" indent="0" algn="ctr" defTabSz="825500" eaLnBrk="1" fontAlgn="auto" latinLnBrk="0" hangingPunct="1">
-                        <a:lnSpc>
-                          <a:spcPct val="100000"/>
-                        </a:lnSpc>
-                        <a:spcBef>
-                          <a:spcPts val="0"/>
-                        </a:spcBef>
-                        <a:spcAft>
-                          <a:spcPts val="0"/>
-                        </a:spcAft>
-                        <a:buClrTx/>
-                        <a:buSzTx/>
-                        <a:buFontTx/>
-                        <a:buNone/>
-                        <a:tabLst/>
-                        <a:defRPr sz="5000"/>
+                      <a:pPr>
+                        <a:defRPr sz="1800">
+                          <a:solidFill>
+                            <a:srgbClr val="000000"/>
+                          </a:solidFill>
+                        </a:defRPr>
                       </a:pPr>
                       <a:r>
-                        <a:rPr lang="de-DE" dirty="0"/>
+                        <a:rPr sz="3800">
+                          <a:solidFill>
+                            <a:srgbClr val="5A5F5E"/>
+                          </a:solidFill>
+                        </a:rPr>
                         <a:t>39</a:t>
                       </a:r>
                     </a:p>
                   </a:txBody>
-                  <a:tcPr marL="50800" marR="50800" marT="50800" marB="50800" anchor="ctr" horzOverflow="overflow">
-                    <a:lnL w="0">
-                      <a:miter lim="400000"/>
-                    </a:lnL>
-                    <a:lnR w="0">
-                      <a:miter lim="400000"/>
-                    </a:lnR>
-                  </a:tcPr>
+                  <a:tcPr marL="50800" marR="50800" marT="50800" marB="50800" anchor="ctr" anchorCtr="0" horzOverflow="overflow"/>
                 </a:tc>
                 <a:tc>
                   <a:txBody>
                     <a:bodyPr/>
                     <a:lstStyle/>
                     <a:p>
-                      <a:pPr marL="0" marR="0" lvl="0" indent="0" algn="ctr" defTabSz="825500" eaLnBrk="1" fontAlgn="auto" latinLnBrk="0" hangingPunct="1">
-                        <a:lnSpc>
-                          <a:spcPct val="100000"/>
-                        </a:lnSpc>
-                        <a:spcBef>
-                          <a:spcPts val="0"/>
-                        </a:spcBef>
-                        <a:spcAft>
-                          <a:spcPts val="0"/>
-                        </a:spcAft>
-                        <a:buClrTx/>
-                        <a:buSzTx/>
-                        <a:buFontTx/>
-                        <a:buNone/>
-                        <a:tabLst/>
-                        <a:defRPr sz="5000"/>
+                      <a:pPr>
+                        <a:defRPr sz="3800"/>
                       </a:pPr>
                       <a:r>
-                        <a:rPr lang="de-DE" dirty="0"/>
-                        <a:t>0.00025208638875912396s</a:t>
+                        <a:t>~2.5208 * 10^-4 s</a:t>
                       </a:r>
                     </a:p>
-                    <a:p>
-                      <a:pPr>
-                        <a:defRPr sz="5000"/>
-                      </a:pPr>
-                      <a:endParaRPr dirty="0"/>
-                    </a:p>
                   </a:txBody>
-                  <a:tcPr marL="50800" marR="50800" marT="50800" marB="50800" anchor="ctr" horzOverflow="overflow">
-                    <a:lnL w="0">
-                      <a:miter lim="400000"/>
-                    </a:lnL>
+                  <a:tcPr marL="50800" marR="50800" marT="50800" marB="50800" anchor="ctr" anchorCtr="0" horzOverflow="overflow">
                     <a:lnR w="12700">
                       <a:solidFill>
                         <a:srgbClr val="B4B4B4"/>
@@ -3976,61 +3794,37 @@
                     </a:lnR>
                   </a:tcPr>
                 </a:tc>
-                <a:extLst>
-                  <a:ext uri="{0D108BD9-81ED-4DB2-BD59-A6C34878D82A}">
-                    <a16:rowId xmlns:a16="http://schemas.microsoft.com/office/drawing/2014/main" val="10001"/>
-                  </a:ext>
-                </a:extLst>
               </a:tr>
-              <a:tr h="1627250">
+              <a:tr h="1547442">
                 <a:tc>
                   <a:txBody>
                     <a:bodyPr/>
                     <a:lstStyle/>
                     <a:p>
-                      <a:pPr marL="0" marR="0" lvl="0" indent="0" algn="ctr" defTabSz="825500" eaLnBrk="1" fontAlgn="auto" latinLnBrk="0" hangingPunct="1">
-                        <a:lnSpc>
-                          <a:spcPct val="100000"/>
-                        </a:lnSpc>
-                        <a:spcBef>
-                          <a:spcPts val="0"/>
-                        </a:spcBef>
-                        <a:spcAft>
-                          <a:spcPts val="0"/>
-                        </a:spcAft>
-                        <a:buClrTx/>
-                        <a:buSzTx/>
-                        <a:buFontTx/>
-                        <a:buNone/>
-                        <a:tabLst/>
-                        <a:defRPr sz="5000"/>
+                      <a:pPr>
+                        <a:defRPr sz="1800">
+                          <a:solidFill>
+                            <a:srgbClr val="000000"/>
+                          </a:solidFill>
+                        </a:defRPr>
                       </a:pPr>
                       <a:r>
-                        <a:rPr lang="de-DE" sz="5000" b="0" i="0" u="none" strike="noStrike" cap="none" spc="0" baseline="0" dirty="0">
+                        <a:rPr sz="3800">
                           <a:solidFill>
                             <a:srgbClr val="5A5F5E"/>
                           </a:solidFill>
-                          <a:effectLst/>
-                          <a:uFillTx/>
-                          <a:latin typeface="+mn-lt"/>
-                          <a:ea typeface="+mn-ea"/>
-                          <a:cs typeface="+mn-cs"/>
-                          <a:sym typeface="Gill Sans Light"/>
                         </a:rPr>
                         <a:t>r1b1kbnr/pN2pp1p/2P5/1p4qp/3P3P/2P5/PP3PP1/R1B1K1NR w</a:t>
                       </a:r>
                     </a:p>
                   </a:txBody>
-                  <a:tcPr marL="50800" marR="50800" marT="50800" marB="50800" anchor="ctr" horzOverflow="overflow">
+                  <a:tcPr marL="50800" marR="50800" marT="50800" marB="50800" anchor="ctr" anchorCtr="0" horzOverflow="overflow">
                     <a:lnL w="12700">
                       <a:solidFill>
                         <a:srgbClr val="B4B4B4"/>
                       </a:solidFill>
                       <a:miter lim="400000"/>
                     </a:lnL>
-                    <a:lnR w="0">
-                      <a:miter lim="400000"/>
-                    </a:lnR>
                   </a:tcPr>
                 </a:tc>
                 <a:tc>
@@ -4039,22 +3833,110 @@
                     <a:lstStyle/>
                     <a:p>
                       <a:pPr>
-                        <a:defRPr sz="5000"/>
+                        <a:defRPr sz="1800">
+                          <a:solidFill>
+                            <a:srgbClr val="000000"/>
+                          </a:solidFill>
+                        </a:defRPr>
                       </a:pPr>
                       <a:r>
-                        <a:rPr lang="de-DE" dirty="0"/>
-                        <a:t>0.0078041660785675045s</a:t>
+                        <a:rPr sz="3800">
+                          <a:solidFill>
+                            <a:srgbClr val="5A5F5E"/>
+                          </a:solidFill>
+                        </a:rPr>
+                        <a:t>~7.804 * 10^-3 s</a:t>
                       </a:r>
-                      <a:endParaRPr dirty="0"/>
                     </a:p>
                   </a:txBody>
-                  <a:tcPr marL="50800" marR="50800" marT="50800" marB="50800" anchor="ctr" horzOverflow="overflow">
-                    <a:lnL w="0">
+                  <a:tcPr marL="50800" marR="50800" marT="50800" marB="50800" anchor="ctr" anchorCtr="0" horzOverflow="overflow"/>
+                </a:tc>
+                <a:tc>
+                  <a:txBody>
+                    <a:bodyPr/>
+                    <a:lstStyle/>
+                    <a:p>
+                      <a:pPr>
+                        <a:defRPr sz="1800">
+                          <a:solidFill>
+                            <a:srgbClr val="000000"/>
+                          </a:solidFill>
+                        </a:defRPr>
+                      </a:pPr>
+                      <a:r>
+                        <a:rPr sz="3800">
+                          <a:solidFill>
+                            <a:srgbClr val="5A5F5E"/>
+                          </a:solidFill>
+                        </a:rPr>
+                        <a:t>28</a:t>
+                      </a:r>
+                    </a:p>
+                  </a:txBody>
+                  <a:tcPr marL="50800" marR="50800" marT="50800" marB="50800" anchor="ctr" anchorCtr="0" horzOverflow="overflow"/>
+                </a:tc>
+                <a:tc>
+                  <a:txBody>
+                    <a:bodyPr/>
+                    <a:lstStyle/>
+                    <a:p>
+                      <a:pPr>
+                        <a:defRPr sz="1800">
+                          <a:solidFill>
+                            <a:srgbClr val="000000"/>
+                          </a:solidFill>
+                        </a:defRPr>
+                      </a:pPr>
+                      <a:r>
+                        <a:rPr sz="3800">
+                          <a:solidFill>
+                            <a:srgbClr val="5A5F5E"/>
+                          </a:solidFill>
+                        </a:rPr>
+                        <a:t>~2.7872 * 10^-4 s</a:t>
+                      </a:r>
+                    </a:p>
+                  </a:txBody>
+                  <a:tcPr marL="50800" marR="50800" marT="50800" marB="50800" anchor="ctr" anchorCtr="0" horzOverflow="overflow">
+                    <a:lnR w="12700">
+                      <a:solidFill>
+                        <a:srgbClr val="B4B4B4"/>
+                      </a:solidFill>
+                      <a:miter lim="400000"/>
+                    </a:lnR>
+                  </a:tcPr>
+                </a:tc>
+              </a:tr>
+              <a:tr h="1547442">
+                <a:tc>
+                  <a:txBody>
+                    <a:bodyPr/>
+                    <a:lstStyle/>
+                    <a:p>
+                      <a:pPr>
+                        <a:defRPr sz="1800">
+                          <a:solidFill>
+                            <a:srgbClr val="000000"/>
+                          </a:solidFill>
+                        </a:defRPr>
+                      </a:pPr>
+                      <a:r>
+                        <a:rPr sz="3800">
+                          <a:solidFill>
+                            <a:srgbClr val="5A5F5E"/>
+                          </a:solidFill>
+                        </a:rPr>
+                        <a:t>3q3r/1pp2pb1/3pkn2/1B6/3P4/4PN1P/5K1P/7R b</a:t>
+                      </a:r>
+                    </a:p>
+                  </a:txBody>
+                  <a:tcPr marL="50800" marR="50800" marT="50800" marB="50800" anchor="ctr" anchorCtr="0" horzOverflow="overflow">
+                    <a:lnL w="12700">
+                      <a:solidFill>
+                        <a:srgbClr val="B4B4B4"/>
+                      </a:solidFill>
                       <a:miter lim="400000"/>
                     </a:lnL>
-                    <a:lnR w="0">
-                      <a:miter lim="400000"/>
-                    </a:lnR>
                   </a:tcPr>
                 </a:tc>
                 <a:tc>
@@ -4063,56 +3945,71 @@
                     <a:lstStyle/>
                     <a:p>
                       <a:pPr>
-                        <a:defRPr sz="5000"/>
+                        <a:defRPr sz="1800">
+                          <a:solidFill>
+                            <a:srgbClr val="000000"/>
+                          </a:solidFill>
+                        </a:defRPr>
                       </a:pPr>
                       <a:r>
-                        <a:rPr lang="de-DE" dirty="0"/>
-                        <a:t>28</a:t>
+                        <a:rPr sz="3800">
+                          <a:solidFill>
+                            <a:srgbClr val="5A5F5E"/>
+                          </a:solidFill>
+                        </a:rPr>
+                        <a:t>~6.782 * 10^-3 s</a:t>
                       </a:r>
-                      <a:endParaRPr dirty="0"/>
                     </a:p>
                   </a:txBody>
-                  <a:tcPr marL="50800" marR="50800" marT="50800" marB="50800" anchor="ctr" horzOverflow="overflow">
-                    <a:lnL w="0">
-                      <a:miter lim="400000"/>
-                    </a:lnL>
-                    <a:lnR w="0">
-                      <a:miter lim="400000"/>
-                    </a:lnR>
-                  </a:tcPr>
+                  <a:tcPr marL="50800" marR="50800" marT="50800" marB="50800" anchor="ctr" anchorCtr="0" horzOverflow="overflow"/>
                 </a:tc>
                 <a:tc>
                   <a:txBody>
                     <a:bodyPr/>
                     <a:lstStyle/>
                     <a:p>
-                      <a:pPr marL="0" marR="0" lvl="0" indent="0" algn="ctr" defTabSz="825500" eaLnBrk="1" fontAlgn="auto" latinLnBrk="0" hangingPunct="1">
-                        <a:lnSpc>
-                          <a:spcPct val="100000"/>
-                        </a:lnSpc>
-                        <a:spcBef>
-                          <a:spcPts val="0"/>
-                        </a:spcBef>
-                        <a:spcAft>
-                          <a:spcPts val="0"/>
-                        </a:spcAft>
-                        <a:buClrTx/>
-                        <a:buSzTx/>
-                        <a:buFontTx/>
-                        <a:buNone/>
-                        <a:tabLst/>
-                        <a:defRPr sz="5000"/>
+                      <a:pPr>
+                        <a:defRPr sz="1800">
+                          <a:solidFill>
+                            <a:srgbClr val="000000"/>
+                          </a:solidFill>
+                        </a:defRPr>
                       </a:pPr>
                       <a:r>
-                        <a:rPr lang="de-DE" dirty="0"/>
-                        <a:t>0.0002787202170916966s</a:t>
+                        <a:rPr sz="3800">
+                          <a:solidFill>
+                            <a:srgbClr val="5A5F5E"/>
+                          </a:solidFill>
+                        </a:rPr>
+                        <a:t>28</a:t>
                       </a:r>
                     </a:p>
                   </a:txBody>
-                  <a:tcPr marL="50800" marR="50800" marT="50800" marB="50800" anchor="ctr" horzOverflow="overflow">
-                    <a:lnL w="0">
-                      <a:miter lim="400000"/>
-                    </a:lnL>
+                  <a:tcPr marL="50800" marR="50800" marT="50800" marB="50800" anchor="ctr" anchorCtr="0" horzOverflow="overflow"/>
+                </a:tc>
+                <a:tc>
+                  <a:txBody>
+                    <a:bodyPr/>
+                    <a:lstStyle/>
+                    <a:p>
+                      <a:pPr>
+                        <a:defRPr sz="1800">
+                          <a:solidFill>
+                            <a:srgbClr val="000000"/>
+                          </a:solidFill>
+                        </a:defRPr>
+                      </a:pPr>
+                      <a:r>
+                        <a:rPr sz="3800">
+                          <a:solidFill>
+                            <a:srgbClr val="5A5F5E"/>
+                          </a:solidFill>
+                        </a:rPr>
+                        <a:t>~2.4223 * 10^-4 s</a:t>
+                      </a:r>
+                    </a:p>
+                  </a:txBody>
+                  <a:tcPr marL="50800" marR="50800" marT="50800" marB="50800" anchor="ctr" anchorCtr="0" horzOverflow="overflow">
                     <a:lnR w="12700">
                       <a:solidFill>
                         <a:srgbClr val="B4B4B4"/>
@@ -4121,239 +4018,28 @@
                     </a:lnR>
                   </a:tcPr>
                 </a:tc>
-                <a:extLst>
-                  <a:ext uri="{0D108BD9-81ED-4DB2-BD59-A6C34878D82A}">
-                    <a16:rowId xmlns:a16="http://schemas.microsoft.com/office/drawing/2014/main" val="10002"/>
-                  </a:ext>
-                </a:extLst>
               </a:tr>
-              <a:tr h="1627250">
+              <a:tr h="2037465">
                 <a:tc>
                   <a:txBody>
                     <a:bodyPr/>
                     <a:lstStyle/>
                     <a:p>
                       <a:pPr>
-                        <a:defRPr sz="5000"/>
+                        <a:defRPr sz="3800"/>
                       </a:pPr>
                       <a:r>
-                        <a:rPr lang="de-CH" sz="5000" b="0" i="0" u="none" strike="noStrike" cap="none" spc="0" baseline="0" dirty="0">
-                          <a:solidFill>
-                            <a:srgbClr val="5A5F5E"/>
-                          </a:solidFill>
-                          <a:effectLst/>
-                          <a:uFillTx/>
-                          <a:latin typeface="+mn-lt"/>
-                          <a:ea typeface="+mn-ea"/>
-                          <a:cs typeface="+mn-cs"/>
-                          <a:sym typeface="Gill Sans Light"/>
-                        </a:rPr>
-                        <a:t>3q3r/1pp2pb1/3pkn2/1B6/3P4/4PN1P/5K1P/7R b</a:t>
+                        <a:t>rnbqkbnr/pp1p1ppp/4p3/1Pp5/8/2N5/P1PPPPPP/R1BQKBNR w</a:t>
                       </a:r>
-                      <a:endParaRPr dirty="0"/>
                     </a:p>
                   </a:txBody>
-                  <a:tcPr marL="50800" marR="50800" marT="50800" marB="50800" anchor="ctr" horzOverflow="overflow">
+                  <a:tcPr marL="50800" marR="50800" marT="50800" marB="50800" anchor="ctr" anchorCtr="0" horzOverflow="overflow">
                     <a:lnL w="12700">
                       <a:solidFill>
                         <a:srgbClr val="B4B4B4"/>
                       </a:solidFill>
                       <a:miter lim="400000"/>
                     </a:lnL>
-                    <a:lnR w="0">
-                      <a:miter lim="400000"/>
-                    </a:lnR>
-                  </a:tcPr>
-                </a:tc>
-                <a:tc>
-                  <a:txBody>
-                    <a:bodyPr/>
-                    <a:lstStyle/>
-                    <a:p>
-                      <a:pPr marL="0" marR="0" lvl="0" indent="0" algn="ctr" defTabSz="825500" eaLnBrk="1" fontAlgn="auto" latinLnBrk="0" hangingPunct="1">
-                        <a:lnSpc>
-                          <a:spcPct val="100000"/>
-                        </a:lnSpc>
-                        <a:spcBef>
-                          <a:spcPts val="0"/>
-                        </a:spcBef>
-                        <a:spcAft>
-                          <a:spcPts val="0"/>
-                        </a:spcAft>
-                        <a:buClrTx/>
-                        <a:buSzTx/>
-                        <a:buFontTx/>
-                        <a:buNone/>
-                        <a:tabLst/>
-                        <a:defRPr sz="5000"/>
-                      </a:pPr>
-                      <a:r>
-                        <a:rPr lang="de-DE" dirty="0"/>
-                        <a:t>0.006782544136047363s</a:t>
-                      </a:r>
-                    </a:p>
-                  </a:txBody>
-                  <a:tcPr marL="50800" marR="50800" marT="50800" marB="50800" anchor="ctr" horzOverflow="overflow">
-                    <a:lnL w="0">
-                      <a:miter lim="400000"/>
-                    </a:lnL>
-                    <a:lnR w="0">
-                      <a:miter lim="400000"/>
-                    </a:lnR>
-                  </a:tcPr>
-                </a:tc>
-                <a:tc>
-                  <a:txBody>
-                    <a:bodyPr/>
-                    <a:lstStyle/>
-                    <a:p>
-                      <a:pPr marL="0" marR="0" lvl="0" indent="0" algn="ctr" defTabSz="825500" eaLnBrk="1" fontAlgn="auto" latinLnBrk="0" hangingPunct="1">
-                        <a:lnSpc>
-                          <a:spcPct val="100000"/>
-                        </a:lnSpc>
-                        <a:spcBef>
-                          <a:spcPts val="0"/>
-                        </a:spcBef>
-                        <a:spcAft>
-                          <a:spcPts val="0"/>
-                        </a:spcAft>
-                        <a:buClrTx/>
-                        <a:buSzTx/>
-                        <a:buFontTx/>
-                        <a:buNone/>
-                        <a:tabLst/>
-                        <a:defRPr sz="5000"/>
-                      </a:pPr>
-                      <a:r>
-                        <a:rPr lang="de-DE" dirty="0"/>
-                        <a:t>28</a:t>
-                      </a:r>
-                    </a:p>
-                  </a:txBody>
-                  <a:tcPr marL="50800" marR="50800" marT="50800" marB="50800" anchor="ctr" horzOverflow="overflow">
-                    <a:lnL w="0">
-                      <a:miter lim="400000"/>
-                    </a:lnL>
-                    <a:lnR w="0">
-                      <a:miter lim="400000"/>
-                    </a:lnR>
-                  </a:tcPr>
-                </a:tc>
-                <a:tc>
-                  <a:txBody>
-                    <a:bodyPr/>
-                    <a:lstStyle/>
-                    <a:p>
-                      <a:pPr marL="0" marR="0" lvl="0" indent="0" algn="ctr" defTabSz="825500" eaLnBrk="1" fontAlgn="auto" latinLnBrk="0" hangingPunct="1">
-                        <a:lnSpc>
-                          <a:spcPct val="100000"/>
-                        </a:lnSpc>
-                        <a:spcBef>
-                          <a:spcPts val="0"/>
-                        </a:spcBef>
-                        <a:spcAft>
-                          <a:spcPts val="0"/>
-                        </a:spcAft>
-                        <a:buClrTx/>
-                        <a:buSzTx/>
-                        <a:buFontTx/>
-                        <a:buNone/>
-                        <a:tabLst/>
-                        <a:defRPr sz="5000"/>
-                      </a:pPr>
-                      <a:r>
-                        <a:rPr lang="de-DE" dirty="0"/>
-                        <a:t>0.0002422337191445487s</a:t>
-                      </a:r>
-                    </a:p>
-                  </a:txBody>
-                  <a:tcPr marL="50800" marR="50800" marT="50800" marB="50800" anchor="ctr" horzOverflow="overflow">
-                    <a:lnL w="0">
-                      <a:miter lim="400000"/>
-                    </a:lnL>
-                    <a:lnR w="12700">
-                      <a:solidFill>
-                        <a:srgbClr val="B4B4B4"/>
-                      </a:solidFill>
-                      <a:miter lim="400000"/>
-                    </a:lnR>
-                  </a:tcPr>
-                </a:tc>
-                <a:extLst>
-                  <a:ext uri="{0D108BD9-81ED-4DB2-BD59-A6C34878D82A}">
-                    <a16:rowId xmlns:a16="http://schemas.microsoft.com/office/drawing/2014/main" val="10003"/>
-                  </a:ext>
-                </a:extLst>
-              </a:tr>
-              <a:tr h="1627250">
-                <a:tc>
-                  <a:txBody>
-                    <a:bodyPr/>
-                    <a:lstStyle/>
-                    <a:p>
-                      <a:pPr marL="0" marR="0" lvl="0" indent="0" algn="ctr" defTabSz="825500" eaLnBrk="1" fontAlgn="auto" latinLnBrk="0" hangingPunct="1">
-                        <a:lnSpc>
-                          <a:spcPct val="100000"/>
-                        </a:lnSpc>
-                        <a:spcBef>
-                          <a:spcPts val="0"/>
-                        </a:spcBef>
-                        <a:spcAft>
-                          <a:spcPts val="0"/>
-                        </a:spcAft>
-                        <a:buClrTx/>
-                        <a:buSzTx/>
-                        <a:buFontTx/>
-                        <a:buNone/>
-                        <a:tabLst/>
-                        <a:defRPr sz="5000"/>
-                      </a:pPr>
-                      <a:r>
-                        <a:rPr lang="de-DE" sz="5000" b="0" i="0" u="none" strike="noStrike" cap="none" spc="0" baseline="0" dirty="0" err="1">
-                          <a:solidFill>
-                            <a:srgbClr val="5A5F5E"/>
-                          </a:solidFill>
-                          <a:effectLst/>
-                          <a:uFillTx/>
-                          <a:latin typeface="+mn-lt"/>
-                          <a:ea typeface="+mn-ea"/>
-                          <a:cs typeface="+mn-cs"/>
-                          <a:sym typeface="Gill Sans Light"/>
-                        </a:rPr>
-                        <a:t>rnbqkbnr</a:t>
-                      </a:r>
-                      <a:r>
-                        <a:rPr lang="de-DE" sz="5000" b="0" i="0" u="none" strike="noStrike" cap="none" spc="0" baseline="0" dirty="0">
-                          <a:solidFill>
-                            <a:srgbClr val="5A5F5E"/>
-                          </a:solidFill>
-                          <a:effectLst/>
-                          <a:uFillTx/>
-                          <a:latin typeface="+mn-lt"/>
-                          <a:ea typeface="+mn-ea"/>
-                          <a:cs typeface="+mn-cs"/>
-                          <a:sym typeface="Gill Sans Light"/>
-                        </a:rPr>
-                        <a:t>/pp1p1ppp/4p3/1Pp5/8/2N5/P1PPPPPP/R1BQKBNR w</a:t>
-                      </a:r>
-                    </a:p>
-                    <a:p>
-                      <a:pPr>
-                        <a:defRPr sz="5000"/>
-                      </a:pPr>
-                      <a:endParaRPr dirty="0"/>
-                    </a:p>
-                  </a:txBody>
-                  <a:tcPr marL="50800" marR="50800" marT="50800" marB="50800" anchor="ctr" horzOverflow="overflow">
-                    <a:lnL w="12700">
-                      <a:solidFill>
-                        <a:srgbClr val="B4B4B4"/>
-                      </a:solidFill>
-                      <a:miter lim="400000"/>
-                    </a:lnL>
-                    <a:lnR w="0">
-                      <a:miter lim="400000"/>
-                    </a:lnR>
                     <a:lnB w="12700">
                       <a:solidFill>
                         <a:srgbClr val="B4B4B4"/>
@@ -4368,65 +4054,23 @@
                     <a:lstStyle/>
                     <a:p>
                       <a:pPr>
-                        <a:defRPr sz="5000"/>
+                        <a:defRPr sz="1800">
+                          <a:solidFill>
+                            <a:srgbClr val="000000"/>
+                          </a:solidFill>
+                        </a:defRPr>
                       </a:pPr>
                       <a:r>
-                        <a:rPr lang="de-DE" dirty="0"/>
-                        <a:t>0.007024630546569825s</a:t>
-                      </a:r>
-                      <a:endParaRPr dirty="0"/>
-                    </a:p>
-                  </a:txBody>
-                  <a:tcPr marL="50800" marR="50800" marT="50800" marB="50800" anchor="ctr" horzOverflow="overflow">
-                    <a:lnL w="0">
-                      <a:miter lim="400000"/>
-                    </a:lnL>
-                    <a:lnR w="0">
-                      <a:miter lim="400000"/>
-                    </a:lnR>
-                    <a:lnB w="12700">
-                      <a:solidFill>
-                        <a:srgbClr val="B4B4B4"/>
-                      </a:solidFill>
-                      <a:miter lim="400000"/>
-                    </a:lnB>
-                  </a:tcPr>
-                </a:tc>
-                <a:tc>
-                  <a:txBody>
-                    <a:bodyPr/>
-                    <a:lstStyle/>
-                    <a:p>
-                      <a:pPr marL="0" marR="0" lvl="0" indent="0" algn="ctr" defTabSz="825500" eaLnBrk="1" fontAlgn="auto" latinLnBrk="0" hangingPunct="1">
-                        <a:lnSpc>
-                          <a:spcPct val="100000"/>
-                        </a:lnSpc>
-                        <a:spcBef>
-                          <a:spcPts val="0"/>
-                        </a:spcBef>
-                        <a:spcAft>
-                          <a:spcPts val="0"/>
-                        </a:spcAft>
-                        <a:buClrTx/>
-                        <a:buSzTx/>
-                        <a:buFontTx/>
-                        <a:buNone/>
-                        <a:tabLst/>
-                        <a:defRPr sz="5000"/>
-                      </a:pPr>
-                      <a:r>
-                        <a:rPr lang="de-DE" dirty="0"/>
-                        <a:t>23</a:t>
+                        <a:rPr sz="3800">
+                          <a:solidFill>
+                            <a:srgbClr val="5A5F5E"/>
+                          </a:solidFill>
+                        </a:rPr>
+                        <a:t>~7.024 * 10^-3 s</a:t>
                       </a:r>
                     </a:p>
                   </a:txBody>
-                  <a:tcPr marL="50800" marR="50800" marT="50800" marB="50800" anchor="ctr" horzOverflow="overflow">
-                    <a:lnL w="0">
-                      <a:miter lim="400000"/>
-                    </a:lnL>
-                    <a:lnR w="0">
-                      <a:miter lim="400000"/>
-                    </a:lnR>
+                  <a:tcPr marL="50800" marR="50800" marT="50800" marB="50800" anchor="ctr" anchorCtr="0" horzOverflow="overflow">
                     <a:lnB w="12700">
                       <a:solidFill>
                         <a:srgbClr val="B4B4B4"/>
@@ -4441,19 +4085,54 @@
                     <a:lstStyle/>
                     <a:p>
                       <a:pPr>
-                        <a:defRPr sz="5000"/>
+                        <a:defRPr sz="1800">
+                          <a:solidFill>
+                            <a:srgbClr val="000000"/>
+                          </a:solidFill>
+                        </a:defRPr>
                       </a:pPr>
                       <a:r>
-                        <a:rPr lang="de-DE" dirty="0"/>
-                        <a:t>0.00030541871941607934s</a:t>
+                        <a:rPr sz="3800">
+                          <a:solidFill>
+                            <a:srgbClr val="5A5F5E"/>
+                          </a:solidFill>
+                        </a:rPr>
+                        <a:t>23</a:t>
                       </a:r>
-                      <a:endParaRPr dirty="0"/>
                     </a:p>
                   </a:txBody>
-                  <a:tcPr marL="50800" marR="50800" marT="50800" marB="50800" anchor="ctr" horzOverflow="overflow">
-                    <a:lnL w="0">
+                  <a:tcPr marL="50800" marR="50800" marT="50800" marB="50800" anchor="ctr" anchorCtr="0" horzOverflow="overflow">
+                    <a:lnB w="12700">
+                      <a:solidFill>
+                        <a:srgbClr val="B4B4B4"/>
+                      </a:solidFill>
                       <a:miter lim="400000"/>
-                    </a:lnL>
+                    </a:lnB>
+                  </a:tcPr>
+                </a:tc>
+                <a:tc>
+                  <a:txBody>
+                    <a:bodyPr/>
+                    <a:lstStyle/>
+                    <a:p>
+                      <a:pPr>
+                        <a:defRPr sz="1800">
+                          <a:solidFill>
+                            <a:srgbClr val="000000"/>
+                          </a:solidFill>
+                        </a:defRPr>
+                      </a:pPr>
+                      <a:r>
+                        <a:rPr sz="3800">
+                          <a:solidFill>
+                            <a:srgbClr val="5A5F5E"/>
+                          </a:solidFill>
+                        </a:rPr>
+                        <a:t>~3.0541 * 10^-4 s</a:t>
+                      </a:r>
+                    </a:p>
+                  </a:txBody>
+                  <a:tcPr marL="50800" marR="50800" marT="50800" marB="50800" anchor="ctr" anchorCtr="0" horzOverflow="overflow">
                     <a:lnR w="12700">
                       <a:solidFill>
                         <a:srgbClr val="B4B4B4"/>
@@ -4468,11 +4147,6 @@
                     </a:lnB>
                   </a:tcPr>
                 </a:tc>
-                <a:extLst>
-                  <a:ext uri="{0D108BD9-81ED-4DB2-BD59-A6C34878D82A}">
-                    <a16:rowId xmlns:a16="http://schemas.microsoft.com/office/drawing/2014/main" val="10004"/>
-                  </a:ext>
-                </a:extLst>
               </a:tr>
             </a:tbl>
           </a:graphicData>
@@ -4483,12 +4157,12 @@
   <p:clrMapOvr>
     <a:masterClrMapping/>
   </p:clrMapOvr>
-  <p:transition spd="med"/>
+  <p:transition xmlns:p14="http://schemas.microsoft.com/office/powerpoint/2010/main" spd="med" advClick="1"/>
 </p:sld>
 </file>
 
 <file path=ppt/slides/slide4.xml><?xml version="1.0" encoding="utf-8"?>
-<p:sld xmlns:a="http://schemas.openxmlformats.org/drawingml/2006/main" xmlns:r="http://schemas.openxmlformats.org/officeDocument/2006/relationships" xmlns:p="http://schemas.openxmlformats.org/presentationml/2006/main">
+<p:sld xmlns:a="http://schemas.openxmlformats.org/drawingml/2006/main" xmlns:r="http://schemas.openxmlformats.org/officeDocument/2006/relationships" xmlns:p="http://schemas.openxmlformats.org/presentationml/2006/main" xmlns:m="http://schemas.openxmlformats.org/officeDocument/2006/math" xmlns:a14="http://schemas.microsoft.com/office/drawing/2010/main" showMasterSp="1" showMasterPhAnim="1">
   <p:cSld>
     <p:spTree>
       <p:nvGrpSpPr>
@@ -4506,10 +4180,8 @@
       </p:grpSpPr>
       <p:sp>
         <p:nvSpPr>
-          <p:cNvPr id="136" name="Projekt: KI"/>
-          <p:cNvSpPr txBox="1">
-            <a:spLocks noGrp="1"/>
-          </p:cNvSpPr>
+          <p:cNvPr id="137" name="Projekt: KI"/>
+          <p:cNvSpPr txBox="1"/>
           <p:nvPr>
             <p:ph type="ctrTitle"/>
           </p:nvPr>
@@ -4517,7 +4189,7 @@
         <p:spPr>
           <a:xfrm>
             <a:off x="666750" y="1321482"/>
-            <a:ext cx="23050500" cy="1816101"/>
+            <a:ext cx="23050500" cy="1816102"/>
           </a:xfrm>
           <a:prstGeom prst="rect">
             <a:avLst/>
@@ -4531,6 +4203,7 @@
             </a:lvl1pPr>
           </a:lstStyle>
           <a:p>
+            <a:pPr/>
             <a:r>
               <a:t>Projekt: KI</a:t>
             </a:r>
@@ -4539,10 +4212,8 @@
       </p:sp>
       <p:sp>
         <p:nvSpPr>
-          <p:cNvPr id="137" name="Entwicklung einer spielstarken KI für die Schachvariante “King of the hill”"/>
-          <p:cNvSpPr txBox="1">
-            <a:spLocks noGrp="1"/>
-          </p:cNvSpPr>
+          <p:cNvPr id="138" name="Entwicklung einer spielstarken KI für die Schachvariante “King of the hill”"/>
+          <p:cNvSpPr txBox="1"/>
           <p:nvPr>
             <p:ph type="subTitle" sz="quarter" idx="1"/>
           </p:nvPr>
@@ -4550,7 +4221,7 @@
         <p:spPr>
           <a:xfrm>
             <a:off x="666750" y="3361113"/>
-            <a:ext cx="23050500" cy="1816101"/>
+            <a:ext cx="23050500" cy="1816102"/>
           </a:xfrm>
           <a:prstGeom prst="rect">
             <a:avLst/>
@@ -4564,6 +4235,7 @@
             </a:lvl1pPr>
           </a:lstStyle>
           <a:p>
+            <a:pPr/>
             <a:r>
               <a:t>Entwicklung einer spielstarken KI für die Schachvariante “King of the hill”</a:t>
             </a:r>
@@ -4572,13 +4244,13 @@
       </p:sp>
       <p:sp>
         <p:nvSpPr>
-          <p:cNvPr id="138" name="Gruppe:  AN…"/>
+          <p:cNvPr id="139" name="Gruppe:  AN…"/>
           <p:cNvSpPr txBox="1"/>
           <p:nvPr/>
         </p:nvSpPr>
         <p:spPr>
           <a:xfrm>
-            <a:off x="9587408" y="8242672"/>
+            <a:off x="9587407" y="8242671"/>
             <a:ext cx="5209184" cy="4445001"/>
           </a:xfrm>
           <a:prstGeom prst="rect">
@@ -4589,7 +4261,7 @@
           </a:ln>
           <a:extLst>
             <a:ext uri="{C572A759-6A51-4108-AA02-DFA0A04FC94B}">
-              <ma14:wrappingTextBoxFlag xmlns:ma14="http://schemas.microsoft.com/office/mac/drawingml/2011/main" xmlns:a14="http://schemas.microsoft.com/office/drawing/2010/main" xmlns:m="http://schemas.openxmlformats.org/officeDocument/2006/math" xmlns="" val="1"/>
+              <ma14:wrappingTextBoxFlag xmlns:ma14="http://schemas.microsoft.com/office/mac/drawingml/2011/main" val="1"/>
             </a:ext>
           </a:extLst>
         </p:spPr>
@@ -4599,29 +4271,34 @@
           </a:bodyPr>
           <a:lstStyle/>
           <a:p>
+            <a:pPr/>
             <a:r>
               <a:t>Gruppe:  AN</a:t>
             </a:r>
           </a:p>
           <a:p>
-            <a:endParaRPr/>
-          </a:p>
-          <a:p>
+            <a:pPr/>
+          </a:p>
+          <a:p>
+            <a:pPr/>
             <a:r>
               <a:t>Mitglieder: </a:t>
             </a:r>
           </a:p>
           <a:p>
+            <a:pPr/>
             <a:r>
               <a:t>Eric Benschneider</a:t>
             </a:r>
           </a:p>
           <a:p>
+            <a:pPr/>
             <a:r>
               <a:t>Kemel Alex Callisaya</a:t>
             </a:r>
           </a:p>
           <a:p>
+            <a:pPr/>
             <a:r>
               <a:t>Christoph Scherer</a:t>
             </a:r>
@@ -4630,13 +4307,13 @@
       </p:sp>
       <p:sp>
         <p:nvSpPr>
-          <p:cNvPr id="139" name="Meilenstein 2 - BASIS-KI"/>
+          <p:cNvPr id="140" name="Meilenstein 2 - BASIS-KI"/>
           <p:cNvSpPr txBox="1"/>
           <p:nvPr/>
         </p:nvSpPr>
         <p:spPr>
           <a:xfrm>
-            <a:off x="5287205" y="6083299"/>
+            <a:off x="5287205" y="6083298"/>
             <a:ext cx="13809589" cy="1549401"/>
           </a:xfrm>
           <a:prstGeom prst="rect">
@@ -4647,7 +4324,7 @@
           </a:ln>
           <a:extLst>
             <a:ext uri="{C572A759-6A51-4108-AA02-DFA0A04FC94B}">
-              <ma14:wrappingTextBoxFlag xmlns:ma14="http://schemas.microsoft.com/office/mac/drawingml/2011/main" xmlns:a14="http://schemas.microsoft.com/office/drawing/2010/main" xmlns:m="http://schemas.openxmlformats.org/officeDocument/2006/math" xmlns="" val="1"/>
+              <ma14:wrappingTextBoxFlag xmlns:ma14="http://schemas.microsoft.com/office/mac/drawingml/2011/main" val="1"/>
             </a:ext>
           </a:extLst>
         </p:spPr>
@@ -4657,10 +4334,11 @@
           </a:bodyPr>
           <a:lstStyle>
             <a:lvl1pPr>
-              <a:defRPr sz="10000" cap="all"/>
+              <a:defRPr cap="all" sz="10000"/>
             </a:lvl1pPr>
           </a:lstStyle>
           <a:p>
+            <a:pPr/>
             <a:r>
               <a:t>Meilenstein 2 - BASIS-KI</a:t>
             </a:r>
@@ -4672,12 +4350,12 @@
   <p:clrMapOvr>
     <a:masterClrMapping/>
   </p:clrMapOvr>
-  <p:transition spd="med"/>
+  <p:transition xmlns:p14="http://schemas.microsoft.com/office/powerpoint/2010/main" spd="med" advClick="1"/>
 </p:sld>
 </file>
 
 <file path=ppt/slides/slide5.xml><?xml version="1.0" encoding="utf-8"?>
-<p:sld xmlns:a="http://schemas.openxmlformats.org/drawingml/2006/main" xmlns:r="http://schemas.openxmlformats.org/officeDocument/2006/relationships" xmlns:p="http://schemas.openxmlformats.org/presentationml/2006/main">
+<p:sld xmlns:a="http://schemas.openxmlformats.org/drawingml/2006/main" xmlns:r="http://schemas.openxmlformats.org/officeDocument/2006/relationships" xmlns:p="http://schemas.openxmlformats.org/presentationml/2006/main" xmlns:m="http://schemas.openxmlformats.org/officeDocument/2006/math" xmlns:a14="http://schemas.microsoft.com/office/drawing/2010/main" showMasterSp="1" showMasterPhAnim="1">
   <p:cSld>
     <p:spTree>
       <p:nvGrpSpPr>
@@ -4695,10 +4373,8 @@
       </p:grpSpPr>
       <p:sp>
         <p:nvSpPr>
-          <p:cNvPr id="141" name="Benchmarks"/>
-          <p:cNvSpPr txBox="1">
-            <a:spLocks noGrp="1"/>
-          </p:cNvSpPr>
+          <p:cNvPr id="142" name="Benchmarks"/>
+          <p:cNvSpPr txBox="1"/>
           <p:nvPr>
             <p:ph type="title"/>
           </p:nvPr>
@@ -4712,28 +4388,26 @@
           <a:bodyPr/>
           <a:lstStyle/>
           <a:p>
-            <a:r>
-              <a:rPr dirty="0"/>
+            <a:pPr/>
+            <a:r>
               <a:t>Benchmarks</a:t>
             </a:r>
             <a:r>
-              <a:rPr lang="de-CH" dirty="0"/>
               <a:t> (Bewertung)</a:t>
             </a:r>
-            <a:endParaRPr dirty="0"/>
           </a:p>
         </p:txBody>
       </p:sp>
       <p:sp>
         <p:nvSpPr>
-          <p:cNvPr id="142" name="Rechnerkonfiguration:"/>
+          <p:cNvPr id="143" name="Rechnerkonfiguration:"/>
           <p:cNvSpPr txBox="1"/>
           <p:nvPr/>
         </p:nvSpPr>
         <p:spPr>
           <a:xfrm>
-            <a:off x="1891104" y="3334422"/>
-            <a:ext cx="20601794" cy="872034"/>
+            <a:off x="3298181" y="3357689"/>
+            <a:ext cx="17787640" cy="825501"/>
           </a:xfrm>
           <a:prstGeom prst="rect">
             <a:avLst/>
@@ -4743,7 +4417,7 @@
           </a:ln>
           <a:extLst>
             <a:ext uri="{C572A759-6A51-4108-AA02-DFA0A04FC94B}">
-              <ma14:wrappingTextBoxFlag xmlns:ma14="http://schemas.microsoft.com/office/mac/drawingml/2011/main" xmlns:a14="http://schemas.microsoft.com/office/drawing/2010/main" xmlns:m="http://schemas.openxmlformats.org/officeDocument/2006/math" xmlns="" val="1"/>
+              <ma14:wrappingTextBoxFlag xmlns:ma14="http://schemas.microsoft.com/office/mac/drawingml/2011/main" val="1"/>
             </a:ext>
           </a:extLst>
         </p:spPr>
@@ -4753,76 +4427,40 @@
           </a:bodyPr>
           <a:lstStyle/>
           <a:p>
-            <a:r>
-              <a:rPr dirty="0" err="1"/>
-              <a:t>Rechnerkonfiguration</a:t>
-            </a:r>
-            <a:r>
-              <a:rPr dirty="0"/>
-              <a:t>:</a:t>
-            </a:r>
-            <a:r>
-              <a:rPr lang="de-CH" dirty="0"/>
-              <a:t> Intel(R) Core(TM) i7-6650U CPU @ 2.20GHz   2.21 GHz</a:t>
-            </a:r>
-            <a:r>
-              <a:rPr dirty="0"/>
-              <a:t>  </a:t>
+            <a:pPr/>
+            <a:r>
+              <a:t>Rechnerkonfiguration:</a:t>
+            </a:r>
+            <a:r>
+              <a:t> Intel(R) Core(TM) i7-6650U CPU @ 2.20GHz  </a:t>
+            </a:r>
+            <a:r>
+              <a:t> </a:t>
             </a:r>
           </a:p>
         </p:txBody>
       </p:sp>
       <p:graphicFrame>
         <p:nvGraphicFramePr>
-          <p:cNvPr id="143" name="Tabelle"/>
+          <p:cNvPr id="144" name="Tabelle"/>
           <p:cNvGraphicFramePr/>
-          <p:nvPr>
-            <p:extLst>
-              <p:ext uri="{D42A27DB-BD31-4B8C-83A1-F6EECF244321}">
-                <p14:modId xmlns:p14="http://schemas.microsoft.com/office/powerpoint/2010/main" val="2214858428"/>
-              </p:ext>
-            </p:extLst>
-          </p:nvPr>
+          <p:nvPr/>
         </p:nvGraphicFramePr>
         <p:xfrm>
-          <a:off x="673100" y="5020849"/>
-          <a:ext cx="23037799" cy="8896600"/>
+          <a:off x="673100" y="5020848"/>
+          <a:ext cx="23037799" cy="8136252"/>
         </p:xfrm>
-        <a:graphic>
+        <a:graphic xmlns:a="http://schemas.openxmlformats.org/drawingml/2006/main">
           <a:graphicData uri="http://schemas.openxmlformats.org/drawingml/2006/table">
             <a:tbl>
-              <a:tblPr bandRow="1">
-                <a:tableStyleId>{CF821DB8-F4EB-4A41-A1BA-3FCAFE7338EE}</a:tableStyleId>
+              <a:tblPr firstCol="0" firstRow="0" lastCol="0" lastRow="0" bandCol="0" bandRow="1" rtl="0">
+                <a:tableStyleId>{4C3C2611-4C71-4FC5-86AE-919BDF0F9419}</a:tableStyleId>
               </a:tblPr>
               <a:tblGrid>
-                <a:gridCol w="7757778">
-                  <a:extLst>
-                    <a:ext uri="{9D8B030D-6E8A-4147-A177-3AD203B41FA5}">
-                      <a16:colId xmlns:a16="http://schemas.microsoft.com/office/drawing/2014/main" val="20000"/>
-                    </a:ext>
-                  </a:extLst>
-                </a:gridCol>
-                <a:gridCol w="7013960">
-                  <a:extLst>
-                    <a:ext uri="{9D8B030D-6E8A-4147-A177-3AD203B41FA5}">
-                      <a16:colId xmlns:a16="http://schemas.microsoft.com/office/drawing/2014/main" val="20001"/>
-                    </a:ext>
-                  </a:extLst>
-                </a:gridCol>
-                <a:gridCol w="4603529">
-                  <a:extLst>
-                    <a:ext uri="{9D8B030D-6E8A-4147-A177-3AD203B41FA5}">
-                      <a16:colId xmlns:a16="http://schemas.microsoft.com/office/drawing/2014/main" val="20002"/>
-                    </a:ext>
-                  </a:extLst>
-                </a:gridCol>
-                <a:gridCol w="3662532">
-                  <a:extLst>
-                    <a:ext uri="{9D8B030D-6E8A-4147-A177-3AD203B41FA5}">
-                      <a16:colId xmlns:a16="http://schemas.microsoft.com/office/drawing/2014/main" val="20003"/>
-                    </a:ext>
-                  </a:extLst>
-                </a:gridCol>
+                <a:gridCol w="7757777"/>
+                <a:gridCol w="5051099"/>
+                <a:gridCol w="5186657"/>
+                <a:gridCol w="5042264"/>
               </a:tblGrid>
               <a:tr h="1627250">
                 <a:tc>
@@ -4847,16 +4485,13 @@
                       </a:r>
                     </a:p>
                   </a:txBody>
-                  <a:tcPr marL="50800" marR="50800" marT="50800" marB="50800" anchor="ctr" horzOverflow="overflow">
+                  <a:tcPr marL="50800" marR="50800" marT="50800" marB="50800" anchor="ctr" anchorCtr="0" horzOverflow="overflow">
                     <a:lnL w="12700">
                       <a:solidFill>
                         <a:srgbClr val="B4B4B4"/>
                       </a:solidFill>
                       <a:miter lim="400000"/>
                     </a:lnL>
-                    <a:lnR w="0">
-                      <a:miter lim="400000"/>
-                    </a:lnR>
                     <a:lnT w="12700">
                       <a:solidFill>
                         <a:srgbClr val="B4B4B4"/>
@@ -4878,27 +4513,16 @@
                         </a:defRPr>
                       </a:pPr>
                       <a:r>
-                        <a:rPr sz="5000" dirty="0" err="1">
+                        <a:rPr sz="5000">
                           <a:solidFill>
                             <a:srgbClr val="5A5F5E"/>
                           </a:solidFill>
                         </a:rPr>
                         <a:t>Baumtiefe</a:t>
                       </a:r>
-                      <a:endParaRPr sz="5000" dirty="0">
-                        <a:solidFill>
-                          <a:srgbClr val="5A5F5E"/>
-                        </a:solidFill>
-                      </a:endParaRPr>
                     </a:p>
                   </a:txBody>
-                  <a:tcPr marL="50800" marR="50800" marT="50800" marB="50800" anchor="ctr" horzOverflow="overflow">
-                    <a:lnL w="0">
-                      <a:miter lim="400000"/>
-                    </a:lnL>
-                    <a:lnR w="0">
-                      <a:miter lim="400000"/>
-                    </a:lnR>
+                  <a:tcPr marL="50800" marR="50800" marT="50800" marB="50800" anchor="ctr" anchorCtr="0" horzOverflow="overflow">
                     <a:lnT w="12700">
                       <a:solidFill>
                         <a:srgbClr val="B4B4B4"/>
@@ -4920,51 +4544,16 @@
                         </a:defRPr>
                       </a:pPr>
                       <a:r>
-                        <a:rPr sz="5000" dirty="0">
+                        <a:rPr sz="5000">
                           <a:solidFill>
                             <a:srgbClr val="5A5F5E"/>
                           </a:solidFill>
                         </a:rPr>
-                        <a:t>#</a:t>
+                        <a:t>#Züge bewertet</a:t>
                       </a:r>
-                      <a:r>
-                        <a:rPr sz="5000" dirty="0" err="1">
-                          <a:solidFill>
-                            <a:srgbClr val="5A5F5E"/>
-                          </a:solidFill>
-                        </a:rPr>
-                        <a:t>Züge</a:t>
-                      </a:r>
-                      <a:r>
-                        <a:rPr sz="5000" dirty="0">
-                          <a:solidFill>
-                            <a:srgbClr val="5A5F5E"/>
-                          </a:solidFill>
-                        </a:rPr>
-                        <a:t> </a:t>
-                      </a:r>
-                      <a:r>
-                        <a:rPr sz="5000" dirty="0" err="1">
-                          <a:solidFill>
-                            <a:srgbClr val="5A5F5E"/>
-                          </a:solidFill>
-                        </a:rPr>
-                        <a:t>bewertet</a:t>
-                      </a:r>
-                      <a:endParaRPr sz="5000" dirty="0">
-                        <a:solidFill>
-                          <a:srgbClr val="5A5F5E"/>
-                        </a:solidFill>
-                      </a:endParaRPr>
                     </a:p>
                   </a:txBody>
-                  <a:tcPr marL="50800" marR="50800" marT="50800" marB="50800" anchor="ctr" horzOverflow="overflow">
-                    <a:lnL w="0">
-                      <a:miter lim="400000"/>
-                    </a:lnL>
-                    <a:lnR w="0">
-                      <a:miter lim="400000"/>
-                    </a:lnR>
+                  <a:tcPr marL="50800" marR="50800" marT="50800" marB="50800" anchor="ctr" anchorCtr="0" horzOverflow="overflow">
                     <a:lnT w="12700">
                       <a:solidFill>
                         <a:srgbClr val="B4B4B4"/>
@@ -4986,7 +4575,7 @@
                         </a:defRPr>
                       </a:pPr>
                       <a:r>
-                        <a:rPr sz="5000" dirty="0">
+                        <a:rPr sz="5000">
                           <a:solidFill>
                             <a:srgbClr val="5A5F5E"/>
                           </a:solidFill>
@@ -4995,10 +4584,7 @@
                       </a:r>
                     </a:p>
                   </a:txBody>
-                  <a:tcPr marL="50800" marR="50800" marT="50800" marB="50800" anchor="ctr" horzOverflow="overflow">
-                    <a:lnL w="0">
-                      <a:miter lim="400000"/>
-                    </a:lnL>
+                  <a:tcPr marL="50800" marR="50800" marT="50800" marB="50800" anchor="ctr" anchorCtr="0" horzOverflow="overflow">
                     <a:lnR w="12700">
                       <a:solidFill>
                         <a:srgbClr val="B4B4B4"/>
@@ -5013,11 +4599,6 @@
                     </a:lnT>
                   </a:tcPr>
                 </a:tc>
-                <a:extLst>
-                  <a:ext uri="{0D108BD9-81ED-4DB2-BD59-A6C34878D82A}">
-                    <a16:rowId xmlns:a16="http://schemas.microsoft.com/office/drawing/2014/main" val="10000"/>
-                  </a:ext>
-                </a:extLst>
               </a:tr>
               <a:tr h="1627250">
                 <a:tc>
@@ -5025,49 +4606,30 @@
                     <a:bodyPr/>
                     <a:lstStyle/>
                     <a:p>
-                      <a:pPr marL="0" marR="0" lvl="0" indent="0" algn="ctr" defTabSz="825500" eaLnBrk="1" fontAlgn="auto" latinLnBrk="0" hangingPunct="1">
-                        <a:lnSpc>
-                          <a:spcPct val="100000"/>
-                        </a:lnSpc>
-                        <a:spcBef>
-                          <a:spcPts val="0"/>
-                        </a:spcBef>
-                        <a:spcAft>
-                          <a:spcPts val="0"/>
-                        </a:spcAft>
-                        <a:buClrTx/>
-                        <a:buSzTx/>
-                        <a:buFontTx/>
-                        <a:buNone/>
-                        <a:tabLst/>
-                        <a:defRPr sz="5000"/>
+                      <a:pPr>
+                        <a:defRPr sz="1800">
+                          <a:solidFill>
+                            <a:srgbClr val="000000"/>
+                          </a:solidFill>
+                        </a:defRPr>
                       </a:pPr>
                       <a:r>
-                        <a:rPr lang="de-DE" sz="5000" b="0" i="0" u="none" strike="noStrike" cap="none" spc="0" baseline="0" dirty="0">
+                        <a:rPr sz="5000">
                           <a:solidFill>
                             <a:srgbClr val="5A5F5E"/>
                           </a:solidFill>
-                          <a:effectLst/>
-                          <a:uFillTx/>
-                          <a:latin typeface="+mn-lt"/>
-                          <a:ea typeface="+mn-ea"/>
-                          <a:cs typeface="+mn-cs"/>
-                          <a:sym typeface="Gill Sans Light"/>
                         </a:rPr>
                         <a:t>3q3r/1pp2pb1/3pkn2/1B6/3P4/4PN1P/5K1P/7R b</a:t>
                       </a:r>
                     </a:p>
                   </a:txBody>
-                  <a:tcPr marL="50800" marR="50800" marT="50800" marB="50800" anchor="ctr" horzOverflow="overflow">
+                  <a:tcPr marL="50800" marR="50800" marT="50800" marB="50800" anchor="ctr" anchorCtr="0" horzOverflow="overflow">
                     <a:lnL w="12700">
                       <a:solidFill>
                         <a:srgbClr val="B4B4B4"/>
                       </a:solidFill>
                       <a:miter lim="400000"/>
                     </a:lnL>
-                    <a:lnR w="0">
-                      <a:miter lim="400000"/>
-                    </a:lnR>
                   </a:tcPr>
                 </a:tc>
                 <a:tc>
@@ -5076,93 +4638,71 @@
                     <a:lstStyle/>
                     <a:p>
                       <a:pPr>
-                        <a:defRPr sz="5000"/>
+                        <a:defRPr sz="1800">
+                          <a:solidFill>
+                            <a:srgbClr val="000000"/>
+                          </a:solidFill>
+                        </a:defRPr>
                       </a:pPr>
                       <a:r>
-                        <a:rPr lang="de-CH" dirty="0"/>
+                        <a:rPr sz="5000">
+                          <a:solidFill>
+                            <a:srgbClr val="5A5F5E"/>
+                          </a:solidFill>
+                        </a:rPr>
                         <a:t>3</a:t>
                       </a:r>
-                      <a:endParaRPr dirty="0"/>
                     </a:p>
                   </a:txBody>
-                  <a:tcPr marL="50800" marR="50800" marT="50800" marB="50800" anchor="ctr" horzOverflow="overflow">
-                    <a:lnL w="0">
-                      <a:miter lim="400000"/>
-                    </a:lnL>
-                    <a:lnR w="0">
-                      <a:miter lim="400000"/>
-                    </a:lnR>
-                  </a:tcPr>
+                  <a:tcPr marL="50800" marR="50800" marT="50800" marB="50800" anchor="ctr" anchorCtr="0" horzOverflow="overflow"/>
                 </a:tc>
                 <a:tc>
                   <a:txBody>
                     <a:bodyPr/>
                     <a:lstStyle/>
                     <a:p>
-                      <a:pPr marL="0" marR="0" lvl="0" indent="0" algn="ctr" defTabSz="825500" eaLnBrk="1" fontAlgn="auto" latinLnBrk="0" hangingPunct="1">
-                        <a:lnSpc>
-                          <a:spcPct val="100000"/>
-                        </a:lnSpc>
-                        <a:spcBef>
-                          <a:spcPts val="0"/>
-                        </a:spcBef>
-                        <a:spcAft>
-                          <a:spcPts val="0"/>
-                        </a:spcAft>
-                        <a:buClrTx/>
-                        <a:buSzTx/>
-                        <a:buFontTx/>
-                        <a:buNone/>
-                        <a:tabLst/>
-                        <a:defRPr sz="5000"/>
+                      <a:pPr>
+                        <a:defRPr sz="1800">
+                          <a:solidFill>
+                            <a:srgbClr val="000000"/>
+                          </a:solidFill>
+                        </a:defRPr>
                       </a:pPr>
                       <a:r>
-                        <a:rPr lang="de-DE" dirty="0"/>
+                        <a:rPr sz="5000">
+                          <a:solidFill>
+                            <a:srgbClr val="5A5F5E"/>
+                          </a:solidFill>
+                        </a:rPr>
                         <a:t>21120</a:t>
                       </a:r>
                     </a:p>
                   </a:txBody>
-                  <a:tcPr marL="50800" marR="50800" marT="50800" marB="50800" anchor="ctr" horzOverflow="overflow">
-                    <a:lnL w="0">
-                      <a:miter lim="400000"/>
-                    </a:lnL>
-                    <a:lnR w="0">
-                      <a:miter lim="400000"/>
-                    </a:lnR>
-                  </a:tcPr>
+                  <a:tcPr marL="50800" marR="50800" marT="50800" marB="50800" anchor="ctr" anchorCtr="0" horzOverflow="overflow"/>
                 </a:tc>
                 <a:tc>
                   <a:txBody>
                     <a:bodyPr/>
                     <a:lstStyle/>
                     <a:p>
-                      <a:pPr marL="0" marR="0" lvl="0" indent="0" algn="ctr" defTabSz="825500" eaLnBrk="1" fontAlgn="auto" latinLnBrk="0" hangingPunct="1">
-                        <a:lnSpc>
-                          <a:spcPct val="100000"/>
-                        </a:lnSpc>
-                        <a:spcBef>
-                          <a:spcPts val="0"/>
-                        </a:spcBef>
-                        <a:spcAft>
-                          <a:spcPts val="0"/>
-                        </a:spcAft>
-                        <a:buClrTx/>
-                        <a:buSzTx/>
-                        <a:buFontTx/>
-                        <a:buNone/>
-                        <a:tabLst/>
-                        <a:defRPr sz="5000"/>
+                      <a:pPr>
+                        <a:defRPr sz="1800">
+                          <a:solidFill>
+                            <a:srgbClr val="000000"/>
+                          </a:solidFill>
+                        </a:defRPr>
                       </a:pPr>
                       <a:r>
-                        <a:rPr lang="de-DE" dirty="0"/>
-                        <a:t>0.0006624333786241936s</a:t>
+                        <a:rPr sz="5000">
+                          <a:solidFill>
+                            <a:srgbClr val="5A5F5E"/>
+                          </a:solidFill>
+                        </a:rPr>
+                        <a:t>~6.624 * 10^-4 s</a:t>
                       </a:r>
                     </a:p>
                   </a:txBody>
-                  <a:tcPr marL="50800" marR="50800" marT="50800" marB="50800" anchor="ctr" horzOverflow="overflow">
-                    <a:lnL w="0">
-                      <a:miter lim="400000"/>
-                    </a:lnL>
+                  <a:tcPr marL="50800" marR="50800" marT="50800" marB="50800" anchor="ctr" anchorCtr="0" horzOverflow="overflow">
                     <a:lnR w="12700">
                       <a:solidFill>
                         <a:srgbClr val="B4B4B4"/>
@@ -5171,11 +4711,6 @@
                     </a:lnR>
                   </a:tcPr>
                 </a:tc>
-                <a:extLst>
-                  <a:ext uri="{0D108BD9-81ED-4DB2-BD59-A6C34878D82A}">
-                    <a16:rowId xmlns:a16="http://schemas.microsoft.com/office/drawing/2014/main" val="10001"/>
-                  </a:ext>
-                </a:extLst>
               </a:tr>
               <a:tr h="1627250">
                 <a:tc>
@@ -5183,49 +4718,30 @@
                     <a:bodyPr/>
                     <a:lstStyle/>
                     <a:p>
-                      <a:pPr marL="0" marR="0" lvl="0" indent="0" algn="ctr" defTabSz="825500" eaLnBrk="1" fontAlgn="auto" latinLnBrk="0" hangingPunct="1">
-                        <a:lnSpc>
-                          <a:spcPct val="100000"/>
-                        </a:lnSpc>
-                        <a:spcBef>
-                          <a:spcPts val="0"/>
-                        </a:spcBef>
-                        <a:spcAft>
-                          <a:spcPts val="0"/>
-                        </a:spcAft>
-                        <a:buClrTx/>
-                        <a:buSzTx/>
-                        <a:buFontTx/>
-                        <a:buNone/>
-                        <a:tabLst/>
-                        <a:defRPr sz="5000"/>
+                      <a:pPr>
+                        <a:defRPr sz="1800">
+                          <a:solidFill>
+                            <a:srgbClr val="000000"/>
+                          </a:solidFill>
+                        </a:defRPr>
                       </a:pPr>
                       <a:r>
-                        <a:rPr lang="de-DE" sz="5000" b="0" i="0" u="none" strike="noStrike" cap="none" spc="0" baseline="0" dirty="0">
+                        <a:rPr sz="5000">
                           <a:solidFill>
                             <a:srgbClr val="5A5F5E"/>
                           </a:solidFill>
-                          <a:effectLst/>
-                          <a:uFillTx/>
-                          <a:latin typeface="+mn-lt"/>
-                          <a:ea typeface="+mn-ea"/>
-                          <a:cs typeface="+mn-cs"/>
-                          <a:sym typeface="Gill Sans Light"/>
                         </a:rPr>
                         <a:t>rnb1kbnr/p4ppp/1p1pp3/2p3q1/3P4/NQP1PNPB/PP3P1P/R1B1K2R w</a:t>
                       </a:r>
                     </a:p>
                   </a:txBody>
-                  <a:tcPr marL="50800" marR="50800" marT="50800" marB="50800" anchor="ctr" horzOverflow="overflow">
+                  <a:tcPr marL="50800" marR="50800" marT="50800" marB="50800" anchor="ctr" anchorCtr="0" horzOverflow="overflow">
                     <a:lnL w="12700">
                       <a:solidFill>
                         <a:srgbClr val="B4B4B4"/>
                       </a:solidFill>
                       <a:miter lim="400000"/>
                     </a:lnL>
-                    <a:lnR w="0">
-                      <a:miter lim="400000"/>
-                    </a:lnR>
                   </a:tcPr>
                 </a:tc>
                 <a:tc>
@@ -5234,60 +4750,23 @@
                     <a:lstStyle/>
                     <a:p>
                       <a:pPr>
-                        <a:defRPr sz="5000"/>
+                        <a:defRPr sz="1800">
+                          <a:solidFill>
+                            <a:srgbClr val="000000"/>
+                          </a:solidFill>
+                        </a:defRPr>
                       </a:pPr>
                       <a:r>
-                        <a:rPr lang="de-CH" dirty="0"/>
+                        <a:rPr sz="5000">
+                          <a:solidFill>
+                            <a:srgbClr val="5A5F5E"/>
+                          </a:solidFill>
+                        </a:rPr>
                         <a:t>3</a:t>
-                      </a:r>
-                      <a:endParaRPr dirty="0"/>
-                    </a:p>
-                  </a:txBody>
-                  <a:tcPr marL="50800" marR="50800" marT="50800" marB="50800" anchor="ctr" horzOverflow="overflow">
-                    <a:lnL w="0">
-                      <a:miter lim="400000"/>
-                    </a:lnL>
-                    <a:lnR w="0">
-                      <a:miter lim="400000"/>
-                    </a:lnR>
-                  </a:tcPr>
-                </a:tc>
-                <a:tc>
-                  <a:txBody>
-                    <a:bodyPr/>
-                    <a:lstStyle/>
-                    <a:p>
-                      <a:pPr marL="0" marR="0" lvl="0" indent="0" algn="ctr" defTabSz="825500" eaLnBrk="1" fontAlgn="auto" latinLnBrk="0" hangingPunct="1">
-                        <a:lnSpc>
-                          <a:spcPct val="100000"/>
-                        </a:lnSpc>
-                        <a:spcBef>
-                          <a:spcPts val="0"/>
-                        </a:spcBef>
-                        <a:spcAft>
-                          <a:spcPts val="0"/>
-                        </a:spcAft>
-                        <a:buClrTx/>
-                        <a:buSzTx/>
-                        <a:buFontTx/>
-                        <a:buNone/>
-                        <a:tabLst/>
-                        <a:defRPr sz="5000"/>
-                      </a:pPr>
-                      <a:r>
-                        <a:rPr lang="de-DE" dirty="0"/>
-                        <a:t>63652</a:t>
                       </a:r>
                     </a:p>
                   </a:txBody>
-                  <a:tcPr marL="50800" marR="50800" marT="50800" marB="50800" anchor="ctr" horzOverflow="overflow">
-                    <a:lnL w="0">
-                      <a:miter lim="400000"/>
-                    </a:lnL>
-                    <a:lnR w="0">
-                      <a:miter lim="400000"/>
-                    </a:lnR>
-                  </a:tcPr>
+                  <a:tcPr marL="50800" marR="50800" marT="50800" marB="50800" anchor="ctr" anchorCtr="0" horzOverflow="overflow"/>
                 </a:tc>
                 <a:tc>
                   <a:txBody>
@@ -5295,18 +4774,47 @@
                     <a:lstStyle/>
                     <a:p>
                       <a:pPr>
-                        <a:defRPr sz="5000"/>
+                        <a:defRPr sz="1800">
+                          <a:solidFill>
+                            <a:srgbClr val="000000"/>
+                          </a:solidFill>
+                        </a:defRPr>
                       </a:pPr>
                       <a:r>
-                        <a:rPr lang="de-DE" dirty="0"/>
-                        <a:t>0.0007253004365478853s</a:t>
+                        <a:rPr sz="5000">
+                          <a:solidFill>
+                            <a:srgbClr val="5A5F5E"/>
+                          </a:solidFill>
+                        </a:rPr>
+                        <a:t>63652</a:t>
                       </a:r>
                     </a:p>
                   </a:txBody>
-                  <a:tcPr marL="50800" marR="50800" marT="50800" marB="50800" anchor="ctr" horzOverflow="overflow">
-                    <a:lnL w="0">
-                      <a:miter lim="400000"/>
-                    </a:lnL>
+                  <a:tcPr marL="50800" marR="50800" marT="50800" marB="50800" anchor="ctr" anchorCtr="0" horzOverflow="overflow"/>
+                </a:tc>
+                <a:tc>
+                  <a:txBody>
+                    <a:bodyPr/>
+                    <a:lstStyle/>
+                    <a:p>
+                      <a:pPr>
+                        <a:defRPr sz="1800">
+                          <a:solidFill>
+                            <a:srgbClr val="000000"/>
+                          </a:solidFill>
+                        </a:defRPr>
+                      </a:pPr>
+                      <a:r>
+                        <a:rPr sz="5000">
+                          <a:solidFill>
+                            <a:srgbClr val="5A5F5E"/>
+                          </a:solidFill>
+                        </a:rPr>
+                        <a:t>~7.253 * 10^-4 s</a:t>
+                      </a:r>
+                    </a:p>
+                  </a:txBody>
+                  <a:tcPr marL="50800" marR="50800" marT="50800" marB="50800" anchor="ctr" anchorCtr="0" horzOverflow="overflow">
                     <a:lnR w="12700">
                       <a:solidFill>
                         <a:srgbClr val="B4B4B4"/>
@@ -5315,221 +4823,6 @@
                     </a:lnR>
                   </a:tcPr>
                 </a:tc>
-                <a:extLst>
-                  <a:ext uri="{0D108BD9-81ED-4DB2-BD59-A6C34878D82A}">
-                    <a16:rowId xmlns:a16="http://schemas.microsoft.com/office/drawing/2014/main" val="10002"/>
-                  </a:ext>
-                </a:extLst>
-              </a:tr>
-              <a:tr h="1627250">
-                <a:tc>
-                  <a:txBody>
-                    <a:bodyPr/>
-                    <a:lstStyle/>
-                    <a:p>
-                      <a:pPr>
-                        <a:defRPr sz="5000"/>
-                      </a:pPr>
-                      <a:endParaRPr/>
-                    </a:p>
-                  </a:txBody>
-                  <a:tcPr marL="50800" marR="50800" marT="50800" marB="50800" anchor="ctr" horzOverflow="overflow">
-                    <a:lnL w="12700">
-                      <a:solidFill>
-                        <a:srgbClr val="B4B4B4"/>
-                      </a:solidFill>
-                      <a:miter lim="400000"/>
-                    </a:lnL>
-                    <a:lnR w="0">
-                      <a:miter lim="400000"/>
-                    </a:lnR>
-                  </a:tcPr>
-                </a:tc>
-                <a:tc>
-                  <a:txBody>
-                    <a:bodyPr/>
-                    <a:lstStyle/>
-                    <a:p>
-                      <a:pPr>
-                        <a:defRPr sz="5000"/>
-                      </a:pPr>
-                      <a:endParaRPr dirty="0"/>
-                    </a:p>
-                  </a:txBody>
-                  <a:tcPr marL="50800" marR="50800" marT="50800" marB="50800" anchor="ctr" horzOverflow="overflow">
-                    <a:lnL w="0">
-                      <a:miter lim="400000"/>
-                    </a:lnL>
-                    <a:lnR w="0">
-                      <a:miter lim="400000"/>
-                    </a:lnR>
-                  </a:tcPr>
-                </a:tc>
-                <a:tc>
-                  <a:txBody>
-                    <a:bodyPr/>
-                    <a:lstStyle/>
-                    <a:p>
-                      <a:pPr>
-                        <a:defRPr sz="5000"/>
-                      </a:pPr>
-                      <a:endParaRPr dirty="0"/>
-                    </a:p>
-                  </a:txBody>
-                  <a:tcPr marL="50800" marR="50800" marT="50800" marB="50800" anchor="ctr" horzOverflow="overflow">
-                    <a:lnL w="0">
-                      <a:miter lim="400000"/>
-                    </a:lnL>
-                    <a:lnR w="0">
-                      <a:miter lim="400000"/>
-                    </a:lnR>
-                  </a:tcPr>
-                </a:tc>
-                <a:tc>
-                  <a:txBody>
-                    <a:bodyPr/>
-                    <a:lstStyle/>
-                    <a:p>
-                      <a:pPr>
-                        <a:defRPr sz="5000"/>
-                      </a:pPr>
-                      <a:endParaRPr/>
-                    </a:p>
-                  </a:txBody>
-                  <a:tcPr marL="50800" marR="50800" marT="50800" marB="50800" anchor="ctr" horzOverflow="overflow">
-                    <a:lnL w="0">
-                      <a:miter lim="400000"/>
-                    </a:lnL>
-                    <a:lnR w="12700">
-                      <a:solidFill>
-                        <a:srgbClr val="B4B4B4"/>
-                      </a:solidFill>
-                      <a:miter lim="400000"/>
-                    </a:lnR>
-                  </a:tcPr>
-                </a:tc>
-                <a:extLst>
-                  <a:ext uri="{0D108BD9-81ED-4DB2-BD59-A6C34878D82A}">
-                    <a16:rowId xmlns:a16="http://schemas.microsoft.com/office/drawing/2014/main" val="10003"/>
-                  </a:ext>
-                </a:extLst>
-              </a:tr>
-              <a:tr h="1627250">
-                <a:tc>
-                  <a:txBody>
-                    <a:bodyPr/>
-                    <a:lstStyle/>
-                    <a:p>
-                      <a:pPr>
-                        <a:defRPr sz="5000"/>
-                      </a:pPr>
-                      <a:endParaRPr/>
-                    </a:p>
-                  </a:txBody>
-                  <a:tcPr marL="50800" marR="50800" marT="50800" marB="50800" anchor="ctr" horzOverflow="overflow">
-                    <a:lnL w="12700">
-                      <a:solidFill>
-                        <a:srgbClr val="B4B4B4"/>
-                      </a:solidFill>
-                      <a:miter lim="400000"/>
-                    </a:lnL>
-                    <a:lnR w="0">
-                      <a:miter lim="400000"/>
-                    </a:lnR>
-                    <a:lnB w="12700">
-                      <a:solidFill>
-                        <a:srgbClr val="B4B4B4"/>
-                      </a:solidFill>
-                      <a:miter lim="400000"/>
-                    </a:lnB>
-                  </a:tcPr>
-                </a:tc>
-                <a:tc>
-                  <a:txBody>
-                    <a:bodyPr/>
-                    <a:lstStyle/>
-                    <a:p>
-                      <a:pPr>
-                        <a:defRPr sz="5000"/>
-                      </a:pPr>
-                      <a:endParaRPr/>
-                    </a:p>
-                  </a:txBody>
-                  <a:tcPr marL="50800" marR="50800" marT="50800" marB="50800" anchor="ctr" horzOverflow="overflow">
-                    <a:lnL w="0">
-                      <a:miter lim="400000"/>
-                    </a:lnL>
-                    <a:lnR w="0">
-                      <a:miter lim="400000"/>
-                    </a:lnR>
-                    <a:lnB w="12700">
-                      <a:solidFill>
-                        <a:srgbClr val="B4B4B4"/>
-                      </a:solidFill>
-                      <a:miter lim="400000"/>
-                    </a:lnB>
-                  </a:tcPr>
-                </a:tc>
-                <a:tc>
-                  <a:txBody>
-                    <a:bodyPr/>
-                    <a:lstStyle/>
-                    <a:p>
-                      <a:pPr>
-                        <a:defRPr sz="5000"/>
-                      </a:pPr>
-                      <a:endParaRPr/>
-                    </a:p>
-                  </a:txBody>
-                  <a:tcPr marL="50800" marR="50800" marT="50800" marB="50800" anchor="ctr" horzOverflow="overflow">
-                    <a:lnL w="0">
-                      <a:miter lim="400000"/>
-                    </a:lnL>
-                    <a:lnR w="0">
-                      <a:miter lim="400000"/>
-                    </a:lnR>
-                    <a:lnB w="12700">
-                      <a:solidFill>
-                        <a:srgbClr val="B4B4B4"/>
-                      </a:solidFill>
-                      <a:miter lim="400000"/>
-                    </a:lnB>
-                  </a:tcPr>
-                </a:tc>
-                <a:tc>
-                  <a:txBody>
-                    <a:bodyPr/>
-                    <a:lstStyle/>
-                    <a:p>
-                      <a:pPr>
-                        <a:defRPr sz="5000"/>
-                      </a:pPr>
-                      <a:endParaRPr dirty="0"/>
-                    </a:p>
-                  </a:txBody>
-                  <a:tcPr marL="50800" marR="50800" marT="50800" marB="50800" anchor="ctr" horzOverflow="overflow">
-                    <a:lnL w="0">
-                      <a:miter lim="400000"/>
-                    </a:lnL>
-                    <a:lnR w="12700">
-                      <a:solidFill>
-                        <a:srgbClr val="B4B4B4"/>
-                      </a:solidFill>
-                      <a:miter lim="400000"/>
-                    </a:lnR>
-                    <a:lnB w="12700">
-                      <a:solidFill>
-                        <a:srgbClr val="B4B4B4"/>
-                      </a:solidFill>
-                      <a:miter lim="400000"/>
-                    </a:lnB>
-                  </a:tcPr>
-                </a:tc>
-                <a:extLst>
-                  <a:ext uri="{0D108BD9-81ED-4DB2-BD59-A6C34878D82A}">
-                    <a16:rowId xmlns:a16="http://schemas.microsoft.com/office/drawing/2014/main" val="10004"/>
-                  </a:ext>
-                </a:extLst>
               </a:tr>
             </a:tbl>
           </a:graphicData>
@@ -5540,12 +4833,12 @@
   <p:clrMapOvr>
     <a:masterClrMapping/>
   </p:clrMapOvr>
-  <p:transition spd="med"/>
+  <p:transition xmlns:p14="http://schemas.microsoft.com/office/powerpoint/2010/main" spd="med" advClick="1"/>
 </p:sld>
 </file>
 
 <file path=ppt/slides/slide6.xml><?xml version="1.0" encoding="utf-8"?>
-<p:sld xmlns:a="http://schemas.openxmlformats.org/drawingml/2006/main" xmlns:r="http://schemas.openxmlformats.org/officeDocument/2006/relationships" xmlns:p="http://schemas.openxmlformats.org/presentationml/2006/main">
+<p:sld xmlns:a="http://schemas.openxmlformats.org/drawingml/2006/main" xmlns:r="http://schemas.openxmlformats.org/officeDocument/2006/relationships" xmlns:p="http://schemas.openxmlformats.org/presentationml/2006/main" xmlns:m="http://schemas.openxmlformats.org/officeDocument/2006/math" xmlns:a14="http://schemas.microsoft.com/office/drawing/2010/main" showMasterSp="1" showMasterPhAnim="1">
   <p:cSld>
     <p:spTree>
       <p:nvGrpSpPr>
@@ -5563,10 +4856,8 @@
       </p:grpSpPr>
       <p:sp>
         <p:nvSpPr>
-          <p:cNvPr id="141" name="Benchmarks"/>
-          <p:cNvSpPr txBox="1">
-            <a:spLocks noGrp="1"/>
-          </p:cNvSpPr>
+          <p:cNvPr id="146" name="Benchmarks"/>
+          <p:cNvSpPr txBox="1"/>
           <p:nvPr>
             <p:ph type="title"/>
           </p:nvPr>
@@ -5580,28 +4871,26 @@
           <a:bodyPr/>
           <a:lstStyle/>
           <a:p>
-            <a:r>
-              <a:rPr dirty="0"/>
+            <a:pPr/>
+            <a:r>
               <a:t>Benchmarks</a:t>
             </a:r>
             <a:r>
-              <a:rPr lang="de-CH" dirty="0"/>
-              <a:t> (Minimax)</a:t>
-            </a:r>
-            <a:endParaRPr dirty="0"/>
+              <a:t> (Alpha-Beta)</a:t>
+            </a:r>
           </a:p>
         </p:txBody>
       </p:sp>
       <p:sp>
         <p:nvSpPr>
-          <p:cNvPr id="142" name="Rechnerkonfiguration:"/>
+          <p:cNvPr id="147" name="Rechnerkonfiguration:"/>
           <p:cNvSpPr txBox="1"/>
           <p:nvPr/>
         </p:nvSpPr>
         <p:spPr>
           <a:xfrm>
-            <a:off x="1891104" y="3334422"/>
-            <a:ext cx="20601794" cy="872034"/>
+            <a:off x="3474604" y="3357689"/>
+            <a:ext cx="17434794" cy="825501"/>
           </a:xfrm>
           <a:prstGeom prst="rect">
             <a:avLst/>
@@ -5611,7 +4900,7 @@
           </a:ln>
           <a:extLst>
             <a:ext uri="{C572A759-6A51-4108-AA02-DFA0A04FC94B}">
-              <ma14:wrappingTextBoxFlag xmlns:ma14="http://schemas.microsoft.com/office/mac/drawingml/2011/main" xmlns:a14="http://schemas.microsoft.com/office/drawing/2010/main" xmlns:m="http://schemas.openxmlformats.org/officeDocument/2006/math" xmlns="" val="1"/>
+              <ma14:wrappingTextBoxFlag xmlns:ma14="http://schemas.microsoft.com/office/mac/drawingml/2011/main" val="1"/>
             </a:ext>
           </a:extLst>
         </p:spPr>
@@ -5621,69 +4910,36 @@
           </a:bodyPr>
           <a:lstStyle/>
           <a:p>
-            <a:r>
-              <a:rPr dirty="0" err="1"/>
-              <a:t>Rechnerkonfiguration</a:t>
-            </a:r>
-            <a:r>
-              <a:rPr dirty="0"/>
-              <a:t>:</a:t>
-            </a:r>
-            <a:r>
-              <a:rPr lang="de-CH" dirty="0"/>
-              <a:t> Intel(R) Core(TM) i7-6650U CPU @ 2.20GHz   2.21 GHz</a:t>
-            </a:r>
-            <a:r>
-              <a:rPr dirty="0"/>
-              <a:t>  </a:t>
+            <a:pPr/>
+            <a:r>
+              <a:t>Rechnerkonfiguration:</a:t>
+            </a:r>
+            <a:r>
+              <a:t> Intel(R) Core(TM) i7-6650U CPU @ 2.20GHz </a:t>
             </a:r>
           </a:p>
         </p:txBody>
       </p:sp>
       <p:graphicFrame>
         <p:nvGraphicFramePr>
-          <p:cNvPr id="143" name="Tabelle"/>
+          <p:cNvPr id="148" name="Tabelle"/>
           <p:cNvGraphicFramePr/>
-          <p:nvPr>
-            <p:extLst>
-              <p:ext uri="{D42A27DB-BD31-4B8C-83A1-F6EECF244321}">
-                <p14:modId xmlns:p14="http://schemas.microsoft.com/office/powerpoint/2010/main" val="715055953"/>
-              </p:ext>
-            </p:extLst>
-          </p:nvPr>
+          <p:nvPr/>
         </p:nvGraphicFramePr>
         <p:xfrm>
-          <a:off x="673100" y="5020849"/>
-          <a:ext cx="18434270" cy="9016870"/>
+          <a:off x="1694243" y="5068242"/>
+          <a:ext cx="21008214" cy="8856851"/>
         </p:xfrm>
-        <a:graphic>
+        <a:graphic xmlns:a="http://schemas.openxmlformats.org/drawingml/2006/main">
           <a:graphicData uri="http://schemas.openxmlformats.org/drawingml/2006/table">
             <a:tbl>
-              <a:tblPr bandRow="1">
-                <a:tableStyleId>{CF821DB8-F4EB-4A41-A1BA-3FCAFE7338EE}</a:tableStyleId>
+              <a:tblPr firstCol="0" firstRow="0" lastCol="0" lastRow="0" bandCol="0" bandRow="1" rtl="0">
+                <a:tableStyleId>{4C3C2611-4C71-4FC5-86AE-919BDF0F9419}</a:tableStyleId>
               </a:tblPr>
               <a:tblGrid>
-                <a:gridCol w="7757778">
-                  <a:extLst>
-                    <a:ext uri="{9D8B030D-6E8A-4147-A177-3AD203B41FA5}">
-                      <a16:colId xmlns:a16="http://schemas.microsoft.com/office/drawing/2014/main" val="20000"/>
-                    </a:ext>
-                  </a:extLst>
-                </a:gridCol>
-                <a:gridCol w="7013960">
-                  <a:extLst>
-                    <a:ext uri="{9D8B030D-6E8A-4147-A177-3AD203B41FA5}">
-                      <a16:colId xmlns:a16="http://schemas.microsoft.com/office/drawing/2014/main" val="20001"/>
-                    </a:ext>
-                  </a:extLst>
-                </a:gridCol>
-                <a:gridCol w="3662532">
-                  <a:extLst>
-                    <a:ext uri="{9D8B030D-6E8A-4147-A177-3AD203B41FA5}">
-                      <a16:colId xmlns:a16="http://schemas.microsoft.com/office/drawing/2014/main" val="20003"/>
-                    </a:ext>
-                  </a:extLst>
-                </a:gridCol>
+                <a:gridCol w="8835637"/>
+                <a:gridCol w="7988474"/>
+                <a:gridCol w="4171401"/>
               </a:tblGrid>
               <a:tr h="1627250">
                 <a:tc>
@@ -5699,7 +4955,7 @@
                         </a:defRPr>
                       </a:pPr>
                       <a:r>
-                        <a:rPr sz="5000" dirty="0">
+                        <a:rPr sz="4300">
                           <a:solidFill>
                             <a:srgbClr val="5A5F5E"/>
                           </a:solidFill>
@@ -5708,16 +4964,13 @@
                       </a:r>
                     </a:p>
                   </a:txBody>
-                  <a:tcPr marL="50800" marR="50800" marT="50800" marB="50800" anchor="ctr" horzOverflow="overflow">
+                  <a:tcPr marL="50800" marR="50800" marT="50800" marB="50800" anchor="ctr" anchorCtr="0" horzOverflow="overflow">
                     <a:lnL w="12700">
                       <a:solidFill>
                         <a:srgbClr val="B4B4B4"/>
                       </a:solidFill>
                       <a:miter lim="400000"/>
                     </a:lnL>
-                    <a:lnR w="0">
-                      <a:miter lim="400000"/>
-                    </a:lnR>
                     <a:lnT w="12700">
                       <a:solidFill>
                         <a:srgbClr val="B4B4B4"/>
@@ -5739,27 +4992,16 @@
                         </a:defRPr>
                       </a:pPr>
                       <a:r>
-                        <a:rPr lang="de-CH" sz="5000" dirty="0">
+                        <a:rPr sz="4300">
                           <a:solidFill>
                             <a:srgbClr val="5A5F5E"/>
                           </a:solidFill>
                         </a:rPr>
                         <a:t>Suchtiefe</a:t>
                       </a:r>
-                      <a:endParaRPr sz="5000" dirty="0">
-                        <a:solidFill>
-                          <a:srgbClr val="5A5F5E"/>
-                        </a:solidFill>
-                      </a:endParaRPr>
                     </a:p>
                   </a:txBody>
-                  <a:tcPr marL="50800" marR="50800" marT="50800" marB="50800" anchor="ctr" horzOverflow="overflow">
-                    <a:lnL w="0">
-                      <a:miter lim="400000"/>
-                    </a:lnL>
-                    <a:lnR w="0">
-                      <a:miter lim="400000"/>
-                    </a:lnR>
+                  <a:tcPr marL="50800" marR="50800" marT="50800" marB="50800" anchor="ctr" anchorCtr="0" horzOverflow="overflow">
                     <a:lnT w="12700">
                       <a:solidFill>
                         <a:srgbClr val="B4B4B4"/>
@@ -5781,7 +5023,7 @@
                         </a:defRPr>
                       </a:pPr>
                       <a:r>
-                        <a:rPr sz="5000" dirty="0">
+                        <a:rPr sz="4300">
                           <a:solidFill>
                             <a:srgbClr val="5A5F5E"/>
                           </a:solidFill>
@@ -5790,11 +5032,7 @@
                       </a:r>
                     </a:p>
                   </a:txBody>
-                  <a:tcPr marL="50800" marR="50800" marT="50800" marB="50800" anchor="ctr" horzOverflow="overflow">
-                    <a:lnL w="0">
-                      <a:noFill/>
-                      <a:miter lim="400000"/>
-                    </a:lnL>
+                  <a:tcPr marL="50800" marR="50800" marT="50800" marB="50800" anchor="ctr" anchorCtr="0" horzOverflow="overflow">
                     <a:lnR w="12700">
                       <a:solidFill>
                         <a:srgbClr val="B4B4B4"/>
@@ -5809,11 +5047,6 @@
                     </a:lnT>
                   </a:tcPr>
                 </a:tc>
-                <a:extLst>
-                  <a:ext uri="{0D108BD9-81ED-4DB2-BD59-A6C34878D82A}">
-                    <a16:rowId xmlns:a16="http://schemas.microsoft.com/office/drawing/2014/main" val="10000"/>
-                  </a:ext>
-                </a:extLst>
               </a:tr>
               <a:tr h="1627250">
                 <a:tc>
@@ -5821,32 +5054,30 @@
                     <a:bodyPr/>
                     <a:lstStyle/>
                     <a:p>
+                      <a:pPr>
+                        <a:defRPr sz="1800">
+                          <a:solidFill>
+                            <a:srgbClr val="000000"/>
+                          </a:solidFill>
+                        </a:defRPr>
+                      </a:pPr>
                       <a:r>
-                        <a:rPr lang="de-DE" sz="2400" b="0" i="0" u="none" strike="noStrike" cap="none" spc="0" baseline="0" dirty="0">
+                        <a:rPr sz="4300">
                           <a:solidFill>
                             <a:srgbClr val="5A5F5E"/>
                           </a:solidFill>
-                          <a:effectLst/>
-                          <a:uFillTx/>
-                          <a:latin typeface="+mn-lt"/>
-                          <a:ea typeface="+mn-ea"/>
-                          <a:cs typeface="+mn-cs"/>
-                          <a:sym typeface="Gill Sans Light"/>
                         </a:rPr>
                         <a:t>rnb1kbnr/p4ppp/1p1pp3/2p3q1/3P4/NQP1PNPB/PP3P1P/R1B1K2R w</a:t>
                       </a:r>
                     </a:p>
                   </a:txBody>
-                  <a:tcPr marL="50800" marR="50800" marT="50800" marB="50800" anchor="ctr" horzOverflow="overflow">
+                  <a:tcPr marL="50800" marR="50800" marT="50800" marB="50800" anchor="ctr" anchorCtr="0" horzOverflow="overflow">
                     <a:lnL w="12700">
                       <a:solidFill>
                         <a:srgbClr val="B4B4B4"/>
                       </a:solidFill>
                       <a:miter lim="400000"/>
                     </a:lnL>
-                    <a:lnR w="0">
-                      <a:miter lim="400000"/>
-                    </a:lnR>
                   </a:tcPr>
                 </a:tc>
                 <a:tc>
@@ -5855,57 +5086,47 @@
                     <a:lstStyle/>
                     <a:p>
                       <a:pPr>
-                        <a:defRPr sz="5000"/>
+                        <a:defRPr sz="1800">
+                          <a:solidFill>
+                            <a:srgbClr val="000000"/>
+                          </a:solidFill>
+                        </a:defRPr>
                       </a:pPr>
                       <a:r>
-                        <a:rPr lang="de-CH" dirty="0"/>
+                        <a:rPr sz="4300">
+                          <a:solidFill>
+                            <a:srgbClr val="5A5F5E"/>
+                          </a:solidFill>
+                        </a:rPr>
                         <a:t>3</a:t>
                       </a:r>
-                      <a:endParaRPr dirty="0"/>
                     </a:p>
                   </a:txBody>
-                  <a:tcPr marL="50800" marR="50800" marT="50800" marB="50800" anchor="ctr" horzOverflow="overflow">
-                    <a:lnL w="0">
-                      <a:miter lim="400000"/>
-                    </a:lnL>
-                    <a:lnR w="0">
-                      <a:miter lim="400000"/>
-                    </a:lnR>
-                  </a:tcPr>
+                  <a:tcPr marL="50800" marR="50800" marT="50800" marB="50800" anchor="ctr" anchorCtr="0" horzOverflow="overflow"/>
                 </a:tc>
                 <a:tc>
                   <a:txBody>
                     <a:bodyPr/>
                     <a:lstStyle/>
                     <a:p>
-                      <a:pPr marL="0" marR="0" lvl="0" indent="0" algn="ctr" defTabSz="825500" eaLnBrk="1" fontAlgn="auto" latinLnBrk="0" hangingPunct="1">
-                        <a:lnSpc>
-                          <a:spcPct val="100000"/>
-                        </a:lnSpc>
-                        <a:spcBef>
-                          <a:spcPts val="0"/>
-                        </a:spcBef>
-                        <a:spcAft>
-                          <a:spcPts val="0"/>
-                        </a:spcAft>
-                        <a:buClrTx/>
-                        <a:buSzTx/>
-                        <a:buFontTx/>
-                        <a:buNone/>
-                        <a:tabLst/>
-                        <a:defRPr sz="5000"/>
+                      <a:pPr>
+                        <a:defRPr sz="1800">
+                          <a:solidFill>
+                            <a:srgbClr val="000000"/>
+                          </a:solidFill>
+                        </a:defRPr>
                       </a:pPr>
                       <a:r>
-                        <a:rPr lang="de-DE" dirty="0"/>
-                        <a:t>0.22300457954406738s</a:t>
+                        <a:rPr sz="4300">
+                          <a:solidFill>
+                            <a:srgbClr val="5A5F5E"/>
+                          </a:solidFill>
+                        </a:rPr>
+                        <a:t>~0.223 s</a:t>
                       </a:r>
                     </a:p>
                   </a:txBody>
-                  <a:tcPr marL="50800" marR="50800" marT="50800" marB="50800" anchor="ctr" horzOverflow="overflow">
-                    <a:lnL w="0">
-                      <a:noFill/>
-                      <a:miter lim="400000"/>
-                    </a:lnL>
+                  <a:tcPr marL="50800" marR="50800" marT="50800" marB="50800" anchor="ctr" anchorCtr="0" horzOverflow="overflow">
                     <a:lnR w="12700">
                       <a:solidFill>
                         <a:srgbClr val="B4B4B4"/>
@@ -5914,11 +5135,6 @@
                     </a:lnR>
                   </a:tcPr>
                 </a:tc>
-                <a:extLst>
-                  <a:ext uri="{0D108BD9-81ED-4DB2-BD59-A6C34878D82A}">
-                    <a16:rowId xmlns:a16="http://schemas.microsoft.com/office/drawing/2014/main" val="10001"/>
-                  </a:ext>
-                </a:extLst>
               </a:tr>
               <a:tr h="1627250">
                 <a:tc>
@@ -5926,49 +5142,30 @@
                     <a:bodyPr/>
                     <a:lstStyle/>
                     <a:p>
-                      <a:pPr marL="0" marR="0" lvl="0" indent="0" algn="ctr" defTabSz="825500" eaLnBrk="1" fontAlgn="auto" latinLnBrk="0" hangingPunct="1">
-                        <a:lnSpc>
-                          <a:spcPct val="100000"/>
-                        </a:lnSpc>
-                        <a:spcBef>
-                          <a:spcPts val="0"/>
-                        </a:spcBef>
-                        <a:spcAft>
-                          <a:spcPts val="0"/>
-                        </a:spcAft>
-                        <a:buClrTx/>
-                        <a:buSzTx/>
-                        <a:buFontTx/>
-                        <a:buNone/>
-                        <a:tabLst/>
-                        <a:defRPr sz="5000"/>
+                      <a:pPr>
+                        <a:defRPr sz="1800">
+                          <a:solidFill>
+                            <a:srgbClr val="000000"/>
+                          </a:solidFill>
+                        </a:defRPr>
                       </a:pPr>
                       <a:r>
-                        <a:rPr lang="de-DE" sz="5400" b="0" i="0" u="none" strike="noStrike" cap="none" spc="0" baseline="0" dirty="0">
+                        <a:rPr sz="4300">
                           <a:solidFill>
                             <a:srgbClr val="5A5F5E"/>
                           </a:solidFill>
-                          <a:effectLst/>
-                          <a:uFillTx/>
-                          <a:latin typeface="+mn-lt"/>
-                          <a:ea typeface="+mn-ea"/>
-                          <a:cs typeface="+mn-cs"/>
-                          <a:sym typeface="Gill Sans Light"/>
                         </a:rPr>
                         <a:t>3q3r/1pp2pb1/3pkn2/1B6/3P4/4PN1P/5K1P/7R b</a:t>
                       </a:r>
                     </a:p>
                   </a:txBody>
-                  <a:tcPr marL="50800" marR="50800" marT="50800" marB="50800" anchor="ctr" horzOverflow="overflow">
+                  <a:tcPr marL="50800" marR="50800" marT="50800" marB="50800" anchor="ctr" anchorCtr="0" horzOverflow="overflow">
                     <a:lnL w="12700">
                       <a:solidFill>
                         <a:srgbClr val="B4B4B4"/>
                       </a:solidFill>
                       <a:miter lim="400000"/>
                     </a:lnL>
-                    <a:lnR w="0">
-                      <a:miter lim="400000"/>
-                    </a:lnR>
                   </a:tcPr>
                 </a:tc>
                 <a:tc>
@@ -5977,22 +5174,86 @@
                     <a:lstStyle/>
                     <a:p>
                       <a:pPr>
-                        <a:defRPr sz="5000"/>
+                        <a:defRPr sz="1800">
+                          <a:solidFill>
+                            <a:srgbClr val="000000"/>
+                          </a:solidFill>
+                        </a:defRPr>
                       </a:pPr>
                       <a:r>
-                        <a:rPr lang="de-CH" dirty="0"/>
+                        <a:rPr sz="4300">
+                          <a:solidFill>
+                            <a:srgbClr val="5A5F5E"/>
+                          </a:solidFill>
+                        </a:rPr>
                         <a:t>3</a:t>
                       </a:r>
-                      <a:endParaRPr dirty="0"/>
                     </a:p>
                   </a:txBody>
-                  <a:tcPr marL="50800" marR="50800" marT="50800" marB="50800" anchor="ctr" horzOverflow="overflow">
-                    <a:lnL w="0">
+                  <a:tcPr marL="50800" marR="50800" marT="50800" marB="50800" anchor="ctr" anchorCtr="0" horzOverflow="overflow"/>
+                </a:tc>
+                <a:tc>
+                  <a:txBody>
+                    <a:bodyPr/>
+                    <a:lstStyle/>
+                    <a:p>
+                      <a:pPr>
+                        <a:defRPr sz="1800">
+                          <a:solidFill>
+                            <a:srgbClr val="000000"/>
+                          </a:solidFill>
+                        </a:defRPr>
+                      </a:pPr>
+                      <a:r>
+                        <a:rPr sz="4300">
+                          <a:solidFill>
+                            <a:srgbClr val="5A5F5E"/>
+                          </a:solidFill>
+                        </a:rPr>
+                        <a:t>~0.035 s</a:t>
+                      </a:r>
+                    </a:p>
+                  </a:txBody>
+                  <a:tcPr marL="50800" marR="50800" marT="50800" marB="50800" anchor="ctr" anchorCtr="0" horzOverflow="overflow">
+                    <a:lnR w="12700">
+                      <a:solidFill>
+                        <a:srgbClr val="B4B4B4"/>
+                      </a:solidFill>
+                      <a:miter lim="400000"/>
+                    </a:lnR>
+                  </a:tcPr>
+                </a:tc>
+              </a:tr>
+              <a:tr h="1627250">
+                <a:tc>
+                  <a:txBody>
+                    <a:bodyPr/>
+                    <a:lstStyle/>
+                    <a:p>
+                      <a:pPr>
+                        <a:defRPr sz="1800">
+                          <a:solidFill>
+                            <a:srgbClr val="000000"/>
+                          </a:solidFill>
+                        </a:defRPr>
+                      </a:pPr>
+                      <a:r>
+                        <a:rPr sz="4300">
+                          <a:solidFill>
+                            <a:srgbClr val="5A5F5E"/>
+                          </a:solidFill>
+                        </a:rPr>
+                        <a:t>r1b1kbnr/pN2pp1p/2P5/1p4qp/3P3P/2P5/PP3PP1/R1B1K1NR W</a:t>
+                      </a:r>
+                    </a:p>
+                  </a:txBody>
+                  <a:tcPr marL="50800" marR="50800" marT="50800" marB="50800" anchor="ctr" anchorCtr="0" horzOverflow="overflow">
+                    <a:lnL w="12700">
+                      <a:solidFill>
+                        <a:srgbClr val="B4B4B4"/>
+                      </a:solidFill>
                       <a:miter lim="400000"/>
                     </a:lnL>
-                    <a:lnR w="0">
-                      <a:miter lim="400000"/>
-                    </a:lnR>
                   </a:tcPr>
                 </a:tc>
                 <a:tc>
@@ -6001,20 +5262,47 @@
                     <a:lstStyle/>
                     <a:p>
                       <a:pPr>
-                        <a:defRPr sz="5000"/>
+                        <a:defRPr sz="1800">
+                          <a:solidFill>
+                            <a:srgbClr val="000000"/>
+                          </a:solidFill>
+                        </a:defRPr>
                       </a:pPr>
                       <a:r>
-                        <a:rPr lang="de-DE" dirty="0"/>
-                        <a:t>0.03504061698913574s</a:t>
+                        <a:rPr sz="4300">
+                          <a:solidFill>
+                            <a:srgbClr val="5A5F5E"/>
+                          </a:solidFill>
+                        </a:rPr>
+                        <a:t>2</a:t>
                       </a:r>
-                      <a:endParaRPr dirty="0"/>
                     </a:p>
                   </a:txBody>
-                  <a:tcPr marL="50800" marR="50800" marT="50800" marB="50800" anchor="ctr" horzOverflow="overflow">
-                    <a:lnL w="0">
-                      <a:noFill/>
-                      <a:miter lim="400000"/>
-                    </a:lnL>
+                  <a:tcPr marL="50800" marR="50800" marT="50800" marB="50800" anchor="ctr" anchorCtr="0" horzOverflow="overflow"/>
+                </a:tc>
+                <a:tc>
+                  <a:txBody>
+                    <a:bodyPr/>
+                    <a:lstStyle/>
+                    <a:p>
+                      <a:pPr>
+                        <a:defRPr sz="1800">
+                          <a:solidFill>
+                            <a:srgbClr val="000000"/>
+                          </a:solidFill>
+                        </a:defRPr>
+                      </a:pPr>
+                      <a:r>
+                        <a:rPr sz="4300">
+                          <a:solidFill>
+                            <a:srgbClr val="5A5F5E"/>
+                          </a:solidFill>
+                        </a:rPr>
+                        <a:t>~0.012 s</a:t>
+                      </a:r>
+                    </a:p>
+                  </a:txBody>
+                  <a:tcPr marL="50800" marR="50800" marT="50800" marB="50800" anchor="ctr" anchorCtr="0" horzOverflow="overflow">
                     <a:lnR w="12700">
                       <a:solidFill>
                         <a:srgbClr val="B4B4B4"/>
@@ -6023,233 +5311,22 @@
                     </a:lnR>
                   </a:tcPr>
                 </a:tc>
-                <a:extLst>
-                  <a:ext uri="{0D108BD9-81ED-4DB2-BD59-A6C34878D82A}">
-                    <a16:rowId xmlns:a16="http://schemas.microsoft.com/office/drawing/2014/main" val="10002"/>
-                  </a:ext>
-                </a:extLst>
-              </a:tr>
-              <a:tr h="1627250">
-                <a:tc>
-                  <a:txBody>
-                    <a:bodyPr/>
-                    <a:lstStyle/>
-                    <a:p>
-                      <a:pPr marL="0" marR="0" lvl="0" indent="0" algn="ctr" defTabSz="825500" eaLnBrk="1" fontAlgn="auto" latinLnBrk="0" hangingPunct="1">
-                        <a:lnSpc>
-                          <a:spcPct val="100000"/>
-                        </a:lnSpc>
-                        <a:spcBef>
-                          <a:spcPts val="0"/>
-                        </a:spcBef>
-                        <a:spcAft>
-                          <a:spcPts val="0"/>
-                        </a:spcAft>
-                        <a:buClrTx/>
-                        <a:buSzTx/>
-                        <a:buFontTx/>
-                        <a:buNone/>
-                        <a:tabLst/>
-                        <a:defRPr sz="5000"/>
-                      </a:pPr>
-                      <a:r>
-                        <a:rPr lang="de-DE" sz="5000" b="0" i="0" u="none" strike="noStrike" cap="none" spc="0" baseline="0" dirty="0">
-                          <a:solidFill>
-                            <a:srgbClr val="5A5F5E"/>
-                          </a:solidFill>
-                          <a:effectLst/>
-                          <a:uFillTx/>
-                          <a:latin typeface="+mn-lt"/>
-                          <a:ea typeface="+mn-ea"/>
-                          <a:cs typeface="+mn-cs"/>
-                          <a:sym typeface="Gill Sans Light"/>
-                        </a:rPr>
-                        <a:t>r1b1kbnr/pN2pp1p/2P5/1p4qp/3P3P/2P5/PP3PP1/R1B1K1NR W</a:t>
-                      </a:r>
-                    </a:p>
-                  </a:txBody>
-                  <a:tcPr marL="50800" marR="50800" marT="50800" marB="50800" anchor="ctr" horzOverflow="overflow">
-                    <a:lnL w="12700">
-                      <a:solidFill>
-                        <a:srgbClr val="B4B4B4"/>
-                      </a:solidFill>
-                      <a:miter lim="400000"/>
-                    </a:lnL>
-                    <a:lnR w="0">
-                      <a:miter lim="400000"/>
-                    </a:lnR>
-                  </a:tcPr>
-                </a:tc>
-                <a:tc>
-                  <a:txBody>
-                    <a:bodyPr/>
-                    <a:lstStyle/>
-                    <a:p>
-                      <a:pPr>
-                        <a:defRPr sz="5000"/>
-                      </a:pPr>
-                      <a:r>
-                        <a:rPr lang="de-CH" dirty="0"/>
-                        <a:t>2</a:t>
-                      </a:r>
-                      <a:endParaRPr dirty="0"/>
-                    </a:p>
-                  </a:txBody>
-                  <a:tcPr marL="50800" marR="50800" marT="50800" marB="50800" anchor="ctr" horzOverflow="overflow">
-                    <a:lnL w="0">
-                      <a:miter lim="400000"/>
-                    </a:lnL>
-                    <a:lnR w="0">
-                      <a:miter lim="400000"/>
-                    </a:lnR>
-                  </a:tcPr>
-                </a:tc>
-                <a:tc>
-                  <a:txBody>
-                    <a:bodyPr/>
-                    <a:lstStyle/>
-                    <a:p>
-                      <a:pPr>
-                        <a:defRPr sz="5000"/>
-                      </a:pPr>
-                      <a:r>
-                        <a:rPr lang="de-DE" dirty="0"/>
-                        <a:t>0.012006282806396484s</a:t>
-                      </a:r>
-                      <a:endParaRPr dirty="0"/>
-                    </a:p>
-                  </a:txBody>
-                  <a:tcPr marL="50800" marR="50800" marT="50800" marB="50800" anchor="ctr" horzOverflow="overflow">
-                    <a:lnL w="0">
-                      <a:noFill/>
-                      <a:miter lim="400000"/>
-                    </a:lnL>
-                    <a:lnR w="12700">
-                      <a:solidFill>
-                        <a:srgbClr val="B4B4B4"/>
-                      </a:solidFill>
-                      <a:miter lim="400000"/>
-                    </a:lnR>
-                  </a:tcPr>
-                </a:tc>
-                <a:extLst>
-                  <a:ext uri="{0D108BD9-81ED-4DB2-BD59-A6C34878D82A}">
-                    <a16:rowId xmlns:a16="http://schemas.microsoft.com/office/drawing/2014/main" val="10003"/>
-                  </a:ext>
-                </a:extLst>
-              </a:tr>
-              <a:tr h="1627250">
-                <a:tc>
-                  <a:txBody>
-                    <a:bodyPr/>
-                    <a:lstStyle/>
-                    <a:p>
-                      <a:pPr>
-                        <a:defRPr sz="5000"/>
-                      </a:pPr>
-                      <a:endParaRPr/>
-                    </a:p>
-                  </a:txBody>
-                  <a:tcPr marL="50800" marR="50800" marT="50800" marB="50800" anchor="ctr" horzOverflow="overflow">
-                    <a:lnL w="12700">
-                      <a:solidFill>
-                        <a:srgbClr val="B4B4B4"/>
-                      </a:solidFill>
-                      <a:miter lim="400000"/>
-                    </a:lnL>
-                    <a:lnR w="0">
-                      <a:miter lim="400000"/>
-                    </a:lnR>
-                    <a:lnB w="12700">
-                      <a:solidFill>
-                        <a:srgbClr val="B4B4B4"/>
-                      </a:solidFill>
-                      <a:miter lim="400000"/>
-                    </a:lnB>
-                  </a:tcPr>
-                </a:tc>
-                <a:tc>
-                  <a:txBody>
-                    <a:bodyPr/>
-                    <a:lstStyle/>
-                    <a:p>
-                      <a:pPr>
-                        <a:defRPr sz="5000"/>
-                      </a:pPr>
-                      <a:endParaRPr/>
-                    </a:p>
-                  </a:txBody>
-                  <a:tcPr marL="50800" marR="50800" marT="50800" marB="50800" anchor="ctr" horzOverflow="overflow">
-                    <a:lnL w="0">
-                      <a:miter lim="400000"/>
-                    </a:lnL>
-                    <a:lnR w="0">
-                      <a:miter lim="400000"/>
-                    </a:lnR>
-                    <a:lnB w="12700">
-                      <a:solidFill>
-                        <a:srgbClr val="B4B4B4"/>
-                      </a:solidFill>
-                      <a:miter lim="400000"/>
-                    </a:lnB>
-                  </a:tcPr>
-                </a:tc>
-                <a:tc>
-                  <a:txBody>
-                    <a:bodyPr/>
-                    <a:lstStyle/>
-                    <a:p>
-                      <a:pPr>
-                        <a:defRPr sz="5000"/>
-                      </a:pPr>
-                      <a:endParaRPr dirty="0"/>
-                    </a:p>
-                  </a:txBody>
-                  <a:tcPr marL="50800" marR="50800" marT="50800" marB="50800" anchor="ctr" horzOverflow="overflow">
-                    <a:lnL w="0">
-                      <a:noFill/>
-                      <a:miter lim="400000"/>
-                    </a:lnL>
-                    <a:lnR w="12700">
-                      <a:solidFill>
-                        <a:srgbClr val="B4B4B4"/>
-                      </a:solidFill>
-                      <a:miter lim="400000"/>
-                    </a:lnR>
-                    <a:lnB w="12700">
-                      <a:solidFill>
-                        <a:srgbClr val="B4B4B4"/>
-                      </a:solidFill>
-                      <a:miter lim="400000"/>
-                    </a:lnB>
-                  </a:tcPr>
-                </a:tc>
-                <a:extLst>
-                  <a:ext uri="{0D108BD9-81ED-4DB2-BD59-A6C34878D82A}">
-                    <a16:rowId xmlns:a16="http://schemas.microsoft.com/office/drawing/2014/main" val="10004"/>
-                  </a:ext>
-                </a:extLst>
               </a:tr>
             </a:tbl>
           </a:graphicData>
         </a:graphic>
       </p:graphicFrame>
     </p:spTree>
-    <p:extLst>
-      <p:ext uri="{BB962C8B-B14F-4D97-AF65-F5344CB8AC3E}">
-        <p14:creationId xmlns:p14="http://schemas.microsoft.com/office/powerpoint/2010/main" val="4160156601"/>
-      </p:ext>
-    </p:extLst>
   </p:cSld>
   <p:clrMapOvr>
     <a:masterClrMapping/>
   </p:clrMapOvr>
-  <p:transition spd="med"/>
+  <p:transition xmlns:p14="http://schemas.microsoft.com/office/powerpoint/2010/main" spd="med" advClick="1"/>
 </p:sld>
 </file>
 
 <file path=ppt/slides/slide7.xml><?xml version="1.0" encoding="utf-8"?>
-<p:sld xmlns:a="http://schemas.openxmlformats.org/drawingml/2006/main" xmlns:r="http://schemas.openxmlformats.org/officeDocument/2006/relationships" xmlns:p="http://schemas.openxmlformats.org/presentationml/2006/main">
+<p:sld xmlns:a="http://schemas.openxmlformats.org/drawingml/2006/main" xmlns:r="http://schemas.openxmlformats.org/officeDocument/2006/relationships" xmlns:p="http://schemas.openxmlformats.org/presentationml/2006/main" xmlns:m="http://schemas.openxmlformats.org/officeDocument/2006/math" xmlns:a14="http://schemas.microsoft.com/office/drawing/2010/main" showMasterSp="1" showMasterPhAnim="1">
   <p:cSld>
     <p:spTree>
       <p:nvGrpSpPr>
@@ -6267,10 +5344,8 @@
       </p:grpSpPr>
       <p:sp>
         <p:nvSpPr>
-          <p:cNvPr id="141" name="Benchmarks"/>
-          <p:cNvSpPr txBox="1">
-            <a:spLocks noGrp="1"/>
-          </p:cNvSpPr>
+          <p:cNvPr id="150" name="Ausblick"/>
+          <p:cNvSpPr txBox="1"/>
           <p:nvPr>
             <p:ph type="title"/>
           </p:nvPr>
@@ -6284,758 +5359,19 @@
           <a:bodyPr/>
           <a:lstStyle/>
           <a:p>
-            <a:r>
-              <a:rPr dirty="0"/>
-              <a:t>Benchmarks</a:t>
-            </a:r>
-            <a:r>
-              <a:rPr lang="de-CH" dirty="0"/>
-              <a:t> (Alpha-Beta) eigentlich</a:t>
-            </a:r>
-            <a:endParaRPr dirty="0"/>
+            <a:pPr/>
+            <a:r>
+              <a:t>Ausblick</a:t>
+            </a:r>
           </a:p>
         </p:txBody>
       </p:sp>
       <p:sp>
         <p:nvSpPr>
-          <p:cNvPr id="142" name="Rechnerkonfiguration:"/>
+          <p:cNvPr id="151" name="Bewertungsfunktion verbessern (evtl. Neural-Network)…"/>
           <p:cNvSpPr txBox="1"/>
-          <p:nvPr/>
-        </p:nvSpPr>
-        <p:spPr>
-          <a:xfrm>
-            <a:off x="1891104" y="3334422"/>
-            <a:ext cx="20601794" cy="872034"/>
-          </a:xfrm>
-          <a:prstGeom prst="rect">
-            <a:avLst/>
-          </a:prstGeom>
-          <a:ln w="12700">
-            <a:miter lim="400000"/>
-          </a:ln>
-          <a:extLst>
-            <a:ext uri="{C572A759-6A51-4108-AA02-DFA0A04FC94B}">
-              <ma14:wrappingTextBoxFlag xmlns:ma14="http://schemas.microsoft.com/office/mac/drawingml/2011/main" xmlns:a14="http://schemas.microsoft.com/office/drawing/2010/main" xmlns:m="http://schemas.openxmlformats.org/officeDocument/2006/math" xmlns="" val="1"/>
-            </a:ext>
-          </a:extLst>
-        </p:spPr>
-        <p:txBody>
-          <a:bodyPr wrap="none" lIns="50800" tIns="50800" rIns="50800" bIns="50800" anchor="ctr">
-            <a:spAutoFit/>
-          </a:bodyPr>
-          <a:lstStyle/>
-          <a:p>
-            <a:r>
-              <a:rPr dirty="0" err="1"/>
-              <a:t>Rechnerkonfiguration</a:t>
-            </a:r>
-            <a:r>
-              <a:rPr dirty="0"/>
-              <a:t>:</a:t>
-            </a:r>
-            <a:r>
-              <a:rPr lang="de-CH" dirty="0"/>
-              <a:t> Intel(R) Core(TM) i7-6650U CPU @ 2.20GHz   2.21 GHz</a:t>
-            </a:r>
-            <a:r>
-              <a:rPr dirty="0"/>
-              <a:t>  </a:t>
-            </a:r>
-          </a:p>
-        </p:txBody>
-      </p:sp>
-      <p:graphicFrame>
-        <p:nvGraphicFramePr>
-          <p:cNvPr id="143" name="Tabelle"/>
-          <p:cNvGraphicFramePr/>
           <p:nvPr>
-            <p:extLst>
-              <p:ext uri="{D42A27DB-BD31-4B8C-83A1-F6EECF244321}">
-                <p14:modId xmlns:p14="http://schemas.microsoft.com/office/powerpoint/2010/main" val="3599854793"/>
-              </p:ext>
-            </p:extLst>
-          </p:nvPr>
-        </p:nvGraphicFramePr>
-        <p:xfrm>
-          <a:off x="673100" y="5020849"/>
-          <a:ext cx="23037799" cy="8896600"/>
-        </p:xfrm>
-        <a:graphic>
-          <a:graphicData uri="http://schemas.openxmlformats.org/drawingml/2006/table">
-            <a:tbl>
-              <a:tblPr bandRow="1">
-                <a:tableStyleId>{CF821DB8-F4EB-4A41-A1BA-3FCAFE7338EE}</a:tableStyleId>
-              </a:tblPr>
-              <a:tblGrid>
-                <a:gridCol w="7757778">
-                  <a:extLst>
-                    <a:ext uri="{9D8B030D-6E8A-4147-A177-3AD203B41FA5}">
-                      <a16:colId xmlns:a16="http://schemas.microsoft.com/office/drawing/2014/main" val="20000"/>
-                    </a:ext>
-                  </a:extLst>
-                </a:gridCol>
-                <a:gridCol w="7013960">
-                  <a:extLst>
-                    <a:ext uri="{9D8B030D-6E8A-4147-A177-3AD203B41FA5}">
-                      <a16:colId xmlns:a16="http://schemas.microsoft.com/office/drawing/2014/main" val="20001"/>
-                    </a:ext>
-                  </a:extLst>
-                </a:gridCol>
-                <a:gridCol w="4603529">
-                  <a:extLst>
-                    <a:ext uri="{9D8B030D-6E8A-4147-A177-3AD203B41FA5}">
-                      <a16:colId xmlns:a16="http://schemas.microsoft.com/office/drawing/2014/main" val="20002"/>
-                    </a:ext>
-                  </a:extLst>
-                </a:gridCol>
-                <a:gridCol w="3662532">
-                  <a:extLst>
-                    <a:ext uri="{9D8B030D-6E8A-4147-A177-3AD203B41FA5}">
-                      <a16:colId xmlns:a16="http://schemas.microsoft.com/office/drawing/2014/main" val="20003"/>
-                    </a:ext>
-                  </a:extLst>
-                </a:gridCol>
-              </a:tblGrid>
-              <a:tr h="1627250">
-                <a:tc>
-                  <a:txBody>
-                    <a:bodyPr/>
-                    <a:lstStyle/>
-                    <a:p>
-                      <a:pPr>
-                        <a:defRPr sz="1800">
-                          <a:solidFill>
-                            <a:srgbClr val="000000"/>
-                          </a:solidFill>
-                        </a:defRPr>
-                      </a:pPr>
-                      <a:r>
-                        <a:rPr sz="5000">
-                          <a:solidFill>
-                            <a:srgbClr val="5A5F5E"/>
-                          </a:solidFill>
-                        </a:rPr>
-                        <a:t>FEN</a:t>
-                      </a:r>
-                    </a:p>
-                  </a:txBody>
-                  <a:tcPr marL="50800" marR="50800" marT="50800" marB="50800" anchor="ctr" horzOverflow="overflow">
-                    <a:lnL w="12700">
-                      <a:solidFill>
-                        <a:srgbClr val="B4B4B4"/>
-                      </a:solidFill>
-                      <a:miter lim="400000"/>
-                    </a:lnL>
-                    <a:lnR w="0">
-                      <a:miter lim="400000"/>
-                    </a:lnR>
-                    <a:lnT w="12700">
-                      <a:solidFill>
-                        <a:srgbClr val="B4B4B4"/>
-                      </a:solidFill>
-                      <a:miter lim="400000"/>
-                    </a:lnT>
-                  </a:tcPr>
-                </a:tc>
-                <a:tc>
-                  <a:txBody>
-                    <a:bodyPr/>
-                    <a:lstStyle/>
-                    <a:p>
-                      <a:pPr>
-                        <a:defRPr sz="1800">
-                          <a:solidFill>
-                            <a:srgbClr val="000000"/>
-                          </a:solidFill>
-                        </a:defRPr>
-                      </a:pPr>
-                      <a:r>
-                        <a:rPr sz="5000">
-                          <a:solidFill>
-                            <a:srgbClr val="5A5F5E"/>
-                          </a:solidFill>
-                        </a:rPr>
-                        <a:t>Baumtiefe erreicht</a:t>
-                      </a:r>
-                    </a:p>
-                  </a:txBody>
-                  <a:tcPr marL="50800" marR="50800" marT="50800" marB="50800" anchor="ctr" horzOverflow="overflow">
-                    <a:lnL w="0">
-                      <a:miter lim="400000"/>
-                    </a:lnL>
-                    <a:lnR w="0">
-                      <a:miter lim="400000"/>
-                    </a:lnR>
-                    <a:lnT w="12700">
-                      <a:solidFill>
-                        <a:srgbClr val="B4B4B4"/>
-                      </a:solidFill>
-                      <a:miter lim="400000"/>
-                    </a:lnT>
-                  </a:tcPr>
-                </a:tc>
-                <a:tc>
-                  <a:txBody>
-                    <a:bodyPr/>
-                    <a:lstStyle/>
-                    <a:p>
-                      <a:pPr>
-                        <a:defRPr sz="1800">
-                          <a:solidFill>
-                            <a:srgbClr val="000000"/>
-                          </a:solidFill>
-                        </a:defRPr>
-                      </a:pPr>
-                      <a:r>
-                        <a:rPr sz="5000">
-                          <a:solidFill>
-                            <a:srgbClr val="5A5F5E"/>
-                          </a:solidFill>
-                        </a:rPr>
-                        <a:t>#Züge bewertet</a:t>
-                      </a:r>
-                    </a:p>
-                  </a:txBody>
-                  <a:tcPr marL="50800" marR="50800" marT="50800" marB="50800" anchor="ctr" horzOverflow="overflow">
-                    <a:lnL w="0">
-                      <a:miter lim="400000"/>
-                    </a:lnL>
-                    <a:lnR w="0">
-                      <a:miter lim="400000"/>
-                    </a:lnR>
-                    <a:lnT w="12700">
-                      <a:solidFill>
-                        <a:srgbClr val="B4B4B4"/>
-                      </a:solidFill>
-                      <a:miter lim="400000"/>
-                    </a:lnT>
-                  </a:tcPr>
-                </a:tc>
-                <a:tc>
-                  <a:txBody>
-                    <a:bodyPr/>
-                    <a:lstStyle/>
-                    <a:p>
-                      <a:pPr>
-                        <a:defRPr sz="1800">
-                          <a:solidFill>
-                            <a:srgbClr val="000000"/>
-                          </a:solidFill>
-                        </a:defRPr>
-                      </a:pPr>
-                      <a:r>
-                        <a:rPr sz="5000" dirty="0">
-                          <a:solidFill>
-                            <a:srgbClr val="5A5F5E"/>
-                          </a:solidFill>
-                        </a:rPr>
-                        <a:t>Zeit pro Zug</a:t>
-                      </a:r>
-                    </a:p>
-                  </a:txBody>
-                  <a:tcPr marL="50800" marR="50800" marT="50800" marB="50800" anchor="ctr" horzOverflow="overflow">
-                    <a:lnL w="0">
-                      <a:miter lim="400000"/>
-                    </a:lnL>
-                    <a:lnR w="12700">
-                      <a:solidFill>
-                        <a:srgbClr val="B4B4B4"/>
-                      </a:solidFill>
-                      <a:miter lim="400000"/>
-                    </a:lnR>
-                    <a:lnT w="12700">
-                      <a:solidFill>
-                        <a:srgbClr val="B4B4B4"/>
-                      </a:solidFill>
-                      <a:miter lim="400000"/>
-                    </a:lnT>
-                  </a:tcPr>
-                </a:tc>
-                <a:extLst>
-                  <a:ext uri="{0D108BD9-81ED-4DB2-BD59-A6C34878D82A}">
-                    <a16:rowId xmlns:a16="http://schemas.microsoft.com/office/drawing/2014/main" val="10000"/>
-                  </a:ext>
-                </a:extLst>
-              </a:tr>
-              <a:tr h="1627250">
-                <a:tc>
-                  <a:txBody>
-                    <a:bodyPr/>
-                    <a:lstStyle/>
-                    <a:p>
-                      <a:pPr>
-                        <a:defRPr sz="5000"/>
-                      </a:pPr>
-                      <a:r>
-                        <a:rPr lang="de-CH" dirty="0" err="1"/>
-                        <a:t>Vlt</a:t>
-                      </a:r>
-                      <a:r>
-                        <a:rPr lang="de-CH" dirty="0"/>
-                        <a:t> </a:t>
-                      </a:r>
-                      <a:r>
-                        <a:rPr lang="de-CH" dirty="0" err="1"/>
-                        <a:t>minimax</a:t>
-                      </a:r>
-                      <a:r>
-                        <a:rPr lang="de-CH" dirty="0"/>
-                        <a:t> als </a:t>
-                      </a:r>
-                      <a:r>
-                        <a:rPr lang="de-CH" dirty="0" err="1"/>
-                        <a:t>alpha</a:t>
-                      </a:r>
-                      <a:r>
-                        <a:rPr lang="de-CH" dirty="0"/>
-                        <a:t> </a:t>
-                      </a:r>
-                      <a:r>
-                        <a:rPr lang="de-CH" dirty="0" err="1"/>
-                        <a:t>beta</a:t>
-                      </a:r>
-                      <a:r>
-                        <a:rPr lang="de-CH" dirty="0"/>
-                        <a:t> verkaufen und dann </a:t>
-                      </a:r>
-                      <a:r>
-                        <a:rPr lang="de-CH" dirty="0" err="1"/>
-                        <a:t>minimax</a:t>
-                      </a:r>
-                      <a:r>
-                        <a:rPr lang="de-CH" dirty="0"/>
-                        <a:t> weglassen?</a:t>
-                      </a:r>
-                      <a:endParaRPr dirty="0"/>
-                    </a:p>
-                  </a:txBody>
-                  <a:tcPr marL="50800" marR="50800" marT="50800" marB="50800" anchor="ctr" horzOverflow="overflow">
-                    <a:lnL w="12700">
-                      <a:solidFill>
-                        <a:srgbClr val="B4B4B4"/>
-                      </a:solidFill>
-                      <a:miter lim="400000"/>
-                    </a:lnL>
-                    <a:lnR w="0">
-                      <a:miter lim="400000"/>
-                    </a:lnR>
-                  </a:tcPr>
-                </a:tc>
-                <a:tc>
-                  <a:txBody>
-                    <a:bodyPr/>
-                    <a:lstStyle/>
-                    <a:p>
-                      <a:pPr>
-                        <a:defRPr sz="5000"/>
-                      </a:pPr>
-                      <a:endParaRPr/>
-                    </a:p>
-                  </a:txBody>
-                  <a:tcPr marL="50800" marR="50800" marT="50800" marB="50800" anchor="ctr" horzOverflow="overflow">
-                    <a:lnL w="0">
-                      <a:miter lim="400000"/>
-                    </a:lnL>
-                    <a:lnR w="0">
-                      <a:miter lim="400000"/>
-                    </a:lnR>
-                  </a:tcPr>
-                </a:tc>
-                <a:tc>
-                  <a:txBody>
-                    <a:bodyPr/>
-                    <a:lstStyle/>
-                    <a:p>
-                      <a:pPr>
-                        <a:defRPr sz="5000"/>
-                      </a:pPr>
-                      <a:endParaRPr dirty="0"/>
-                    </a:p>
-                  </a:txBody>
-                  <a:tcPr marL="50800" marR="50800" marT="50800" marB="50800" anchor="ctr" horzOverflow="overflow">
-                    <a:lnL w="0">
-                      <a:miter lim="400000"/>
-                    </a:lnL>
-                    <a:lnR w="0">
-                      <a:miter lim="400000"/>
-                    </a:lnR>
-                  </a:tcPr>
-                </a:tc>
-                <a:tc>
-                  <a:txBody>
-                    <a:bodyPr/>
-                    <a:lstStyle/>
-                    <a:p>
-                      <a:pPr>
-                        <a:defRPr sz="5000"/>
-                      </a:pPr>
-                      <a:endParaRPr/>
-                    </a:p>
-                  </a:txBody>
-                  <a:tcPr marL="50800" marR="50800" marT="50800" marB="50800" anchor="ctr" horzOverflow="overflow">
-                    <a:lnL w="0">
-                      <a:miter lim="400000"/>
-                    </a:lnL>
-                    <a:lnR w="12700">
-                      <a:solidFill>
-                        <a:srgbClr val="B4B4B4"/>
-                      </a:solidFill>
-                      <a:miter lim="400000"/>
-                    </a:lnR>
-                  </a:tcPr>
-                </a:tc>
-                <a:extLst>
-                  <a:ext uri="{0D108BD9-81ED-4DB2-BD59-A6C34878D82A}">
-                    <a16:rowId xmlns:a16="http://schemas.microsoft.com/office/drawing/2014/main" val="10001"/>
-                  </a:ext>
-                </a:extLst>
-              </a:tr>
-              <a:tr h="1627250">
-                <a:tc>
-                  <a:txBody>
-                    <a:bodyPr/>
-                    <a:lstStyle/>
-                    <a:p>
-                      <a:pPr>
-                        <a:defRPr sz="5000"/>
-                      </a:pPr>
-                      <a:endParaRPr/>
-                    </a:p>
-                  </a:txBody>
-                  <a:tcPr marL="50800" marR="50800" marT="50800" marB="50800" anchor="ctr" horzOverflow="overflow">
-                    <a:lnL w="12700">
-                      <a:solidFill>
-                        <a:srgbClr val="B4B4B4"/>
-                      </a:solidFill>
-                      <a:miter lim="400000"/>
-                    </a:lnL>
-                    <a:lnR w="0">
-                      <a:miter lim="400000"/>
-                    </a:lnR>
-                  </a:tcPr>
-                </a:tc>
-                <a:tc>
-                  <a:txBody>
-                    <a:bodyPr/>
-                    <a:lstStyle/>
-                    <a:p>
-                      <a:pPr>
-                        <a:defRPr sz="5000"/>
-                      </a:pPr>
-                      <a:endParaRPr/>
-                    </a:p>
-                  </a:txBody>
-                  <a:tcPr marL="50800" marR="50800" marT="50800" marB="50800" anchor="ctr" horzOverflow="overflow">
-                    <a:lnL w="0">
-                      <a:miter lim="400000"/>
-                    </a:lnL>
-                    <a:lnR w="0">
-                      <a:miter lim="400000"/>
-                    </a:lnR>
-                  </a:tcPr>
-                </a:tc>
-                <a:tc>
-                  <a:txBody>
-                    <a:bodyPr/>
-                    <a:lstStyle/>
-                    <a:p>
-                      <a:pPr>
-                        <a:defRPr sz="5000"/>
-                      </a:pPr>
-                      <a:endParaRPr/>
-                    </a:p>
-                  </a:txBody>
-                  <a:tcPr marL="50800" marR="50800" marT="50800" marB="50800" anchor="ctr" horzOverflow="overflow">
-                    <a:lnL w="0">
-                      <a:miter lim="400000"/>
-                    </a:lnL>
-                    <a:lnR w="0">
-                      <a:miter lim="400000"/>
-                    </a:lnR>
-                  </a:tcPr>
-                </a:tc>
-                <a:tc>
-                  <a:txBody>
-                    <a:bodyPr/>
-                    <a:lstStyle/>
-                    <a:p>
-                      <a:pPr>
-                        <a:defRPr sz="5000"/>
-                      </a:pPr>
-                      <a:endParaRPr/>
-                    </a:p>
-                  </a:txBody>
-                  <a:tcPr marL="50800" marR="50800" marT="50800" marB="50800" anchor="ctr" horzOverflow="overflow">
-                    <a:lnL w="0">
-                      <a:miter lim="400000"/>
-                    </a:lnL>
-                    <a:lnR w="12700">
-                      <a:solidFill>
-                        <a:srgbClr val="B4B4B4"/>
-                      </a:solidFill>
-                      <a:miter lim="400000"/>
-                    </a:lnR>
-                  </a:tcPr>
-                </a:tc>
-                <a:extLst>
-                  <a:ext uri="{0D108BD9-81ED-4DB2-BD59-A6C34878D82A}">
-                    <a16:rowId xmlns:a16="http://schemas.microsoft.com/office/drawing/2014/main" val="10002"/>
-                  </a:ext>
-                </a:extLst>
-              </a:tr>
-              <a:tr h="1627250">
-                <a:tc>
-                  <a:txBody>
-                    <a:bodyPr/>
-                    <a:lstStyle/>
-                    <a:p>
-                      <a:pPr>
-                        <a:defRPr sz="5000"/>
-                      </a:pPr>
-                      <a:endParaRPr/>
-                    </a:p>
-                  </a:txBody>
-                  <a:tcPr marL="50800" marR="50800" marT="50800" marB="50800" anchor="ctr" horzOverflow="overflow">
-                    <a:lnL w="12700">
-                      <a:solidFill>
-                        <a:srgbClr val="B4B4B4"/>
-                      </a:solidFill>
-                      <a:miter lim="400000"/>
-                    </a:lnL>
-                    <a:lnR w="0">
-                      <a:miter lim="400000"/>
-                    </a:lnR>
-                  </a:tcPr>
-                </a:tc>
-                <a:tc>
-                  <a:txBody>
-                    <a:bodyPr/>
-                    <a:lstStyle/>
-                    <a:p>
-                      <a:pPr>
-                        <a:defRPr sz="5000"/>
-                      </a:pPr>
-                      <a:endParaRPr/>
-                    </a:p>
-                  </a:txBody>
-                  <a:tcPr marL="50800" marR="50800" marT="50800" marB="50800" anchor="ctr" horzOverflow="overflow">
-                    <a:lnL w="0">
-                      <a:miter lim="400000"/>
-                    </a:lnL>
-                    <a:lnR w="0">
-                      <a:miter lim="400000"/>
-                    </a:lnR>
-                  </a:tcPr>
-                </a:tc>
-                <a:tc>
-                  <a:txBody>
-                    <a:bodyPr/>
-                    <a:lstStyle/>
-                    <a:p>
-                      <a:pPr>
-                        <a:defRPr sz="5000"/>
-                      </a:pPr>
-                      <a:endParaRPr/>
-                    </a:p>
-                  </a:txBody>
-                  <a:tcPr marL="50800" marR="50800" marT="50800" marB="50800" anchor="ctr" horzOverflow="overflow">
-                    <a:lnL w="0">
-                      <a:miter lim="400000"/>
-                    </a:lnL>
-                    <a:lnR w="0">
-                      <a:miter lim="400000"/>
-                    </a:lnR>
-                  </a:tcPr>
-                </a:tc>
-                <a:tc>
-                  <a:txBody>
-                    <a:bodyPr/>
-                    <a:lstStyle/>
-                    <a:p>
-                      <a:pPr>
-                        <a:defRPr sz="5000"/>
-                      </a:pPr>
-                      <a:endParaRPr/>
-                    </a:p>
-                  </a:txBody>
-                  <a:tcPr marL="50800" marR="50800" marT="50800" marB="50800" anchor="ctr" horzOverflow="overflow">
-                    <a:lnL w="0">
-                      <a:miter lim="400000"/>
-                    </a:lnL>
-                    <a:lnR w="12700">
-                      <a:solidFill>
-                        <a:srgbClr val="B4B4B4"/>
-                      </a:solidFill>
-                      <a:miter lim="400000"/>
-                    </a:lnR>
-                  </a:tcPr>
-                </a:tc>
-                <a:extLst>
-                  <a:ext uri="{0D108BD9-81ED-4DB2-BD59-A6C34878D82A}">
-                    <a16:rowId xmlns:a16="http://schemas.microsoft.com/office/drawing/2014/main" val="10003"/>
-                  </a:ext>
-                </a:extLst>
-              </a:tr>
-              <a:tr h="1627250">
-                <a:tc>
-                  <a:txBody>
-                    <a:bodyPr/>
-                    <a:lstStyle/>
-                    <a:p>
-                      <a:pPr>
-                        <a:defRPr sz="5000"/>
-                      </a:pPr>
-                      <a:endParaRPr/>
-                    </a:p>
-                  </a:txBody>
-                  <a:tcPr marL="50800" marR="50800" marT="50800" marB="50800" anchor="ctr" horzOverflow="overflow">
-                    <a:lnL w="12700">
-                      <a:solidFill>
-                        <a:srgbClr val="B4B4B4"/>
-                      </a:solidFill>
-                      <a:miter lim="400000"/>
-                    </a:lnL>
-                    <a:lnR w="0">
-                      <a:miter lim="400000"/>
-                    </a:lnR>
-                    <a:lnB w="12700">
-                      <a:solidFill>
-                        <a:srgbClr val="B4B4B4"/>
-                      </a:solidFill>
-                      <a:miter lim="400000"/>
-                    </a:lnB>
-                  </a:tcPr>
-                </a:tc>
-                <a:tc>
-                  <a:txBody>
-                    <a:bodyPr/>
-                    <a:lstStyle/>
-                    <a:p>
-                      <a:pPr>
-                        <a:defRPr sz="5000"/>
-                      </a:pPr>
-                      <a:endParaRPr/>
-                    </a:p>
-                  </a:txBody>
-                  <a:tcPr marL="50800" marR="50800" marT="50800" marB="50800" anchor="ctr" horzOverflow="overflow">
-                    <a:lnL w="0">
-                      <a:miter lim="400000"/>
-                    </a:lnL>
-                    <a:lnR w="0">
-                      <a:miter lim="400000"/>
-                    </a:lnR>
-                    <a:lnB w="12700">
-                      <a:solidFill>
-                        <a:srgbClr val="B4B4B4"/>
-                      </a:solidFill>
-                      <a:miter lim="400000"/>
-                    </a:lnB>
-                  </a:tcPr>
-                </a:tc>
-                <a:tc>
-                  <a:txBody>
-                    <a:bodyPr/>
-                    <a:lstStyle/>
-                    <a:p>
-                      <a:pPr>
-                        <a:defRPr sz="5000"/>
-                      </a:pPr>
-                      <a:endParaRPr/>
-                    </a:p>
-                  </a:txBody>
-                  <a:tcPr marL="50800" marR="50800" marT="50800" marB="50800" anchor="ctr" horzOverflow="overflow">
-                    <a:lnL w="0">
-                      <a:miter lim="400000"/>
-                    </a:lnL>
-                    <a:lnR w="0">
-                      <a:miter lim="400000"/>
-                    </a:lnR>
-                    <a:lnB w="12700">
-                      <a:solidFill>
-                        <a:srgbClr val="B4B4B4"/>
-                      </a:solidFill>
-                      <a:miter lim="400000"/>
-                    </a:lnB>
-                  </a:tcPr>
-                </a:tc>
-                <a:tc>
-                  <a:txBody>
-                    <a:bodyPr/>
-                    <a:lstStyle/>
-                    <a:p>
-                      <a:pPr>
-                        <a:defRPr sz="5000"/>
-                      </a:pPr>
-                      <a:endParaRPr dirty="0"/>
-                    </a:p>
-                  </a:txBody>
-                  <a:tcPr marL="50800" marR="50800" marT="50800" marB="50800" anchor="ctr" horzOverflow="overflow">
-                    <a:lnL w="0">
-                      <a:miter lim="400000"/>
-                    </a:lnL>
-                    <a:lnR w="12700">
-                      <a:solidFill>
-                        <a:srgbClr val="B4B4B4"/>
-                      </a:solidFill>
-                      <a:miter lim="400000"/>
-                    </a:lnR>
-                    <a:lnB w="12700">
-                      <a:solidFill>
-                        <a:srgbClr val="B4B4B4"/>
-                      </a:solidFill>
-                      <a:miter lim="400000"/>
-                    </a:lnB>
-                  </a:tcPr>
-                </a:tc>
-                <a:extLst>
-                  <a:ext uri="{0D108BD9-81ED-4DB2-BD59-A6C34878D82A}">
-                    <a16:rowId xmlns:a16="http://schemas.microsoft.com/office/drawing/2014/main" val="10004"/>
-                  </a:ext>
-                </a:extLst>
-              </a:tr>
-            </a:tbl>
-          </a:graphicData>
-        </a:graphic>
-      </p:graphicFrame>
-    </p:spTree>
-    <p:extLst>
-      <p:ext uri="{BB962C8B-B14F-4D97-AF65-F5344CB8AC3E}">
-        <p14:creationId xmlns:p14="http://schemas.microsoft.com/office/powerpoint/2010/main" val="1434913383"/>
-      </p:ext>
-    </p:extLst>
-  </p:cSld>
-  <p:clrMapOvr>
-    <a:masterClrMapping/>
-  </p:clrMapOvr>
-  <p:transition spd="med"/>
-</p:sld>
-</file>
-
-<file path=ppt/slides/slide8.xml><?xml version="1.0" encoding="utf-8"?>
-<p:sld xmlns:a="http://schemas.openxmlformats.org/drawingml/2006/main" xmlns:r="http://schemas.openxmlformats.org/officeDocument/2006/relationships" xmlns:p="http://schemas.openxmlformats.org/presentationml/2006/main">
-  <p:cSld>
-    <p:spTree>
-      <p:nvGrpSpPr>
-        <p:cNvPr id="1" name=""/>
-        <p:cNvGrpSpPr/>
-        <p:nvPr/>
-      </p:nvGrpSpPr>
-      <p:grpSpPr>
-        <a:xfrm>
-          <a:off x="0" y="0"/>
-          <a:ext cx="0" cy="0"/>
-          <a:chOff x="0" y="0"/>
-          <a:chExt cx="0" cy="0"/>
-        </a:xfrm>
-      </p:grpSpPr>
-      <p:sp>
-        <p:nvSpPr>
-          <p:cNvPr id="145" name="Ausblick"/>
-          <p:cNvSpPr txBox="1">
-            <a:spLocks noGrp="1"/>
-          </p:cNvSpPr>
-          <p:nvPr>
-            <p:ph type="title"/>
+            <p:ph type="body" idx="1"/>
           </p:nvPr>
         </p:nvSpPr>
         <p:spPr>
@@ -7047,60 +5383,42 @@
           <a:bodyPr/>
           <a:lstStyle/>
           <a:p>
-            <a:r>
-              <a:t>Ausblick</a:t>
-            </a:r>
-          </a:p>
-        </p:txBody>
-      </p:sp>
-      <p:sp>
-        <p:nvSpPr>
-          <p:cNvPr id="146" name="Bewertungsfunktion verbessern (evtl. Neural-Network)…"/>
-          <p:cNvSpPr txBox="1">
-            <a:spLocks noGrp="1"/>
-          </p:cNvSpPr>
-          <p:nvPr>
-            <p:ph type="body" idx="1"/>
-          </p:nvPr>
-        </p:nvSpPr>
-        <p:spPr>
-          <a:prstGeom prst="rect">
-            <a:avLst/>
-          </a:prstGeom>
-        </p:spPr>
-        <p:txBody>
-          <a:bodyPr>
-            <a:normAutofit lnSpcReduction="10000"/>
-          </a:bodyPr>
-          <a:lstStyle/>
-          <a:p>
             <a:pPr marL="604012" indent="-604012" defTabSz="676909">
+              <a:lnSpc>
+                <a:spcPct val="108000"/>
+              </a:lnSpc>
               <a:spcBef>
                 <a:spcPts val="5300"/>
               </a:spcBef>
-              <a:defRPr sz="5248"/>
+              <a:defRPr sz="5200"/>
             </a:pPr>
             <a:r>
-              <a:t>Bewertungsfunktion verbessern (evtl. Neural-Network)</a:t>
+              <a:t>Grundlegende Codeoptimierung</a:t>
             </a:r>
           </a:p>
           <a:p>
             <a:pPr marL="604012" indent="-604012" defTabSz="676909">
+              <a:lnSpc>
+                <a:spcPct val="108000"/>
+              </a:lnSpc>
               <a:spcBef>
                 <a:spcPts val="5300"/>
               </a:spcBef>
-              <a:defRPr sz="5248"/>
+              <a:defRPr sz="5200"/>
             </a:pPr>
             <a:r>
-              <a:t>MCTS</a:t>
+              <a:t>Bewertungsfunktion verbessern (evtl. Neural-Network)</a:t>
             </a:r>
           </a:p>
           <a:p>
             <a:pPr marL="604012" indent="-604012" defTabSz="676909">
+              <a:lnSpc>
+                <a:spcPct val="108000"/>
+              </a:lnSpc>
               <a:spcBef>
                 <a:spcPts val="5300"/>
               </a:spcBef>
-              <a:defRPr sz="5248"/>
+              <a:defRPr sz="5200"/>
             </a:pPr>
             <a:r>
               <a:t>Suchalgorithmus verbessern (z.B. NegaMax)</a:t>
@@ -7108,10 +5426,13 @@
           </a:p>
           <a:p>
             <a:pPr marL="604012" indent="-604012" defTabSz="676909">
+              <a:lnSpc>
+                <a:spcPct val="108000"/>
+              </a:lnSpc>
               <a:spcBef>
                 <a:spcPts val="5300"/>
               </a:spcBef>
-              <a:defRPr sz="5248"/>
+              <a:defRPr sz="5200"/>
             </a:pPr>
             <a:r>
               <a:t>Just-In-Time-Compiler verwenden (PyPy) -&gt; Geschwindigkeit erhöhen</a:t>
@@ -7119,10 +5440,13 @@
           </a:p>
           <a:p>
             <a:pPr marL="604012" indent="-604012" defTabSz="676909">
+              <a:lnSpc>
+                <a:spcPct val="108000"/>
+              </a:lnSpc>
               <a:spcBef>
                 <a:spcPts val="5300"/>
               </a:spcBef>
-              <a:defRPr sz="5248"/>
+              <a:defRPr sz="5200"/>
             </a:pPr>
             <a:r>
               <a:t>Parallelisierung für Mehrkernprozessoren</a:t>
@@ -7130,10 +5454,13 @@
           </a:p>
           <a:p>
             <a:pPr marL="604012" indent="-604012" defTabSz="676909">
+              <a:lnSpc>
+                <a:spcPct val="108000"/>
+              </a:lnSpc>
               <a:spcBef>
                 <a:spcPts val="5300"/>
               </a:spcBef>
-              <a:defRPr sz="5248"/>
+              <a:defRPr sz="5200"/>
             </a:pPr>
             <a:r>
               <a:t>Skripte auf RAM-Disk ablegen</a:t>
@@ -7146,25 +5473,25 @@
   <p:clrMapOvr>
     <a:masterClrMapping/>
   </p:clrMapOvr>
-  <p:transition spd="med"/>
+  <p:transition xmlns:p14="http://schemas.microsoft.com/office/powerpoint/2010/main" spd="med" advClick="1"/>
 </p:sld>
 </file>
 
 <file path=ppt/theme/theme1.xml><?xml version="1.0" encoding="utf-8"?>
-<a:theme xmlns:a="http://schemas.openxmlformats.org/drawingml/2006/main" name="Showroom">
+<a:theme xmlns:a="http://schemas.openxmlformats.org/drawingml/2006/main" xmlns:r="http://schemas.openxmlformats.org/officeDocument/2006/relationships" name="Showroom">
   <a:themeElements>
     <a:clrScheme name="Showroom">
       <a:dk1>
         <a:srgbClr val="535353"/>
       </a:dk1>
       <a:lt1>
-        <a:srgbClr val="340053"/>
+        <a:srgbClr val="FFFFFF"/>
       </a:lt1>
       <a:dk2>
-        <a:srgbClr val="5A5F5E"/>
+        <a:srgbClr val="A7A7A7"/>
       </a:dk2>
       <a:lt2>
-        <a:srgbClr val="B4B4B4"/>
+        <a:srgbClr val="535353"/>
       </a:lt2>
       <a:accent1>
         <a:srgbClr val="78AAB3"/>
@@ -7193,14 +5520,14 @@
     </a:clrScheme>
     <a:fontScheme name="Showroom">
       <a:majorFont>
-        <a:latin typeface="Gill Sans Light"/>
-        <a:ea typeface="Gill Sans Light"/>
-        <a:cs typeface="Gill Sans Light"/>
+        <a:latin typeface="Helvetica Neue"/>
+        <a:ea typeface="Helvetica Neue"/>
+        <a:cs typeface="Helvetica Neue"/>
       </a:majorFont>
       <a:minorFont>
-        <a:latin typeface="Gill Sans Light"/>
-        <a:ea typeface="Gill Sans Light"/>
-        <a:cs typeface="Gill Sans Light"/>
+        <a:latin typeface="Helvetica"/>
+        <a:ea typeface="Helvetica"/>
+        <a:cs typeface="Helvetica"/>
       </a:minorFont>
     </a:fontScheme>
     <a:fmtScheme name="Showroom">
@@ -7341,16 +5668,19 @@
     <a:spDef>
       <a:spPr>
         <a:solidFill>
-          <a:srgbClr val="808785"/>
+          <a:srgbClr val="340053"/>
         </a:solidFill>
-        <a:ln w="12700" cap="flat">
-          <a:noFill/>
-          <a:miter lim="400000"/>
+        <a:ln w="25400" cap="flat">
+          <a:solidFill>
+            <a:schemeClr val="accent1"/>
+          </a:solidFill>
+          <a:prstDash val="solid"/>
+          <a:round/>
         </a:ln>
         <a:effectLst/>
         <a:sp3d/>
       </a:spPr>
-      <a:bodyPr rot="0" spcFirstLastPara="1" vertOverflow="overflow" horzOverflow="overflow" vert="horz" wrap="square" lIns="50800" tIns="50800" rIns="50800" bIns="50800" numCol="1" spcCol="38100" rtlCol="0" anchor="ctr">
+      <a:bodyPr rot="0" spcFirstLastPara="1" vertOverflow="overflow" horzOverflow="overflow" vert="horz" wrap="square" lIns="50800" tIns="50800" rIns="50800" bIns="50800" numCol="1" spcCol="38100" rtlCol="0" anchor="ctr" upright="0">
         <a:spAutoFit/>
       </a:bodyPr>
       <a:lstStyle>
@@ -7369,18 +5699,18 @@
           <a:buFontTx/>
           <a:buNone/>
           <a:tabLst/>
-          <a:defRPr kumimoji="0" sz="5000" b="0" i="0" u="none" strike="noStrike" cap="none" spc="0" normalizeH="0" baseline="0">
+          <a:defRPr b="0" baseline="0" cap="none" i="0" spc="0" strike="noStrike" sz="5000" u="none" kumimoji="0" normalizeH="0">
             <a:ln>
               <a:noFill/>
             </a:ln>
             <a:solidFill>
-              <a:srgbClr val="FFFFFF"/>
+              <a:srgbClr val="535353"/>
             </a:solidFill>
             <a:effectLst/>
             <a:uFillTx/>
-            <a:latin typeface="+mn-lt"/>
-            <a:ea typeface="+mn-ea"/>
-            <a:cs typeface="+mn-cs"/>
+            <a:latin typeface="Gill Sans Light"/>
+            <a:ea typeface="Gill Sans Light"/>
+            <a:cs typeface="Gill Sans Light"/>
             <a:sym typeface="Gill Sans Light"/>
           </a:defRPr>
         </a:defPPr>
@@ -7399,7 +5729,7 @@
           <a:buFontTx/>
           <a:buNone/>
           <a:tabLst/>
-          <a:defRPr kumimoji="0" sz="1800" b="0" i="0" u="none" strike="noStrike" cap="none" spc="0" normalizeH="0" baseline="0">
+          <a:defRPr b="0" baseline="0" cap="none" i="0" spc="0" strike="noStrike" sz="1800" u="none" kumimoji="0" normalizeH="0">
             <a:ln>
               <a:noFill/>
             </a:ln>
@@ -7425,7 +5755,7 @@
           <a:buFontTx/>
           <a:buNone/>
           <a:tabLst/>
-          <a:defRPr kumimoji="0" sz="1800" b="0" i="0" u="none" strike="noStrike" cap="none" spc="0" normalizeH="0" baseline="0">
+          <a:defRPr b="0" baseline="0" cap="none" i="0" spc="0" strike="noStrike" sz="1800" u="none" kumimoji="0" normalizeH="0">
             <a:ln>
               <a:noFill/>
             </a:ln>
@@ -7451,7 +5781,7 @@
           <a:buFontTx/>
           <a:buNone/>
           <a:tabLst/>
-          <a:defRPr kumimoji="0" sz="1800" b="0" i="0" u="none" strike="noStrike" cap="none" spc="0" normalizeH="0" baseline="0">
+          <a:defRPr b="0" baseline="0" cap="none" i="0" spc="0" strike="noStrike" sz="1800" u="none" kumimoji="0" normalizeH="0">
             <a:ln>
               <a:noFill/>
             </a:ln>
@@ -7477,7 +5807,7 @@
           <a:buFontTx/>
           <a:buNone/>
           <a:tabLst/>
-          <a:defRPr kumimoji="0" sz="1800" b="0" i="0" u="none" strike="noStrike" cap="none" spc="0" normalizeH="0" baseline="0">
+          <a:defRPr b="0" baseline="0" cap="none" i="0" spc="0" strike="noStrike" sz="1800" u="none" kumimoji="0" normalizeH="0">
             <a:ln>
               <a:noFill/>
             </a:ln>
@@ -7503,7 +5833,7 @@
           <a:buFontTx/>
           <a:buNone/>
           <a:tabLst/>
-          <a:defRPr kumimoji="0" sz="1800" b="0" i="0" u="none" strike="noStrike" cap="none" spc="0" normalizeH="0" baseline="0">
+          <a:defRPr b="0" baseline="0" cap="none" i="0" spc="0" strike="noStrike" sz="1800" u="none" kumimoji="0" normalizeH="0">
             <a:ln>
               <a:noFill/>
             </a:ln>
@@ -7529,7 +5859,7 @@
           <a:buFontTx/>
           <a:buNone/>
           <a:tabLst/>
-          <a:defRPr kumimoji="0" sz="1800" b="0" i="0" u="none" strike="noStrike" cap="none" spc="0" normalizeH="0" baseline="0">
+          <a:defRPr b="0" baseline="0" cap="none" i="0" spc="0" strike="noStrike" sz="1800" u="none" kumimoji="0" normalizeH="0">
             <a:ln>
               <a:noFill/>
             </a:ln>
@@ -7555,7 +5885,7 @@
           <a:buFontTx/>
           <a:buNone/>
           <a:tabLst/>
-          <a:defRPr kumimoji="0" sz="1800" b="0" i="0" u="none" strike="noStrike" cap="none" spc="0" normalizeH="0" baseline="0">
+          <a:defRPr b="0" baseline="0" cap="none" i="0" spc="0" strike="noStrike" sz="1800" u="none" kumimoji="0" normalizeH="0">
             <a:ln>
               <a:noFill/>
             </a:ln>
@@ -7581,7 +5911,7 @@
           <a:buFontTx/>
           <a:buNone/>
           <a:tabLst/>
-          <a:defRPr kumimoji="0" sz="1800" b="0" i="0" u="none" strike="noStrike" cap="none" spc="0" normalizeH="0" baseline="0">
+          <a:defRPr b="0" baseline="0" cap="none" i="0" spc="0" strike="noStrike" sz="1800" u="none" kumimoji="0" normalizeH="0">
             <a:ln>
               <a:noFill/>
             </a:ln>
@@ -7607,7 +5937,7 @@
           <a:buFontTx/>
           <a:buNone/>
           <a:tabLst/>
-          <a:defRPr kumimoji="0" sz="1800" b="0" i="0" u="none" strike="noStrike" cap="none" spc="0" normalizeH="0" baseline="0">
+          <a:defRPr b="0" baseline="0" cap="none" i="0" spc="0" strike="noStrike" sz="1800" u="none" kumimoji="0" normalizeH="0">
             <a:ln>
               <a:noFill/>
             </a:ln>
@@ -7620,15 +5950,9 @@
         </a:lvl9pPr>
       </a:lstStyle>
       <a:style>
-        <a:lnRef idx="0">
-          <a:scrgbClr r="0" g="0" b="0"/>
-        </a:lnRef>
-        <a:fillRef idx="0">
-          <a:scrgbClr r="0" g="0" b="0"/>
-        </a:fillRef>
-        <a:effectRef idx="0">
-          <a:scrgbClr r="0" g="0" b="0"/>
-        </a:effectRef>
+        <a:lnRef idx="0"/>
+        <a:fillRef idx="0"/>
+        <a:effectRef idx="0"/>
         <a:fontRef idx="none"/>
       </a:style>
     </a:spDef>
@@ -7637,15 +5961,15 @@
         <a:noFill/>
         <a:ln w="25400" cap="flat">
           <a:solidFill>
-            <a:srgbClr val="5A5F5E"/>
+            <a:schemeClr val="accent1"/>
           </a:solidFill>
           <a:prstDash val="solid"/>
-          <a:miter lim="400000"/>
+          <a:round/>
         </a:ln>
         <a:effectLst/>
         <a:sp3d/>
       </a:spPr>
-      <a:bodyPr rot="0" spcFirstLastPara="1" vertOverflow="overflow" horzOverflow="overflow" vert="horz" wrap="square" lIns="91439" tIns="45719" rIns="91439" bIns="45719" numCol="1" spcCol="38100" rtlCol="0" anchor="t">
+      <a:bodyPr rot="0" spcFirstLastPara="1" vertOverflow="overflow" horzOverflow="overflow" vert="horz" wrap="square" lIns="91439" tIns="45719" rIns="91439" bIns="45719" numCol="1" spcCol="38100" rtlCol="0" anchor="t" upright="0">
         <a:noAutofit/>
       </a:bodyPr>
       <a:lstStyle>
@@ -7664,7 +5988,7 @@
           <a:buFontTx/>
           <a:buNone/>
           <a:tabLst/>
-          <a:defRPr kumimoji="0" sz="1800" b="0" i="0" u="none" strike="noStrike" cap="none" spc="0" normalizeH="0" baseline="0">
+          <a:defRPr b="0" baseline="0" cap="none" i="0" spc="0" strike="noStrike" sz="1800" u="none" kumimoji="0" normalizeH="0">
             <a:ln>
               <a:noFill/>
             </a:ln>
@@ -7690,7 +6014,7 @@
           <a:buFontTx/>
           <a:buNone/>
           <a:tabLst/>
-          <a:defRPr kumimoji="0" sz="1800" b="0" i="0" u="none" strike="noStrike" cap="none" spc="0" normalizeH="0" baseline="0">
+          <a:defRPr b="0" baseline="0" cap="none" i="0" spc="0" strike="noStrike" sz="1800" u="none" kumimoji="0" normalizeH="0">
             <a:ln>
               <a:noFill/>
             </a:ln>
@@ -7716,7 +6040,7 @@
           <a:buFontTx/>
           <a:buNone/>
           <a:tabLst/>
-          <a:defRPr kumimoji="0" sz="1800" b="0" i="0" u="none" strike="noStrike" cap="none" spc="0" normalizeH="0" baseline="0">
+          <a:defRPr b="0" baseline="0" cap="none" i="0" spc="0" strike="noStrike" sz="1800" u="none" kumimoji="0" normalizeH="0">
             <a:ln>
               <a:noFill/>
             </a:ln>
@@ -7742,7 +6066,7 @@
           <a:buFontTx/>
           <a:buNone/>
           <a:tabLst/>
-          <a:defRPr kumimoji="0" sz="1800" b="0" i="0" u="none" strike="noStrike" cap="none" spc="0" normalizeH="0" baseline="0">
+          <a:defRPr b="0" baseline="0" cap="none" i="0" spc="0" strike="noStrike" sz="1800" u="none" kumimoji="0" normalizeH="0">
             <a:ln>
               <a:noFill/>
             </a:ln>
@@ -7768,7 +6092,7 @@
           <a:buFontTx/>
           <a:buNone/>
           <a:tabLst/>
-          <a:defRPr kumimoji="0" sz="1800" b="0" i="0" u="none" strike="noStrike" cap="none" spc="0" normalizeH="0" baseline="0">
+          <a:defRPr b="0" baseline="0" cap="none" i="0" spc="0" strike="noStrike" sz="1800" u="none" kumimoji="0" normalizeH="0">
             <a:ln>
               <a:noFill/>
             </a:ln>
@@ -7794,7 +6118,7 @@
           <a:buFontTx/>
           <a:buNone/>
           <a:tabLst/>
-          <a:defRPr kumimoji="0" sz="1800" b="0" i="0" u="none" strike="noStrike" cap="none" spc="0" normalizeH="0" baseline="0">
+          <a:defRPr b="0" baseline="0" cap="none" i="0" spc="0" strike="noStrike" sz="1800" u="none" kumimoji="0" normalizeH="0">
             <a:ln>
               <a:noFill/>
             </a:ln>
@@ -7820,7 +6144,7 @@
           <a:buFontTx/>
           <a:buNone/>
           <a:tabLst/>
-          <a:defRPr kumimoji="0" sz="1800" b="0" i="0" u="none" strike="noStrike" cap="none" spc="0" normalizeH="0" baseline="0">
+          <a:defRPr b="0" baseline="0" cap="none" i="0" spc="0" strike="noStrike" sz="1800" u="none" kumimoji="0" normalizeH="0">
             <a:ln>
               <a:noFill/>
             </a:ln>
@@ -7846,7 +6170,7 @@
           <a:buFontTx/>
           <a:buNone/>
           <a:tabLst/>
-          <a:defRPr kumimoji="0" sz="1800" b="0" i="0" u="none" strike="noStrike" cap="none" spc="0" normalizeH="0" baseline="0">
+          <a:defRPr b="0" baseline="0" cap="none" i="0" spc="0" strike="noStrike" sz="1800" u="none" kumimoji="0" normalizeH="0">
             <a:ln>
               <a:noFill/>
             </a:ln>
@@ -7872,7 +6196,7 @@
           <a:buFontTx/>
           <a:buNone/>
           <a:tabLst/>
-          <a:defRPr kumimoji="0" sz="1800" b="0" i="0" u="none" strike="noStrike" cap="none" spc="0" normalizeH="0" baseline="0">
+          <a:defRPr b="0" baseline="0" cap="none" i="0" spc="0" strike="noStrike" sz="1800" u="none" kumimoji="0" normalizeH="0">
             <a:ln>
               <a:noFill/>
             </a:ln>
@@ -7898,7 +6222,7 @@
           <a:buFontTx/>
           <a:buNone/>
           <a:tabLst/>
-          <a:defRPr kumimoji="0" sz="1800" b="0" i="0" u="none" strike="noStrike" cap="none" spc="0" normalizeH="0" baseline="0">
+          <a:defRPr b="0" baseline="0" cap="none" i="0" spc="0" strike="noStrike" sz="1800" u="none" kumimoji="0" normalizeH="0">
             <a:ln>
               <a:noFill/>
             </a:ln>
@@ -7911,15 +6235,9 @@
         </a:lvl9pPr>
       </a:lstStyle>
       <a:style>
-        <a:lnRef idx="0">
-          <a:scrgbClr r="0" g="0" b="0"/>
-        </a:lnRef>
-        <a:fillRef idx="0">
-          <a:scrgbClr r="0" g="0" b="0"/>
-        </a:fillRef>
-        <a:effectRef idx="0">
-          <a:scrgbClr r="0" g="0" b="0"/>
-        </a:effectRef>
+        <a:lnRef idx="0"/>
+        <a:fillRef idx="0"/>
+        <a:effectRef idx="0"/>
         <a:fontRef idx="none"/>
       </a:style>
     </a:lnDef>
@@ -7933,7 +6251,7 @@
         <a:effectLst/>
         <a:sp3d/>
       </a:spPr>
-      <a:bodyPr rot="0" spcFirstLastPara="1" vertOverflow="overflow" horzOverflow="overflow" vert="horz" wrap="square" lIns="50800" tIns="50800" rIns="50800" bIns="50800" numCol="1" spcCol="38100" rtlCol="0" anchor="ctr">
+      <a:bodyPr rot="0" spcFirstLastPara="1" vertOverflow="overflow" horzOverflow="overflow" vert="horz" wrap="square" lIns="50800" tIns="50800" rIns="50800" bIns="50800" numCol="1" spcCol="38100" rtlCol="0" anchor="ctr" upright="0">
         <a:spAutoFit/>
       </a:bodyPr>
       <a:lstStyle>
@@ -7952,7 +6270,7 @@
           <a:buFontTx/>
           <a:buNone/>
           <a:tabLst/>
-          <a:defRPr kumimoji="0" sz="5000" b="0" i="0" u="none" strike="noStrike" cap="none" spc="0" normalizeH="0" baseline="0">
+          <a:defRPr b="0" baseline="0" cap="none" i="0" spc="0" strike="noStrike" sz="5000" u="none" kumimoji="0" normalizeH="0">
             <a:ln>
               <a:noFill/>
             </a:ln>
@@ -7961,9 +6279,9 @@
             </a:solidFill>
             <a:effectLst/>
             <a:uFillTx/>
-            <a:latin typeface="+mn-lt"/>
-            <a:ea typeface="+mn-ea"/>
-            <a:cs typeface="+mn-cs"/>
+            <a:latin typeface="Gill Sans Light"/>
+            <a:ea typeface="Gill Sans Light"/>
+            <a:cs typeface="Gill Sans Light"/>
             <a:sym typeface="Gill Sans Light"/>
           </a:defRPr>
         </a:defPPr>
@@ -7982,7 +6300,7 @@
           <a:buFontTx/>
           <a:buNone/>
           <a:tabLst/>
-          <a:defRPr kumimoji="0" sz="1800" b="0" i="0" u="none" strike="noStrike" cap="none" spc="0" normalizeH="0" baseline="0">
+          <a:defRPr b="0" baseline="0" cap="none" i="0" spc="0" strike="noStrike" sz="1800" u="none" kumimoji="0" normalizeH="0">
             <a:ln>
               <a:noFill/>
             </a:ln>
@@ -8008,7 +6326,7 @@
           <a:buFontTx/>
           <a:buNone/>
           <a:tabLst/>
-          <a:defRPr kumimoji="0" sz="1800" b="0" i="0" u="none" strike="noStrike" cap="none" spc="0" normalizeH="0" baseline="0">
+          <a:defRPr b="0" baseline="0" cap="none" i="0" spc="0" strike="noStrike" sz="1800" u="none" kumimoji="0" normalizeH="0">
             <a:ln>
               <a:noFill/>
             </a:ln>
@@ -8034,7 +6352,7 @@
           <a:buFontTx/>
           <a:buNone/>
           <a:tabLst/>
-          <a:defRPr kumimoji="0" sz="1800" b="0" i="0" u="none" strike="noStrike" cap="none" spc="0" normalizeH="0" baseline="0">
+          <a:defRPr b="0" baseline="0" cap="none" i="0" spc="0" strike="noStrike" sz="1800" u="none" kumimoji="0" normalizeH="0">
             <a:ln>
               <a:noFill/>
             </a:ln>
@@ -8060,7 +6378,7 @@
           <a:buFontTx/>
           <a:buNone/>
           <a:tabLst/>
-          <a:defRPr kumimoji="0" sz="1800" b="0" i="0" u="none" strike="noStrike" cap="none" spc="0" normalizeH="0" baseline="0">
+          <a:defRPr b="0" baseline="0" cap="none" i="0" spc="0" strike="noStrike" sz="1800" u="none" kumimoji="0" normalizeH="0">
             <a:ln>
               <a:noFill/>
             </a:ln>
@@ -8086,7 +6404,7 @@
           <a:buFontTx/>
           <a:buNone/>
           <a:tabLst/>
-          <a:defRPr kumimoji="0" sz="1800" b="0" i="0" u="none" strike="noStrike" cap="none" spc="0" normalizeH="0" baseline="0">
+          <a:defRPr b="0" baseline="0" cap="none" i="0" spc="0" strike="noStrike" sz="1800" u="none" kumimoji="0" normalizeH="0">
             <a:ln>
               <a:noFill/>
             </a:ln>
@@ -8112,7 +6430,7 @@
           <a:buFontTx/>
           <a:buNone/>
           <a:tabLst/>
-          <a:defRPr kumimoji="0" sz="1800" b="0" i="0" u="none" strike="noStrike" cap="none" spc="0" normalizeH="0" baseline="0">
+          <a:defRPr b="0" baseline="0" cap="none" i="0" spc="0" strike="noStrike" sz="1800" u="none" kumimoji="0" normalizeH="0">
             <a:ln>
               <a:noFill/>
             </a:ln>
@@ -8138,7 +6456,7 @@
           <a:buFontTx/>
           <a:buNone/>
           <a:tabLst/>
-          <a:defRPr kumimoji="0" sz="1800" b="0" i="0" u="none" strike="noStrike" cap="none" spc="0" normalizeH="0" baseline="0">
+          <a:defRPr b="0" baseline="0" cap="none" i="0" spc="0" strike="noStrike" sz="1800" u="none" kumimoji="0" normalizeH="0">
             <a:ln>
               <a:noFill/>
             </a:ln>
@@ -8164,7 +6482,7 @@
           <a:buFontTx/>
           <a:buNone/>
           <a:tabLst/>
-          <a:defRPr kumimoji="0" sz="1800" b="0" i="0" u="none" strike="noStrike" cap="none" spc="0" normalizeH="0" baseline="0">
+          <a:defRPr b="0" baseline="0" cap="none" i="0" spc="0" strike="noStrike" sz="1800" u="none" kumimoji="0" normalizeH="0">
             <a:ln>
               <a:noFill/>
             </a:ln>
@@ -8190,7 +6508,7 @@
           <a:buFontTx/>
           <a:buNone/>
           <a:tabLst/>
-          <a:defRPr kumimoji="0" sz="1800" b="0" i="0" u="none" strike="noStrike" cap="none" spc="0" normalizeH="0" baseline="0">
+          <a:defRPr b="0" baseline="0" cap="none" i="0" spc="0" strike="noStrike" sz="1800" u="none" kumimoji="0" normalizeH="0">
             <a:ln>
               <a:noFill/>
             </a:ln>
@@ -8203,25 +6521,18 @@
         </a:lvl9pPr>
       </a:lstStyle>
       <a:style>
-        <a:lnRef idx="0">
-          <a:scrgbClr r="0" g="0" b="0"/>
-        </a:lnRef>
-        <a:fillRef idx="0">
-          <a:scrgbClr r="0" g="0" b="0"/>
-        </a:fillRef>
-        <a:effectRef idx="0">
-          <a:scrgbClr r="0" g="0" b="0"/>
-        </a:effectRef>
+        <a:lnRef idx="0"/>
+        <a:fillRef idx="0"/>
+        <a:effectRef idx="0"/>
         <a:fontRef idx="none"/>
       </a:style>
     </a:txDef>
   </a:objectDefaults>
-  <a:extraClrSchemeLst/>
 </a:theme>
 </file>
 
 <file path=ppt/theme/theme2.xml><?xml version="1.0" encoding="utf-8"?>
-<a:theme xmlns:a="http://schemas.openxmlformats.org/drawingml/2006/main" name="Showroom">
+<a:theme xmlns:a="http://schemas.openxmlformats.org/drawingml/2006/main" xmlns:r="http://schemas.openxmlformats.org/officeDocument/2006/relationships" name="Showroom">
   <a:themeElements>
     <a:clrScheme name="Showroom">
       <a:dk1>
@@ -8231,10 +6542,10 @@
         <a:srgbClr val="FFFFFF"/>
       </a:lt1>
       <a:dk2>
-        <a:srgbClr val="5A5F5E"/>
+        <a:srgbClr val="A7A7A7"/>
       </a:dk2>
       <a:lt2>
-        <a:srgbClr val="B4B4B4"/>
+        <a:srgbClr val="535353"/>
       </a:lt2>
       <a:accent1>
         <a:srgbClr val="78AAB3"/>
@@ -8263,14 +6574,14 @@
     </a:clrScheme>
     <a:fontScheme name="Showroom">
       <a:majorFont>
-        <a:latin typeface="Gill Sans Light"/>
-        <a:ea typeface="Gill Sans Light"/>
-        <a:cs typeface="Gill Sans Light"/>
+        <a:latin typeface="Helvetica Neue"/>
+        <a:ea typeface="Helvetica Neue"/>
+        <a:cs typeface="Helvetica Neue"/>
       </a:majorFont>
       <a:minorFont>
-        <a:latin typeface="Gill Sans Light"/>
-        <a:ea typeface="Gill Sans Light"/>
-        <a:cs typeface="Gill Sans Light"/>
+        <a:latin typeface="Helvetica"/>
+        <a:ea typeface="Helvetica"/>
+        <a:cs typeface="Helvetica"/>
       </a:minorFont>
     </a:fontScheme>
     <a:fmtScheme name="Showroom">
@@ -8411,16 +6722,19 @@
     <a:spDef>
       <a:spPr>
         <a:solidFill>
-          <a:srgbClr val="808785"/>
+          <a:srgbClr val="340053"/>
         </a:solidFill>
-        <a:ln w="12700" cap="flat">
-          <a:noFill/>
-          <a:miter lim="400000"/>
+        <a:ln w="25400" cap="flat">
+          <a:solidFill>
+            <a:schemeClr val="accent1"/>
+          </a:solidFill>
+          <a:prstDash val="solid"/>
+          <a:round/>
         </a:ln>
         <a:effectLst/>
         <a:sp3d/>
       </a:spPr>
-      <a:bodyPr rot="0" spcFirstLastPara="1" vertOverflow="overflow" horzOverflow="overflow" vert="horz" wrap="square" lIns="50800" tIns="50800" rIns="50800" bIns="50800" numCol="1" spcCol="38100" rtlCol="0" anchor="ctr">
+      <a:bodyPr rot="0" spcFirstLastPara="1" vertOverflow="overflow" horzOverflow="overflow" vert="horz" wrap="square" lIns="50800" tIns="50800" rIns="50800" bIns="50800" numCol="1" spcCol="38100" rtlCol="0" anchor="ctr" upright="0">
         <a:spAutoFit/>
       </a:bodyPr>
       <a:lstStyle>
@@ -8439,18 +6753,18 @@
           <a:buFontTx/>
           <a:buNone/>
           <a:tabLst/>
-          <a:defRPr kumimoji="0" sz="5000" b="0" i="0" u="none" strike="noStrike" cap="none" spc="0" normalizeH="0" baseline="0">
+          <a:defRPr b="0" baseline="0" cap="none" i="0" spc="0" strike="noStrike" sz="5000" u="none" kumimoji="0" normalizeH="0">
             <a:ln>
               <a:noFill/>
             </a:ln>
             <a:solidFill>
-              <a:srgbClr val="FFFFFF"/>
+              <a:srgbClr val="535353"/>
             </a:solidFill>
             <a:effectLst/>
             <a:uFillTx/>
-            <a:latin typeface="+mn-lt"/>
-            <a:ea typeface="+mn-ea"/>
-            <a:cs typeface="+mn-cs"/>
+            <a:latin typeface="Gill Sans Light"/>
+            <a:ea typeface="Gill Sans Light"/>
+            <a:cs typeface="Gill Sans Light"/>
             <a:sym typeface="Gill Sans Light"/>
           </a:defRPr>
         </a:defPPr>
@@ -8469,7 +6783,7 @@
           <a:buFontTx/>
           <a:buNone/>
           <a:tabLst/>
-          <a:defRPr kumimoji="0" sz="1800" b="0" i="0" u="none" strike="noStrike" cap="none" spc="0" normalizeH="0" baseline="0">
+          <a:defRPr b="0" baseline="0" cap="none" i="0" spc="0" strike="noStrike" sz="1800" u="none" kumimoji="0" normalizeH="0">
             <a:ln>
               <a:noFill/>
             </a:ln>
@@ -8495,7 +6809,7 @@
           <a:buFontTx/>
           <a:buNone/>
           <a:tabLst/>
-          <a:defRPr kumimoji="0" sz="1800" b="0" i="0" u="none" strike="noStrike" cap="none" spc="0" normalizeH="0" baseline="0">
+          <a:defRPr b="0" baseline="0" cap="none" i="0" spc="0" strike="noStrike" sz="1800" u="none" kumimoji="0" normalizeH="0">
             <a:ln>
               <a:noFill/>
             </a:ln>
@@ -8521,7 +6835,7 @@
           <a:buFontTx/>
           <a:buNone/>
           <a:tabLst/>
-          <a:defRPr kumimoji="0" sz="1800" b="0" i="0" u="none" strike="noStrike" cap="none" spc="0" normalizeH="0" baseline="0">
+          <a:defRPr b="0" baseline="0" cap="none" i="0" spc="0" strike="noStrike" sz="1800" u="none" kumimoji="0" normalizeH="0">
             <a:ln>
               <a:noFill/>
             </a:ln>
@@ -8547,7 +6861,7 @@
           <a:buFontTx/>
           <a:buNone/>
           <a:tabLst/>
-          <a:defRPr kumimoji="0" sz="1800" b="0" i="0" u="none" strike="noStrike" cap="none" spc="0" normalizeH="0" baseline="0">
+          <a:defRPr b="0" baseline="0" cap="none" i="0" spc="0" strike="noStrike" sz="1800" u="none" kumimoji="0" normalizeH="0">
             <a:ln>
               <a:noFill/>
             </a:ln>
@@ -8573,7 +6887,7 @@
           <a:buFontTx/>
           <a:buNone/>
           <a:tabLst/>
-          <a:defRPr kumimoji="0" sz="1800" b="0" i="0" u="none" strike="noStrike" cap="none" spc="0" normalizeH="0" baseline="0">
+          <a:defRPr b="0" baseline="0" cap="none" i="0" spc="0" strike="noStrike" sz="1800" u="none" kumimoji="0" normalizeH="0">
             <a:ln>
               <a:noFill/>
             </a:ln>
@@ -8599,7 +6913,7 @@
           <a:buFontTx/>
           <a:buNone/>
           <a:tabLst/>
-          <a:defRPr kumimoji="0" sz="1800" b="0" i="0" u="none" strike="noStrike" cap="none" spc="0" normalizeH="0" baseline="0">
+          <a:defRPr b="0" baseline="0" cap="none" i="0" spc="0" strike="noStrike" sz="1800" u="none" kumimoji="0" normalizeH="0">
             <a:ln>
               <a:noFill/>
             </a:ln>
@@ -8625,7 +6939,7 @@
           <a:buFontTx/>
           <a:buNone/>
           <a:tabLst/>
-          <a:defRPr kumimoji="0" sz="1800" b="0" i="0" u="none" strike="noStrike" cap="none" spc="0" normalizeH="0" baseline="0">
+          <a:defRPr b="0" baseline="0" cap="none" i="0" spc="0" strike="noStrike" sz="1800" u="none" kumimoji="0" normalizeH="0">
             <a:ln>
               <a:noFill/>
             </a:ln>
@@ -8651,7 +6965,7 @@
           <a:buFontTx/>
           <a:buNone/>
           <a:tabLst/>
-          <a:defRPr kumimoji="0" sz="1800" b="0" i="0" u="none" strike="noStrike" cap="none" spc="0" normalizeH="0" baseline="0">
+          <a:defRPr b="0" baseline="0" cap="none" i="0" spc="0" strike="noStrike" sz="1800" u="none" kumimoji="0" normalizeH="0">
             <a:ln>
               <a:noFill/>
             </a:ln>
@@ -8677,7 +6991,7 @@
           <a:buFontTx/>
           <a:buNone/>
           <a:tabLst/>
-          <a:defRPr kumimoji="0" sz="1800" b="0" i="0" u="none" strike="noStrike" cap="none" spc="0" normalizeH="0" baseline="0">
+          <a:defRPr b="0" baseline="0" cap="none" i="0" spc="0" strike="noStrike" sz="1800" u="none" kumimoji="0" normalizeH="0">
             <a:ln>
               <a:noFill/>
             </a:ln>
@@ -8690,15 +7004,9 @@
         </a:lvl9pPr>
       </a:lstStyle>
       <a:style>
-        <a:lnRef idx="0">
-          <a:scrgbClr r="0" g="0" b="0"/>
-        </a:lnRef>
-        <a:fillRef idx="0">
-          <a:scrgbClr r="0" g="0" b="0"/>
-        </a:fillRef>
-        <a:effectRef idx="0">
-          <a:scrgbClr r="0" g="0" b="0"/>
-        </a:effectRef>
+        <a:lnRef idx="0"/>
+        <a:fillRef idx="0"/>
+        <a:effectRef idx="0"/>
         <a:fontRef idx="none"/>
       </a:style>
     </a:spDef>
@@ -8707,15 +7015,15 @@
         <a:noFill/>
         <a:ln w="25400" cap="flat">
           <a:solidFill>
-            <a:srgbClr val="5A5F5E"/>
+            <a:schemeClr val="accent1"/>
           </a:solidFill>
           <a:prstDash val="solid"/>
-          <a:miter lim="400000"/>
+          <a:round/>
         </a:ln>
         <a:effectLst/>
         <a:sp3d/>
       </a:spPr>
-      <a:bodyPr rot="0" spcFirstLastPara="1" vertOverflow="overflow" horzOverflow="overflow" vert="horz" wrap="square" lIns="91439" tIns="45719" rIns="91439" bIns="45719" numCol="1" spcCol="38100" rtlCol="0" anchor="t">
+      <a:bodyPr rot="0" spcFirstLastPara="1" vertOverflow="overflow" horzOverflow="overflow" vert="horz" wrap="square" lIns="91439" tIns="45719" rIns="91439" bIns="45719" numCol="1" spcCol="38100" rtlCol="0" anchor="t" upright="0">
         <a:noAutofit/>
       </a:bodyPr>
       <a:lstStyle>
@@ -8734,7 +7042,7 @@
           <a:buFontTx/>
           <a:buNone/>
           <a:tabLst/>
-          <a:defRPr kumimoji="0" sz="1800" b="0" i="0" u="none" strike="noStrike" cap="none" spc="0" normalizeH="0" baseline="0">
+          <a:defRPr b="0" baseline="0" cap="none" i="0" spc="0" strike="noStrike" sz="1800" u="none" kumimoji="0" normalizeH="0">
             <a:ln>
               <a:noFill/>
             </a:ln>
@@ -8760,7 +7068,7 @@
           <a:buFontTx/>
           <a:buNone/>
           <a:tabLst/>
-          <a:defRPr kumimoji="0" sz="1800" b="0" i="0" u="none" strike="noStrike" cap="none" spc="0" normalizeH="0" baseline="0">
+          <a:defRPr b="0" baseline="0" cap="none" i="0" spc="0" strike="noStrike" sz="1800" u="none" kumimoji="0" normalizeH="0">
             <a:ln>
               <a:noFill/>
             </a:ln>
@@ -8786,7 +7094,7 @@
           <a:buFontTx/>
           <a:buNone/>
           <a:tabLst/>
-          <a:defRPr kumimoji="0" sz="1800" b="0" i="0" u="none" strike="noStrike" cap="none" spc="0" normalizeH="0" baseline="0">
+          <a:defRPr b="0" baseline="0" cap="none" i="0" spc="0" strike="noStrike" sz="1800" u="none" kumimoji="0" normalizeH="0">
             <a:ln>
               <a:noFill/>
             </a:ln>
@@ -8812,7 +7120,7 @@
           <a:buFontTx/>
           <a:buNone/>
           <a:tabLst/>
-          <a:defRPr kumimoji="0" sz="1800" b="0" i="0" u="none" strike="noStrike" cap="none" spc="0" normalizeH="0" baseline="0">
+          <a:defRPr b="0" baseline="0" cap="none" i="0" spc="0" strike="noStrike" sz="1800" u="none" kumimoji="0" normalizeH="0">
             <a:ln>
               <a:noFill/>
             </a:ln>
@@ -8838,7 +7146,7 @@
           <a:buFontTx/>
           <a:buNone/>
           <a:tabLst/>
-          <a:defRPr kumimoji="0" sz="1800" b="0" i="0" u="none" strike="noStrike" cap="none" spc="0" normalizeH="0" baseline="0">
+          <a:defRPr b="0" baseline="0" cap="none" i="0" spc="0" strike="noStrike" sz="1800" u="none" kumimoji="0" normalizeH="0">
             <a:ln>
               <a:noFill/>
             </a:ln>
@@ -8864,7 +7172,7 @@
           <a:buFontTx/>
           <a:buNone/>
           <a:tabLst/>
-          <a:defRPr kumimoji="0" sz="1800" b="0" i="0" u="none" strike="noStrike" cap="none" spc="0" normalizeH="0" baseline="0">
+          <a:defRPr b="0" baseline="0" cap="none" i="0" spc="0" strike="noStrike" sz="1800" u="none" kumimoji="0" normalizeH="0">
             <a:ln>
               <a:noFill/>
             </a:ln>
@@ -8890,7 +7198,7 @@
           <a:buFontTx/>
           <a:buNone/>
           <a:tabLst/>
-          <a:defRPr kumimoji="0" sz="1800" b="0" i="0" u="none" strike="noStrike" cap="none" spc="0" normalizeH="0" baseline="0">
+          <a:defRPr b="0" baseline="0" cap="none" i="0" spc="0" strike="noStrike" sz="1800" u="none" kumimoji="0" normalizeH="0">
             <a:ln>
               <a:noFill/>
             </a:ln>
@@ -8916,7 +7224,7 @@
           <a:buFontTx/>
           <a:buNone/>
           <a:tabLst/>
-          <a:defRPr kumimoji="0" sz="1800" b="0" i="0" u="none" strike="noStrike" cap="none" spc="0" normalizeH="0" baseline="0">
+          <a:defRPr b="0" baseline="0" cap="none" i="0" spc="0" strike="noStrike" sz="1800" u="none" kumimoji="0" normalizeH="0">
             <a:ln>
               <a:noFill/>
             </a:ln>
@@ -8942,7 +7250,7 @@
           <a:buFontTx/>
           <a:buNone/>
           <a:tabLst/>
-          <a:defRPr kumimoji="0" sz="1800" b="0" i="0" u="none" strike="noStrike" cap="none" spc="0" normalizeH="0" baseline="0">
+          <a:defRPr b="0" baseline="0" cap="none" i="0" spc="0" strike="noStrike" sz="1800" u="none" kumimoji="0" normalizeH="0">
             <a:ln>
               <a:noFill/>
             </a:ln>
@@ -8968,7 +7276,7 @@
           <a:buFontTx/>
           <a:buNone/>
           <a:tabLst/>
-          <a:defRPr kumimoji="0" sz="1800" b="0" i="0" u="none" strike="noStrike" cap="none" spc="0" normalizeH="0" baseline="0">
+          <a:defRPr b="0" baseline="0" cap="none" i="0" spc="0" strike="noStrike" sz="1800" u="none" kumimoji="0" normalizeH="0">
             <a:ln>
               <a:noFill/>
             </a:ln>
@@ -8981,15 +7289,9 @@
         </a:lvl9pPr>
       </a:lstStyle>
       <a:style>
-        <a:lnRef idx="0">
-          <a:scrgbClr r="0" g="0" b="0"/>
-        </a:lnRef>
-        <a:fillRef idx="0">
-          <a:scrgbClr r="0" g="0" b="0"/>
-        </a:fillRef>
-        <a:effectRef idx="0">
-          <a:scrgbClr r="0" g="0" b="0"/>
-        </a:effectRef>
+        <a:lnRef idx="0"/>
+        <a:fillRef idx="0"/>
+        <a:effectRef idx="0"/>
         <a:fontRef idx="none"/>
       </a:style>
     </a:lnDef>
@@ -9003,7 +7305,7 @@
         <a:effectLst/>
         <a:sp3d/>
       </a:spPr>
-      <a:bodyPr rot="0" spcFirstLastPara="1" vertOverflow="overflow" horzOverflow="overflow" vert="horz" wrap="square" lIns="50800" tIns="50800" rIns="50800" bIns="50800" numCol="1" spcCol="38100" rtlCol="0" anchor="ctr">
+      <a:bodyPr rot="0" spcFirstLastPara="1" vertOverflow="overflow" horzOverflow="overflow" vert="horz" wrap="square" lIns="50800" tIns="50800" rIns="50800" bIns="50800" numCol="1" spcCol="38100" rtlCol="0" anchor="ctr" upright="0">
         <a:spAutoFit/>
       </a:bodyPr>
       <a:lstStyle>
@@ -9022,7 +7324,7 @@
           <a:buFontTx/>
           <a:buNone/>
           <a:tabLst/>
-          <a:defRPr kumimoji="0" sz="5000" b="0" i="0" u="none" strike="noStrike" cap="none" spc="0" normalizeH="0" baseline="0">
+          <a:defRPr b="0" baseline="0" cap="none" i="0" spc="0" strike="noStrike" sz="5000" u="none" kumimoji="0" normalizeH="0">
             <a:ln>
               <a:noFill/>
             </a:ln>
@@ -9031,9 +7333,9 @@
             </a:solidFill>
             <a:effectLst/>
             <a:uFillTx/>
-            <a:latin typeface="+mn-lt"/>
-            <a:ea typeface="+mn-ea"/>
-            <a:cs typeface="+mn-cs"/>
+            <a:latin typeface="Gill Sans Light"/>
+            <a:ea typeface="Gill Sans Light"/>
+            <a:cs typeface="Gill Sans Light"/>
             <a:sym typeface="Gill Sans Light"/>
           </a:defRPr>
         </a:defPPr>
@@ -9052,7 +7354,7 @@
           <a:buFontTx/>
           <a:buNone/>
           <a:tabLst/>
-          <a:defRPr kumimoji="0" sz="1800" b="0" i="0" u="none" strike="noStrike" cap="none" spc="0" normalizeH="0" baseline="0">
+          <a:defRPr b="0" baseline="0" cap="none" i="0" spc="0" strike="noStrike" sz="1800" u="none" kumimoji="0" normalizeH="0">
             <a:ln>
               <a:noFill/>
             </a:ln>
@@ -9078,7 +7380,7 @@
           <a:buFontTx/>
           <a:buNone/>
           <a:tabLst/>
-          <a:defRPr kumimoji="0" sz="1800" b="0" i="0" u="none" strike="noStrike" cap="none" spc="0" normalizeH="0" baseline="0">
+          <a:defRPr b="0" baseline="0" cap="none" i="0" spc="0" strike="noStrike" sz="1800" u="none" kumimoji="0" normalizeH="0">
             <a:ln>
               <a:noFill/>
             </a:ln>
@@ -9104,7 +7406,7 @@
           <a:buFontTx/>
           <a:buNone/>
           <a:tabLst/>
-          <a:defRPr kumimoji="0" sz="1800" b="0" i="0" u="none" strike="noStrike" cap="none" spc="0" normalizeH="0" baseline="0">
+          <a:defRPr b="0" baseline="0" cap="none" i="0" spc="0" strike="noStrike" sz="1800" u="none" kumimoji="0" normalizeH="0">
             <a:ln>
               <a:noFill/>
             </a:ln>
@@ -9130,7 +7432,7 @@
           <a:buFontTx/>
           <a:buNone/>
           <a:tabLst/>
-          <a:defRPr kumimoji="0" sz="1800" b="0" i="0" u="none" strike="noStrike" cap="none" spc="0" normalizeH="0" baseline="0">
+          <a:defRPr b="0" baseline="0" cap="none" i="0" spc="0" strike="noStrike" sz="1800" u="none" kumimoji="0" normalizeH="0">
             <a:ln>
               <a:noFill/>
             </a:ln>
@@ -9156,7 +7458,7 @@
           <a:buFontTx/>
           <a:buNone/>
           <a:tabLst/>
-          <a:defRPr kumimoji="0" sz="1800" b="0" i="0" u="none" strike="noStrike" cap="none" spc="0" normalizeH="0" baseline="0">
+          <a:defRPr b="0" baseline="0" cap="none" i="0" spc="0" strike="noStrike" sz="1800" u="none" kumimoji="0" normalizeH="0">
             <a:ln>
               <a:noFill/>
             </a:ln>
@@ -9182,7 +7484,7 @@
           <a:buFontTx/>
           <a:buNone/>
           <a:tabLst/>
-          <a:defRPr kumimoji="0" sz="1800" b="0" i="0" u="none" strike="noStrike" cap="none" spc="0" normalizeH="0" baseline="0">
+          <a:defRPr b="0" baseline="0" cap="none" i="0" spc="0" strike="noStrike" sz="1800" u="none" kumimoji="0" normalizeH="0">
             <a:ln>
               <a:noFill/>
             </a:ln>
@@ -9208,7 +7510,7 @@
           <a:buFontTx/>
           <a:buNone/>
           <a:tabLst/>
-          <a:defRPr kumimoji="0" sz="1800" b="0" i="0" u="none" strike="noStrike" cap="none" spc="0" normalizeH="0" baseline="0">
+          <a:defRPr b="0" baseline="0" cap="none" i="0" spc="0" strike="noStrike" sz="1800" u="none" kumimoji="0" normalizeH="0">
             <a:ln>
               <a:noFill/>
             </a:ln>
@@ -9234,7 +7536,7 @@
           <a:buFontTx/>
           <a:buNone/>
           <a:tabLst/>
-          <a:defRPr kumimoji="0" sz="1800" b="0" i="0" u="none" strike="noStrike" cap="none" spc="0" normalizeH="0" baseline="0">
+          <a:defRPr b="0" baseline="0" cap="none" i="0" spc="0" strike="noStrike" sz="1800" u="none" kumimoji="0" normalizeH="0">
             <a:ln>
               <a:noFill/>
             </a:ln>
@@ -9260,7 +7562,7 @@
           <a:buFontTx/>
           <a:buNone/>
           <a:tabLst/>
-          <a:defRPr kumimoji="0" sz="1800" b="0" i="0" u="none" strike="noStrike" cap="none" spc="0" normalizeH="0" baseline="0">
+          <a:defRPr b="0" baseline="0" cap="none" i="0" spc="0" strike="noStrike" sz="1800" u="none" kumimoji="0" normalizeH="0">
             <a:ln>
               <a:noFill/>
             </a:ln>
@@ -9273,19 +7575,12 @@
         </a:lvl9pPr>
       </a:lstStyle>
       <a:style>
-        <a:lnRef idx="0">
-          <a:scrgbClr r="0" g="0" b="0"/>
-        </a:lnRef>
-        <a:fillRef idx="0">
-          <a:scrgbClr r="0" g="0" b="0"/>
-        </a:fillRef>
-        <a:effectRef idx="0">
-          <a:scrgbClr r="0" g="0" b="0"/>
-        </a:effectRef>
+        <a:lnRef idx="0"/>
+        <a:fillRef idx="0"/>
+        <a:effectRef idx="0"/>
         <a:fontRef idx="none"/>
       </a:style>
     </a:txDef>
   </a:objectDefaults>
-  <a:extraClrSchemeLst/>
 </a:theme>
 </file>